--- a/rocnikova praca prezentacia partl.pptx
+++ b/rocnikova praca prezentacia partl.pptx
@@ -5,19 +5,20 @@
     <p:sldMasterId id="2147483648" r:id="rId1"/>
   </p:sldMasterIdLst>
   <p:notesMasterIdLst>
-    <p:notesMasterId r:id="rId12"/>
+    <p:notesMasterId r:id="rId13"/>
   </p:notesMasterIdLst>
   <p:sldIdLst>
     <p:sldId id="256" r:id="rId2"/>
     <p:sldId id="257" r:id="rId3"/>
-    <p:sldId id="258" r:id="rId4"/>
-    <p:sldId id="259" r:id="rId5"/>
-    <p:sldId id="260" r:id="rId6"/>
-    <p:sldId id="261" r:id="rId7"/>
-    <p:sldId id="264" r:id="rId8"/>
-    <p:sldId id="265" r:id="rId9"/>
-    <p:sldId id="262" r:id="rId10"/>
-    <p:sldId id="263" r:id="rId11"/>
+    <p:sldId id="266" r:id="rId4"/>
+    <p:sldId id="258" r:id="rId5"/>
+    <p:sldId id="259" r:id="rId6"/>
+    <p:sldId id="260" r:id="rId7"/>
+    <p:sldId id="261" r:id="rId8"/>
+    <p:sldId id="264" r:id="rId9"/>
+    <p:sldId id="265" r:id="rId10"/>
+    <p:sldId id="262" r:id="rId11"/>
+    <p:sldId id="263" r:id="rId12"/>
   </p:sldIdLst>
   <p:sldSz cx="12192000" cy="6858000"/>
   <p:notesSz cx="6858000" cy="9144000"/>
@@ -122,6 +123,6290 @@
     </p:ext>
   </p:extLst>
 </p:presentation>
+</file>
+
+<file path=ppt/diagrams/colors1.xml><?xml version="1.0" encoding="utf-8"?>
+<dgm:colorsDef xmlns:dgm="http://schemas.openxmlformats.org/drawingml/2006/diagram" xmlns:a="http://schemas.openxmlformats.org/drawingml/2006/main" uniqueId="urn:microsoft.com/office/officeart/2005/8/colors/accent1_2">
+  <dgm:title val=""/>
+  <dgm:desc val=""/>
+  <dgm:catLst>
+    <dgm:cat type="accent1" pri="11200"/>
+  </dgm:catLst>
+  <dgm:styleLbl name="node0">
+    <dgm:fillClrLst meth="repeat">
+      <a:schemeClr val="accent1"/>
+    </dgm:fillClrLst>
+    <dgm:linClrLst meth="repeat">
+      <a:schemeClr val="lt1"/>
+    </dgm:linClrLst>
+    <dgm:effectClrLst/>
+    <dgm:txLinClrLst/>
+    <dgm:txFillClrLst/>
+    <dgm:txEffectClrLst/>
+  </dgm:styleLbl>
+  <dgm:styleLbl name="alignNode1">
+    <dgm:fillClrLst meth="repeat">
+      <a:schemeClr val="accent1"/>
+    </dgm:fillClrLst>
+    <dgm:linClrLst meth="repeat">
+      <a:schemeClr val="accent1"/>
+    </dgm:linClrLst>
+    <dgm:effectClrLst/>
+    <dgm:txLinClrLst/>
+    <dgm:txFillClrLst/>
+    <dgm:txEffectClrLst/>
+  </dgm:styleLbl>
+  <dgm:styleLbl name="node1">
+    <dgm:fillClrLst meth="repeat">
+      <a:schemeClr val="accent1"/>
+    </dgm:fillClrLst>
+    <dgm:linClrLst meth="repeat">
+      <a:schemeClr val="lt1"/>
+    </dgm:linClrLst>
+    <dgm:effectClrLst/>
+    <dgm:txLinClrLst/>
+    <dgm:txFillClrLst/>
+    <dgm:txEffectClrLst/>
+  </dgm:styleLbl>
+  <dgm:styleLbl name="lnNode1">
+    <dgm:fillClrLst meth="repeat">
+      <a:schemeClr val="accent1"/>
+    </dgm:fillClrLst>
+    <dgm:linClrLst meth="repeat">
+      <a:schemeClr val="lt1"/>
+    </dgm:linClrLst>
+    <dgm:effectClrLst/>
+    <dgm:txLinClrLst/>
+    <dgm:txFillClrLst/>
+    <dgm:txEffectClrLst/>
+  </dgm:styleLbl>
+  <dgm:styleLbl name="vennNode1">
+    <dgm:fillClrLst meth="repeat">
+      <a:schemeClr val="accent1">
+        <a:alpha val="50000"/>
+      </a:schemeClr>
+    </dgm:fillClrLst>
+    <dgm:linClrLst meth="repeat">
+      <a:schemeClr val="lt1"/>
+    </dgm:linClrLst>
+    <dgm:effectClrLst/>
+    <dgm:txLinClrLst/>
+    <dgm:txFillClrLst/>
+    <dgm:txEffectClrLst/>
+  </dgm:styleLbl>
+  <dgm:styleLbl name="node2">
+    <dgm:fillClrLst meth="repeat">
+      <a:schemeClr val="accent1"/>
+    </dgm:fillClrLst>
+    <dgm:linClrLst meth="repeat">
+      <a:schemeClr val="lt1"/>
+    </dgm:linClrLst>
+    <dgm:effectClrLst/>
+    <dgm:txLinClrLst/>
+    <dgm:txFillClrLst/>
+    <dgm:txEffectClrLst/>
+  </dgm:styleLbl>
+  <dgm:styleLbl name="node3">
+    <dgm:fillClrLst meth="repeat">
+      <a:schemeClr val="accent1"/>
+    </dgm:fillClrLst>
+    <dgm:linClrLst meth="repeat">
+      <a:schemeClr val="lt1"/>
+    </dgm:linClrLst>
+    <dgm:effectClrLst/>
+    <dgm:txLinClrLst/>
+    <dgm:txFillClrLst/>
+    <dgm:txEffectClrLst/>
+  </dgm:styleLbl>
+  <dgm:styleLbl name="node4">
+    <dgm:fillClrLst meth="repeat">
+      <a:schemeClr val="accent1"/>
+    </dgm:fillClrLst>
+    <dgm:linClrLst meth="repeat">
+      <a:schemeClr val="lt1"/>
+    </dgm:linClrLst>
+    <dgm:effectClrLst/>
+    <dgm:txLinClrLst/>
+    <dgm:txFillClrLst/>
+    <dgm:txEffectClrLst/>
+  </dgm:styleLbl>
+  <dgm:styleLbl name="fgImgPlace1">
+    <dgm:fillClrLst meth="repeat">
+      <a:schemeClr val="accent1">
+        <a:tint val="50000"/>
+      </a:schemeClr>
+    </dgm:fillClrLst>
+    <dgm:linClrLst meth="repeat">
+      <a:schemeClr val="lt1"/>
+    </dgm:linClrLst>
+    <dgm:effectClrLst/>
+    <dgm:txLinClrLst/>
+    <dgm:txFillClrLst meth="repeat">
+      <a:schemeClr val="lt1"/>
+    </dgm:txFillClrLst>
+    <dgm:txEffectClrLst/>
+  </dgm:styleLbl>
+  <dgm:styleLbl name="alignImgPlace1">
+    <dgm:fillClrLst meth="repeat">
+      <a:schemeClr val="accent1">
+        <a:tint val="50000"/>
+      </a:schemeClr>
+    </dgm:fillClrLst>
+    <dgm:linClrLst meth="repeat">
+      <a:schemeClr val="lt1"/>
+    </dgm:linClrLst>
+    <dgm:effectClrLst/>
+    <dgm:txLinClrLst/>
+    <dgm:txFillClrLst meth="repeat">
+      <a:schemeClr val="lt1"/>
+    </dgm:txFillClrLst>
+    <dgm:txEffectClrLst/>
+  </dgm:styleLbl>
+  <dgm:styleLbl name="bgImgPlace1">
+    <dgm:fillClrLst meth="repeat">
+      <a:schemeClr val="accent1">
+        <a:tint val="50000"/>
+      </a:schemeClr>
+    </dgm:fillClrLst>
+    <dgm:linClrLst meth="repeat">
+      <a:schemeClr val="lt1"/>
+    </dgm:linClrLst>
+    <dgm:effectClrLst/>
+    <dgm:txLinClrLst/>
+    <dgm:txFillClrLst meth="repeat">
+      <a:schemeClr val="lt1"/>
+    </dgm:txFillClrLst>
+    <dgm:txEffectClrLst/>
+  </dgm:styleLbl>
+  <dgm:styleLbl name="sibTrans2D1">
+    <dgm:fillClrLst meth="repeat">
+      <a:schemeClr val="accent1">
+        <a:tint val="60000"/>
+      </a:schemeClr>
+    </dgm:fillClrLst>
+    <dgm:linClrLst meth="repeat">
+      <a:schemeClr val="accent1">
+        <a:tint val="60000"/>
+      </a:schemeClr>
+    </dgm:linClrLst>
+    <dgm:effectClrLst/>
+    <dgm:txLinClrLst/>
+    <dgm:txFillClrLst/>
+    <dgm:txEffectClrLst/>
+  </dgm:styleLbl>
+  <dgm:styleLbl name="fgSibTrans2D1">
+    <dgm:fillClrLst meth="repeat">
+      <a:schemeClr val="accent1">
+        <a:tint val="60000"/>
+      </a:schemeClr>
+    </dgm:fillClrLst>
+    <dgm:linClrLst meth="repeat">
+      <a:schemeClr val="accent1">
+        <a:tint val="60000"/>
+      </a:schemeClr>
+    </dgm:linClrLst>
+    <dgm:effectClrLst/>
+    <dgm:txLinClrLst/>
+    <dgm:txFillClrLst/>
+    <dgm:txEffectClrLst/>
+  </dgm:styleLbl>
+  <dgm:styleLbl name="bgSibTrans2D1">
+    <dgm:fillClrLst meth="repeat">
+      <a:schemeClr val="accent1">
+        <a:tint val="60000"/>
+      </a:schemeClr>
+    </dgm:fillClrLst>
+    <dgm:linClrLst meth="repeat">
+      <a:schemeClr val="accent1">
+        <a:tint val="60000"/>
+      </a:schemeClr>
+    </dgm:linClrLst>
+    <dgm:effectClrLst/>
+    <dgm:txLinClrLst/>
+    <dgm:txFillClrLst/>
+    <dgm:txEffectClrLst/>
+  </dgm:styleLbl>
+  <dgm:styleLbl name="sibTrans1D1">
+    <dgm:fillClrLst meth="repeat">
+      <a:schemeClr val="accent1"/>
+    </dgm:fillClrLst>
+    <dgm:linClrLst meth="repeat">
+      <a:schemeClr val="accent1"/>
+    </dgm:linClrLst>
+    <dgm:effectClrLst/>
+    <dgm:txLinClrLst/>
+    <dgm:txFillClrLst meth="repeat">
+      <a:schemeClr val="tx1"/>
+    </dgm:txFillClrLst>
+    <dgm:txEffectClrLst/>
+  </dgm:styleLbl>
+  <dgm:styleLbl name="callout">
+    <dgm:fillClrLst meth="repeat">
+      <a:schemeClr val="accent1"/>
+    </dgm:fillClrLst>
+    <dgm:linClrLst meth="repeat">
+      <a:schemeClr val="accent1">
+        <a:tint val="50000"/>
+      </a:schemeClr>
+    </dgm:linClrLst>
+    <dgm:effectClrLst/>
+    <dgm:txLinClrLst/>
+    <dgm:txFillClrLst meth="repeat">
+      <a:schemeClr val="tx1"/>
+    </dgm:txFillClrLst>
+    <dgm:txEffectClrLst/>
+  </dgm:styleLbl>
+  <dgm:styleLbl name="asst0">
+    <dgm:fillClrLst meth="repeat">
+      <a:schemeClr val="accent1"/>
+    </dgm:fillClrLst>
+    <dgm:linClrLst meth="repeat">
+      <a:schemeClr val="lt1"/>
+    </dgm:linClrLst>
+    <dgm:effectClrLst/>
+    <dgm:txLinClrLst/>
+    <dgm:txFillClrLst/>
+    <dgm:txEffectClrLst/>
+  </dgm:styleLbl>
+  <dgm:styleLbl name="asst1">
+    <dgm:fillClrLst meth="repeat">
+      <a:schemeClr val="accent1"/>
+    </dgm:fillClrLst>
+    <dgm:linClrLst meth="repeat">
+      <a:schemeClr val="lt1"/>
+    </dgm:linClrLst>
+    <dgm:effectClrLst/>
+    <dgm:txLinClrLst/>
+    <dgm:txFillClrLst/>
+    <dgm:txEffectClrLst/>
+  </dgm:styleLbl>
+  <dgm:styleLbl name="asst2">
+    <dgm:fillClrLst meth="repeat">
+      <a:schemeClr val="accent1"/>
+    </dgm:fillClrLst>
+    <dgm:linClrLst meth="repeat">
+      <a:schemeClr val="lt1"/>
+    </dgm:linClrLst>
+    <dgm:effectClrLst/>
+    <dgm:txLinClrLst/>
+    <dgm:txFillClrLst/>
+    <dgm:txEffectClrLst/>
+  </dgm:styleLbl>
+  <dgm:styleLbl name="asst3">
+    <dgm:fillClrLst meth="repeat">
+      <a:schemeClr val="accent1"/>
+    </dgm:fillClrLst>
+    <dgm:linClrLst meth="repeat">
+      <a:schemeClr val="lt1"/>
+    </dgm:linClrLst>
+    <dgm:effectClrLst/>
+    <dgm:txLinClrLst/>
+    <dgm:txFillClrLst/>
+    <dgm:txEffectClrLst/>
+  </dgm:styleLbl>
+  <dgm:styleLbl name="asst4">
+    <dgm:fillClrLst meth="repeat">
+      <a:schemeClr val="accent1"/>
+    </dgm:fillClrLst>
+    <dgm:linClrLst meth="repeat">
+      <a:schemeClr val="lt1"/>
+    </dgm:linClrLst>
+    <dgm:effectClrLst/>
+    <dgm:txLinClrLst/>
+    <dgm:txFillClrLst/>
+    <dgm:txEffectClrLst/>
+  </dgm:styleLbl>
+  <dgm:styleLbl name="parChTrans2D1">
+    <dgm:fillClrLst meth="repeat">
+      <a:schemeClr val="accent1">
+        <a:tint val="60000"/>
+      </a:schemeClr>
+    </dgm:fillClrLst>
+    <dgm:linClrLst meth="repeat">
+      <a:schemeClr val="accent1">
+        <a:tint val="60000"/>
+      </a:schemeClr>
+    </dgm:linClrLst>
+    <dgm:effectClrLst/>
+    <dgm:txLinClrLst/>
+    <dgm:txFillClrLst meth="repeat">
+      <a:schemeClr val="lt1"/>
+    </dgm:txFillClrLst>
+    <dgm:txEffectClrLst/>
+  </dgm:styleLbl>
+  <dgm:styleLbl name="parChTrans2D2">
+    <dgm:fillClrLst meth="repeat">
+      <a:schemeClr val="accent1"/>
+    </dgm:fillClrLst>
+    <dgm:linClrLst meth="repeat">
+      <a:schemeClr val="accent1"/>
+    </dgm:linClrLst>
+    <dgm:effectClrLst/>
+    <dgm:txLinClrLst/>
+    <dgm:txFillClrLst meth="repeat">
+      <a:schemeClr val="lt1"/>
+    </dgm:txFillClrLst>
+    <dgm:txEffectClrLst/>
+  </dgm:styleLbl>
+  <dgm:styleLbl name="parChTrans2D3">
+    <dgm:fillClrLst meth="repeat">
+      <a:schemeClr val="accent1"/>
+    </dgm:fillClrLst>
+    <dgm:linClrLst meth="repeat">
+      <a:schemeClr val="accent1"/>
+    </dgm:linClrLst>
+    <dgm:effectClrLst/>
+    <dgm:txLinClrLst/>
+    <dgm:txFillClrLst meth="repeat">
+      <a:schemeClr val="lt1"/>
+    </dgm:txFillClrLst>
+    <dgm:txEffectClrLst/>
+  </dgm:styleLbl>
+  <dgm:styleLbl name="parChTrans2D4">
+    <dgm:fillClrLst meth="repeat">
+      <a:schemeClr val="accent1"/>
+    </dgm:fillClrLst>
+    <dgm:linClrLst meth="repeat">
+      <a:schemeClr val="accent1"/>
+    </dgm:linClrLst>
+    <dgm:effectClrLst/>
+    <dgm:txLinClrLst/>
+    <dgm:txFillClrLst meth="repeat">
+      <a:schemeClr val="lt1"/>
+    </dgm:txFillClrLst>
+    <dgm:txEffectClrLst/>
+  </dgm:styleLbl>
+  <dgm:styleLbl name="parChTrans1D1">
+    <dgm:fillClrLst meth="repeat">
+      <a:schemeClr val="accent1"/>
+    </dgm:fillClrLst>
+    <dgm:linClrLst meth="repeat">
+      <a:schemeClr val="accent1">
+        <a:shade val="60000"/>
+      </a:schemeClr>
+    </dgm:linClrLst>
+    <dgm:effectClrLst/>
+    <dgm:txLinClrLst/>
+    <dgm:txFillClrLst meth="repeat">
+      <a:schemeClr val="tx1"/>
+    </dgm:txFillClrLst>
+    <dgm:txEffectClrLst/>
+  </dgm:styleLbl>
+  <dgm:styleLbl name="parChTrans1D2">
+    <dgm:fillClrLst meth="repeat">
+      <a:schemeClr val="accent1"/>
+    </dgm:fillClrLst>
+    <dgm:linClrLst meth="repeat">
+      <a:schemeClr val="accent1">
+        <a:shade val="60000"/>
+      </a:schemeClr>
+    </dgm:linClrLst>
+    <dgm:effectClrLst/>
+    <dgm:txLinClrLst/>
+    <dgm:txFillClrLst meth="repeat">
+      <a:schemeClr val="tx1"/>
+    </dgm:txFillClrLst>
+    <dgm:txEffectClrLst/>
+  </dgm:styleLbl>
+  <dgm:styleLbl name="parChTrans1D3">
+    <dgm:fillClrLst meth="repeat">
+      <a:schemeClr val="accent1"/>
+    </dgm:fillClrLst>
+    <dgm:linClrLst meth="repeat">
+      <a:schemeClr val="accent1">
+        <a:shade val="80000"/>
+      </a:schemeClr>
+    </dgm:linClrLst>
+    <dgm:effectClrLst/>
+    <dgm:txLinClrLst/>
+    <dgm:txFillClrLst meth="repeat">
+      <a:schemeClr val="tx1"/>
+    </dgm:txFillClrLst>
+    <dgm:txEffectClrLst/>
+  </dgm:styleLbl>
+  <dgm:styleLbl name="parChTrans1D4">
+    <dgm:fillClrLst meth="repeat">
+      <a:schemeClr val="accent1"/>
+    </dgm:fillClrLst>
+    <dgm:linClrLst meth="repeat">
+      <a:schemeClr val="accent1">
+        <a:shade val="80000"/>
+      </a:schemeClr>
+    </dgm:linClrLst>
+    <dgm:effectClrLst/>
+    <dgm:txLinClrLst/>
+    <dgm:txFillClrLst meth="repeat">
+      <a:schemeClr val="tx1"/>
+    </dgm:txFillClrLst>
+    <dgm:txEffectClrLst/>
+  </dgm:styleLbl>
+  <dgm:styleLbl name="fgAcc1">
+    <dgm:fillClrLst meth="repeat">
+      <a:schemeClr val="lt1">
+        <a:alpha val="90000"/>
+      </a:schemeClr>
+    </dgm:fillClrLst>
+    <dgm:linClrLst meth="repeat">
+      <a:schemeClr val="accent1"/>
+    </dgm:linClrLst>
+    <dgm:effectClrLst/>
+    <dgm:txLinClrLst/>
+    <dgm:txFillClrLst meth="repeat">
+      <a:schemeClr val="dk1"/>
+    </dgm:txFillClrLst>
+    <dgm:txEffectClrLst/>
+  </dgm:styleLbl>
+  <dgm:styleLbl name="conFgAcc1">
+    <dgm:fillClrLst meth="repeat">
+      <a:schemeClr val="lt1">
+        <a:alpha val="90000"/>
+      </a:schemeClr>
+    </dgm:fillClrLst>
+    <dgm:linClrLst meth="repeat">
+      <a:schemeClr val="accent1"/>
+    </dgm:linClrLst>
+    <dgm:effectClrLst/>
+    <dgm:txLinClrLst/>
+    <dgm:txFillClrLst meth="repeat">
+      <a:schemeClr val="dk1"/>
+    </dgm:txFillClrLst>
+    <dgm:txEffectClrLst/>
+  </dgm:styleLbl>
+  <dgm:styleLbl name="alignAcc1">
+    <dgm:fillClrLst meth="repeat">
+      <a:schemeClr val="lt1">
+        <a:alpha val="90000"/>
+      </a:schemeClr>
+    </dgm:fillClrLst>
+    <dgm:linClrLst meth="repeat">
+      <a:schemeClr val="accent1"/>
+    </dgm:linClrLst>
+    <dgm:effectClrLst/>
+    <dgm:txLinClrLst/>
+    <dgm:txFillClrLst meth="repeat">
+      <a:schemeClr val="dk1"/>
+    </dgm:txFillClrLst>
+    <dgm:txEffectClrLst/>
+  </dgm:styleLbl>
+  <dgm:styleLbl name="trAlignAcc1">
+    <dgm:fillClrLst meth="repeat">
+      <a:schemeClr val="lt1">
+        <a:alpha val="40000"/>
+      </a:schemeClr>
+    </dgm:fillClrLst>
+    <dgm:linClrLst meth="repeat">
+      <a:schemeClr val="accent1"/>
+    </dgm:linClrLst>
+    <dgm:effectClrLst/>
+    <dgm:txLinClrLst/>
+    <dgm:txFillClrLst meth="repeat">
+      <a:schemeClr val="dk1"/>
+    </dgm:txFillClrLst>
+    <dgm:txEffectClrLst/>
+  </dgm:styleLbl>
+  <dgm:styleLbl name="bgAcc1">
+    <dgm:fillClrLst meth="repeat">
+      <a:schemeClr val="lt1">
+        <a:alpha val="90000"/>
+      </a:schemeClr>
+    </dgm:fillClrLst>
+    <dgm:linClrLst meth="repeat">
+      <a:schemeClr val="accent1"/>
+    </dgm:linClrLst>
+    <dgm:effectClrLst/>
+    <dgm:txLinClrLst/>
+    <dgm:txFillClrLst meth="repeat">
+      <a:schemeClr val="dk1"/>
+    </dgm:txFillClrLst>
+    <dgm:txEffectClrLst/>
+  </dgm:styleLbl>
+  <dgm:styleLbl name="solidFgAcc1">
+    <dgm:fillClrLst meth="repeat">
+      <a:schemeClr val="lt1"/>
+    </dgm:fillClrLst>
+    <dgm:linClrLst meth="repeat">
+      <a:schemeClr val="accent1"/>
+    </dgm:linClrLst>
+    <dgm:effectClrLst/>
+    <dgm:txLinClrLst/>
+    <dgm:txFillClrLst meth="repeat">
+      <a:schemeClr val="dk1"/>
+    </dgm:txFillClrLst>
+    <dgm:txEffectClrLst/>
+  </dgm:styleLbl>
+  <dgm:styleLbl name="solidAlignAcc1">
+    <dgm:fillClrLst meth="repeat">
+      <a:schemeClr val="lt1"/>
+    </dgm:fillClrLst>
+    <dgm:linClrLst meth="repeat">
+      <a:schemeClr val="accent1"/>
+    </dgm:linClrLst>
+    <dgm:effectClrLst/>
+    <dgm:txLinClrLst/>
+    <dgm:txFillClrLst meth="repeat">
+      <a:schemeClr val="dk1"/>
+    </dgm:txFillClrLst>
+    <dgm:txEffectClrLst/>
+  </dgm:styleLbl>
+  <dgm:styleLbl name="solidBgAcc1">
+    <dgm:fillClrLst meth="repeat">
+      <a:schemeClr val="lt1"/>
+    </dgm:fillClrLst>
+    <dgm:linClrLst meth="repeat">
+      <a:schemeClr val="accent1"/>
+    </dgm:linClrLst>
+    <dgm:effectClrLst/>
+    <dgm:txLinClrLst/>
+    <dgm:txFillClrLst meth="repeat">
+      <a:schemeClr val="dk1"/>
+    </dgm:txFillClrLst>
+    <dgm:txEffectClrLst/>
+  </dgm:styleLbl>
+  <dgm:styleLbl name="fgAccFollowNode1">
+    <dgm:fillClrLst meth="repeat">
+      <a:schemeClr val="accent1">
+        <a:alpha val="90000"/>
+        <a:tint val="40000"/>
+      </a:schemeClr>
+    </dgm:fillClrLst>
+    <dgm:linClrLst meth="repeat">
+      <a:schemeClr val="accent1">
+        <a:alpha val="90000"/>
+        <a:tint val="40000"/>
+      </a:schemeClr>
+    </dgm:linClrLst>
+    <dgm:effectClrLst/>
+    <dgm:txLinClrLst/>
+    <dgm:txFillClrLst meth="repeat">
+      <a:schemeClr val="dk1"/>
+    </dgm:txFillClrLst>
+    <dgm:txEffectClrLst/>
+  </dgm:styleLbl>
+  <dgm:styleLbl name="alignAccFollowNode1">
+    <dgm:fillClrLst meth="repeat">
+      <a:schemeClr val="accent1">
+        <a:alpha val="90000"/>
+        <a:tint val="40000"/>
+      </a:schemeClr>
+    </dgm:fillClrLst>
+    <dgm:linClrLst meth="repeat">
+      <a:schemeClr val="accent1">
+        <a:alpha val="90000"/>
+        <a:tint val="40000"/>
+      </a:schemeClr>
+    </dgm:linClrLst>
+    <dgm:effectClrLst/>
+    <dgm:txLinClrLst/>
+    <dgm:txFillClrLst meth="repeat">
+      <a:schemeClr val="dk1"/>
+    </dgm:txFillClrLst>
+    <dgm:txEffectClrLst/>
+  </dgm:styleLbl>
+  <dgm:styleLbl name="bgAccFollowNode1">
+    <dgm:fillClrLst meth="repeat">
+      <a:schemeClr val="accent1">
+        <a:alpha val="90000"/>
+        <a:tint val="40000"/>
+      </a:schemeClr>
+    </dgm:fillClrLst>
+    <dgm:linClrLst meth="repeat">
+      <a:schemeClr val="accent1">
+        <a:alpha val="90000"/>
+        <a:tint val="40000"/>
+      </a:schemeClr>
+    </dgm:linClrLst>
+    <dgm:effectClrLst/>
+    <dgm:txLinClrLst/>
+    <dgm:txFillClrLst meth="repeat">
+      <a:schemeClr val="dk1"/>
+    </dgm:txFillClrLst>
+    <dgm:txEffectClrLst/>
+  </dgm:styleLbl>
+  <dgm:styleLbl name="fgAcc0">
+    <dgm:fillClrLst meth="repeat">
+      <a:schemeClr val="lt1">
+        <a:alpha val="90000"/>
+      </a:schemeClr>
+    </dgm:fillClrLst>
+    <dgm:linClrLst meth="repeat">
+      <a:schemeClr val="accent1"/>
+    </dgm:linClrLst>
+    <dgm:effectClrLst/>
+    <dgm:txLinClrLst/>
+    <dgm:txFillClrLst meth="repeat">
+      <a:schemeClr val="dk1"/>
+    </dgm:txFillClrLst>
+    <dgm:txEffectClrLst/>
+  </dgm:styleLbl>
+  <dgm:styleLbl name="fgAcc2">
+    <dgm:fillClrLst meth="repeat">
+      <a:schemeClr val="lt1">
+        <a:alpha val="90000"/>
+      </a:schemeClr>
+    </dgm:fillClrLst>
+    <dgm:linClrLst meth="repeat">
+      <a:schemeClr val="accent1"/>
+    </dgm:linClrLst>
+    <dgm:effectClrLst/>
+    <dgm:txLinClrLst/>
+    <dgm:txFillClrLst meth="repeat">
+      <a:schemeClr val="dk1"/>
+    </dgm:txFillClrLst>
+    <dgm:txEffectClrLst/>
+  </dgm:styleLbl>
+  <dgm:styleLbl name="fgAcc3">
+    <dgm:fillClrLst meth="repeat">
+      <a:schemeClr val="lt1">
+        <a:alpha val="90000"/>
+      </a:schemeClr>
+    </dgm:fillClrLst>
+    <dgm:linClrLst meth="repeat">
+      <a:schemeClr val="accent1"/>
+    </dgm:linClrLst>
+    <dgm:effectClrLst/>
+    <dgm:txLinClrLst/>
+    <dgm:txFillClrLst meth="repeat">
+      <a:schemeClr val="dk1"/>
+    </dgm:txFillClrLst>
+    <dgm:txEffectClrLst/>
+  </dgm:styleLbl>
+  <dgm:styleLbl name="fgAcc4">
+    <dgm:fillClrLst meth="repeat">
+      <a:schemeClr val="lt1">
+        <a:alpha val="90000"/>
+      </a:schemeClr>
+    </dgm:fillClrLst>
+    <dgm:linClrLst meth="repeat">
+      <a:schemeClr val="accent1"/>
+    </dgm:linClrLst>
+    <dgm:effectClrLst/>
+    <dgm:txLinClrLst/>
+    <dgm:txFillClrLst meth="repeat">
+      <a:schemeClr val="dk1"/>
+    </dgm:txFillClrLst>
+    <dgm:txEffectClrLst/>
+  </dgm:styleLbl>
+  <dgm:styleLbl name="bgShp">
+    <dgm:fillClrLst meth="repeat">
+      <a:schemeClr val="accent1">
+        <a:tint val="40000"/>
+      </a:schemeClr>
+    </dgm:fillClrLst>
+    <dgm:linClrLst meth="repeat">
+      <a:schemeClr val="accent1"/>
+    </dgm:linClrLst>
+    <dgm:effectClrLst/>
+    <dgm:txLinClrLst/>
+    <dgm:txFillClrLst meth="repeat">
+      <a:schemeClr val="dk1"/>
+    </dgm:txFillClrLst>
+    <dgm:txEffectClrLst/>
+  </dgm:styleLbl>
+  <dgm:styleLbl name="dkBgShp">
+    <dgm:fillClrLst meth="repeat">
+      <a:schemeClr val="accent1">
+        <a:shade val="80000"/>
+      </a:schemeClr>
+    </dgm:fillClrLst>
+    <dgm:linClrLst meth="repeat">
+      <a:schemeClr val="accent1"/>
+    </dgm:linClrLst>
+    <dgm:effectClrLst/>
+    <dgm:txLinClrLst/>
+    <dgm:txFillClrLst meth="repeat">
+      <a:schemeClr val="lt1"/>
+    </dgm:txFillClrLst>
+    <dgm:txEffectClrLst/>
+  </dgm:styleLbl>
+  <dgm:styleLbl name="trBgShp">
+    <dgm:fillClrLst meth="repeat">
+      <a:schemeClr val="accent1">
+        <a:tint val="50000"/>
+        <a:alpha val="40000"/>
+      </a:schemeClr>
+    </dgm:fillClrLst>
+    <dgm:linClrLst meth="repeat">
+      <a:schemeClr val="accent1"/>
+    </dgm:linClrLst>
+    <dgm:effectClrLst/>
+    <dgm:txLinClrLst/>
+    <dgm:txFillClrLst meth="repeat">
+      <a:schemeClr val="lt1"/>
+    </dgm:txFillClrLst>
+    <dgm:txEffectClrLst/>
+  </dgm:styleLbl>
+  <dgm:styleLbl name="fgShp">
+    <dgm:fillClrLst meth="repeat">
+      <a:schemeClr val="accent1">
+        <a:tint val="60000"/>
+      </a:schemeClr>
+    </dgm:fillClrLst>
+    <dgm:linClrLst meth="repeat">
+      <a:schemeClr val="lt1"/>
+    </dgm:linClrLst>
+    <dgm:effectClrLst/>
+    <dgm:txLinClrLst/>
+    <dgm:txFillClrLst meth="repeat">
+      <a:schemeClr val="dk1"/>
+    </dgm:txFillClrLst>
+    <dgm:txEffectClrLst/>
+  </dgm:styleLbl>
+  <dgm:styleLbl name="revTx">
+    <dgm:fillClrLst meth="repeat">
+      <a:schemeClr val="lt1">
+        <a:alpha val="0"/>
+      </a:schemeClr>
+    </dgm:fillClrLst>
+    <dgm:linClrLst meth="repeat">
+      <a:schemeClr val="dk1">
+        <a:alpha val="0"/>
+      </a:schemeClr>
+    </dgm:linClrLst>
+    <dgm:effectClrLst/>
+    <dgm:txLinClrLst/>
+    <dgm:txFillClrLst meth="repeat">
+      <a:schemeClr val="tx1"/>
+    </dgm:txFillClrLst>
+    <dgm:txEffectClrLst/>
+  </dgm:styleLbl>
+</dgm:colorsDef>
+</file>
+
+<file path=ppt/diagrams/colors2.xml><?xml version="1.0" encoding="utf-8"?>
+<dgm:colorsDef xmlns:dgm="http://schemas.openxmlformats.org/drawingml/2006/diagram" xmlns:a="http://schemas.openxmlformats.org/drawingml/2006/main" uniqueId="urn:microsoft.com/office/officeart/2005/8/colors/accent1_2">
+  <dgm:title val=""/>
+  <dgm:desc val=""/>
+  <dgm:catLst>
+    <dgm:cat type="accent1" pri="11200"/>
+  </dgm:catLst>
+  <dgm:styleLbl name="node0">
+    <dgm:fillClrLst meth="repeat">
+      <a:schemeClr val="accent1"/>
+    </dgm:fillClrLst>
+    <dgm:linClrLst meth="repeat">
+      <a:schemeClr val="lt1"/>
+    </dgm:linClrLst>
+    <dgm:effectClrLst/>
+    <dgm:txLinClrLst/>
+    <dgm:txFillClrLst/>
+    <dgm:txEffectClrLst/>
+  </dgm:styleLbl>
+  <dgm:styleLbl name="alignNode1">
+    <dgm:fillClrLst meth="repeat">
+      <a:schemeClr val="accent1"/>
+    </dgm:fillClrLst>
+    <dgm:linClrLst meth="repeat">
+      <a:schemeClr val="accent1"/>
+    </dgm:linClrLst>
+    <dgm:effectClrLst/>
+    <dgm:txLinClrLst/>
+    <dgm:txFillClrLst/>
+    <dgm:txEffectClrLst/>
+  </dgm:styleLbl>
+  <dgm:styleLbl name="node1">
+    <dgm:fillClrLst meth="repeat">
+      <a:schemeClr val="accent1"/>
+    </dgm:fillClrLst>
+    <dgm:linClrLst meth="repeat">
+      <a:schemeClr val="lt1"/>
+    </dgm:linClrLst>
+    <dgm:effectClrLst/>
+    <dgm:txLinClrLst/>
+    <dgm:txFillClrLst/>
+    <dgm:txEffectClrLst/>
+  </dgm:styleLbl>
+  <dgm:styleLbl name="lnNode1">
+    <dgm:fillClrLst meth="repeat">
+      <a:schemeClr val="accent1"/>
+    </dgm:fillClrLst>
+    <dgm:linClrLst meth="repeat">
+      <a:schemeClr val="lt1"/>
+    </dgm:linClrLst>
+    <dgm:effectClrLst/>
+    <dgm:txLinClrLst/>
+    <dgm:txFillClrLst/>
+    <dgm:txEffectClrLst/>
+  </dgm:styleLbl>
+  <dgm:styleLbl name="vennNode1">
+    <dgm:fillClrLst meth="repeat">
+      <a:schemeClr val="accent1">
+        <a:alpha val="50000"/>
+      </a:schemeClr>
+    </dgm:fillClrLst>
+    <dgm:linClrLst meth="repeat">
+      <a:schemeClr val="lt1"/>
+    </dgm:linClrLst>
+    <dgm:effectClrLst/>
+    <dgm:txLinClrLst/>
+    <dgm:txFillClrLst/>
+    <dgm:txEffectClrLst/>
+  </dgm:styleLbl>
+  <dgm:styleLbl name="node2">
+    <dgm:fillClrLst meth="repeat">
+      <a:schemeClr val="accent1"/>
+    </dgm:fillClrLst>
+    <dgm:linClrLst meth="repeat">
+      <a:schemeClr val="lt1"/>
+    </dgm:linClrLst>
+    <dgm:effectClrLst/>
+    <dgm:txLinClrLst/>
+    <dgm:txFillClrLst/>
+    <dgm:txEffectClrLst/>
+  </dgm:styleLbl>
+  <dgm:styleLbl name="node3">
+    <dgm:fillClrLst meth="repeat">
+      <a:schemeClr val="accent1"/>
+    </dgm:fillClrLst>
+    <dgm:linClrLst meth="repeat">
+      <a:schemeClr val="lt1"/>
+    </dgm:linClrLst>
+    <dgm:effectClrLst/>
+    <dgm:txLinClrLst/>
+    <dgm:txFillClrLst/>
+    <dgm:txEffectClrLst/>
+  </dgm:styleLbl>
+  <dgm:styleLbl name="node4">
+    <dgm:fillClrLst meth="repeat">
+      <a:schemeClr val="accent1"/>
+    </dgm:fillClrLst>
+    <dgm:linClrLst meth="repeat">
+      <a:schemeClr val="lt1"/>
+    </dgm:linClrLst>
+    <dgm:effectClrLst/>
+    <dgm:txLinClrLst/>
+    <dgm:txFillClrLst/>
+    <dgm:txEffectClrLst/>
+  </dgm:styleLbl>
+  <dgm:styleLbl name="fgImgPlace1">
+    <dgm:fillClrLst meth="repeat">
+      <a:schemeClr val="accent1">
+        <a:tint val="50000"/>
+      </a:schemeClr>
+    </dgm:fillClrLst>
+    <dgm:linClrLst meth="repeat">
+      <a:schemeClr val="lt1"/>
+    </dgm:linClrLst>
+    <dgm:effectClrLst/>
+    <dgm:txLinClrLst/>
+    <dgm:txFillClrLst meth="repeat">
+      <a:schemeClr val="lt1"/>
+    </dgm:txFillClrLst>
+    <dgm:txEffectClrLst/>
+  </dgm:styleLbl>
+  <dgm:styleLbl name="alignImgPlace1">
+    <dgm:fillClrLst meth="repeat">
+      <a:schemeClr val="accent1">
+        <a:tint val="50000"/>
+      </a:schemeClr>
+    </dgm:fillClrLst>
+    <dgm:linClrLst meth="repeat">
+      <a:schemeClr val="lt1"/>
+    </dgm:linClrLst>
+    <dgm:effectClrLst/>
+    <dgm:txLinClrLst/>
+    <dgm:txFillClrLst meth="repeat">
+      <a:schemeClr val="lt1"/>
+    </dgm:txFillClrLst>
+    <dgm:txEffectClrLst/>
+  </dgm:styleLbl>
+  <dgm:styleLbl name="bgImgPlace1">
+    <dgm:fillClrLst meth="repeat">
+      <a:schemeClr val="accent1">
+        <a:tint val="50000"/>
+      </a:schemeClr>
+    </dgm:fillClrLst>
+    <dgm:linClrLst meth="repeat">
+      <a:schemeClr val="lt1"/>
+    </dgm:linClrLst>
+    <dgm:effectClrLst/>
+    <dgm:txLinClrLst/>
+    <dgm:txFillClrLst meth="repeat">
+      <a:schemeClr val="lt1"/>
+    </dgm:txFillClrLst>
+    <dgm:txEffectClrLst/>
+  </dgm:styleLbl>
+  <dgm:styleLbl name="sibTrans2D1">
+    <dgm:fillClrLst meth="repeat">
+      <a:schemeClr val="accent1">
+        <a:tint val="60000"/>
+      </a:schemeClr>
+    </dgm:fillClrLst>
+    <dgm:linClrLst meth="repeat">
+      <a:schemeClr val="accent1">
+        <a:tint val="60000"/>
+      </a:schemeClr>
+    </dgm:linClrLst>
+    <dgm:effectClrLst/>
+    <dgm:txLinClrLst/>
+    <dgm:txFillClrLst/>
+    <dgm:txEffectClrLst/>
+  </dgm:styleLbl>
+  <dgm:styleLbl name="fgSibTrans2D1">
+    <dgm:fillClrLst meth="repeat">
+      <a:schemeClr val="accent1">
+        <a:tint val="60000"/>
+      </a:schemeClr>
+    </dgm:fillClrLst>
+    <dgm:linClrLst meth="repeat">
+      <a:schemeClr val="accent1">
+        <a:tint val="60000"/>
+      </a:schemeClr>
+    </dgm:linClrLst>
+    <dgm:effectClrLst/>
+    <dgm:txLinClrLst/>
+    <dgm:txFillClrLst/>
+    <dgm:txEffectClrLst/>
+  </dgm:styleLbl>
+  <dgm:styleLbl name="bgSibTrans2D1">
+    <dgm:fillClrLst meth="repeat">
+      <a:schemeClr val="accent1">
+        <a:tint val="60000"/>
+      </a:schemeClr>
+    </dgm:fillClrLst>
+    <dgm:linClrLst meth="repeat">
+      <a:schemeClr val="accent1">
+        <a:tint val="60000"/>
+      </a:schemeClr>
+    </dgm:linClrLst>
+    <dgm:effectClrLst/>
+    <dgm:txLinClrLst/>
+    <dgm:txFillClrLst/>
+    <dgm:txEffectClrLst/>
+  </dgm:styleLbl>
+  <dgm:styleLbl name="sibTrans1D1">
+    <dgm:fillClrLst meth="repeat">
+      <a:schemeClr val="accent1"/>
+    </dgm:fillClrLst>
+    <dgm:linClrLst meth="repeat">
+      <a:schemeClr val="accent1"/>
+    </dgm:linClrLst>
+    <dgm:effectClrLst/>
+    <dgm:txLinClrLst/>
+    <dgm:txFillClrLst meth="repeat">
+      <a:schemeClr val="tx1"/>
+    </dgm:txFillClrLst>
+    <dgm:txEffectClrLst/>
+  </dgm:styleLbl>
+  <dgm:styleLbl name="callout">
+    <dgm:fillClrLst meth="repeat">
+      <a:schemeClr val="accent1"/>
+    </dgm:fillClrLst>
+    <dgm:linClrLst meth="repeat">
+      <a:schemeClr val="accent1">
+        <a:tint val="50000"/>
+      </a:schemeClr>
+    </dgm:linClrLst>
+    <dgm:effectClrLst/>
+    <dgm:txLinClrLst/>
+    <dgm:txFillClrLst meth="repeat">
+      <a:schemeClr val="tx1"/>
+    </dgm:txFillClrLst>
+    <dgm:txEffectClrLst/>
+  </dgm:styleLbl>
+  <dgm:styleLbl name="asst0">
+    <dgm:fillClrLst meth="repeat">
+      <a:schemeClr val="accent1"/>
+    </dgm:fillClrLst>
+    <dgm:linClrLst meth="repeat">
+      <a:schemeClr val="lt1"/>
+    </dgm:linClrLst>
+    <dgm:effectClrLst/>
+    <dgm:txLinClrLst/>
+    <dgm:txFillClrLst/>
+    <dgm:txEffectClrLst/>
+  </dgm:styleLbl>
+  <dgm:styleLbl name="asst1">
+    <dgm:fillClrLst meth="repeat">
+      <a:schemeClr val="accent1"/>
+    </dgm:fillClrLst>
+    <dgm:linClrLst meth="repeat">
+      <a:schemeClr val="lt1"/>
+    </dgm:linClrLst>
+    <dgm:effectClrLst/>
+    <dgm:txLinClrLst/>
+    <dgm:txFillClrLst/>
+    <dgm:txEffectClrLst/>
+  </dgm:styleLbl>
+  <dgm:styleLbl name="asst2">
+    <dgm:fillClrLst meth="repeat">
+      <a:schemeClr val="accent1"/>
+    </dgm:fillClrLst>
+    <dgm:linClrLst meth="repeat">
+      <a:schemeClr val="lt1"/>
+    </dgm:linClrLst>
+    <dgm:effectClrLst/>
+    <dgm:txLinClrLst/>
+    <dgm:txFillClrLst/>
+    <dgm:txEffectClrLst/>
+  </dgm:styleLbl>
+  <dgm:styleLbl name="asst3">
+    <dgm:fillClrLst meth="repeat">
+      <a:schemeClr val="accent1"/>
+    </dgm:fillClrLst>
+    <dgm:linClrLst meth="repeat">
+      <a:schemeClr val="lt1"/>
+    </dgm:linClrLst>
+    <dgm:effectClrLst/>
+    <dgm:txLinClrLst/>
+    <dgm:txFillClrLst/>
+    <dgm:txEffectClrLst/>
+  </dgm:styleLbl>
+  <dgm:styleLbl name="asst4">
+    <dgm:fillClrLst meth="repeat">
+      <a:schemeClr val="accent1"/>
+    </dgm:fillClrLst>
+    <dgm:linClrLst meth="repeat">
+      <a:schemeClr val="lt1"/>
+    </dgm:linClrLst>
+    <dgm:effectClrLst/>
+    <dgm:txLinClrLst/>
+    <dgm:txFillClrLst/>
+    <dgm:txEffectClrLst/>
+  </dgm:styleLbl>
+  <dgm:styleLbl name="parChTrans2D1">
+    <dgm:fillClrLst meth="repeat">
+      <a:schemeClr val="accent1">
+        <a:tint val="60000"/>
+      </a:schemeClr>
+    </dgm:fillClrLst>
+    <dgm:linClrLst meth="repeat">
+      <a:schemeClr val="accent1">
+        <a:tint val="60000"/>
+      </a:schemeClr>
+    </dgm:linClrLst>
+    <dgm:effectClrLst/>
+    <dgm:txLinClrLst/>
+    <dgm:txFillClrLst meth="repeat">
+      <a:schemeClr val="lt1"/>
+    </dgm:txFillClrLst>
+    <dgm:txEffectClrLst/>
+  </dgm:styleLbl>
+  <dgm:styleLbl name="parChTrans2D2">
+    <dgm:fillClrLst meth="repeat">
+      <a:schemeClr val="accent1"/>
+    </dgm:fillClrLst>
+    <dgm:linClrLst meth="repeat">
+      <a:schemeClr val="accent1"/>
+    </dgm:linClrLst>
+    <dgm:effectClrLst/>
+    <dgm:txLinClrLst/>
+    <dgm:txFillClrLst meth="repeat">
+      <a:schemeClr val="lt1"/>
+    </dgm:txFillClrLst>
+    <dgm:txEffectClrLst/>
+  </dgm:styleLbl>
+  <dgm:styleLbl name="parChTrans2D3">
+    <dgm:fillClrLst meth="repeat">
+      <a:schemeClr val="accent1"/>
+    </dgm:fillClrLst>
+    <dgm:linClrLst meth="repeat">
+      <a:schemeClr val="accent1"/>
+    </dgm:linClrLst>
+    <dgm:effectClrLst/>
+    <dgm:txLinClrLst/>
+    <dgm:txFillClrLst meth="repeat">
+      <a:schemeClr val="lt1"/>
+    </dgm:txFillClrLst>
+    <dgm:txEffectClrLst/>
+  </dgm:styleLbl>
+  <dgm:styleLbl name="parChTrans2D4">
+    <dgm:fillClrLst meth="repeat">
+      <a:schemeClr val="accent1"/>
+    </dgm:fillClrLst>
+    <dgm:linClrLst meth="repeat">
+      <a:schemeClr val="accent1"/>
+    </dgm:linClrLst>
+    <dgm:effectClrLst/>
+    <dgm:txLinClrLst/>
+    <dgm:txFillClrLst meth="repeat">
+      <a:schemeClr val="lt1"/>
+    </dgm:txFillClrLst>
+    <dgm:txEffectClrLst/>
+  </dgm:styleLbl>
+  <dgm:styleLbl name="parChTrans1D1">
+    <dgm:fillClrLst meth="repeat">
+      <a:schemeClr val="accent1"/>
+    </dgm:fillClrLst>
+    <dgm:linClrLst meth="repeat">
+      <a:schemeClr val="accent1">
+        <a:shade val="60000"/>
+      </a:schemeClr>
+    </dgm:linClrLst>
+    <dgm:effectClrLst/>
+    <dgm:txLinClrLst/>
+    <dgm:txFillClrLst meth="repeat">
+      <a:schemeClr val="tx1"/>
+    </dgm:txFillClrLst>
+    <dgm:txEffectClrLst/>
+  </dgm:styleLbl>
+  <dgm:styleLbl name="parChTrans1D2">
+    <dgm:fillClrLst meth="repeat">
+      <a:schemeClr val="accent1"/>
+    </dgm:fillClrLst>
+    <dgm:linClrLst meth="repeat">
+      <a:schemeClr val="accent1">
+        <a:shade val="60000"/>
+      </a:schemeClr>
+    </dgm:linClrLst>
+    <dgm:effectClrLst/>
+    <dgm:txLinClrLst/>
+    <dgm:txFillClrLst meth="repeat">
+      <a:schemeClr val="tx1"/>
+    </dgm:txFillClrLst>
+    <dgm:txEffectClrLst/>
+  </dgm:styleLbl>
+  <dgm:styleLbl name="parChTrans1D3">
+    <dgm:fillClrLst meth="repeat">
+      <a:schemeClr val="accent1"/>
+    </dgm:fillClrLst>
+    <dgm:linClrLst meth="repeat">
+      <a:schemeClr val="accent1">
+        <a:shade val="80000"/>
+      </a:schemeClr>
+    </dgm:linClrLst>
+    <dgm:effectClrLst/>
+    <dgm:txLinClrLst/>
+    <dgm:txFillClrLst meth="repeat">
+      <a:schemeClr val="tx1"/>
+    </dgm:txFillClrLst>
+    <dgm:txEffectClrLst/>
+  </dgm:styleLbl>
+  <dgm:styleLbl name="parChTrans1D4">
+    <dgm:fillClrLst meth="repeat">
+      <a:schemeClr val="accent1"/>
+    </dgm:fillClrLst>
+    <dgm:linClrLst meth="repeat">
+      <a:schemeClr val="accent1">
+        <a:shade val="80000"/>
+      </a:schemeClr>
+    </dgm:linClrLst>
+    <dgm:effectClrLst/>
+    <dgm:txLinClrLst/>
+    <dgm:txFillClrLst meth="repeat">
+      <a:schemeClr val="tx1"/>
+    </dgm:txFillClrLst>
+    <dgm:txEffectClrLst/>
+  </dgm:styleLbl>
+  <dgm:styleLbl name="fgAcc1">
+    <dgm:fillClrLst meth="repeat">
+      <a:schemeClr val="lt1">
+        <a:alpha val="90000"/>
+      </a:schemeClr>
+    </dgm:fillClrLst>
+    <dgm:linClrLst meth="repeat">
+      <a:schemeClr val="accent1"/>
+    </dgm:linClrLst>
+    <dgm:effectClrLst/>
+    <dgm:txLinClrLst/>
+    <dgm:txFillClrLst meth="repeat">
+      <a:schemeClr val="dk1"/>
+    </dgm:txFillClrLst>
+    <dgm:txEffectClrLst/>
+  </dgm:styleLbl>
+  <dgm:styleLbl name="conFgAcc1">
+    <dgm:fillClrLst meth="repeat">
+      <a:schemeClr val="lt1">
+        <a:alpha val="90000"/>
+      </a:schemeClr>
+    </dgm:fillClrLst>
+    <dgm:linClrLst meth="repeat">
+      <a:schemeClr val="accent1"/>
+    </dgm:linClrLst>
+    <dgm:effectClrLst/>
+    <dgm:txLinClrLst/>
+    <dgm:txFillClrLst meth="repeat">
+      <a:schemeClr val="dk1"/>
+    </dgm:txFillClrLst>
+    <dgm:txEffectClrLst/>
+  </dgm:styleLbl>
+  <dgm:styleLbl name="alignAcc1">
+    <dgm:fillClrLst meth="repeat">
+      <a:schemeClr val="lt1">
+        <a:alpha val="90000"/>
+      </a:schemeClr>
+    </dgm:fillClrLst>
+    <dgm:linClrLst meth="repeat">
+      <a:schemeClr val="accent1"/>
+    </dgm:linClrLst>
+    <dgm:effectClrLst/>
+    <dgm:txLinClrLst/>
+    <dgm:txFillClrLst meth="repeat">
+      <a:schemeClr val="dk1"/>
+    </dgm:txFillClrLst>
+    <dgm:txEffectClrLst/>
+  </dgm:styleLbl>
+  <dgm:styleLbl name="trAlignAcc1">
+    <dgm:fillClrLst meth="repeat">
+      <a:schemeClr val="lt1">
+        <a:alpha val="40000"/>
+      </a:schemeClr>
+    </dgm:fillClrLst>
+    <dgm:linClrLst meth="repeat">
+      <a:schemeClr val="accent1"/>
+    </dgm:linClrLst>
+    <dgm:effectClrLst/>
+    <dgm:txLinClrLst/>
+    <dgm:txFillClrLst meth="repeat">
+      <a:schemeClr val="dk1"/>
+    </dgm:txFillClrLst>
+    <dgm:txEffectClrLst/>
+  </dgm:styleLbl>
+  <dgm:styleLbl name="bgAcc1">
+    <dgm:fillClrLst meth="repeat">
+      <a:schemeClr val="lt1">
+        <a:alpha val="90000"/>
+      </a:schemeClr>
+    </dgm:fillClrLst>
+    <dgm:linClrLst meth="repeat">
+      <a:schemeClr val="accent1"/>
+    </dgm:linClrLst>
+    <dgm:effectClrLst/>
+    <dgm:txLinClrLst/>
+    <dgm:txFillClrLst meth="repeat">
+      <a:schemeClr val="dk1"/>
+    </dgm:txFillClrLst>
+    <dgm:txEffectClrLst/>
+  </dgm:styleLbl>
+  <dgm:styleLbl name="solidFgAcc1">
+    <dgm:fillClrLst meth="repeat">
+      <a:schemeClr val="lt1"/>
+    </dgm:fillClrLst>
+    <dgm:linClrLst meth="repeat">
+      <a:schemeClr val="accent1"/>
+    </dgm:linClrLst>
+    <dgm:effectClrLst/>
+    <dgm:txLinClrLst/>
+    <dgm:txFillClrLst meth="repeat">
+      <a:schemeClr val="dk1"/>
+    </dgm:txFillClrLst>
+    <dgm:txEffectClrLst/>
+  </dgm:styleLbl>
+  <dgm:styleLbl name="solidAlignAcc1">
+    <dgm:fillClrLst meth="repeat">
+      <a:schemeClr val="lt1"/>
+    </dgm:fillClrLst>
+    <dgm:linClrLst meth="repeat">
+      <a:schemeClr val="accent1"/>
+    </dgm:linClrLst>
+    <dgm:effectClrLst/>
+    <dgm:txLinClrLst/>
+    <dgm:txFillClrLst meth="repeat">
+      <a:schemeClr val="dk1"/>
+    </dgm:txFillClrLst>
+    <dgm:txEffectClrLst/>
+  </dgm:styleLbl>
+  <dgm:styleLbl name="solidBgAcc1">
+    <dgm:fillClrLst meth="repeat">
+      <a:schemeClr val="lt1"/>
+    </dgm:fillClrLst>
+    <dgm:linClrLst meth="repeat">
+      <a:schemeClr val="accent1"/>
+    </dgm:linClrLst>
+    <dgm:effectClrLst/>
+    <dgm:txLinClrLst/>
+    <dgm:txFillClrLst meth="repeat">
+      <a:schemeClr val="dk1"/>
+    </dgm:txFillClrLst>
+    <dgm:txEffectClrLst/>
+  </dgm:styleLbl>
+  <dgm:styleLbl name="fgAccFollowNode1">
+    <dgm:fillClrLst meth="repeat">
+      <a:schemeClr val="accent1">
+        <a:alpha val="90000"/>
+        <a:tint val="40000"/>
+      </a:schemeClr>
+    </dgm:fillClrLst>
+    <dgm:linClrLst meth="repeat">
+      <a:schemeClr val="accent1">
+        <a:alpha val="90000"/>
+        <a:tint val="40000"/>
+      </a:schemeClr>
+    </dgm:linClrLst>
+    <dgm:effectClrLst/>
+    <dgm:txLinClrLst/>
+    <dgm:txFillClrLst meth="repeat">
+      <a:schemeClr val="dk1"/>
+    </dgm:txFillClrLst>
+    <dgm:txEffectClrLst/>
+  </dgm:styleLbl>
+  <dgm:styleLbl name="alignAccFollowNode1">
+    <dgm:fillClrLst meth="repeat">
+      <a:schemeClr val="accent1">
+        <a:alpha val="90000"/>
+        <a:tint val="40000"/>
+      </a:schemeClr>
+    </dgm:fillClrLst>
+    <dgm:linClrLst meth="repeat">
+      <a:schemeClr val="accent1">
+        <a:alpha val="90000"/>
+        <a:tint val="40000"/>
+      </a:schemeClr>
+    </dgm:linClrLst>
+    <dgm:effectClrLst/>
+    <dgm:txLinClrLst/>
+    <dgm:txFillClrLst meth="repeat">
+      <a:schemeClr val="dk1"/>
+    </dgm:txFillClrLst>
+    <dgm:txEffectClrLst/>
+  </dgm:styleLbl>
+  <dgm:styleLbl name="bgAccFollowNode1">
+    <dgm:fillClrLst meth="repeat">
+      <a:schemeClr val="accent1">
+        <a:alpha val="90000"/>
+        <a:tint val="40000"/>
+      </a:schemeClr>
+    </dgm:fillClrLst>
+    <dgm:linClrLst meth="repeat">
+      <a:schemeClr val="accent1">
+        <a:alpha val="90000"/>
+        <a:tint val="40000"/>
+      </a:schemeClr>
+    </dgm:linClrLst>
+    <dgm:effectClrLst/>
+    <dgm:txLinClrLst/>
+    <dgm:txFillClrLst meth="repeat">
+      <a:schemeClr val="dk1"/>
+    </dgm:txFillClrLst>
+    <dgm:txEffectClrLst/>
+  </dgm:styleLbl>
+  <dgm:styleLbl name="fgAcc0">
+    <dgm:fillClrLst meth="repeat">
+      <a:schemeClr val="lt1">
+        <a:alpha val="90000"/>
+      </a:schemeClr>
+    </dgm:fillClrLst>
+    <dgm:linClrLst meth="repeat">
+      <a:schemeClr val="accent1"/>
+    </dgm:linClrLst>
+    <dgm:effectClrLst/>
+    <dgm:txLinClrLst/>
+    <dgm:txFillClrLst meth="repeat">
+      <a:schemeClr val="dk1"/>
+    </dgm:txFillClrLst>
+    <dgm:txEffectClrLst/>
+  </dgm:styleLbl>
+  <dgm:styleLbl name="fgAcc2">
+    <dgm:fillClrLst meth="repeat">
+      <a:schemeClr val="lt1">
+        <a:alpha val="90000"/>
+      </a:schemeClr>
+    </dgm:fillClrLst>
+    <dgm:linClrLst meth="repeat">
+      <a:schemeClr val="accent1"/>
+    </dgm:linClrLst>
+    <dgm:effectClrLst/>
+    <dgm:txLinClrLst/>
+    <dgm:txFillClrLst meth="repeat">
+      <a:schemeClr val="dk1"/>
+    </dgm:txFillClrLst>
+    <dgm:txEffectClrLst/>
+  </dgm:styleLbl>
+  <dgm:styleLbl name="fgAcc3">
+    <dgm:fillClrLst meth="repeat">
+      <a:schemeClr val="lt1">
+        <a:alpha val="90000"/>
+      </a:schemeClr>
+    </dgm:fillClrLst>
+    <dgm:linClrLst meth="repeat">
+      <a:schemeClr val="accent1"/>
+    </dgm:linClrLst>
+    <dgm:effectClrLst/>
+    <dgm:txLinClrLst/>
+    <dgm:txFillClrLst meth="repeat">
+      <a:schemeClr val="dk1"/>
+    </dgm:txFillClrLst>
+    <dgm:txEffectClrLst/>
+  </dgm:styleLbl>
+  <dgm:styleLbl name="fgAcc4">
+    <dgm:fillClrLst meth="repeat">
+      <a:schemeClr val="lt1">
+        <a:alpha val="90000"/>
+      </a:schemeClr>
+    </dgm:fillClrLst>
+    <dgm:linClrLst meth="repeat">
+      <a:schemeClr val="accent1"/>
+    </dgm:linClrLst>
+    <dgm:effectClrLst/>
+    <dgm:txLinClrLst/>
+    <dgm:txFillClrLst meth="repeat">
+      <a:schemeClr val="dk1"/>
+    </dgm:txFillClrLst>
+    <dgm:txEffectClrLst/>
+  </dgm:styleLbl>
+  <dgm:styleLbl name="bgShp">
+    <dgm:fillClrLst meth="repeat">
+      <a:schemeClr val="accent1">
+        <a:tint val="40000"/>
+      </a:schemeClr>
+    </dgm:fillClrLst>
+    <dgm:linClrLst meth="repeat">
+      <a:schemeClr val="accent1"/>
+    </dgm:linClrLst>
+    <dgm:effectClrLst/>
+    <dgm:txLinClrLst/>
+    <dgm:txFillClrLst meth="repeat">
+      <a:schemeClr val="dk1"/>
+    </dgm:txFillClrLst>
+    <dgm:txEffectClrLst/>
+  </dgm:styleLbl>
+  <dgm:styleLbl name="dkBgShp">
+    <dgm:fillClrLst meth="repeat">
+      <a:schemeClr val="accent1">
+        <a:shade val="80000"/>
+      </a:schemeClr>
+    </dgm:fillClrLst>
+    <dgm:linClrLst meth="repeat">
+      <a:schemeClr val="accent1"/>
+    </dgm:linClrLst>
+    <dgm:effectClrLst/>
+    <dgm:txLinClrLst/>
+    <dgm:txFillClrLst meth="repeat">
+      <a:schemeClr val="lt1"/>
+    </dgm:txFillClrLst>
+    <dgm:txEffectClrLst/>
+  </dgm:styleLbl>
+  <dgm:styleLbl name="trBgShp">
+    <dgm:fillClrLst meth="repeat">
+      <a:schemeClr val="accent1">
+        <a:tint val="50000"/>
+        <a:alpha val="40000"/>
+      </a:schemeClr>
+    </dgm:fillClrLst>
+    <dgm:linClrLst meth="repeat">
+      <a:schemeClr val="accent1"/>
+    </dgm:linClrLst>
+    <dgm:effectClrLst/>
+    <dgm:txLinClrLst/>
+    <dgm:txFillClrLst meth="repeat">
+      <a:schemeClr val="lt1"/>
+    </dgm:txFillClrLst>
+    <dgm:txEffectClrLst/>
+  </dgm:styleLbl>
+  <dgm:styleLbl name="fgShp">
+    <dgm:fillClrLst meth="repeat">
+      <a:schemeClr val="accent1">
+        <a:tint val="60000"/>
+      </a:schemeClr>
+    </dgm:fillClrLst>
+    <dgm:linClrLst meth="repeat">
+      <a:schemeClr val="lt1"/>
+    </dgm:linClrLst>
+    <dgm:effectClrLst/>
+    <dgm:txLinClrLst/>
+    <dgm:txFillClrLst meth="repeat">
+      <a:schemeClr val="dk1"/>
+    </dgm:txFillClrLst>
+    <dgm:txEffectClrLst/>
+  </dgm:styleLbl>
+  <dgm:styleLbl name="revTx">
+    <dgm:fillClrLst meth="repeat">
+      <a:schemeClr val="lt1">
+        <a:alpha val="0"/>
+      </a:schemeClr>
+    </dgm:fillClrLst>
+    <dgm:linClrLst meth="repeat">
+      <a:schemeClr val="dk1">
+        <a:alpha val="0"/>
+      </a:schemeClr>
+    </dgm:linClrLst>
+    <dgm:effectClrLst/>
+    <dgm:txLinClrLst/>
+    <dgm:txFillClrLst meth="repeat">
+      <a:schemeClr val="tx1"/>
+    </dgm:txFillClrLst>
+    <dgm:txEffectClrLst/>
+  </dgm:styleLbl>
+</dgm:colorsDef>
+</file>
+
+<file path=ppt/diagrams/data1.xml><?xml version="1.0" encoding="utf-8"?>
+<dgm:dataModel xmlns:dgm="http://schemas.openxmlformats.org/drawingml/2006/diagram" xmlns:a="http://schemas.openxmlformats.org/drawingml/2006/main">
+  <dgm:ptLst>
+    <dgm:pt modelId="{15E82526-692B-4773-A2C4-153FA973E1BF}" type="doc">
+      <dgm:prSet loTypeId="urn:microsoft.com/office/officeart/2008/layout/LinedList" loCatId="list" qsTypeId="urn:microsoft.com/office/officeart/2005/8/quickstyle/simple1" qsCatId="simple" csTypeId="urn:microsoft.com/office/officeart/2005/8/colors/accent1_2" csCatId="accent1" phldr="1"/>
+      <dgm:spPr/>
+      <dgm:t>
+        <a:bodyPr/>
+        <a:lstStyle/>
+        <a:p>
+          <a:endParaRPr lang="en-US"/>
+        </a:p>
+      </dgm:t>
+    </dgm:pt>
+    <dgm:pt modelId="{5B408595-CB77-44EA-8608-65072CC4B0C0}">
+      <dgm:prSet/>
+      <dgm:spPr/>
+      <dgm:t>
+        <a:bodyPr/>
+        <a:lstStyle/>
+        <a:p>
+          <a:r>
+            <a:rPr lang="en-US" b="1" dirty="0"/>
+            <a:t>TCP/IP</a:t>
+          </a:r>
+          <a:endParaRPr lang="en-US" dirty="0"/>
+        </a:p>
+      </dgm:t>
+    </dgm:pt>
+    <dgm:pt modelId="{14068224-DCB1-4252-89F9-FC6C929019C3}" type="parTrans" cxnId="{60BF3131-F46D-463A-BC1B-746A9BB7CDE9}">
+      <dgm:prSet/>
+      <dgm:spPr/>
+      <dgm:t>
+        <a:bodyPr/>
+        <a:lstStyle/>
+        <a:p>
+          <a:endParaRPr lang="en-US"/>
+        </a:p>
+      </dgm:t>
+    </dgm:pt>
+    <dgm:pt modelId="{81056262-1AC3-4B0E-8C97-C890F2FB9951}" type="sibTrans" cxnId="{60BF3131-F46D-463A-BC1B-746A9BB7CDE9}">
+      <dgm:prSet/>
+      <dgm:spPr/>
+      <dgm:t>
+        <a:bodyPr/>
+        <a:lstStyle/>
+        <a:p>
+          <a:endParaRPr lang="en-US"/>
+        </a:p>
+      </dgm:t>
+    </dgm:pt>
+    <dgm:pt modelId="{1B3C9479-B225-448B-868F-164E2A92A2E0}">
+      <dgm:prSet/>
+      <dgm:spPr/>
+      <dgm:t>
+        <a:bodyPr/>
+        <a:lstStyle/>
+        <a:p>
+          <a:r>
+            <a:rPr lang="en-US" b="1" dirty="0"/>
+            <a:t>DHCP</a:t>
+          </a:r>
+          <a:endParaRPr lang="en-US" dirty="0"/>
+        </a:p>
+      </dgm:t>
+    </dgm:pt>
+    <dgm:pt modelId="{784E9C0F-11C1-4462-9800-7E0402C895DE}" type="parTrans" cxnId="{3B7B8A57-62CC-446D-A122-102A620948CA}">
+      <dgm:prSet/>
+      <dgm:spPr/>
+      <dgm:t>
+        <a:bodyPr/>
+        <a:lstStyle/>
+        <a:p>
+          <a:endParaRPr lang="en-US"/>
+        </a:p>
+      </dgm:t>
+    </dgm:pt>
+    <dgm:pt modelId="{F74774FE-07E0-483A-A6CF-F581DCD6A322}" type="sibTrans" cxnId="{3B7B8A57-62CC-446D-A122-102A620948CA}">
+      <dgm:prSet/>
+      <dgm:spPr/>
+      <dgm:t>
+        <a:bodyPr/>
+        <a:lstStyle/>
+        <a:p>
+          <a:endParaRPr lang="en-US"/>
+        </a:p>
+      </dgm:t>
+    </dgm:pt>
+    <dgm:pt modelId="{75BD2E9A-BD53-4F29-8C88-86CD8C750D03}">
+      <dgm:prSet/>
+      <dgm:spPr/>
+      <dgm:t>
+        <a:bodyPr/>
+        <a:lstStyle/>
+        <a:p>
+          <a:r>
+            <a:rPr lang="en-US" b="1" dirty="0"/>
+            <a:t>SUBNETTING</a:t>
+          </a:r>
+          <a:endParaRPr lang="en-US" dirty="0"/>
+        </a:p>
+      </dgm:t>
+    </dgm:pt>
+    <dgm:pt modelId="{309F2FF1-E569-427D-B337-FF79BE91F1EA}" type="parTrans" cxnId="{A9A499A4-A4A1-43FA-9AE5-549457AEF0EB}">
+      <dgm:prSet/>
+      <dgm:spPr/>
+      <dgm:t>
+        <a:bodyPr/>
+        <a:lstStyle/>
+        <a:p>
+          <a:endParaRPr lang="en-US"/>
+        </a:p>
+      </dgm:t>
+    </dgm:pt>
+    <dgm:pt modelId="{D735922B-30B4-4DC3-B52E-40D8F9E74512}" type="sibTrans" cxnId="{A9A499A4-A4A1-43FA-9AE5-549457AEF0EB}">
+      <dgm:prSet/>
+      <dgm:spPr/>
+      <dgm:t>
+        <a:bodyPr/>
+        <a:lstStyle/>
+        <a:p>
+          <a:endParaRPr lang="en-US"/>
+        </a:p>
+      </dgm:t>
+    </dgm:pt>
+    <dgm:pt modelId="{2FFB29D3-396D-4440-A345-63015CAC03F9}">
+      <dgm:prSet/>
+      <dgm:spPr/>
+      <dgm:t>
+        <a:bodyPr/>
+        <a:lstStyle/>
+        <a:p>
+          <a:r>
+            <a:rPr lang="en-US" b="1" dirty="0"/>
+            <a:t>PRODUKT</a:t>
+          </a:r>
+          <a:endParaRPr lang="en-US" dirty="0"/>
+        </a:p>
+      </dgm:t>
+    </dgm:pt>
+    <dgm:pt modelId="{19A3B866-7146-4A48-8F87-1294258606A1}" type="parTrans" cxnId="{D575D516-7B24-43F2-9E32-89B558237DEE}">
+      <dgm:prSet/>
+      <dgm:spPr/>
+      <dgm:t>
+        <a:bodyPr/>
+        <a:lstStyle/>
+        <a:p>
+          <a:endParaRPr lang="en-US"/>
+        </a:p>
+      </dgm:t>
+    </dgm:pt>
+    <dgm:pt modelId="{C922670D-722C-4ED6-9F87-98807B2C1FA4}" type="sibTrans" cxnId="{D575D516-7B24-43F2-9E32-89B558237DEE}">
+      <dgm:prSet/>
+      <dgm:spPr/>
+      <dgm:t>
+        <a:bodyPr/>
+        <a:lstStyle/>
+        <a:p>
+          <a:endParaRPr lang="en-US"/>
+        </a:p>
+      </dgm:t>
+    </dgm:pt>
+    <dgm:pt modelId="{8417F274-2D85-4824-BFF4-CCAE695771B9}">
+      <dgm:prSet/>
+      <dgm:spPr/>
+      <dgm:t>
+        <a:bodyPr/>
+        <a:lstStyle/>
+        <a:p>
+          <a:r>
+            <a:rPr lang="sk-SK" b="1" dirty="0"/>
+            <a:t>ZÁVER</a:t>
+          </a:r>
+          <a:endParaRPr lang="en-US" dirty="0"/>
+        </a:p>
+      </dgm:t>
+    </dgm:pt>
+    <dgm:pt modelId="{AD369F3C-DDF0-4E98-B455-548DF82E0E35}" type="parTrans" cxnId="{DB5C6C03-C0A4-4DB7-865B-24C7DFD86CBF}">
+      <dgm:prSet/>
+      <dgm:spPr/>
+      <dgm:t>
+        <a:bodyPr/>
+        <a:lstStyle/>
+        <a:p>
+          <a:endParaRPr lang="en-US"/>
+        </a:p>
+      </dgm:t>
+    </dgm:pt>
+    <dgm:pt modelId="{79B60998-2904-4D14-A87A-14EF308E8D18}" type="sibTrans" cxnId="{DB5C6C03-C0A4-4DB7-865B-24C7DFD86CBF}">
+      <dgm:prSet/>
+      <dgm:spPr/>
+      <dgm:t>
+        <a:bodyPr/>
+        <a:lstStyle/>
+        <a:p>
+          <a:endParaRPr lang="en-US"/>
+        </a:p>
+      </dgm:t>
+    </dgm:pt>
+    <dgm:pt modelId="{1BC506D0-8CDC-4B95-9DC0-EA7262DBD969}">
+      <dgm:prSet/>
+      <dgm:spPr/>
+      <dgm:t>
+        <a:bodyPr/>
+        <a:lstStyle/>
+        <a:p>
+          <a:r>
+            <a:rPr lang="sk-SK" b="1" dirty="0"/>
+            <a:t>ZDROJE</a:t>
+          </a:r>
+          <a:endParaRPr lang="en-US" dirty="0"/>
+        </a:p>
+      </dgm:t>
+    </dgm:pt>
+    <dgm:pt modelId="{5BD51CA3-3154-442B-870B-147DF4133FBA}" type="parTrans" cxnId="{5880F089-D3E7-4437-AF40-290578FCCBCC}">
+      <dgm:prSet/>
+      <dgm:spPr/>
+      <dgm:t>
+        <a:bodyPr/>
+        <a:lstStyle/>
+        <a:p>
+          <a:endParaRPr lang="en-US"/>
+        </a:p>
+      </dgm:t>
+    </dgm:pt>
+    <dgm:pt modelId="{D88A14E0-70EB-4039-83E8-CB98DEBB44EB}" type="sibTrans" cxnId="{5880F089-D3E7-4437-AF40-290578FCCBCC}">
+      <dgm:prSet/>
+      <dgm:spPr/>
+      <dgm:t>
+        <a:bodyPr/>
+        <a:lstStyle/>
+        <a:p>
+          <a:endParaRPr lang="en-US"/>
+        </a:p>
+      </dgm:t>
+    </dgm:pt>
+    <dgm:pt modelId="{8F098792-6DA9-4DC0-9DEE-D33B29B27E19}" type="pres">
+      <dgm:prSet presAssocID="{15E82526-692B-4773-A2C4-153FA973E1BF}" presName="vert0" presStyleCnt="0">
+        <dgm:presLayoutVars>
+          <dgm:dir/>
+          <dgm:animOne val="branch"/>
+          <dgm:animLvl val="lvl"/>
+        </dgm:presLayoutVars>
+      </dgm:prSet>
+      <dgm:spPr/>
+    </dgm:pt>
+    <dgm:pt modelId="{A91D4DB9-EA9F-4D85-A532-BE4D362738D5}" type="pres">
+      <dgm:prSet presAssocID="{5B408595-CB77-44EA-8608-65072CC4B0C0}" presName="thickLine" presStyleLbl="alignNode1" presStyleIdx="0" presStyleCnt="6"/>
+      <dgm:spPr/>
+    </dgm:pt>
+    <dgm:pt modelId="{8C2825F9-1EC8-4DAD-A636-407EE114236A}" type="pres">
+      <dgm:prSet presAssocID="{5B408595-CB77-44EA-8608-65072CC4B0C0}" presName="horz1" presStyleCnt="0"/>
+      <dgm:spPr/>
+    </dgm:pt>
+    <dgm:pt modelId="{E076DF45-EA24-4A32-B248-4ED59944F101}" type="pres">
+      <dgm:prSet presAssocID="{5B408595-CB77-44EA-8608-65072CC4B0C0}" presName="tx1" presStyleLbl="revTx" presStyleIdx="0" presStyleCnt="6"/>
+      <dgm:spPr/>
+    </dgm:pt>
+    <dgm:pt modelId="{190F7FE2-4205-4B93-B5B8-13B05C9543FB}" type="pres">
+      <dgm:prSet presAssocID="{5B408595-CB77-44EA-8608-65072CC4B0C0}" presName="vert1" presStyleCnt="0"/>
+      <dgm:spPr/>
+    </dgm:pt>
+    <dgm:pt modelId="{B686DE96-51BB-4D3E-81FF-73D2D5335B85}" type="pres">
+      <dgm:prSet presAssocID="{1B3C9479-B225-448B-868F-164E2A92A2E0}" presName="thickLine" presStyleLbl="alignNode1" presStyleIdx="1" presStyleCnt="6"/>
+      <dgm:spPr/>
+    </dgm:pt>
+    <dgm:pt modelId="{E97834B3-09DE-4365-B4AB-0CFA11085D40}" type="pres">
+      <dgm:prSet presAssocID="{1B3C9479-B225-448B-868F-164E2A92A2E0}" presName="horz1" presStyleCnt="0"/>
+      <dgm:spPr/>
+    </dgm:pt>
+    <dgm:pt modelId="{8F6B4D19-6E9F-4998-85B2-08292CDEF301}" type="pres">
+      <dgm:prSet presAssocID="{1B3C9479-B225-448B-868F-164E2A92A2E0}" presName="tx1" presStyleLbl="revTx" presStyleIdx="1" presStyleCnt="6"/>
+      <dgm:spPr/>
+    </dgm:pt>
+    <dgm:pt modelId="{0FDF8B70-05C3-4543-8060-1AE286BED0B4}" type="pres">
+      <dgm:prSet presAssocID="{1B3C9479-B225-448B-868F-164E2A92A2E0}" presName="vert1" presStyleCnt="0"/>
+      <dgm:spPr/>
+    </dgm:pt>
+    <dgm:pt modelId="{BEE798BD-3356-477F-99E4-C9AA25D25F06}" type="pres">
+      <dgm:prSet presAssocID="{75BD2E9A-BD53-4F29-8C88-86CD8C750D03}" presName="thickLine" presStyleLbl="alignNode1" presStyleIdx="2" presStyleCnt="6"/>
+      <dgm:spPr/>
+    </dgm:pt>
+    <dgm:pt modelId="{00045B98-9569-463A-BAA3-DC2334C6034E}" type="pres">
+      <dgm:prSet presAssocID="{75BD2E9A-BD53-4F29-8C88-86CD8C750D03}" presName="horz1" presStyleCnt="0"/>
+      <dgm:spPr/>
+    </dgm:pt>
+    <dgm:pt modelId="{F98D690C-7217-4BEF-A893-4BACB1619A24}" type="pres">
+      <dgm:prSet presAssocID="{75BD2E9A-BD53-4F29-8C88-86CD8C750D03}" presName="tx1" presStyleLbl="revTx" presStyleIdx="2" presStyleCnt="6"/>
+      <dgm:spPr/>
+    </dgm:pt>
+    <dgm:pt modelId="{BFA9691C-6A7C-4235-AC38-B0823BD2D752}" type="pres">
+      <dgm:prSet presAssocID="{75BD2E9A-BD53-4F29-8C88-86CD8C750D03}" presName="vert1" presStyleCnt="0"/>
+      <dgm:spPr/>
+    </dgm:pt>
+    <dgm:pt modelId="{20220573-B6D3-4FAF-913D-2B0DD8F0BD53}" type="pres">
+      <dgm:prSet presAssocID="{2FFB29D3-396D-4440-A345-63015CAC03F9}" presName="thickLine" presStyleLbl="alignNode1" presStyleIdx="3" presStyleCnt="6"/>
+      <dgm:spPr/>
+    </dgm:pt>
+    <dgm:pt modelId="{3C47A280-F8FA-44AE-880A-2D031956EE6B}" type="pres">
+      <dgm:prSet presAssocID="{2FFB29D3-396D-4440-A345-63015CAC03F9}" presName="horz1" presStyleCnt="0"/>
+      <dgm:spPr/>
+    </dgm:pt>
+    <dgm:pt modelId="{142A1F54-69F0-4517-9C37-E807DAC227FA}" type="pres">
+      <dgm:prSet presAssocID="{2FFB29D3-396D-4440-A345-63015CAC03F9}" presName="tx1" presStyleLbl="revTx" presStyleIdx="3" presStyleCnt="6"/>
+      <dgm:spPr/>
+    </dgm:pt>
+    <dgm:pt modelId="{0BCF027D-791C-4391-8EEE-78073F684E3E}" type="pres">
+      <dgm:prSet presAssocID="{2FFB29D3-396D-4440-A345-63015CAC03F9}" presName="vert1" presStyleCnt="0"/>
+      <dgm:spPr/>
+    </dgm:pt>
+    <dgm:pt modelId="{12F34563-F6AD-4553-BEF3-3A815662CAD0}" type="pres">
+      <dgm:prSet presAssocID="{8417F274-2D85-4824-BFF4-CCAE695771B9}" presName="thickLine" presStyleLbl="alignNode1" presStyleIdx="4" presStyleCnt="6"/>
+      <dgm:spPr/>
+    </dgm:pt>
+    <dgm:pt modelId="{77C12EB2-EC19-4351-8CEF-8349D8D787CA}" type="pres">
+      <dgm:prSet presAssocID="{8417F274-2D85-4824-BFF4-CCAE695771B9}" presName="horz1" presStyleCnt="0"/>
+      <dgm:spPr/>
+    </dgm:pt>
+    <dgm:pt modelId="{F59ECF4A-3D0E-4068-9CDC-63B9586B27CE}" type="pres">
+      <dgm:prSet presAssocID="{8417F274-2D85-4824-BFF4-CCAE695771B9}" presName="tx1" presStyleLbl="revTx" presStyleIdx="4" presStyleCnt="6"/>
+      <dgm:spPr/>
+    </dgm:pt>
+    <dgm:pt modelId="{F4CA9568-5336-4F6A-8499-ACE933C1FE54}" type="pres">
+      <dgm:prSet presAssocID="{8417F274-2D85-4824-BFF4-CCAE695771B9}" presName="vert1" presStyleCnt="0"/>
+      <dgm:spPr/>
+    </dgm:pt>
+    <dgm:pt modelId="{8901CB2D-1DA2-45BF-ADD1-8C49F84D7439}" type="pres">
+      <dgm:prSet presAssocID="{1BC506D0-8CDC-4B95-9DC0-EA7262DBD969}" presName="thickLine" presStyleLbl="alignNode1" presStyleIdx="5" presStyleCnt="6"/>
+      <dgm:spPr/>
+    </dgm:pt>
+    <dgm:pt modelId="{BBD9070B-E93F-49F1-AA69-6A3343CD42D0}" type="pres">
+      <dgm:prSet presAssocID="{1BC506D0-8CDC-4B95-9DC0-EA7262DBD969}" presName="horz1" presStyleCnt="0"/>
+      <dgm:spPr/>
+    </dgm:pt>
+    <dgm:pt modelId="{1193ED23-D1B9-4EAA-A4FA-E55093500CF0}" type="pres">
+      <dgm:prSet presAssocID="{1BC506D0-8CDC-4B95-9DC0-EA7262DBD969}" presName="tx1" presStyleLbl="revTx" presStyleIdx="5" presStyleCnt="6"/>
+      <dgm:spPr/>
+    </dgm:pt>
+    <dgm:pt modelId="{10F20A30-9373-4E8E-9FEC-08783024BBC4}" type="pres">
+      <dgm:prSet presAssocID="{1BC506D0-8CDC-4B95-9DC0-EA7262DBD969}" presName="vert1" presStyleCnt="0"/>
+      <dgm:spPr/>
+    </dgm:pt>
+  </dgm:ptLst>
+  <dgm:cxnLst>
+    <dgm:cxn modelId="{DB5C6C03-C0A4-4DB7-865B-24C7DFD86CBF}" srcId="{15E82526-692B-4773-A2C4-153FA973E1BF}" destId="{8417F274-2D85-4824-BFF4-CCAE695771B9}" srcOrd="4" destOrd="0" parTransId="{AD369F3C-DDF0-4E98-B455-548DF82E0E35}" sibTransId="{79B60998-2904-4D14-A87A-14EF308E8D18}"/>
+    <dgm:cxn modelId="{F6C21A09-35A9-402E-AE8A-196F6F9B3957}" type="presOf" srcId="{1B3C9479-B225-448B-868F-164E2A92A2E0}" destId="{8F6B4D19-6E9F-4998-85B2-08292CDEF301}" srcOrd="0" destOrd="0" presId="urn:microsoft.com/office/officeart/2008/layout/LinedList"/>
+    <dgm:cxn modelId="{06B8B00F-EEBE-4706-A5CB-B8B503035886}" type="presOf" srcId="{2FFB29D3-396D-4440-A345-63015CAC03F9}" destId="{142A1F54-69F0-4517-9C37-E807DAC227FA}" srcOrd="0" destOrd="0" presId="urn:microsoft.com/office/officeart/2008/layout/LinedList"/>
+    <dgm:cxn modelId="{D575D516-7B24-43F2-9E32-89B558237DEE}" srcId="{15E82526-692B-4773-A2C4-153FA973E1BF}" destId="{2FFB29D3-396D-4440-A345-63015CAC03F9}" srcOrd="3" destOrd="0" parTransId="{19A3B866-7146-4A48-8F87-1294258606A1}" sibTransId="{C922670D-722C-4ED6-9F87-98807B2C1FA4}"/>
+    <dgm:cxn modelId="{97170317-BD3F-421F-A038-7E47E0277311}" type="presOf" srcId="{5B408595-CB77-44EA-8608-65072CC4B0C0}" destId="{E076DF45-EA24-4A32-B248-4ED59944F101}" srcOrd="0" destOrd="0" presId="urn:microsoft.com/office/officeart/2008/layout/LinedList"/>
+    <dgm:cxn modelId="{60BF3131-F46D-463A-BC1B-746A9BB7CDE9}" srcId="{15E82526-692B-4773-A2C4-153FA973E1BF}" destId="{5B408595-CB77-44EA-8608-65072CC4B0C0}" srcOrd="0" destOrd="0" parTransId="{14068224-DCB1-4252-89F9-FC6C929019C3}" sibTransId="{81056262-1AC3-4B0E-8C97-C890F2FB9951}"/>
+    <dgm:cxn modelId="{EFED326F-5BC8-459D-BC34-752882AD1C12}" type="presOf" srcId="{1BC506D0-8CDC-4B95-9DC0-EA7262DBD969}" destId="{1193ED23-D1B9-4EAA-A4FA-E55093500CF0}" srcOrd="0" destOrd="0" presId="urn:microsoft.com/office/officeart/2008/layout/LinedList"/>
+    <dgm:cxn modelId="{3B7B8A57-62CC-446D-A122-102A620948CA}" srcId="{15E82526-692B-4773-A2C4-153FA973E1BF}" destId="{1B3C9479-B225-448B-868F-164E2A92A2E0}" srcOrd="1" destOrd="0" parTransId="{784E9C0F-11C1-4462-9800-7E0402C895DE}" sibTransId="{F74774FE-07E0-483A-A6CF-F581DCD6A322}"/>
+    <dgm:cxn modelId="{08D1B97C-3248-45AE-A9BD-AB9F951CFE99}" type="presOf" srcId="{15E82526-692B-4773-A2C4-153FA973E1BF}" destId="{8F098792-6DA9-4DC0-9DEE-D33B29B27E19}" srcOrd="0" destOrd="0" presId="urn:microsoft.com/office/officeart/2008/layout/LinedList"/>
+    <dgm:cxn modelId="{4CB56281-5D11-4B92-915F-B3F3B426F6A7}" type="presOf" srcId="{8417F274-2D85-4824-BFF4-CCAE695771B9}" destId="{F59ECF4A-3D0E-4068-9CDC-63B9586B27CE}" srcOrd="0" destOrd="0" presId="urn:microsoft.com/office/officeart/2008/layout/LinedList"/>
+    <dgm:cxn modelId="{5880F089-D3E7-4437-AF40-290578FCCBCC}" srcId="{15E82526-692B-4773-A2C4-153FA973E1BF}" destId="{1BC506D0-8CDC-4B95-9DC0-EA7262DBD969}" srcOrd="5" destOrd="0" parTransId="{5BD51CA3-3154-442B-870B-147DF4133FBA}" sibTransId="{D88A14E0-70EB-4039-83E8-CB98DEBB44EB}"/>
+    <dgm:cxn modelId="{11DD5692-3ED5-480B-8FAA-2EE30FF0FB14}" type="presOf" srcId="{75BD2E9A-BD53-4F29-8C88-86CD8C750D03}" destId="{F98D690C-7217-4BEF-A893-4BACB1619A24}" srcOrd="0" destOrd="0" presId="urn:microsoft.com/office/officeart/2008/layout/LinedList"/>
+    <dgm:cxn modelId="{A9A499A4-A4A1-43FA-9AE5-549457AEF0EB}" srcId="{15E82526-692B-4773-A2C4-153FA973E1BF}" destId="{75BD2E9A-BD53-4F29-8C88-86CD8C750D03}" srcOrd="2" destOrd="0" parTransId="{309F2FF1-E569-427D-B337-FF79BE91F1EA}" sibTransId="{D735922B-30B4-4DC3-B52E-40D8F9E74512}"/>
+    <dgm:cxn modelId="{E6A84B98-D456-4AFC-8DA9-983464EE48F6}" type="presParOf" srcId="{8F098792-6DA9-4DC0-9DEE-D33B29B27E19}" destId="{A91D4DB9-EA9F-4D85-A532-BE4D362738D5}" srcOrd="0" destOrd="0" presId="urn:microsoft.com/office/officeart/2008/layout/LinedList"/>
+    <dgm:cxn modelId="{7184F919-53DF-4B7C-9F42-7143876C91BB}" type="presParOf" srcId="{8F098792-6DA9-4DC0-9DEE-D33B29B27E19}" destId="{8C2825F9-1EC8-4DAD-A636-407EE114236A}" srcOrd="1" destOrd="0" presId="urn:microsoft.com/office/officeart/2008/layout/LinedList"/>
+    <dgm:cxn modelId="{61357314-6FC7-4F0A-8375-444FC73F1F51}" type="presParOf" srcId="{8C2825F9-1EC8-4DAD-A636-407EE114236A}" destId="{E076DF45-EA24-4A32-B248-4ED59944F101}" srcOrd="0" destOrd="0" presId="urn:microsoft.com/office/officeart/2008/layout/LinedList"/>
+    <dgm:cxn modelId="{1FB62D71-F324-4B18-86E7-421D1710F259}" type="presParOf" srcId="{8C2825F9-1EC8-4DAD-A636-407EE114236A}" destId="{190F7FE2-4205-4B93-B5B8-13B05C9543FB}" srcOrd="1" destOrd="0" presId="urn:microsoft.com/office/officeart/2008/layout/LinedList"/>
+    <dgm:cxn modelId="{FACCA03F-8948-4A8C-9FD0-2C0E000F8D12}" type="presParOf" srcId="{8F098792-6DA9-4DC0-9DEE-D33B29B27E19}" destId="{B686DE96-51BB-4D3E-81FF-73D2D5335B85}" srcOrd="2" destOrd="0" presId="urn:microsoft.com/office/officeart/2008/layout/LinedList"/>
+    <dgm:cxn modelId="{BB5D373C-53A0-408E-9E00-464CE0BD58FB}" type="presParOf" srcId="{8F098792-6DA9-4DC0-9DEE-D33B29B27E19}" destId="{E97834B3-09DE-4365-B4AB-0CFA11085D40}" srcOrd="3" destOrd="0" presId="urn:microsoft.com/office/officeart/2008/layout/LinedList"/>
+    <dgm:cxn modelId="{80274A7D-A724-48CA-8B10-F3BD1F47F308}" type="presParOf" srcId="{E97834B3-09DE-4365-B4AB-0CFA11085D40}" destId="{8F6B4D19-6E9F-4998-85B2-08292CDEF301}" srcOrd="0" destOrd="0" presId="urn:microsoft.com/office/officeart/2008/layout/LinedList"/>
+    <dgm:cxn modelId="{06ABD4ED-0067-4DB8-AB5F-3D3E76C8989F}" type="presParOf" srcId="{E97834B3-09DE-4365-B4AB-0CFA11085D40}" destId="{0FDF8B70-05C3-4543-8060-1AE286BED0B4}" srcOrd="1" destOrd="0" presId="urn:microsoft.com/office/officeart/2008/layout/LinedList"/>
+    <dgm:cxn modelId="{4E7CC74B-517D-4D6D-8994-4257C04F3924}" type="presParOf" srcId="{8F098792-6DA9-4DC0-9DEE-D33B29B27E19}" destId="{BEE798BD-3356-477F-99E4-C9AA25D25F06}" srcOrd="4" destOrd="0" presId="urn:microsoft.com/office/officeart/2008/layout/LinedList"/>
+    <dgm:cxn modelId="{25BCD3EC-0451-4E4F-8058-6D958EB96507}" type="presParOf" srcId="{8F098792-6DA9-4DC0-9DEE-D33B29B27E19}" destId="{00045B98-9569-463A-BAA3-DC2334C6034E}" srcOrd="5" destOrd="0" presId="urn:microsoft.com/office/officeart/2008/layout/LinedList"/>
+    <dgm:cxn modelId="{FE4325DF-68C3-4A9E-9EC0-B3F794DC687B}" type="presParOf" srcId="{00045B98-9569-463A-BAA3-DC2334C6034E}" destId="{F98D690C-7217-4BEF-A893-4BACB1619A24}" srcOrd="0" destOrd="0" presId="urn:microsoft.com/office/officeart/2008/layout/LinedList"/>
+    <dgm:cxn modelId="{07CF6158-CA31-4009-A9CE-650F3A831D80}" type="presParOf" srcId="{00045B98-9569-463A-BAA3-DC2334C6034E}" destId="{BFA9691C-6A7C-4235-AC38-B0823BD2D752}" srcOrd="1" destOrd="0" presId="urn:microsoft.com/office/officeart/2008/layout/LinedList"/>
+    <dgm:cxn modelId="{7378F086-085E-41DE-814F-32738C3D666B}" type="presParOf" srcId="{8F098792-6DA9-4DC0-9DEE-D33B29B27E19}" destId="{20220573-B6D3-4FAF-913D-2B0DD8F0BD53}" srcOrd="6" destOrd="0" presId="urn:microsoft.com/office/officeart/2008/layout/LinedList"/>
+    <dgm:cxn modelId="{205A93A1-D518-43C9-A851-2541E0AA3111}" type="presParOf" srcId="{8F098792-6DA9-4DC0-9DEE-D33B29B27E19}" destId="{3C47A280-F8FA-44AE-880A-2D031956EE6B}" srcOrd="7" destOrd="0" presId="urn:microsoft.com/office/officeart/2008/layout/LinedList"/>
+    <dgm:cxn modelId="{9E3B2C42-6886-446A-B256-77B9CF9E1C5E}" type="presParOf" srcId="{3C47A280-F8FA-44AE-880A-2D031956EE6B}" destId="{142A1F54-69F0-4517-9C37-E807DAC227FA}" srcOrd="0" destOrd="0" presId="urn:microsoft.com/office/officeart/2008/layout/LinedList"/>
+    <dgm:cxn modelId="{BA07C5A5-E441-41F5-A819-85EBDF9797BE}" type="presParOf" srcId="{3C47A280-F8FA-44AE-880A-2D031956EE6B}" destId="{0BCF027D-791C-4391-8EEE-78073F684E3E}" srcOrd="1" destOrd="0" presId="urn:microsoft.com/office/officeart/2008/layout/LinedList"/>
+    <dgm:cxn modelId="{F1A334C6-2821-45A7-BD31-BCAAFB83B19F}" type="presParOf" srcId="{8F098792-6DA9-4DC0-9DEE-D33B29B27E19}" destId="{12F34563-F6AD-4553-BEF3-3A815662CAD0}" srcOrd="8" destOrd="0" presId="urn:microsoft.com/office/officeart/2008/layout/LinedList"/>
+    <dgm:cxn modelId="{BC41330A-AE77-4032-A655-C46EDDFBAD44}" type="presParOf" srcId="{8F098792-6DA9-4DC0-9DEE-D33B29B27E19}" destId="{77C12EB2-EC19-4351-8CEF-8349D8D787CA}" srcOrd="9" destOrd="0" presId="urn:microsoft.com/office/officeart/2008/layout/LinedList"/>
+    <dgm:cxn modelId="{82548B2A-652F-4E5A-9B97-C42B7667F7EB}" type="presParOf" srcId="{77C12EB2-EC19-4351-8CEF-8349D8D787CA}" destId="{F59ECF4A-3D0E-4068-9CDC-63B9586B27CE}" srcOrd="0" destOrd="0" presId="urn:microsoft.com/office/officeart/2008/layout/LinedList"/>
+    <dgm:cxn modelId="{6D648ADE-5165-4CDC-9177-0040063A517F}" type="presParOf" srcId="{77C12EB2-EC19-4351-8CEF-8349D8D787CA}" destId="{F4CA9568-5336-4F6A-8499-ACE933C1FE54}" srcOrd="1" destOrd="0" presId="urn:microsoft.com/office/officeart/2008/layout/LinedList"/>
+    <dgm:cxn modelId="{D574E598-7DEC-4351-BDC7-29FF86383F62}" type="presParOf" srcId="{8F098792-6DA9-4DC0-9DEE-D33B29B27E19}" destId="{8901CB2D-1DA2-45BF-ADD1-8C49F84D7439}" srcOrd="10" destOrd="0" presId="urn:microsoft.com/office/officeart/2008/layout/LinedList"/>
+    <dgm:cxn modelId="{109E4C95-0C4A-45CC-89FF-DB83E1AEE546}" type="presParOf" srcId="{8F098792-6DA9-4DC0-9DEE-D33B29B27E19}" destId="{BBD9070B-E93F-49F1-AA69-6A3343CD42D0}" srcOrd="11" destOrd="0" presId="urn:microsoft.com/office/officeart/2008/layout/LinedList"/>
+    <dgm:cxn modelId="{D316C633-50F1-41F9-BFD8-2047EA1BEB90}" type="presParOf" srcId="{BBD9070B-E93F-49F1-AA69-6A3343CD42D0}" destId="{1193ED23-D1B9-4EAA-A4FA-E55093500CF0}" srcOrd="0" destOrd="0" presId="urn:microsoft.com/office/officeart/2008/layout/LinedList"/>
+    <dgm:cxn modelId="{AD52E10E-26A2-4E99-A07B-CCB69DC48F79}" type="presParOf" srcId="{BBD9070B-E93F-49F1-AA69-6A3343CD42D0}" destId="{10F20A30-9373-4E8E-9FEC-08783024BBC4}" srcOrd="1" destOrd="0" presId="urn:microsoft.com/office/officeart/2008/layout/LinedList"/>
+  </dgm:cxnLst>
+  <dgm:bg/>
+  <dgm:whole/>
+  <dgm:extLst>
+    <a:ext uri="http://schemas.microsoft.com/office/drawing/2008/diagram">
+      <dsp:dataModelExt xmlns:dsp="http://schemas.microsoft.com/office/drawing/2008/diagram" relId="rId6" minVer="http://schemas.openxmlformats.org/drawingml/2006/diagram"/>
+    </a:ext>
+  </dgm:extLst>
+</dgm:dataModel>
+</file>
+
+<file path=ppt/diagrams/data2.xml><?xml version="1.0" encoding="utf-8"?>
+<dgm:dataModel xmlns:dgm="http://schemas.openxmlformats.org/drawingml/2006/diagram" xmlns:a="http://schemas.openxmlformats.org/drawingml/2006/main">
+  <dgm:ptLst>
+    <dgm:pt modelId="{D2C2D3EA-4BD9-42C5-8C05-59DEF1CA9230}" type="doc">
+      <dgm:prSet loTypeId="urn:microsoft.com/office/officeart/2008/layout/LinedList" loCatId="list" qsTypeId="urn:microsoft.com/office/officeart/2005/8/quickstyle/simple1" qsCatId="simple" csTypeId="urn:microsoft.com/office/officeart/2005/8/colors/accent1_2" csCatId="accent1"/>
+      <dgm:spPr/>
+      <dgm:t>
+        <a:bodyPr/>
+        <a:lstStyle/>
+        <a:p>
+          <a:endParaRPr lang="en-US"/>
+        </a:p>
+      </dgm:t>
+    </dgm:pt>
+    <dgm:pt modelId="{C49C58BC-38D9-4E5D-AEE6-46C4A111B0F9}">
+      <dgm:prSet/>
+      <dgm:spPr/>
+      <dgm:t>
+        <a:bodyPr/>
+        <a:lstStyle/>
+        <a:p>
+          <a:r>
+            <a:rPr lang="sk-SK" b="1"/>
+            <a:t>Funkcie TCP/IP</a:t>
+          </a:r>
+          <a:endParaRPr lang="en-US"/>
+        </a:p>
+      </dgm:t>
+    </dgm:pt>
+    <dgm:pt modelId="{4C5EF7D5-A1F4-43DF-ABA1-1438868A0C8C}" type="parTrans" cxnId="{9AEFD298-7565-4B6A-A302-09CA9D6DFB9A}">
+      <dgm:prSet/>
+      <dgm:spPr/>
+      <dgm:t>
+        <a:bodyPr/>
+        <a:lstStyle/>
+        <a:p>
+          <a:endParaRPr lang="en-US"/>
+        </a:p>
+      </dgm:t>
+    </dgm:pt>
+    <dgm:pt modelId="{3D1AD6C6-E4A8-499D-ADA1-55BE61036232}" type="sibTrans" cxnId="{9AEFD298-7565-4B6A-A302-09CA9D6DFB9A}">
+      <dgm:prSet/>
+      <dgm:spPr/>
+      <dgm:t>
+        <a:bodyPr/>
+        <a:lstStyle/>
+        <a:p>
+          <a:endParaRPr lang="en-US"/>
+        </a:p>
+      </dgm:t>
+    </dgm:pt>
+    <dgm:pt modelId="{2B69D4BD-0BB4-45AC-B777-800B4718A4AD}">
+      <dgm:prSet/>
+      <dgm:spPr/>
+      <dgm:t>
+        <a:bodyPr/>
+        <a:lstStyle/>
+        <a:p>
+          <a:r>
+            <a:rPr lang="sk-SK" b="1"/>
+            <a:t>Vrstvy TCP/IP</a:t>
+          </a:r>
+          <a:endParaRPr lang="en-US"/>
+        </a:p>
+      </dgm:t>
+    </dgm:pt>
+    <dgm:pt modelId="{A406A156-2754-4549-9BFC-C700EA5F4205}" type="parTrans" cxnId="{C1874709-0F74-465D-B9A3-EFA55943949B}">
+      <dgm:prSet/>
+      <dgm:spPr/>
+      <dgm:t>
+        <a:bodyPr/>
+        <a:lstStyle/>
+        <a:p>
+          <a:endParaRPr lang="en-US"/>
+        </a:p>
+      </dgm:t>
+    </dgm:pt>
+    <dgm:pt modelId="{9E060057-DCF3-4CA1-BC6D-255BA59A6B44}" type="sibTrans" cxnId="{C1874709-0F74-465D-B9A3-EFA55943949B}">
+      <dgm:prSet/>
+      <dgm:spPr/>
+      <dgm:t>
+        <a:bodyPr/>
+        <a:lstStyle/>
+        <a:p>
+          <a:endParaRPr lang="en-US"/>
+        </a:p>
+      </dgm:t>
+    </dgm:pt>
+    <dgm:pt modelId="{7A049EEE-5CC3-47DA-9668-12718DA13144}">
+      <dgm:prSet/>
+      <dgm:spPr/>
+      <dgm:t>
+        <a:bodyPr/>
+        <a:lstStyle/>
+        <a:p>
+          <a:r>
+            <a:rPr lang="sk-SK" b="1"/>
+            <a:t>MAC adresa</a:t>
+          </a:r>
+          <a:endParaRPr lang="en-US"/>
+        </a:p>
+      </dgm:t>
+    </dgm:pt>
+    <dgm:pt modelId="{FC3A99A5-4A8A-4322-9815-009A7766531D}" type="parTrans" cxnId="{1E7B471E-3B9C-489F-A148-9B1D3A3EC99B}">
+      <dgm:prSet/>
+      <dgm:spPr/>
+      <dgm:t>
+        <a:bodyPr/>
+        <a:lstStyle/>
+        <a:p>
+          <a:endParaRPr lang="en-US"/>
+        </a:p>
+      </dgm:t>
+    </dgm:pt>
+    <dgm:pt modelId="{53D291FA-DE79-49B5-B842-281EFD245D26}" type="sibTrans" cxnId="{1E7B471E-3B9C-489F-A148-9B1D3A3EC99B}">
+      <dgm:prSet/>
+      <dgm:spPr/>
+      <dgm:t>
+        <a:bodyPr/>
+        <a:lstStyle/>
+        <a:p>
+          <a:endParaRPr lang="en-US"/>
+        </a:p>
+      </dgm:t>
+    </dgm:pt>
+    <dgm:pt modelId="{9D40408A-CF55-4D0F-BD1E-858E33755A62}">
+      <dgm:prSet/>
+      <dgm:spPr/>
+      <dgm:t>
+        <a:bodyPr/>
+        <a:lstStyle/>
+        <a:p>
+          <a:r>
+            <a:rPr lang="sk-SK" b="1"/>
+            <a:t>IP adresa</a:t>
+          </a:r>
+          <a:endParaRPr lang="en-US"/>
+        </a:p>
+      </dgm:t>
+    </dgm:pt>
+    <dgm:pt modelId="{CFFDD7B2-2CAF-4549-86F7-EA8E34F145DF}" type="parTrans" cxnId="{D99174AF-2665-419E-8165-A798D3C080DF}">
+      <dgm:prSet/>
+      <dgm:spPr/>
+      <dgm:t>
+        <a:bodyPr/>
+        <a:lstStyle/>
+        <a:p>
+          <a:endParaRPr lang="en-US"/>
+        </a:p>
+      </dgm:t>
+    </dgm:pt>
+    <dgm:pt modelId="{2E90745D-BD3F-4F36-B632-EB6A4CB981CC}" type="sibTrans" cxnId="{D99174AF-2665-419E-8165-A798D3C080DF}">
+      <dgm:prSet/>
+      <dgm:spPr/>
+      <dgm:t>
+        <a:bodyPr/>
+        <a:lstStyle/>
+        <a:p>
+          <a:endParaRPr lang="en-US"/>
+        </a:p>
+      </dgm:t>
+    </dgm:pt>
+    <dgm:pt modelId="{C3A9341A-BB62-4ED5-A5CB-673D51AC0320}" type="pres">
+      <dgm:prSet presAssocID="{D2C2D3EA-4BD9-42C5-8C05-59DEF1CA9230}" presName="vert0" presStyleCnt="0">
+        <dgm:presLayoutVars>
+          <dgm:dir/>
+          <dgm:animOne val="branch"/>
+          <dgm:animLvl val="lvl"/>
+        </dgm:presLayoutVars>
+      </dgm:prSet>
+      <dgm:spPr/>
+    </dgm:pt>
+    <dgm:pt modelId="{EEBE6954-42E3-4C54-9710-1FD0266F98FB}" type="pres">
+      <dgm:prSet presAssocID="{C49C58BC-38D9-4E5D-AEE6-46C4A111B0F9}" presName="thickLine" presStyleLbl="alignNode1" presStyleIdx="0" presStyleCnt="4"/>
+      <dgm:spPr/>
+    </dgm:pt>
+    <dgm:pt modelId="{39CAFCAF-7250-4963-B15C-2AFF06245FCA}" type="pres">
+      <dgm:prSet presAssocID="{C49C58BC-38D9-4E5D-AEE6-46C4A111B0F9}" presName="horz1" presStyleCnt="0"/>
+      <dgm:spPr/>
+    </dgm:pt>
+    <dgm:pt modelId="{C044C8D2-2D85-4549-B8F0-6A7FE900AE6C}" type="pres">
+      <dgm:prSet presAssocID="{C49C58BC-38D9-4E5D-AEE6-46C4A111B0F9}" presName="tx1" presStyleLbl="revTx" presStyleIdx="0" presStyleCnt="4"/>
+      <dgm:spPr/>
+    </dgm:pt>
+    <dgm:pt modelId="{DB5DE120-7609-48C6-8356-DA359EB3CA71}" type="pres">
+      <dgm:prSet presAssocID="{C49C58BC-38D9-4E5D-AEE6-46C4A111B0F9}" presName="vert1" presStyleCnt="0"/>
+      <dgm:spPr/>
+    </dgm:pt>
+    <dgm:pt modelId="{F942B7DF-05D2-4635-BAE2-3BCB0ACF94E6}" type="pres">
+      <dgm:prSet presAssocID="{2B69D4BD-0BB4-45AC-B777-800B4718A4AD}" presName="thickLine" presStyleLbl="alignNode1" presStyleIdx="1" presStyleCnt="4"/>
+      <dgm:spPr/>
+    </dgm:pt>
+    <dgm:pt modelId="{F5F8FD70-0AFC-47C6-8C5C-F07D73E9F6AE}" type="pres">
+      <dgm:prSet presAssocID="{2B69D4BD-0BB4-45AC-B777-800B4718A4AD}" presName="horz1" presStyleCnt="0"/>
+      <dgm:spPr/>
+    </dgm:pt>
+    <dgm:pt modelId="{D3FD8BF9-E856-4B3A-8522-831E68FE6E9A}" type="pres">
+      <dgm:prSet presAssocID="{2B69D4BD-0BB4-45AC-B777-800B4718A4AD}" presName="tx1" presStyleLbl="revTx" presStyleIdx="1" presStyleCnt="4"/>
+      <dgm:spPr/>
+    </dgm:pt>
+    <dgm:pt modelId="{85A76442-9DF8-4C65-AC65-931555F4868A}" type="pres">
+      <dgm:prSet presAssocID="{2B69D4BD-0BB4-45AC-B777-800B4718A4AD}" presName="vert1" presStyleCnt="0"/>
+      <dgm:spPr/>
+    </dgm:pt>
+    <dgm:pt modelId="{F2187FD5-8BAC-43CC-97F2-8C9847E722B7}" type="pres">
+      <dgm:prSet presAssocID="{7A049EEE-5CC3-47DA-9668-12718DA13144}" presName="thickLine" presStyleLbl="alignNode1" presStyleIdx="2" presStyleCnt="4"/>
+      <dgm:spPr/>
+    </dgm:pt>
+    <dgm:pt modelId="{79A7F1D1-F2DF-4B59-AA9A-81C38C5287EF}" type="pres">
+      <dgm:prSet presAssocID="{7A049EEE-5CC3-47DA-9668-12718DA13144}" presName="horz1" presStyleCnt="0"/>
+      <dgm:spPr/>
+    </dgm:pt>
+    <dgm:pt modelId="{AE8A0E14-FF8F-486C-8127-5BA652420B0D}" type="pres">
+      <dgm:prSet presAssocID="{7A049EEE-5CC3-47DA-9668-12718DA13144}" presName="tx1" presStyleLbl="revTx" presStyleIdx="2" presStyleCnt="4"/>
+      <dgm:spPr/>
+    </dgm:pt>
+    <dgm:pt modelId="{FFC9E6E1-F6ED-496B-8D0A-7383173C3675}" type="pres">
+      <dgm:prSet presAssocID="{7A049EEE-5CC3-47DA-9668-12718DA13144}" presName="vert1" presStyleCnt="0"/>
+      <dgm:spPr/>
+    </dgm:pt>
+    <dgm:pt modelId="{4AD1CEF4-9E4F-47BD-88B8-2A1EB0969474}" type="pres">
+      <dgm:prSet presAssocID="{9D40408A-CF55-4D0F-BD1E-858E33755A62}" presName="thickLine" presStyleLbl="alignNode1" presStyleIdx="3" presStyleCnt="4"/>
+      <dgm:spPr/>
+    </dgm:pt>
+    <dgm:pt modelId="{CDBDF5C3-9DB5-49DE-9193-C7208EFB165E}" type="pres">
+      <dgm:prSet presAssocID="{9D40408A-CF55-4D0F-BD1E-858E33755A62}" presName="horz1" presStyleCnt="0"/>
+      <dgm:spPr/>
+    </dgm:pt>
+    <dgm:pt modelId="{AF765003-4FA9-4DDE-88E1-04A4A9A4F622}" type="pres">
+      <dgm:prSet presAssocID="{9D40408A-CF55-4D0F-BD1E-858E33755A62}" presName="tx1" presStyleLbl="revTx" presStyleIdx="3" presStyleCnt="4"/>
+      <dgm:spPr/>
+    </dgm:pt>
+    <dgm:pt modelId="{7805C8DA-03D6-4AC5-83F0-EA4CB6B485CD}" type="pres">
+      <dgm:prSet presAssocID="{9D40408A-CF55-4D0F-BD1E-858E33755A62}" presName="vert1" presStyleCnt="0"/>
+      <dgm:spPr/>
+    </dgm:pt>
+  </dgm:ptLst>
+  <dgm:cxnLst>
+    <dgm:cxn modelId="{C1874709-0F74-465D-B9A3-EFA55943949B}" srcId="{D2C2D3EA-4BD9-42C5-8C05-59DEF1CA9230}" destId="{2B69D4BD-0BB4-45AC-B777-800B4718A4AD}" srcOrd="1" destOrd="0" parTransId="{A406A156-2754-4549-9BFC-C700EA5F4205}" sibTransId="{9E060057-DCF3-4CA1-BC6D-255BA59A6B44}"/>
+    <dgm:cxn modelId="{1E7B471E-3B9C-489F-A148-9B1D3A3EC99B}" srcId="{D2C2D3EA-4BD9-42C5-8C05-59DEF1CA9230}" destId="{7A049EEE-5CC3-47DA-9668-12718DA13144}" srcOrd="2" destOrd="0" parTransId="{FC3A99A5-4A8A-4322-9815-009A7766531D}" sibTransId="{53D291FA-DE79-49B5-B842-281EFD245D26}"/>
+    <dgm:cxn modelId="{E714172A-E829-4DB5-BEF4-26154C40BE04}" type="presOf" srcId="{D2C2D3EA-4BD9-42C5-8C05-59DEF1CA9230}" destId="{C3A9341A-BB62-4ED5-A5CB-673D51AC0320}" srcOrd="0" destOrd="0" presId="urn:microsoft.com/office/officeart/2008/layout/LinedList"/>
+    <dgm:cxn modelId="{3B47E73C-6245-4A96-99A4-5C8A09E2E36D}" type="presOf" srcId="{9D40408A-CF55-4D0F-BD1E-858E33755A62}" destId="{AF765003-4FA9-4DDE-88E1-04A4A9A4F622}" srcOrd="0" destOrd="0" presId="urn:microsoft.com/office/officeart/2008/layout/LinedList"/>
+    <dgm:cxn modelId="{C5DF548D-F490-428C-9C93-E8C349E00557}" type="presOf" srcId="{C49C58BC-38D9-4E5D-AEE6-46C4A111B0F9}" destId="{C044C8D2-2D85-4549-B8F0-6A7FE900AE6C}" srcOrd="0" destOrd="0" presId="urn:microsoft.com/office/officeart/2008/layout/LinedList"/>
+    <dgm:cxn modelId="{9AEFD298-7565-4B6A-A302-09CA9D6DFB9A}" srcId="{D2C2D3EA-4BD9-42C5-8C05-59DEF1CA9230}" destId="{C49C58BC-38D9-4E5D-AEE6-46C4A111B0F9}" srcOrd="0" destOrd="0" parTransId="{4C5EF7D5-A1F4-43DF-ABA1-1438868A0C8C}" sibTransId="{3D1AD6C6-E4A8-499D-ADA1-55BE61036232}"/>
+    <dgm:cxn modelId="{4C0EA0AC-8E0D-4748-909F-B511F6551491}" type="presOf" srcId="{2B69D4BD-0BB4-45AC-B777-800B4718A4AD}" destId="{D3FD8BF9-E856-4B3A-8522-831E68FE6E9A}" srcOrd="0" destOrd="0" presId="urn:microsoft.com/office/officeart/2008/layout/LinedList"/>
+    <dgm:cxn modelId="{D99174AF-2665-419E-8165-A798D3C080DF}" srcId="{D2C2D3EA-4BD9-42C5-8C05-59DEF1CA9230}" destId="{9D40408A-CF55-4D0F-BD1E-858E33755A62}" srcOrd="3" destOrd="0" parTransId="{CFFDD7B2-2CAF-4549-86F7-EA8E34F145DF}" sibTransId="{2E90745D-BD3F-4F36-B632-EB6A4CB981CC}"/>
+    <dgm:cxn modelId="{737090CF-A56E-4303-935A-5F6DC9D3EC15}" type="presOf" srcId="{7A049EEE-5CC3-47DA-9668-12718DA13144}" destId="{AE8A0E14-FF8F-486C-8127-5BA652420B0D}" srcOrd="0" destOrd="0" presId="urn:microsoft.com/office/officeart/2008/layout/LinedList"/>
+    <dgm:cxn modelId="{CAB42F0B-73F0-4516-96C5-4A0DA8F293C2}" type="presParOf" srcId="{C3A9341A-BB62-4ED5-A5CB-673D51AC0320}" destId="{EEBE6954-42E3-4C54-9710-1FD0266F98FB}" srcOrd="0" destOrd="0" presId="urn:microsoft.com/office/officeart/2008/layout/LinedList"/>
+    <dgm:cxn modelId="{8FC13FFE-3EE7-49BC-82DE-CC7B47F15D53}" type="presParOf" srcId="{C3A9341A-BB62-4ED5-A5CB-673D51AC0320}" destId="{39CAFCAF-7250-4963-B15C-2AFF06245FCA}" srcOrd="1" destOrd="0" presId="urn:microsoft.com/office/officeart/2008/layout/LinedList"/>
+    <dgm:cxn modelId="{27433CCD-5463-4DF3-92FE-3F059C579C15}" type="presParOf" srcId="{39CAFCAF-7250-4963-B15C-2AFF06245FCA}" destId="{C044C8D2-2D85-4549-B8F0-6A7FE900AE6C}" srcOrd="0" destOrd="0" presId="urn:microsoft.com/office/officeart/2008/layout/LinedList"/>
+    <dgm:cxn modelId="{C4734128-60F8-48C1-8D7B-EEECBD14E4C1}" type="presParOf" srcId="{39CAFCAF-7250-4963-B15C-2AFF06245FCA}" destId="{DB5DE120-7609-48C6-8356-DA359EB3CA71}" srcOrd="1" destOrd="0" presId="urn:microsoft.com/office/officeart/2008/layout/LinedList"/>
+    <dgm:cxn modelId="{B37A522B-1D1C-4DBF-AA2A-8F4D9B7BEAA3}" type="presParOf" srcId="{C3A9341A-BB62-4ED5-A5CB-673D51AC0320}" destId="{F942B7DF-05D2-4635-BAE2-3BCB0ACF94E6}" srcOrd="2" destOrd="0" presId="urn:microsoft.com/office/officeart/2008/layout/LinedList"/>
+    <dgm:cxn modelId="{E343C1F3-D39B-4381-B826-B2ABE7A6EB22}" type="presParOf" srcId="{C3A9341A-BB62-4ED5-A5CB-673D51AC0320}" destId="{F5F8FD70-0AFC-47C6-8C5C-F07D73E9F6AE}" srcOrd="3" destOrd="0" presId="urn:microsoft.com/office/officeart/2008/layout/LinedList"/>
+    <dgm:cxn modelId="{67E89BA9-582E-4DF3-95E8-05C0438199F4}" type="presParOf" srcId="{F5F8FD70-0AFC-47C6-8C5C-F07D73E9F6AE}" destId="{D3FD8BF9-E856-4B3A-8522-831E68FE6E9A}" srcOrd="0" destOrd="0" presId="urn:microsoft.com/office/officeart/2008/layout/LinedList"/>
+    <dgm:cxn modelId="{62020A77-8C63-4B86-B255-3791F8DCAF82}" type="presParOf" srcId="{F5F8FD70-0AFC-47C6-8C5C-F07D73E9F6AE}" destId="{85A76442-9DF8-4C65-AC65-931555F4868A}" srcOrd="1" destOrd="0" presId="urn:microsoft.com/office/officeart/2008/layout/LinedList"/>
+    <dgm:cxn modelId="{ABFB0BDF-706A-40B7-BB27-49F6C9983FBD}" type="presParOf" srcId="{C3A9341A-BB62-4ED5-A5CB-673D51AC0320}" destId="{F2187FD5-8BAC-43CC-97F2-8C9847E722B7}" srcOrd="4" destOrd="0" presId="urn:microsoft.com/office/officeart/2008/layout/LinedList"/>
+    <dgm:cxn modelId="{C8248DFE-CB31-4D76-A008-B31C14E75402}" type="presParOf" srcId="{C3A9341A-BB62-4ED5-A5CB-673D51AC0320}" destId="{79A7F1D1-F2DF-4B59-AA9A-81C38C5287EF}" srcOrd="5" destOrd="0" presId="urn:microsoft.com/office/officeart/2008/layout/LinedList"/>
+    <dgm:cxn modelId="{FD6BF2C5-D0A5-4F72-AB15-1C1ECD269ED1}" type="presParOf" srcId="{79A7F1D1-F2DF-4B59-AA9A-81C38C5287EF}" destId="{AE8A0E14-FF8F-486C-8127-5BA652420B0D}" srcOrd="0" destOrd="0" presId="urn:microsoft.com/office/officeart/2008/layout/LinedList"/>
+    <dgm:cxn modelId="{C586CCB0-802C-4D34-A3CD-DD6E6E6E6EAA}" type="presParOf" srcId="{79A7F1D1-F2DF-4B59-AA9A-81C38C5287EF}" destId="{FFC9E6E1-F6ED-496B-8D0A-7383173C3675}" srcOrd="1" destOrd="0" presId="urn:microsoft.com/office/officeart/2008/layout/LinedList"/>
+    <dgm:cxn modelId="{39212AE8-D3DB-459C-B0F1-01DA6B1E27A0}" type="presParOf" srcId="{C3A9341A-BB62-4ED5-A5CB-673D51AC0320}" destId="{4AD1CEF4-9E4F-47BD-88B8-2A1EB0969474}" srcOrd="6" destOrd="0" presId="urn:microsoft.com/office/officeart/2008/layout/LinedList"/>
+    <dgm:cxn modelId="{6E276D51-9F41-4BF6-9C0F-C76376DF0F25}" type="presParOf" srcId="{C3A9341A-BB62-4ED5-A5CB-673D51AC0320}" destId="{CDBDF5C3-9DB5-49DE-9193-C7208EFB165E}" srcOrd="7" destOrd="0" presId="urn:microsoft.com/office/officeart/2008/layout/LinedList"/>
+    <dgm:cxn modelId="{4C6E0950-2062-479E-9A3E-A079F980FDAD}" type="presParOf" srcId="{CDBDF5C3-9DB5-49DE-9193-C7208EFB165E}" destId="{AF765003-4FA9-4DDE-88E1-04A4A9A4F622}" srcOrd="0" destOrd="0" presId="urn:microsoft.com/office/officeart/2008/layout/LinedList"/>
+    <dgm:cxn modelId="{4EFC1BAF-D019-4EAB-B911-E192867C1083}" type="presParOf" srcId="{CDBDF5C3-9DB5-49DE-9193-C7208EFB165E}" destId="{7805C8DA-03D6-4AC5-83F0-EA4CB6B485CD}" srcOrd="1" destOrd="0" presId="urn:microsoft.com/office/officeart/2008/layout/LinedList"/>
+  </dgm:cxnLst>
+  <dgm:bg/>
+  <dgm:whole/>
+  <dgm:extLst>
+    <a:ext uri="http://schemas.microsoft.com/office/drawing/2008/diagram">
+      <dsp:dataModelExt xmlns:dsp="http://schemas.microsoft.com/office/drawing/2008/diagram" relId="rId6" minVer="http://schemas.openxmlformats.org/drawingml/2006/diagram"/>
+    </a:ext>
+  </dgm:extLst>
+</dgm:dataModel>
+</file>
+
+<file path=ppt/diagrams/drawing1.xml><?xml version="1.0" encoding="utf-8"?>
+<dsp:drawing xmlns:dgm="http://schemas.openxmlformats.org/drawingml/2006/diagram" xmlns:dsp="http://schemas.microsoft.com/office/drawing/2008/diagram" xmlns:a="http://schemas.openxmlformats.org/drawingml/2006/main">
+  <dsp:spTree>
+    <dsp:nvGrpSpPr>
+      <dsp:cNvPr id="0" name=""/>
+      <dsp:cNvGrpSpPr/>
+    </dsp:nvGrpSpPr>
+    <dsp:grpSpPr/>
+    <dsp:sp modelId="{A91D4DB9-EA9F-4D85-A532-BE4D362738D5}">
+      <dsp:nvSpPr>
+        <dsp:cNvPr id="0" name=""/>
+        <dsp:cNvSpPr/>
+      </dsp:nvSpPr>
+      <dsp:spPr>
+        <a:xfrm>
+          <a:off x="0" y="1757"/>
+          <a:ext cx="9613860" cy="0"/>
+        </a:xfrm>
+        <a:prstGeom prst="line">
+          <a:avLst/>
+        </a:prstGeom>
+        <a:solidFill>
+          <a:schemeClr val="accent1">
+            <a:hueOff val="0"/>
+            <a:satOff val="0"/>
+            <a:lumOff val="0"/>
+            <a:alphaOff val="0"/>
+          </a:schemeClr>
+        </a:solidFill>
+        <a:ln w="12700" cap="flat" cmpd="sng" algn="ctr">
+          <a:solidFill>
+            <a:schemeClr val="accent1">
+              <a:hueOff val="0"/>
+              <a:satOff val="0"/>
+              <a:lumOff val="0"/>
+              <a:alphaOff val="0"/>
+            </a:schemeClr>
+          </a:solidFill>
+          <a:prstDash val="solid"/>
+        </a:ln>
+        <a:effectLst/>
+      </dsp:spPr>
+      <dsp:style>
+        <a:lnRef idx="2">
+          <a:scrgbClr r="0" g="0" b="0"/>
+        </a:lnRef>
+        <a:fillRef idx="1">
+          <a:scrgbClr r="0" g="0" b="0"/>
+        </a:fillRef>
+        <a:effectRef idx="0">
+          <a:scrgbClr r="0" g="0" b="0"/>
+        </a:effectRef>
+        <a:fontRef idx="minor">
+          <a:schemeClr val="lt1"/>
+        </a:fontRef>
+      </dsp:style>
+    </dsp:sp>
+    <dsp:sp modelId="{E076DF45-EA24-4A32-B248-4ED59944F101}">
+      <dsp:nvSpPr>
+        <dsp:cNvPr id="0" name=""/>
+        <dsp:cNvSpPr/>
+      </dsp:nvSpPr>
+      <dsp:spPr>
+        <a:xfrm>
+          <a:off x="0" y="1757"/>
+          <a:ext cx="9613860" cy="599300"/>
+        </a:xfrm>
+        <a:prstGeom prst="rect">
+          <a:avLst/>
+        </a:prstGeom>
+        <a:noFill/>
+        <a:ln>
+          <a:noFill/>
+        </a:ln>
+        <a:effectLst/>
+      </dsp:spPr>
+      <dsp:style>
+        <a:lnRef idx="0">
+          <a:scrgbClr r="0" g="0" b="0"/>
+        </a:lnRef>
+        <a:fillRef idx="0">
+          <a:scrgbClr r="0" g="0" b="0"/>
+        </a:fillRef>
+        <a:effectRef idx="0">
+          <a:scrgbClr r="0" g="0" b="0"/>
+        </a:effectRef>
+        <a:fontRef idx="minor"/>
+      </dsp:style>
+      <dsp:txBody>
+        <a:bodyPr spcFirstLastPara="0" vert="horz" wrap="square" lIns="106680" tIns="106680" rIns="106680" bIns="106680" numCol="1" spcCol="1270" anchor="t" anchorCtr="0">
+          <a:noAutofit/>
+        </a:bodyPr>
+        <a:lstStyle/>
+        <a:p>
+          <a:pPr marL="0" lvl="0" indent="0" algn="l" defTabSz="1244600">
+            <a:lnSpc>
+              <a:spcPct val="90000"/>
+            </a:lnSpc>
+            <a:spcBef>
+              <a:spcPct val="0"/>
+            </a:spcBef>
+            <a:spcAft>
+              <a:spcPct val="35000"/>
+            </a:spcAft>
+            <a:buNone/>
+          </a:pPr>
+          <a:r>
+            <a:rPr lang="en-US" sz="2800" b="1" kern="1200" dirty="0"/>
+            <a:t>TCP/IP</a:t>
+          </a:r>
+          <a:endParaRPr lang="en-US" sz="2800" kern="1200" dirty="0"/>
+        </a:p>
+      </dsp:txBody>
+      <dsp:txXfrm>
+        <a:off x="0" y="1757"/>
+        <a:ext cx="9613860" cy="599300"/>
+      </dsp:txXfrm>
+    </dsp:sp>
+    <dsp:sp modelId="{B686DE96-51BB-4D3E-81FF-73D2D5335B85}">
+      <dsp:nvSpPr>
+        <dsp:cNvPr id="0" name=""/>
+        <dsp:cNvSpPr/>
+      </dsp:nvSpPr>
+      <dsp:spPr>
+        <a:xfrm>
+          <a:off x="0" y="601057"/>
+          <a:ext cx="9613860" cy="0"/>
+        </a:xfrm>
+        <a:prstGeom prst="line">
+          <a:avLst/>
+        </a:prstGeom>
+        <a:solidFill>
+          <a:schemeClr val="accent1">
+            <a:hueOff val="0"/>
+            <a:satOff val="0"/>
+            <a:lumOff val="0"/>
+            <a:alphaOff val="0"/>
+          </a:schemeClr>
+        </a:solidFill>
+        <a:ln w="12700" cap="flat" cmpd="sng" algn="ctr">
+          <a:solidFill>
+            <a:schemeClr val="accent1">
+              <a:hueOff val="0"/>
+              <a:satOff val="0"/>
+              <a:lumOff val="0"/>
+              <a:alphaOff val="0"/>
+            </a:schemeClr>
+          </a:solidFill>
+          <a:prstDash val="solid"/>
+        </a:ln>
+        <a:effectLst/>
+      </dsp:spPr>
+      <dsp:style>
+        <a:lnRef idx="2">
+          <a:scrgbClr r="0" g="0" b="0"/>
+        </a:lnRef>
+        <a:fillRef idx="1">
+          <a:scrgbClr r="0" g="0" b="0"/>
+        </a:fillRef>
+        <a:effectRef idx="0">
+          <a:scrgbClr r="0" g="0" b="0"/>
+        </a:effectRef>
+        <a:fontRef idx="minor">
+          <a:schemeClr val="lt1"/>
+        </a:fontRef>
+      </dsp:style>
+    </dsp:sp>
+    <dsp:sp modelId="{8F6B4D19-6E9F-4998-85B2-08292CDEF301}">
+      <dsp:nvSpPr>
+        <dsp:cNvPr id="0" name=""/>
+        <dsp:cNvSpPr/>
+      </dsp:nvSpPr>
+      <dsp:spPr>
+        <a:xfrm>
+          <a:off x="0" y="601057"/>
+          <a:ext cx="9613860" cy="599300"/>
+        </a:xfrm>
+        <a:prstGeom prst="rect">
+          <a:avLst/>
+        </a:prstGeom>
+        <a:noFill/>
+        <a:ln>
+          <a:noFill/>
+        </a:ln>
+        <a:effectLst/>
+      </dsp:spPr>
+      <dsp:style>
+        <a:lnRef idx="0">
+          <a:scrgbClr r="0" g="0" b="0"/>
+        </a:lnRef>
+        <a:fillRef idx="0">
+          <a:scrgbClr r="0" g="0" b="0"/>
+        </a:fillRef>
+        <a:effectRef idx="0">
+          <a:scrgbClr r="0" g="0" b="0"/>
+        </a:effectRef>
+        <a:fontRef idx="minor"/>
+      </dsp:style>
+      <dsp:txBody>
+        <a:bodyPr spcFirstLastPara="0" vert="horz" wrap="square" lIns="106680" tIns="106680" rIns="106680" bIns="106680" numCol="1" spcCol="1270" anchor="t" anchorCtr="0">
+          <a:noAutofit/>
+        </a:bodyPr>
+        <a:lstStyle/>
+        <a:p>
+          <a:pPr marL="0" lvl="0" indent="0" algn="l" defTabSz="1244600">
+            <a:lnSpc>
+              <a:spcPct val="90000"/>
+            </a:lnSpc>
+            <a:spcBef>
+              <a:spcPct val="0"/>
+            </a:spcBef>
+            <a:spcAft>
+              <a:spcPct val="35000"/>
+            </a:spcAft>
+            <a:buNone/>
+          </a:pPr>
+          <a:r>
+            <a:rPr lang="en-US" sz="2800" b="1" kern="1200" dirty="0"/>
+            <a:t>DHCP</a:t>
+          </a:r>
+          <a:endParaRPr lang="en-US" sz="2800" kern="1200" dirty="0"/>
+        </a:p>
+      </dsp:txBody>
+      <dsp:txXfrm>
+        <a:off x="0" y="601057"/>
+        <a:ext cx="9613860" cy="599300"/>
+      </dsp:txXfrm>
+    </dsp:sp>
+    <dsp:sp modelId="{BEE798BD-3356-477F-99E4-C9AA25D25F06}">
+      <dsp:nvSpPr>
+        <dsp:cNvPr id="0" name=""/>
+        <dsp:cNvSpPr/>
+      </dsp:nvSpPr>
+      <dsp:spPr>
+        <a:xfrm>
+          <a:off x="0" y="1200357"/>
+          <a:ext cx="9613860" cy="0"/>
+        </a:xfrm>
+        <a:prstGeom prst="line">
+          <a:avLst/>
+        </a:prstGeom>
+        <a:solidFill>
+          <a:schemeClr val="accent1">
+            <a:hueOff val="0"/>
+            <a:satOff val="0"/>
+            <a:lumOff val="0"/>
+            <a:alphaOff val="0"/>
+          </a:schemeClr>
+        </a:solidFill>
+        <a:ln w="12700" cap="flat" cmpd="sng" algn="ctr">
+          <a:solidFill>
+            <a:schemeClr val="accent1">
+              <a:hueOff val="0"/>
+              <a:satOff val="0"/>
+              <a:lumOff val="0"/>
+              <a:alphaOff val="0"/>
+            </a:schemeClr>
+          </a:solidFill>
+          <a:prstDash val="solid"/>
+        </a:ln>
+        <a:effectLst/>
+      </dsp:spPr>
+      <dsp:style>
+        <a:lnRef idx="2">
+          <a:scrgbClr r="0" g="0" b="0"/>
+        </a:lnRef>
+        <a:fillRef idx="1">
+          <a:scrgbClr r="0" g="0" b="0"/>
+        </a:fillRef>
+        <a:effectRef idx="0">
+          <a:scrgbClr r="0" g="0" b="0"/>
+        </a:effectRef>
+        <a:fontRef idx="minor">
+          <a:schemeClr val="lt1"/>
+        </a:fontRef>
+      </dsp:style>
+    </dsp:sp>
+    <dsp:sp modelId="{F98D690C-7217-4BEF-A893-4BACB1619A24}">
+      <dsp:nvSpPr>
+        <dsp:cNvPr id="0" name=""/>
+        <dsp:cNvSpPr/>
+      </dsp:nvSpPr>
+      <dsp:spPr>
+        <a:xfrm>
+          <a:off x="0" y="1200357"/>
+          <a:ext cx="9613860" cy="599300"/>
+        </a:xfrm>
+        <a:prstGeom prst="rect">
+          <a:avLst/>
+        </a:prstGeom>
+        <a:noFill/>
+        <a:ln>
+          <a:noFill/>
+        </a:ln>
+        <a:effectLst/>
+      </dsp:spPr>
+      <dsp:style>
+        <a:lnRef idx="0">
+          <a:scrgbClr r="0" g="0" b="0"/>
+        </a:lnRef>
+        <a:fillRef idx="0">
+          <a:scrgbClr r="0" g="0" b="0"/>
+        </a:fillRef>
+        <a:effectRef idx="0">
+          <a:scrgbClr r="0" g="0" b="0"/>
+        </a:effectRef>
+        <a:fontRef idx="minor"/>
+      </dsp:style>
+      <dsp:txBody>
+        <a:bodyPr spcFirstLastPara="0" vert="horz" wrap="square" lIns="106680" tIns="106680" rIns="106680" bIns="106680" numCol="1" spcCol="1270" anchor="t" anchorCtr="0">
+          <a:noAutofit/>
+        </a:bodyPr>
+        <a:lstStyle/>
+        <a:p>
+          <a:pPr marL="0" lvl="0" indent="0" algn="l" defTabSz="1244600">
+            <a:lnSpc>
+              <a:spcPct val="90000"/>
+            </a:lnSpc>
+            <a:spcBef>
+              <a:spcPct val="0"/>
+            </a:spcBef>
+            <a:spcAft>
+              <a:spcPct val="35000"/>
+            </a:spcAft>
+            <a:buNone/>
+          </a:pPr>
+          <a:r>
+            <a:rPr lang="en-US" sz="2800" b="1" kern="1200" dirty="0"/>
+            <a:t>SUBNETTING</a:t>
+          </a:r>
+          <a:endParaRPr lang="en-US" sz="2800" kern="1200" dirty="0"/>
+        </a:p>
+      </dsp:txBody>
+      <dsp:txXfrm>
+        <a:off x="0" y="1200357"/>
+        <a:ext cx="9613860" cy="599300"/>
+      </dsp:txXfrm>
+    </dsp:sp>
+    <dsp:sp modelId="{20220573-B6D3-4FAF-913D-2B0DD8F0BD53}">
+      <dsp:nvSpPr>
+        <dsp:cNvPr id="0" name=""/>
+        <dsp:cNvSpPr/>
+      </dsp:nvSpPr>
+      <dsp:spPr>
+        <a:xfrm>
+          <a:off x="0" y="1799657"/>
+          <a:ext cx="9613860" cy="0"/>
+        </a:xfrm>
+        <a:prstGeom prst="line">
+          <a:avLst/>
+        </a:prstGeom>
+        <a:solidFill>
+          <a:schemeClr val="accent1">
+            <a:hueOff val="0"/>
+            <a:satOff val="0"/>
+            <a:lumOff val="0"/>
+            <a:alphaOff val="0"/>
+          </a:schemeClr>
+        </a:solidFill>
+        <a:ln w="12700" cap="flat" cmpd="sng" algn="ctr">
+          <a:solidFill>
+            <a:schemeClr val="accent1">
+              <a:hueOff val="0"/>
+              <a:satOff val="0"/>
+              <a:lumOff val="0"/>
+              <a:alphaOff val="0"/>
+            </a:schemeClr>
+          </a:solidFill>
+          <a:prstDash val="solid"/>
+        </a:ln>
+        <a:effectLst/>
+      </dsp:spPr>
+      <dsp:style>
+        <a:lnRef idx="2">
+          <a:scrgbClr r="0" g="0" b="0"/>
+        </a:lnRef>
+        <a:fillRef idx="1">
+          <a:scrgbClr r="0" g="0" b="0"/>
+        </a:fillRef>
+        <a:effectRef idx="0">
+          <a:scrgbClr r="0" g="0" b="0"/>
+        </a:effectRef>
+        <a:fontRef idx="minor">
+          <a:schemeClr val="lt1"/>
+        </a:fontRef>
+      </dsp:style>
+    </dsp:sp>
+    <dsp:sp modelId="{142A1F54-69F0-4517-9C37-E807DAC227FA}">
+      <dsp:nvSpPr>
+        <dsp:cNvPr id="0" name=""/>
+        <dsp:cNvSpPr/>
+      </dsp:nvSpPr>
+      <dsp:spPr>
+        <a:xfrm>
+          <a:off x="0" y="1799657"/>
+          <a:ext cx="9613860" cy="599300"/>
+        </a:xfrm>
+        <a:prstGeom prst="rect">
+          <a:avLst/>
+        </a:prstGeom>
+        <a:noFill/>
+        <a:ln>
+          <a:noFill/>
+        </a:ln>
+        <a:effectLst/>
+      </dsp:spPr>
+      <dsp:style>
+        <a:lnRef idx="0">
+          <a:scrgbClr r="0" g="0" b="0"/>
+        </a:lnRef>
+        <a:fillRef idx="0">
+          <a:scrgbClr r="0" g="0" b="0"/>
+        </a:fillRef>
+        <a:effectRef idx="0">
+          <a:scrgbClr r="0" g="0" b="0"/>
+        </a:effectRef>
+        <a:fontRef idx="minor"/>
+      </dsp:style>
+      <dsp:txBody>
+        <a:bodyPr spcFirstLastPara="0" vert="horz" wrap="square" lIns="106680" tIns="106680" rIns="106680" bIns="106680" numCol="1" spcCol="1270" anchor="t" anchorCtr="0">
+          <a:noAutofit/>
+        </a:bodyPr>
+        <a:lstStyle/>
+        <a:p>
+          <a:pPr marL="0" lvl="0" indent="0" algn="l" defTabSz="1244600">
+            <a:lnSpc>
+              <a:spcPct val="90000"/>
+            </a:lnSpc>
+            <a:spcBef>
+              <a:spcPct val="0"/>
+            </a:spcBef>
+            <a:spcAft>
+              <a:spcPct val="35000"/>
+            </a:spcAft>
+            <a:buNone/>
+          </a:pPr>
+          <a:r>
+            <a:rPr lang="en-US" sz="2800" b="1" kern="1200" dirty="0"/>
+            <a:t>PRODUKT</a:t>
+          </a:r>
+          <a:endParaRPr lang="en-US" sz="2800" kern="1200" dirty="0"/>
+        </a:p>
+      </dsp:txBody>
+      <dsp:txXfrm>
+        <a:off x="0" y="1799657"/>
+        <a:ext cx="9613860" cy="599300"/>
+      </dsp:txXfrm>
+    </dsp:sp>
+    <dsp:sp modelId="{12F34563-F6AD-4553-BEF3-3A815662CAD0}">
+      <dsp:nvSpPr>
+        <dsp:cNvPr id="0" name=""/>
+        <dsp:cNvSpPr/>
+      </dsp:nvSpPr>
+      <dsp:spPr>
+        <a:xfrm>
+          <a:off x="0" y="2398958"/>
+          <a:ext cx="9613860" cy="0"/>
+        </a:xfrm>
+        <a:prstGeom prst="line">
+          <a:avLst/>
+        </a:prstGeom>
+        <a:solidFill>
+          <a:schemeClr val="accent1">
+            <a:hueOff val="0"/>
+            <a:satOff val="0"/>
+            <a:lumOff val="0"/>
+            <a:alphaOff val="0"/>
+          </a:schemeClr>
+        </a:solidFill>
+        <a:ln w="12700" cap="flat" cmpd="sng" algn="ctr">
+          <a:solidFill>
+            <a:schemeClr val="accent1">
+              <a:hueOff val="0"/>
+              <a:satOff val="0"/>
+              <a:lumOff val="0"/>
+              <a:alphaOff val="0"/>
+            </a:schemeClr>
+          </a:solidFill>
+          <a:prstDash val="solid"/>
+        </a:ln>
+        <a:effectLst/>
+      </dsp:spPr>
+      <dsp:style>
+        <a:lnRef idx="2">
+          <a:scrgbClr r="0" g="0" b="0"/>
+        </a:lnRef>
+        <a:fillRef idx="1">
+          <a:scrgbClr r="0" g="0" b="0"/>
+        </a:fillRef>
+        <a:effectRef idx="0">
+          <a:scrgbClr r="0" g="0" b="0"/>
+        </a:effectRef>
+        <a:fontRef idx="minor">
+          <a:schemeClr val="lt1"/>
+        </a:fontRef>
+      </dsp:style>
+    </dsp:sp>
+    <dsp:sp modelId="{F59ECF4A-3D0E-4068-9CDC-63B9586B27CE}">
+      <dsp:nvSpPr>
+        <dsp:cNvPr id="0" name=""/>
+        <dsp:cNvSpPr/>
+      </dsp:nvSpPr>
+      <dsp:spPr>
+        <a:xfrm>
+          <a:off x="0" y="2398958"/>
+          <a:ext cx="9613860" cy="599300"/>
+        </a:xfrm>
+        <a:prstGeom prst="rect">
+          <a:avLst/>
+        </a:prstGeom>
+        <a:noFill/>
+        <a:ln>
+          <a:noFill/>
+        </a:ln>
+        <a:effectLst/>
+      </dsp:spPr>
+      <dsp:style>
+        <a:lnRef idx="0">
+          <a:scrgbClr r="0" g="0" b="0"/>
+        </a:lnRef>
+        <a:fillRef idx="0">
+          <a:scrgbClr r="0" g="0" b="0"/>
+        </a:fillRef>
+        <a:effectRef idx="0">
+          <a:scrgbClr r="0" g="0" b="0"/>
+        </a:effectRef>
+        <a:fontRef idx="minor"/>
+      </dsp:style>
+      <dsp:txBody>
+        <a:bodyPr spcFirstLastPara="0" vert="horz" wrap="square" lIns="106680" tIns="106680" rIns="106680" bIns="106680" numCol="1" spcCol="1270" anchor="t" anchorCtr="0">
+          <a:noAutofit/>
+        </a:bodyPr>
+        <a:lstStyle/>
+        <a:p>
+          <a:pPr marL="0" lvl="0" indent="0" algn="l" defTabSz="1244600">
+            <a:lnSpc>
+              <a:spcPct val="90000"/>
+            </a:lnSpc>
+            <a:spcBef>
+              <a:spcPct val="0"/>
+            </a:spcBef>
+            <a:spcAft>
+              <a:spcPct val="35000"/>
+            </a:spcAft>
+            <a:buNone/>
+          </a:pPr>
+          <a:r>
+            <a:rPr lang="sk-SK" sz="2800" b="1" kern="1200" dirty="0"/>
+            <a:t>ZÁVER</a:t>
+          </a:r>
+          <a:endParaRPr lang="en-US" sz="2800" kern="1200" dirty="0"/>
+        </a:p>
+      </dsp:txBody>
+      <dsp:txXfrm>
+        <a:off x="0" y="2398958"/>
+        <a:ext cx="9613860" cy="599300"/>
+      </dsp:txXfrm>
+    </dsp:sp>
+    <dsp:sp modelId="{8901CB2D-1DA2-45BF-ADD1-8C49F84D7439}">
+      <dsp:nvSpPr>
+        <dsp:cNvPr id="0" name=""/>
+        <dsp:cNvSpPr/>
+      </dsp:nvSpPr>
+      <dsp:spPr>
+        <a:xfrm>
+          <a:off x="0" y="2998258"/>
+          <a:ext cx="9613860" cy="0"/>
+        </a:xfrm>
+        <a:prstGeom prst="line">
+          <a:avLst/>
+        </a:prstGeom>
+        <a:solidFill>
+          <a:schemeClr val="accent1">
+            <a:hueOff val="0"/>
+            <a:satOff val="0"/>
+            <a:lumOff val="0"/>
+            <a:alphaOff val="0"/>
+          </a:schemeClr>
+        </a:solidFill>
+        <a:ln w="12700" cap="flat" cmpd="sng" algn="ctr">
+          <a:solidFill>
+            <a:schemeClr val="accent1">
+              <a:hueOff val="0"/>
+              <a:satOff val="0"/>
+              <a:lumOff val="0"/>
+              <a:alphaOff val="0"/>
+            </a:schemeClr>
+          </a:solidFill>
+          <a:prstDash val="solid"/>
+        </a:ln>
+        <a:effectLst/>
+      </dsp:spPr>
+      <dsp:style>
+        <a:lnRef idx="2">
+          <a:scrgbClr r="0" g="0" b="0"/>
+        </a:lnRef>
+        <a:fillRef idx="1">
+          <a:scrgbClr r="0" g="0" b="0"/>
+        </a:fillRef>
+        <a:effectRef idx="0">
+          <a:scrgbClr r="0" g="0" b="0"/>
+        </a:effectRef>
+        <a:fontRef idx="minor">
+          <a:schemeClr val="lt1"/>
+        </a:fontRef>
+      </dsp:style>
+    </dsp:sp>
+    <dsp:sp modelId="{1193ED23-D1B9-4EAA-A4FA-E55093500CF0}">
+      <dsp:nvSpPr>
+        <dsp:cNvPr id="0" name=""/>
+        <dsp:cNvSpPr/>
+      </dsp:nvSpPr>
+      <dsp:spPr>
+        <a:xfrm>
+          <a:off x="0" y="2998258"/>
+          <a:ext cx="9613860" cy="599300"/>
+        </a:xfrm>
+        <a:prstGeom prst="rect">
+          <a:avLst/>
+        </a:prstGeom>
+        <a:noFill/>
+        <a:ln>
+          <a:noFill/>
+        </a:ln>
+        <a:effectLst/>
+      </dsp:spPr>
+      <dsp:style>
+        <a:lnRef idx="0">
+          <a:scrgbClr r="0" g="0" b="0"/>
+        </a:lnRef>
+        <a:fillRef idx="0">
+          <a:scrgbClr r="0" g="0" b="0"/>
+        </a:fillRef>
+        <a:effectRef idx="0">
+          <a:scrgbClr r="0" g="0" b="0"/>
+        </a:effectRef>
+        <a:fontRef idx="minor"/>
+      </dsp:style>
+      <dsp:txBody>
+        <a:bodyPr spcFirstLastPara="0" vert="horz" wrap="square" lIns="106680" tIns="106680" rIns="106680" bIns="106680" numCol="1" spcCol="1270" anchor="t" anchorCtr="0">
+          <a:noAutofit/>
+        </a:bodyPr>
+        <a:lstStyle/>
+        <a:p>
+          <a:pPr marL="0" lvl="0" indent="0" algn="l" defTabSz="1244600">
+            <a:lnSpc>
+              <a:spcPct val="90000"/>
+            </a:lnSpc>
+            <a:spcBef>
+              <a:spcPct val="0"/>
+            </a:spcBef>
+            <a:spcAft>
+              <a:spcPct val="35000"/>
+            </a:spcAft>
+            <a:buNone/>
+          </a:pPr>
+          <a:r>
+            <a:rPr lang="sk-SK" sz="2800" b="1" kern="1200" dirty="0"/>
+            <a:t>ZDROJE</a:t>
+          </a:r>
+          <a:endParaRPr lang="en-US" sz="2800" kern="1200" dirty="0"/>
+        </a:p>
+      </dsp:txBody>
+      <dsp:txXfrm>
+        <a:off x="0" y="2998258"/>
+        <a:ext cx="9613860" cy="599300"/>
+      </dsp:txXfrm>
+    </dsp:sp>
+  </dsp:spTree>
+</dsp:drawing>
+</file>
+
+<file path=ppt/diagrams/drawing2.xml><?xml version="1.0" encoding="utf-8"?>
+<dsp:drawing xmlns:dgm="http://schemas.openxmlformats.org/drawingml/2006/diagram" xmlns:dsp="http://schemas.microsoft.com/office/drawing/2008/diagram" xmlns:a="http://schemas.openxmlformats.org/drawingml/2006/main">
+  <dsp:spTree>
+    <dsp:nvGrpSpPr>
+      <dsp:cNvPr id="0" name=""/>
+      <dsp:cNvGrpSpPr/>
+    </dsp:nvGrpSpPr>
+    <dsp:grpSpPr/>
+    <dsp:sp modelId="{EEBE6954-42E3-4C54-9710-1FD0266F98FB}">
+      <dsp:nvSpPr>
+        <dsp:cNvPr id="0" name=""/>
+        <dsp:cNvSpPr/>
+      </dsp:nvSpPr>
+      <dsp:spPr>
+        <a:xfrm>
+          <a:off x="0" y="0"/>
+          <a:ext cx="9613860" cy="0"/>
+        </a:xfrm>
+        <a:prstGeom prst="line">
+          <a:avLst/>
+        </a:prstGeom>
+        <a:solidFill>
+          <a:schemeClr val="accent1">
+            <a:hueOff val="0"/>
+            <a:satOff val="0"/>
+            <a:lumOff val="0"/>
+            <a:alphaOff val="0"/>
+          </a:schemeClr>
+        </a:solidFill>
+        <a:ln w="12700" cap="flat" cmpd="sng" algn="ctr">
+          <a:solidFill>
+            <a:schemeClr val="accent1">
+              <a:hueOff val="0"/>
+              <a:satOff val="0"/>
+              <a:lumOff val="0"/>
+              <a:alphaOff val="0"/>
+            </a:schemeClr>
+          </a:solidFill>
+          <a:prstDash val="solid"/>
+        </a:ln>
+        <a:effectLst/>
+      </dsp:spPr>
+      <dsp:style>
+        <a:lnRef idx="2">
+          <a:scrgbClr r="0" g="0" b="0"/>
+        </a:lnRef>
+        <a:fillRef idx="1">
+          <a:scrgbClr r="0" g="0" b="0"/>
+        </a:fillRef>
+        <a:effectRef idx="0">
+          <a:scrgbClr r="0" g="0" b="0"/>
+        </a:effectRef>
+        <a:fontRef idx="minor">
+          <a:schemeClr val="lt1"/>
+        </a:fontRef>
+      </dsp:style>
+    </dsp:sp>
+    <dsp:sp modelId="{C044C8D2-2D85-4549-B8F0-6A7FE900AE6C}">
+      <dsp:nvSpPr>
+        <dsp:cNvPr id="0" name=""/>
+        <dsp:cNvSpPr/>
+      </dsp:nvSpPr>
+      <dsp:spPr>
+        <a:xfrm>
+          <a:off x="0" y="0"/>
+          <a:ext cx="9613860" cy="899829"/>
+        </a:xfrm>
+        <a:prstGeom prst="rect">
+          <a:avLst/>
+        </a:prstGeom>
+        <a:noFill/>
+        <a:ln>
+          <a:noFill/>
+        </a:ln>
+        <a:effectLst/>
+      </dsp:spPr>
+      <dsp:style>
+        <a:lnRef idx="0">
+          <a:scrgbClr r="0" g="0" b="0"/>
+        </a:lnRef>
+        <a:fillRef idx="0">
+          <a:scrgbClr r="0" g="0" b="0"/>
+        </a:fillRef>
+        <a:effectRef idx="0">
+          <a:scrgbClr r="0" g="0" b="0"/>
+        </a:effectRef>
+        <a:fontRef idx="minor"/>
+      </dsp:style>
+      <dsp:txBody>
+        <a:bodyPr spcFirstLastPara="0" vert="horz" wrap="square" lIns="163830" tIns="163830" rIns="163830" bIns="163830" numCol="1" spcCol="1270" anchor="t" anchorCtr="0">
+          <a:noAutofit/>
+        </a:bodyPr>
+        <a:lstStyle/>
+        <a:p>
+          <a:pPr marL="0" lvl="0" indent="0" algn="l" defTabSz="1911350">
+            <a:lnSpc>
+              <a:spcPct val="90000"/>
+            </a:lnSpc>
+            <a:spcBef>
+              <a:spcPct val="0"/>
+            </a:spcBef>
+            <a:spcAft>
+              <a:spcPct val="35000"/>
+            </a:spcAft>
+            <a:buNone/>
+          </a:pPr>
+          <a:r>
+            <a:rPr lang="sk-SK" sz="4300" b="1" kern="1200"/>
+            <a:t>Funkcie TCP/IP</a:t>
+          </a:r>
+          <a:endParaRPr lang="en-US" sz="4300" kern="1200"/>
+        </a:p>
+      </dsp:txBody>
+      <dsp:txXfrm>
+        <a:off x="0" y="0"/>
+        <a:ext cx="9613860" cy="899829"/>
+      </dsp:txXfrm>
+    </dsp:sp>
+    <dsp:sp modelId="{F942B7DF-05D2-4635-BAE2-3BCB0ACF94E6}">
+      <dsp:nvSpPr>
+        <dsp:cNvPr id="0" name=""/>
+        <dsp:cNvSpPr/>
+      </dsp:nvSpPr>
+      <dsp:spPr>
+        <a:xfrm>
+          <a:off x="0" y="899829"/>
+          <a:ext cx="9613860" cy="0"/>
+        </a:xfrm>
+        <a:prstGeom prst="line">
+          <a:avLst/>
+        </a:prstGeom>
+        <a:solidFill>
+          <a:schemeClr val="accent1">
+            <a:hueOff val="0"/>
+            <a:satOff val="0"/>
+            <a:lumOff val="0"/>
+            <a:alphaOff val="0"/>
+          </a:schemeClr>
+        </a:solidFill>
+        <a:ln w="12700" cap="flat" cmpd="sng" algn="ctr">
+          <a:solidFill>
+            <a:schemeClr val="accent1">
+              <a:hueOff val="0"/>
+              <a:satOff val="0"/>
+              <a:lumOff val="0"/>
+              <a:alphaOff val="0"/>
+            </a:schemeClr>
+          </a:solidFill>
+          <a:prstDash val="solid"/>
+        </a:ln>
+        <a:effectLst/>
+      </dsp:spPr>
+      <dsp:style>
+        <a:lnRef idx="2">
+          <a:scrgbClr r="0" g="0" b="0"/>
+        </a:lnRef>
+        <a:fillRef idx="1">
+          <a:scrgbClr r="0" g="0" b="0"/>
+        </a:fillRef>
+        <a:effectRef idx="0">
+          <a:scrgbClr r="0" g="0" b="0"/>
+        </a:effectRef>
+        <a:fontRef idx="minor">
+          <a:schemeClr val="lt1"/>
+        </a:fontRef>
+      </dsp:style>
+    </dsp:sp>
+    <dsp:sp modelId="{D3FD8BF9-E856-4B3A-8522-831E68FE6E9A}">
+      <dsp:nvSpPr>
+        <dsp:cNvPr id="0" name=""/>
+        <dsp:cNvSpPr/>
+      </dsp:nvSpPr>
+      <dsp:spPr>
+        <a:xfrm>
+          <a:off x="0" y="899829"/>
+          <a:ext cx="9613860" cy="899829"/>
+        </a:xfrm>
+        <a:prstGeom prst="rect">
+          <a:avLst/>
+        </a:prstGeom>
+        <a:noFill/>
+        <a:ln>
+          <a:noFill/>
+        </a:ln>
+        <a:effectLst/>
+      </dsp:spPr>
+      <dsp:style>
+        <a:lnRef idx="0">
+          <a:scrgbClr r="0" g="0" b="0"/>
+        </a:lnRef>
+        <a:fillRef idx="0">
+          <a:scrgbClr r="0" g="0" b="0"/>
+        </a:fillRef>
+        <a:effectRef idx="0">
+          <a:scrgbClr r="0" g="0" b="0"/>
+        </a:effectRef>
+        <a:fontRef idx="minor"/>
+      </dsp:style>
+      <dsp:txBody>
+        <a:bodyPr spcFirstLastPara="0" vert="horz" wrap="square" lIns="163830" tIns="163830" rIns="163830" bIns="163830" numCol="1" spcCol="1270" anchor="t" anchorCtr="0">
+          <a:noAutofit/>
+        </a:bodyPr>
+        <a:lstStyle/>
+        <a:p>
+          <a:pPr marL="0" lvl="0" indent="0" algn="l" defTabSz="1911350">
+            <a:lnSpc>
+              <a:spcPct val="90000"/>
+            </a:lnSpc>
+            <a:spcBef>
+              <a:spcPct val="0"/>
+            </a:spcBef>
+            <a:spcAft>
+              <a:spcPct val="35000"/>
+            </a:spcAft>
+            <a:buNone/>
+          </a:pPr>
+          <a:r>
+            <a:rPr lang="sk-SK" sz="4300" b="1" kern="1200"/>
+            <a:t>Vrstvy TCP/IP</a:t>
+          </a:r>
+          <a:endParaRPr lang="en-US" sz="4300" kern="1200"/>
+        </a:p>
+      </dsp:txBody>
+      <dsp:txXfrm>
+        <a:off x="0" y="899829"/>
+        <a:ext cx="9613860" cy="899829"/>
+      </dsp:txXfrm>
+    </dsp:sp>
+    <dsp:sp modelId="{F2187FD5-8BAC-43CC-97F2-8C9847E722B7}">
+      <dsp:nvSpPr>
+        <dsp:cNvPr id="0" name=""/>
+        <dsp:cNvSpPr/>
+      </dsp:nvSpPr>
+      <dsp:spPr>
+        <a:xfrm>
+          <a:off x="0" y="1799658"/>
+          <a:ext cx="9613860" cy="0"/>
+        </a:xfrm>
+        <a:prstGeom prst="line">
+          <a:avLst/>
+        </a:prstGeom>
+        <a:solidFill>
+          <a:schemeClr val="accent1">
+            <a:hueOff val="0"/>
+            <a:satOff val="0"/>
+            <a:lumOff val="0"/>
+            <a:alphaOff val="0"/>
+          </a:schemeClr>
+        </a:solidFill>
+        <a:ln w="12700" cap="flat" cmpd="sng" algn="ctr">
+          <a:solidFill>
+            <a:schemeClr val="accent1">
+              <a:hueOff val="0"/>
+              <a:satOff val="0"/>
+              <a:lumOff val="0"/>
+              <a:alphaOff val="0"/>
+            </a:schemeClr>
+          </a:solidFill>
+          <a:prstDash val="solid"/>
+        </a:ln>
+        <a:effectLst/>
+      </dsp:spPr>
+      <dsp:style>
+        <a:lnRef idx="2">
+          <a:scrgbClr r="0" g="0" b="0"/>
+        </a:lnRef>
+        <a:fillRef idx="1">
+          <a:scrgbClr r="0" g="0" b="0"/>
+        </a:fillRef>
+        <a:effectRef idx="0">
+          <a:scrgbClr r="0" g="0" b="0"/>
+        </a:effectRef>
+        <a:fontRef idx="minor">
+          <a:schemeClr val="lt1"/>
+        </a:fontRef>
+      </dsp:style>
+    </dsp:sp>
+    <dsp:sp modelId="{AE8A0E14-FF8F-486C-8127-5BA652420B0D}">
+      <dsp:nvSpPr>
+        <dsp:cNvPr id="0" name=""/>
+        <dsp:cNvSpPr/>
+      </dsp:nvSpPr>
+      <dsp:spPr>
+        <a:xfrm>
+          <a:off x="0" y="1799658"/>
+          <a:ext cx="9613860" cy="899829"/>
+        </a:xfrm>
+        <a:prstGeom prst="rect">
+          <a:avLst/>
+        </a:prstGeom>
+        <a:noFill/>
+        <a:ln>
+          <a:noFill/>
+        </a:ln>
+        <a:effectLst/>
+      </dsp:spPr>
+      <dsp:style>
+        <a:lnRef idx="0">
+          <a:scrgbClr r="0" g="0" b="0"/>
+        </a:lnRef>
+        <a:fillRef idx="0">
+          <a:scrgbClr r="0" g="0" b="0"/>
+        </a:fillRef>
+        <a:effectRef idx="0">
+          <a:scrgbClr r="0" g="0" b="0"/>
+        </a:effectRef>
+        <a:fontRef idx="minor"/>
+      </dsp:style>
+      <dsp:txBody>
+        <a:bodyPr spcFirstLastPara="0" vert="horz" wrap="square" lIns="163830" tIns="163830" rIns="163830" bIns="163830" numCol="1" spcCol="1270" anchor="t" anchorCtr="0">
+          <a:noAutofit/>
+        </a:bodyPr>
+        <a:lstStyle/>
+        <a:p>
+          <a:pPr marL="0" lvl="0" indent="0" algn="l" defTabSz="1911350">
+            <a:lnSpc>
+              <a:spcPct val="90000"/>
+            </a:lnSpc>
+            <a:spcBef>
+              <a:spcPct val="0"/>
+            </a:spcBef>
+            <a:spcAft>
+              <a:spcPct val="35000"/>
+            </a:spcAft>
+            <a:buNone/>
+          </a:pPr>
+          <a:r>
+            <a:rPr lang="sk-SK" sz="4300" b="1" kern="1200"/>
+            <a:t>MAC adresa</a:t>
+          </a:r>
+          <a:endParaRPr lang="en-US" sz="4300" kern="1200"/>
+        </a:p>
+      </dsp:txBody>
+      <dsp:txXfrm>
+        <a:off x="0" y="1799658"/>
+        <a:ext cx="9613860" cy="899829"/>
+      </dsp:txXfrm>
+    </dsp:sp>
+    <dsp:sp modelId="{4AD1CEF4-9E4F-47BD-88B8-2A1EB0969474}">
+      <dsp:nvSpPr>
+        <dsp:cNvPr id="0" name=""/>
+        <dsp:cNvSpPr/>
+      </dsp:nvSpPr>
+      <dsp:spPr>
+        <a:xfrm>
+          <a:off x="0" y="2699487"/>
+          <a:ext cx="9613860" cy="0"/>
+        </a:xfrm>
+        <a:prstGeom prst="line">
+          <a:avLst/>
+        </a:prstGeom>
+        <a:solidFill>
+          <a:schemeClr val="accent1">
+            <a:hueOff val="0"/>
+            <a:satOff val="0"/>
+            <a:lumOff val="0"/>
+            <a:alphaOff val="0"/>
+          </a:schemeClr>
+        </a:solidFill>
+        <a:ln w="12700" cap="flat" cmpd="sng" algn="ctr">
+          <a:solidFill>
+            <a:schemeClr val="accent1">
+              <a:hueOff val="0"/>
+              <a:satOff val="0"/>
+              <a:lumOff val="0"/>
+              <a:alphaOff val="0"/>
+            </a:schemeClr>
+          </a:solidFill>
+          <a:prstDash val="solid"/>
+        </a:ln>
+        <a:effectLst/>
+      </dsp:spPr>
+      <dsp:style>
+        <a:lnRef idx="2">
+          <a:scrgbClr r="0" g="0" b="0"/>
+        </a:lnRef>
+        <a:fillRef idx="1">
+          <a:scrgbClr r="0" g="0" b="0"/>
+        </a:fillRef>
+        <a:effectRef idx="0">
+          <a:scrgbClr r="0" g="0" b="0"/>
+        </a:effectRef>
+        <a:fontRef idx="minor">
+          <a:schemeClr val="lt1"/>
+        </a:fontRef>
+      </dsp:style>
+    </dsp:sp>
+    <dsp:sp modelId="{AF765003-4FA9-4DDE-88E1-04A4A9A4F622}">
+      <dsp:nvSpPr>
+        <dsp:cNvPr id="0" name=""/>
+        <dsp:cNvSpPr/>
+      </dsp:nvSpPr>
+      <dsp:spPr>
+        <a:xfrm>
+          <a:off x="0" y="2699487"/>
+          <a:ext cx="9613860" cy="899829"/>
+        </a:xfrm>
+        <a:prstGeom prst="rect">
+          <a:avLst/>
+        </a:prstGeom>
+        <a:noFill/>
+        <a:ln>
+          <a:noFill/>
+        </a:ln>
+        <a:effectLst/>
+      </dsp:spPr>
+      <dsp:style>
+        <a:lnRef idx="0">
+          <a:scrgbClr r="0" g="0" b="0"/>
+        </a:lnRef>
+        <a:fillRef idx="0">
+          <a:scrgbClr r="0" g="0" b="0"/>
+        </a:fillRef>
+        <a:effectRef idx="0">
+          <a:scrgbClr r="0" g="0" b="0"/>
+        </a:effectRef>
+        <a:fontRef idx="minor"/>
+      </dsp:style>
+      <dsp:txBody>
+        <a:bodyPr spcFirstLastPara="0" vert="horz" wrap="square" lIns="163830" tIns="163830" rIns="163830" bIns="163830" numCol="1" spcCol="1270" anchor="t" anchorCtr="0">
+          <a:noAutofit/>
+        </a:bodyPr>
+        <a:lstStyle/>
+        <a:p>
+          <a:pPr marL="0" lvl="0" indent="0" algn="l" defTabSz="1911350">
+            <a:lnSpc>
+              <a:spcPct val="90000"/>
+            </a:lnSpc>
+            <a:spcBef>
+              <a:spcPct val="0"/>
+            </a:spcBef>
+            <a:spcAft>
+              <a:spcPct val="35000"/>
+            </a:spcAft>
+            <a:buNone/>
+          </a:pPr>
+          <a:r>
+            <a:rPr lang="sk-SK" sz="4300" b="1" kern="1200"/>
+            <a:t>IP adresa</a:t>
+          </a:r>
+          <a:endParaRPr lang="en-US" sz="4300" kern="1200"/>
+        </a:p>
+      </dsp:txBody>
+      <dsp:txXfrm>
+        <a:off x="0" y="2699487"/>
+        <a:ext cx="9613860" cy="899829"/>
+      </dsp:txXfrm>
+    </dsp:sp>
+  </dsp:spTree>
+</dsp:drawing>
+</file>
+
+<file path=ppt/diagrams/layout1.xml><?xml version="1.0" encoding="utf-8"?>
+<dgm:layoutDef xmlns:dgm="http://schemas.openxmlformats.org/drawingml/2006/diagram" xmlns:a="http://schemas.openxmlformats.org/drawingml/2006/main" uniqueId="urn:microsoft.com/office/officeart/2008/layout/LinedList">
+  <dgm:title val=""/>
+  <dgm:desc val=""/>
+  <dgm:catLst>
+    <dgm:cat type="hierarchy" pri="8000"/>
+    <dgm:cat type="list" pri="2500"/>
+  </dgm:catLst>
+  <dgm:sampData>
+    <dgm:dataModel>
+      <dgm:ptLst>
+        <dgm:pt modelId="0" type="doc"/>
+        <dgm:pt modelId="1">
+          <dgm:prSet phldr="1"/>
+        </dgm:pt>
+        <dgm:pt modelId="11">
+          <dgm:prSet phldr="1"/>
+        </dgm:pt>
+        <dgm:pt modelId="12">
+          <dgm:prSet phldr="1"/>
+        </dgm:pt>
+        <dgm:pt modelId="13">
+          <dgm:prSet phldr="1"/>
+        </dgm:pt>
+      </dgm:ptLst>
+      <dgm:cxnLst>
+        <dgm:cxn modelId="2" srcId="0" destId="1" srcOrd="0" destOrd="0"/>
+        <dgm:cxn modelId="3" srcId="1" destId="11" srcOrd="0" destOrd="0"/>
+        <dgm:cxn modelId="4" srcId="1" destId="12" srcOrd="1" destOrd="0"/>
+        <dgm:cxn modelId="5" srcId="1" destId="13" srcOrd="2" destOrd="0"/>
+      </dgm:cxnLst>
+      <dgm:bg/>
+      <dgm:whole/>
+    </dgm:dataModel>
+  </dgm:sampData>
+  <dgm:styleData>
+    <dgm:dataModel>
+      <dgm:ptLst>
+        <dgm:pt modelId="0" type="doc"/>
+        <dgm:pt modelId="1">
+          <dgm:prSet phldr="1"/>
+        </dgm:pt>
+        <dgm:pt modelId="11">
+          <dgm:prSet phldr="1"/>
+        </dgm:pt>
+        <dgm:pt modelId="12">
+          <dgm:prSet phldr="1"/>
+        </dgm:pt>
+      </dgm:ptLst>
+      <dgm:cxnLst>
+        <dgm:cxn modelId="2" srcId="0" destId="1" srcOrd="0" destOrd="0"/>
+        <dgm:cxn modelId="3" srcId="1" destId="11" srcOrd="0" destOrd="0"/>
+        <dgm:cxn modelId="4" srcId="1" destId="12" srcOrd="1" destOrd="0"/>
+      </dgm:cxnLst>
+      <dgm:bg/>
+      <dgm:whole/>
+    </dgm:dataModel>
+  </dgm:styleData>
+  <dgm:clrData>
+    <dgm:dataModel>
+      <dgm:ptLst>
+        <dgm:pt modelId="0" type="doc"/>
+        <dgm:pt modelId="1">
+          <dgm:prSet phldr="1"/>
+        </dgm:pt>
+        <dgm:pt modelId="11">
+          <dgm:prSet phldr="1"/>
+        </dgm:pt>
+        <dgm:pt modelId="12">
+          <dgm:prSet phldr="1"/>
+        </dgm:pt>
+      </dgm:ptLst>
+      <dgm:cxnLst>
+        <dgm:cxn modelId="2" srcId="0" destId="1" srcOrd="0" destOrd="0"/>
+        <dgm:cxn modelId="3" srcId="1" destId="11" srcOrd="0" destOrd="0"/>
+        <dgm:cxn modelId="4" srcId="1" destId="12" srcOrd="1" destOrd="0"/>
+      </dgm:cxnLst>
+      <dgm:bg/>
+      <dgm:whole/>
+    </dgm:dataModel>
+  </dgm:clrData>
+  <dgm:layoutNode name="vert0">
+    <dgm:varLst>
+      <dgm:dir/>
+      <dgm:animOne val="branch"/>
+      <dgm:animLvl val="lvl"/>
+    </dgm:varLst>
+    <dgm:choose name="Name0">
+      <dgm:if name="Name1" func="var" arg="dir" op="equ" val="norm">
+        <dgm:alg type="lin">
+          <dgm:param type="linDir" val="fromT"/>
+          <dgm:param type="nodeHorzAlign" val="l"/>
+        </dgm:alg>
+      </dgm:if>
+      <dgm:else name="Name2">
+        <dgm:alg type="lin">
+          <dgm:param type="linDir" val="fromT"/>
+          <dgm:param type="nodeHorzAlign" val="r"/>
+        </dgm:alg>
+      </dgm:else>
+    </dgm:choose>
+    <dgm:shape xmlns:r="http://schemas.openxmlformats.org/officeDocument/2006/relationships" r:blip="">
+      <dgm:adjLst/>
+    </dgm:shape>
+    <dgm:presOf/>
+    <dgm:constrLst>
+      <dgm:constr type="w" for="ch" forName="horz1" refType="w"/>
+      <dgm:constr type="h" for="ch" forName="horz1" refType="h"/>
+      <dgm:constr type="h" for="des" forName="vert1" refType="h"/>
+      <dgm:constr type="h" for="des" forName="tx1" refType="h"/>
+      <dgm:constr type="h" for="des" forName="horz2" refType="h"/>
+      <dgm:constr type="h" for="des" forName="vert2" refType="h"/>
+      <dgm:constr type="h" for="des" forName="horz3" refType="h"/>
+      <dgm:constr type="h" for="des" forName="vert3" refType="h"/>
+      <dgm:constr type="h" for="des" forName="horz4" refType="h"/>
+      <dgm:constr type="h" for="des" ptType="node" refType="h"/>
+      <dgm:constr type="primFontSz" for="des" forName="tx1" op="equ" val="65"/>
+      <dgm:constr type="primFontSz" for="des" forName="tx2" op="equ" val="65"/>
+      <dgm:constr type="primFontSz" for="des" forName="tx3" op="equ" val="65"/>
+      <dgm:constr type="primFontSz" for="des" forName="tx4" op="equ" val="65"/>
+      <dgm:constr type="w" for="des" forName="thickLine" refType="w"/>
+      <dgm:constr type="h" for="des" forName="thickLine"/>
+      <dgm:constr type="h" for="des" forName="thinLine1"/>
+      <dgm:constr type="h" for="des" forName="thinLine2b"/>
+      <dgm:constr type="h" for="des" forName="thinLine3"/>
+      <dgm:constr type="h" for="des" forName="vertSpace2a" refType="h" fact="0.05"/>
+      <dgm:constr type="h" for="des" forName="vertSpace2b" refType="h" refFor="des" refForName="vertSpace2a"/>
+    </dgm:constrLst>
+    <dgm:forEach name="Name3" axis="ch" ptType="node">
+      <dgm:layoutNode name="thickLine" styleLbl="alignNode1">
+        <dgm:alg type="sp"/>
+        <dgm:shape xmlns:r="http://schemas.openxmlformats.org/officeDocument/2006/relationships" type="line" r:blip="">
+          <dgm:adjLst/>
+        </dgm:shape>
+        <dgm:presOf/>
+      </dgm:layoutNode>
+      <dgm:layoutNode name="horz1">
+        <dgm:choose name="Name4">
+          <dgm:if name="Name5" func="var" arg="dir" op="equ" val="norm">
+            <dgm:alg type="lin">
+              <dgm:param type="linDir" val="fromL"/>
+              <dgm:param type="nodeVertAlign" val="t"/>
+            </dgm:alg>
+          </dgm:if>
+          <dgm:else name="Name6">
+            <dgm:alg type="lin">
+              <dgm:param type="linDir" val="fromR"/>
+              <dgm:param type="nodeVertAlign" val="t"/>
+            </dgm:alg>
+          </dgm:else>
+        </dgm:choose>
+        <dgm:shape xmlns:r="http://schemas.openxmlformats.org/officeDocument/2006/relationships" r:blip="">
+          <dgm:adjLst/>
+        </dgm:shape>
+        <dgm:presOf/>
+        <dgm:choose name="Name7">
+          <dgm:if name="Name8" axis="root des" func="maxDepth" op="equ" val="1">
+            <dgm:constrLst>
+              <dgm:constr type="w" for="ch" forName="tx1" refType="w"/>
+            </dgm:constrLst>
+          </dgm:if>
+          <dgm:if name="Name9" axis="root des" func="maxDepth" op="equ" val="2">
+            <dgm:constrLst>
+              <dgm:constr type="w" for="ch" forName="tx1" refType="w" fact="0.2"/>
+              <dgm:constr type="w" for="des" forName="tx2" refType="w" fact="0.785"/>
+              <dgm:constr type="w" for="des" forName="horzSpace2" refType="w" fact="0.015"/>
+              <dgm:constr type="w" for="des" forName="thinLine2b" refType="w" fact="0.8"/>
+            </dgm:constrLst>
+          </dgm:if>
+          <dgm:if name="Name10" axis="root des" func="maxDepth" op="equ" val="3">
+            <dgm:constrLst>
+              <dgm:constr type="w" for="ch" forName="tx1" refType="w" fact="0.2"/>
+              <dgm:constr type="w" for="des" forName="tx2" refType="w" fact="0.385"/>
+              <dgm:constr type="w" for="des" forName="tx3" refType="w" fact="0.385"/>
+              <dgm:constr type="w" for="des" forName="horzSpace2" refType="w" fact="0.015"/>
+              <dgm:constr type="w" for="des" forName="horzSpace3" refType="w" fact="0.015"/>
+              <dgm:constr type="w" for="des" forName="thinLine2b" refType="w" fact="0.8"/>
+              <dgm:constr type="w" for="des" forName="thinLine3" refType="w" fact="0.385"/>
+            </dgm:constrLst>
+          </dgm:if>
+          <dgm:if name="Name11" axis="root des" func="maxDepth" op="gte" val="4">
+            <dgm:constrLst>
+              <dgm:constr type="w" for="ch" forName="tx1" refType="w" fact="0.2"/>
+              <dgm:constr type="w" for="des" forName="tx2" refType="w" fact="0.2516"/>
+              <dgm:constr type="w" for="des" forName="tx3" refType="w" fact="0.2516"/>
+              <dgm:constr type="w" for="des" forName="tx4" refType="w" fact="0.2516"/>
+              <dgm:constr type="w" for="des" forName="horzSpace2" refType="w" fact="0.015"/>
+              <dgm:constr type="w" for="des" forName="horzSpace3" refType="w" fact="0.015"/>
+              <dgm:constr type="w" for="des" forName="horzSpace4" refType="w" fact="0.015"/>
+              <dgm:constr type="w" for="des" forName="thinLine2b" refType="w" fact="0.8"/>
+              <dgm:constr type="w" for="des" forName="thinLine3" refType="w" fact="0.5332"/>
+            </dgm:constrLst>
+          </dgm:if>
+          <dgm:else name="Name12"/>
+        </dgm:choose>
+        <dgm:layoutNode name="tx1" styleLbl="revTx">
+          <dgm:alg type="tx">
+            <dgm:param type="parTxLTRAlign" val="l"/>
+            <dgm:param type="parTxRTLAlign" val="r"/>
+            <dgm:param type="txAnchorVert" val="t"/>
+          </dgm:alg>
+          <dgm:shape xmlns:r="http://schemas.openxmlformats.org/officeDocument/2006/relationships" type="rect" r:blip="">
+            <dgm:adjLst/>
+          </dgm:shape>
+          <dgm:presOf axis="self"/>
+          <dgm:constrLst>
+            <dgm:constr type="tMarg" refType="primFontSz" fact="0.3"/>
+            <dgm:constr type="bMarg" refType="primFontSz" fact="0.3"/>
+            <dgm:constr type="lMarg" refType="primFontSz" fact="0.3"/>
+            <dgm:constr type="rMarg" refType="primFontSz" fact="0.3"/>
+          </dgm:constrLst>
+          <dgm:ruleLst>
+            <dgm:rule type="primFontSz" val="5" fact="NaN" max="NaN"/>
+          </dgm:ruleLst>
+        </dgm:layoutNode>
+        <dgm:layoutNode name="vert1">
+          <dgm:choose name="Name13">
+            <dgm:if name="Name14" func="var" arg="dir" op="equ" val="norm">
+              <dgm:alg type="lin">
+                <dgm:param type="linDir" val="fromT"/>
+                <dgm:param type="nodeHorzAlign" val="l"/>
+              </dgm:alg>
+            </dgm:if>
+            <dgm:else name="Name15">
+              <dgm:alg type="lin">
+                <dgm:param type="linDir" val="fromT"/>
+                <dgm:param type="nodeHorzAlign" val="r"/>
+              </dgm:alg>
+            </dgm:else>
+          </dgm:choose>
+          <dgm:shape xmlns:r="http://schemas.openxmlformats.org/officeDocument/2006/relationships" r:blip="">
+            <dgm:adjLst/>
+          </dgm:shape>
+          <dgm:presOf/>
+          <dgm:forEach name="Name16" axis="ch" ptType="node">
+            <dgm:choose name="Name17">
+              <dgm:if name="Name18" axis="self" ptType="node" func="pos" op="equ" val="1">
+                <dgm:layoutNode name="vertSpace2a">
+                  <dgm:alg type="sp"/>
+                  <dgm:shape xmlns:r="http://schemas.openxmlformats.org/officeDocument/2006/relationships" r:blip="">
+                    <dgm:adjLst/>
+                  </dgm:shape>
+                  <dgm:presOf/>
+                </dgm:layoutNode>
+              </dgm:if>
+              <dgm:else name="Name19"/>
+            </dgm:choose>
+            <dgm:layoutNode name="horz2">
+              <dgm:choose name="Name20">
+                <dgm:if name="Name21" func="var" arg="dir" op="equ" val="norm">
+                  <dgm:alg type="lin">
+                    <dgm:param type="linDir" val="fromL"/>
+                    <dgm:param type="nodeVertAlign" val="t"/>
+                  </dgm:alg>
+                </dgm:if>
+                <dgm:else name="Name22">
+                  <dgm:alg type="lin">
+                    <dgm:param type="linDir" val="fromR"/>
+                    <dgm:param type="nodeVertAlign" val="t"/>
+                  </dgm:alg>
+                </dgm:else>
+              </dgm:choose>
+              <dgm:shape xmlns:r="http://schemas.openxmlformats.org/officeDocument/2006/relationships" r:blip="">
+                <dgm:adjLst/>
+              </dgm:shape>
+              <dgm:presOf/>
+              <dgm:layoutNode name="horzSpace2">
+                <dgm:alg type="sp"/>
+                <dgm:shape xmlns:r="http://schemas.openxmlformats.org/officeDocument/2006/relationships" r:blip="">
+                  <dgm:adjLst/>
+                </dgm:shape>
+                <dgm:presOf/>
+              </dgm:layoutNode>
+              <dgm:layoutNode name="tx2" styleLbl="revTx">
+                <dgm:alg type="tx">
+                  <dgm:param type="parTxLTRAlign" val="l"/>
+                  <dgm:param type="parTxRTLAlign" val="r"/>
+                  <dgm:param type="txAnchorVert" val="t"/>
+                </dgm:alg>
+                <dgm:shape xmlns:r="http://schemas.openxmlformats.org/officeDocument/2006/relationships" type="rect" r:blip="">
+                  <dgm:adjLst/>
+                </dgm:shape>
+                <dgm:presOf axis="self"/>
+                <dgm:constrLst>
+                  <dgm:constr type="tMarg" refType="primFontSz" fact="0.3"/>
+                  <dgm:constr type="bMarg" refType="primFontSz" fact="0.3"/>
+                  <dgm:constr type="lMarg" refType="primFontSz" fact="0.3"/>
+                  <dgm:constr type="rMarg" refType="primFontSz" fact="0.3"/>
+                </dgm:constrLst>
+                <dgm:ruleLst>
+                  <dgm:rule type="primFontSz" val="5" fact="NaN" max="NaN"/>
+                </dgm:ruleLst>
+              </dgm:layoutNode>
+              <dgm:layoutNode name="vert2">
+                <dgm:choose name="Name23">
+                  <dgm:if name="Name24" func="var" arg="dir" op="equ" val="norm">
+                    <dgm:alg type="lin">
+                      <dgm:param type="linDir" val="fromT"/>
+                      <dgm:param type="nodeHorzAlign" val="l"/>
+                    </dgm:alg>
+                  </dgm:if>
+                  <dgm:else name="Name25">
+                    <dgm:alg type="lin">
+                      <dgm:param type="linDir" val="fromT"/>
+                      <dgm:param type="nodeHorzAlign" val="r"/>
+                    </dgm:alg>
+                  </dgm:else>
+                </dgm:choose>
+                <dgm:shape xmlns:r="http://schemas.openxmlformats.org/officeDocument/2006/relationships" r:blip="">
+                  <dgm:adjLst/>
+                </dgm:shape>
+                <dgm:presOf/>
+                <dgm:forEach name="Name26" axis="ch" ptType="node">
+                  <dgm:layoutNode name="horz3">
+                    <dgm:choose name="Name27">
+                      <dgm:if name="Name28" func="var" arg="dir" op="equ" val="norm">
+                        <dgm:alg type="lin">
+                          <dgm:param type="linDir" val="fromL"/>
+                          <dgm:param type="nodeVertAlign" val="t"/>
+                        </dgm:alg>
+                      </dgm:if>
+                      <dgm:else name="Name29">
+                        <dgm:alg type="lin">
+                          <dgm:param type="linDir" val="fromR"/>
+                          <dgm:param type="nodeVertAlign" val="t"/>
+                        </dgm:alg>
+                      </dgm:else>
+                    </dgm:choose>
+                    <dgm:shape xmlns:r="http://schemas.openxmlformats.org/officeDocument/2006/relationships" r:blip="">
+                      <dgm:adjLst/>
+                    </dgm:shape>
+                    <dgm:presOf/>
+                    <dgm:layoutNode name="horzSpace3">
+                      <dgm:alg type="sp"/>
+                      <dgm:shape xmlns:r="http://schemas.openxmlformats.org/officeDocument/2006/relationships" r:blip="">
+                        <dgm:adjLst/>
+                      </dgm:shape>
+                      <dgm:presOf/>
+                    </dgm:layoutNode>
+                    <dgm:layoutNode name="tx3" styleLbl="revTx">
+                      <dgm:alg type="tx">
+                        <dgm:param type="parTxLTRAlign" val="l"/>
+                        <dgm:param type="parTxRTLAlign" val="r"/>
+                        <dgm:param type="txAnchorVert" val="t"/>
+                      </dgm:alg>
+                      <dgm:shape xmlns:r="http://schemas.openxmlformats.org/officeDocument/2006/relationships" type="rect" r:blip="">
+                        <dgm:adjLst/>
+                      </dgm:shape>
+                      <dgm:presOf axis="self"/>
+                      <dgm:constrLst>
+                        <dgm:constr type="tMarg" refType="primFontSz" fact="0.3"/>
+                        <dgm:constr type="bMarg" refType="primFontSz" fact="0.3"/>
+                        <dgm:constr type="lMarg" refType="primFontSz" fact="0.3"/>
+                        <dgm:constr type="rMarg" refType="primFontSz" fact="0.3"/>
+                      </dgm:constrLst>
+                      <dgm:ruleLst>
+                        <dgm:rule type="primFontSz" val="5" fact="NaN" max="NaN"/>
+                      </dgm:ruleLst>
+                    </dgm:layoutNode>
+                    <dgm:layoutNode name="vert3">
+                      <dgm:choose name="Name30">
+                        <dgm:if name="Name31" func="var" arg="dir" op="equ" val="norm">
+                          <dgm:alg type="lin">
+                            <dgm:param type="linDir" val="fromT"/>
+                            <dgm:param type="nodeHorzAlign" val="l"/>
+                          </dgm:alg>
+                        </dgm:if>
+                        <dgm:else name="Name32">
+                          <dgm:alg type="lin">
+                            <dgm:param type="linDir" val="fromT"/>
+                            <dgm:param type="nodeHorzAlign" val="r"/>
+                          </dgm:alg>
+                        </dgm:else>
+                      </dgm:choose>
+                      <dgm:shape xmlns:r="http://schemas.openxmlformats.org/officeDocument/2006/relationships" r:blip="">
+                        <dgm:adjLst/>
+                      </dgm:shape>
+                      <dgm:presOf/>
+                      <dgm:forEach name="Name33" axis="ch" ptType="node">
+                        <dgm:layoutNode name="horz4">
+                          <dgm:choose name="Name34">
+                            <dgm:if name="Name35" func="var" arg="dir" op="equ" val="norm">
+                              <dgm:alg type="lin">
+                                <dgm:param type="linDir" val="fromL"/>
+                                <dgm:param type="nodeVertAlign" val="t"/>
+                              </dgm:alg>
+                            </dgm:if>
+                            <dgm:else name="Name36">
+                              <dgm:alg type="lin">
+                                <dgm:param type="linDir" val="fromR"/>
+                                <dgm:param type="nodeVertAlign" val="t"/>
+                              </dgm:alg>
+                            </dgm:else>
+                          </dgm:choose>
+                          <dgm:shape xmlns:r="http://schemas.openxmlformats.org/officeDocument/2006/relationships" r:blip="">
+                            <dgm:adjLst/>
+                          </dgm:shape>
+                          <dgm:presOf/>
+                          <dgm:layoutNode name="horzSpace4">
+                            <dgm:alg type="sp"/>
+                            <dgm:shape xmlns:r="http://schemas.openxmlformats.org/officeDocument/2006/relationships" r:blip="">
+                              <dgm:adjLst/>
+                            </dgm:shape>
+                            <dgm:presOf/>
+                          </dgm:layoutNode>
+                          <dgm:layoutNode name="tx4" styleLbl="revTx">
+                            <dgm:varLst>
+                              <dgm:bulletEnabled val="1"/>
+                            </dgm:varLst>
+                            <dgm:alg type="tx">
+                              <dgm:param type="parTxLTRAlign" val="l"/>
+                              <dgm:param type="parTxRTLAlign" val="r"/>
+                              <dgm:param type="txAnchorVert" val="t"/>
+                            </dgm:alg>
+                            <dgm:shape xmlns:r="http://schemas.openxmlformats.org/officeDocument/2006/relationships" type="rect" r:blip="">
+                              <dgm:adjLst/>
+                            </dgm:shape>
+                            <dgm:presOf axis="desOrSelf" ptType="node"/>
+                            <dgm:constrLst>
+                              <dgm:constr type="tMarg" refType="primFontSz" fact="0.3"/>
+                              <dgm:constr type="bMarg" refType="primFontSz" fact="0.3"/>
+                              <dgm:constr type="lMarg" refType="primFontSz" fact="0.3"/>
+                              <dgm:constr type="rMarg" refType="primFontSz" fact="0.3"/>
+                            </dgm:constrLst>
+                            <dgm:ruleLst>
+                              <dgm:rule type="primFontSz" val="5" fact="NaN" max="NaN"/>
+                            </dgm:ruleLst>
+                          </dgm:layoutNode>
+                        </dgm:layoutNode>
+                      </dgm:forEach>
+                    </dgm:layoutNode>
+                  </dgm:layoutNode>
+                  <dgm:forEach name="Name37" axis="followSib" ptType="sibTrans" cnt="1">
+                    <dgm:layoutNode name="thinLine3" styleLbl="callout">
+                      <dgm:alg type="sp"/>
+                      <dgm:shape xmlns:r="http://schemas.openxmlformats.org/officeDocument/2006/relationships" type="line" r:blip="">
+                        <dgm:adjLst/>
+                      </dgm:shape>
+                      <dgm:presOf/>
+                    </dgm:layoutNode>
+                  </dgm:forEach>
+                </dgm:forEach>
+              </dgm:layoutNode>
+            </dgm:layoutNode>
+            <dgm:layoutNode name="thinLine2b" styleLbl="callout">
+              <dgm:alg type="sp"/>
+              <dgm:shape xmlns:r="http://schemas.openxmlformats.org/officeDocument/2006/relationships" type="line" r:blip="">
+                <dgm:adjLst/>
+              </dgm:shape>
+              <dgm:presOf/>
+            </dgm:layoutNode>
+            <dgm:layoutNode name="vertSpace2b">
+              <dgm:alg type="sp"/>
+              <dgm:shape xmlns:r="http://schemas.openxmlformats.org/officeDocument/2006/relationships" r:blip="">
+                <dgm:adjLst/>
+              </dgm:shape>
+              <dgm:presOf/>
+            </dgm:layoutNode>
+          </dgm:forEach>
+        </dgm:layoutNode>
+      </dgm:layoutNode>
+    </dgm:forEach>
+  </dgm:layoutNode>
+</dgm:layoutDef>
+</file>
+
+<file path=ppt/diagrams/layout2.xml><?xml version="1.0" encoding="utf-8"?>
+<dgm:layoutDef xmlns:dgm="http://schemas.openxmlformats.org/drawingml/2006/diagram" xmlns:a="http://schemas.openxmlformats.org/drawingml/2006/main" uniqueId="urn:microsoft.com/office/officeart/2008/layout/LinedList">
+  <dgm:title val=""/>
+  <dgm:desc val=""/>
+  <dgm:catLst>
+    <dgm:cat type="hierarchy" pri="8000"/>
+    <dgm:cat type="list" pri="2500"/>
+  </dgm:catLst>
+  <dgm:sampData>
+    <dgm:dataModel>
+      <dgm:ptLst>
+        <dgm:pt modelId="0" type="doc"/>
+        <dgm:pt modelId="1">
+          <dgm:prSet phldr="1"/>
+        </dgm:pt>
+        <dgm:pt modelId="11">
+          <dgm:prSet phldr="1"/>
+        </dgm:pt>
+        <dgm:pt modelId="12">
+          <dgm:prSet phldr="1"/>
+        </dgm:pt>
+        <dgm:pt modelId="13">
+          <dgm:prSet phldr="1"/>
+        </dgm:pt>
+      </dgm:ptLst>
+      <dgm:cxnLst>
+        <dgm:cxn modelId="2" srcId="0" destId="1" srcOrd="0" destOrd="0"/>
+        <dgm:cxn modelId="3" srcId="1" destId="11" srcOrd="0" destOrd="0"/>
+        <dgm:cxn modelId="4" srcId="1" destId="12" srcOrd="1" destOrd="0"/>
+        <dgm:cxn modelId="5" srcId="1" destId="13" srcOrd="2" destOrd="0"/>
+      </dgm:cxnLst>
+      <dgm:bg/>
+      <dgm:whole/>
+    </dgm:dataModel>
+  </dgm:sampData>
+  <dgm:styleData>
+    <dgm:dataModel>
+      <dgm:ptLst>
+        <dgm:pt modelId="0" type="doc"/>
+        <dgm:pt modelId="1">
+          <dgm:prSet phldr="1"/>
+        </dgm:pt>
+        <dgm:pt modelId="11">
+          <dgm:prSet phldr="1"/>
+        </dgm:pt>
+        <dgm:pt modelId="12">
+          <dgm:prSet phldr="1"/>
+        </dgm:pt>
+      </dgm:ptLst>
+      <dgm:cxnLst>
+        <dgm:cxn modelId="2" srcId="0" destId="1" srcOrd="0" destOrd="0"/>
+        <dgm:cxn modelId="3" srcId="1" destId="11" srcOrd="0" destOrd="0"/>
+        <dgm:cxn modelId="4" srcId="1" destId="12" srcOrd="1" destOrd="0"/>
+      </dgm:cxnLst>
+      <dgm:bg/>
+      <dgm:whole/>
+    </dgm:dataModel>
+  </dgm:styleData>
+  <dgm:clrData>
+    <dgm:dataModel>
+      <dgm:ptLst>
+        <dgm:pt modelId="0" type="doc"/>
+        <dgm:pt modelId="1">
+          <dgm:prSet phldr="1"/>
+        </dgm:pt>
+        <dgm:pt modelId="11">
+          <dgm:prSet phldr="1"/>
+        </dgm:pt>
+        <dgm:pt modelId="12">
+          <dgm:prSet phldr="1"/>
+        </dgm:pt>
+      </dgm:ptLst>
+      <dgm:cxnLst>
+        <dgm:cxn modelId="2" srcId="0" destId="1" srcOrd="0" destOrd="0"/>
+        <dgm:cxn modelId="3" srcId="1" destId="11" srcOrd="0" destOrd="0"/>
+        <dgm:cxn modelId="4" srcId="1" destId="12" srcOrd="1" destOrd="0"/>
+      </dgm:cxnLst>
+      <dgm:bg/>
+      <dgm:whole/>
+    </dgm:dataModel>
+  </dgm:clrData>
+  <dgm:layoutNode name="vert0">
+    <dgm:varLst>
+      <dgm:dir/>
+      <dgm:animOne val="branch"/>
+      <dgm:animLvl val="lvl"/>
+    </dgm:varLst>
+    <dgm:choose name="Name0">
+      <dgm:if name="Name1" func="var" arg="dir" op="equ" val="norm">
+        <dgm:alg type="lin">
+          <dgm:param type="linDir" val="fromT"/>
+          <dgm:param type="nodeHorzAlign" val="l"/>
+        </dgm:alg>
+      </dgm:if>
+      <dgm:else name="Name2">
+        <dgm:alg type="lin">
+          <dgm:param type="linDir" val="fromT"/>
+          <dgm:param type="nodeHorzAlign" val="r"/>
+        </dgm:alg>
+      </dgm:else>
+    </dgm:choose>
+    <dgm:shape xmlns:r="http://schemas.openxmlformats.org/officeDocument/2006/relationships" r:blip="">
+      <dgm:adjLst/>
+    </dgm:shape>
+    <dgm:presOf/>
+    <dgm:constrLst>
+      <dgm:constr type="w" for="ch" forName="horz1" refType="w"/>
+      <dgm:constr type="h" for="ch" forName="horz1" refType="h"/>
+      <dgm:constr type="h" for="des" forName="vert1" refType="h"/>
+      <dgm:constr type="h" for="des" forName="tx1" refType="h"/>
+      <dgm:constr type="h" for="des" forName="horz2" refType="h"/>
+      <dgm:constr type="h" for="des" forName="vert2" refType="h"/>
+      <dgm:constr type="h" for="des" forName="horz3" refType="h"/>
+      <dgm:constr type="h" for="des" forName="vert3" refType="h"/>
+      <dgm:constr type="h" for="des" forName="horz4" refType="h"/>
+      <dgm:constr type="h" for="des" ptType="node" refType="h"/>
+      <dgm:constr type="primFontSz" for="des" forName="tx1" op="equ" val="65"/>
+      <dgm:constr type="primFontSz" for="des" forName="tx2" op="equ" val="65"/>
+      <dgm:constr type="primFontSz" for="des" forName="tx3" op="equ" val="65"/>
+      <dgm:constr type="primFontSz" for="des" forName="tx4" op="equ" val="65"/>
+      <dgm:constr type="w" for="des" forName="thickLine" refType="w"/>
+      <dgm:constr type="h" for="des" forName="thickLine"/>
+      <dgm:constr type="h" for="des" forName="thinLine1"/>
+      <dgm:constr type="h" for="des" forName="thinLine2b"/>
+      <dgm:constr type="h" for="des" forName="thinLine3"/>
+      <dgm:constr type="h" for="des" forName="vertSpace2a" refType="h" fact="0.05"/>
+      <dgm:constr type="h" for="des" forName="vertSpace2b" refType="h" refFor="des" refForName="vertSpace2a"/>
+    </dgm:constrLst>
+    <dgm:forEach name="Name3" axis="ch" ptType="node">
+      <dgm:layoutNode name="thickLine" styleLbl="alignNode1">
+        <dgm:alg type="sp"/>
+        <dgm:shape xmlns:r="http://schemas.openxmlformats.org/officeDocument/2006/relationships" type="line" r:blip="">
+          <dgm:adjLst/>
+        </dgm:shape>
+        <dgm:presOf/>
+      </dgm:layoutNode>
+      <dgm:layoutNode name="horz1">
+        <dgm:choose name="Name4">
+          <dgm:if name="Name5" func="var" arg="dir" op="equ" val="norm">
+            <dgm:alg type="lin">
+              <dgm:param type="linDir" val="fromL"/>
+              <dgm:param type="nodeVertAlign" val="t"/>
+            </dgm:alg>
+          </dgm:if>
+          <dgm:else name="Name6">
+            <dgm:alg type="lin">
+              <dgm:param type="linDir" val="fromR"/>
+              <dgm:param type="nodeVertAlign" val="t"/>
+            </dgm:alg>
+          </dgm:else>
+        </dgm:choose>
+        <dgm:shape xmlns:r="http://schemas.openxmlformats.org/officeDocument/2006/relationships" r:blip="">
+          <dgm:adjLst/>
+        </dgm:shape>
+        <dgm:presOf/>
+        <dgm:choose name="Name7">
+          <dgm:if name="Name8" axis="root des" func="maxDepth" op="equ" val="1">
+            <dgm:constrLst>
+              <dgm:constr type="w" for="ch" forName="tx1" refType="w"/>
+            </dgm:constrLst>
+          </dgm:if>
+          <dgm:if name="Name9" axis="root des" func="maxDepth" op="equ" val="2">
+            <dgm:constrLst>
+              <dgm:constr type="w" for="ch" forName="tx1" refType="w" fact="0.2"/>
+              <dgm:constr type="w" for="des" forName="tx2" refType="w" fact="0.785"/>
+              <dgm:constr type="w" for="des" forName="horzSpace2" refType="w" fact="0.015"/>
+              <dgm:constr type="w" for="des" forName="thinLine2b" refType="w" fact="0.8"/>
+            </dgm:constrLst>
+          </dgm:if>
+          <dgm:if name="Name10" axis="root des" func="maxDepth" op="equ" val="3">
+            <dgm:constrLst>
+              <dgm:constr type="w" for="ch" forName="tx1" refType="w" fact="0.2"/>
+              <dgm:constr type="w" for="des" forName="tx2" refType="w" fact="0.385"/>
+              <dgm:constr type="w" for="des" forName="tx3" refType="w" fact="0.385"/>
+              <dgm:constr type="w" for="des" forName="horzSpace2" refType="w" fact="0.015"/>
+              <dgm:constr type="w" for="des" forName="horzSpace3" refType="w" fact="0.015"/>
+              <dgm:constr type="w" for="des" forName="thinLine2b" refType="w" fact="0.8"/>
+              <dgm:constr type="w" for="des" forName="thinLine3" refType="w" fact="0.385"/>
+            </dgm:constrLst>
+          </dgm:if>
+          <dgm:if name="Name11" axis="root des" func="maxDepth" op="gte" val="4">
+            <dgm:constrLst>
+              <dgm:constr type="w" for="ch" forName="tx1" refType="w" fact="0.2"/>
+              <dgm:constr type="w" for="des" forName="tx2" refType="w" fact="0.2516"/>
+              <dgm:constr type="w" for="des" forName="tx3" refType="w" fact="0.2516"/>
+              <dgm:constr type="w" for="des" forName="tx4" refType="w" fact="0.2516"/>
+              <dgm:constr type="w" for="des" forName="horzSpace2" refType="w" fact="0.015"/>
+              <dgm:constr type="w" for="des" forName="horzSpace3" refType="w" fact="0.015"/>
+              <dgm:constr type="w" for="des" forName="horzSpace4" refType="w" fact="0.015"/>
+              <dgm:constr type="w" for="des" forName="thinLine2b" refType="w" fact="0.8"/>
+              <dgm:constr type="w" for="des" forName="thinLine3" refType="w" fact="0.5332"/>
+            </dgm:constrLst>
+          </dgm:if>
+          <dgm:else name="Name12"/>
+        </dgm:choose>
+        <dgm:layoutNode name="tx1" styleLbl="revTx">
+          <dgm:alg type="tx">
+            <dgm:param type="parTxLTRAlign" val="l"/>
+            <dgm:param type="parTxRTLAlign" val="r"/>
+            <dgm:param type="txAnchorVert" val="t"/>
+          </dgm:alg>
+          <dgm:shape xmlns:r="http://schemas.openxmlformats.org/officeDocument/2006/relationships" type="rect" r:blip="">
+            <dgm:adjLst/>
+          </dgm:shape>
+          <dgm:presOf axis="self"/>
+          <dgm:constrLst>
+            <dgm:constr type="tMarg" refType="primFontSz" fact="0.3"/>
+            <dgm:constr type="bMarg" refType="primFontSz" fact="0.3"/>
+            <dgm:constr type="lMarg" refType="primFontSz" fact="0.3"/>
+            <dgm:constr type="rMarg" refType="primFontSz" fact="0.3"/>
+          </dgm:constrLst>
+          <dgm:ruleLst>
+            <dgm:rule type="primFontSz" val="5" fact="NaN" max="NaN"/>
+          </dgm:ruleLst>
+        </dgm:layoutNode>
+        <dgm:layoutNode name="vert1">
+          <dgm:choose name="Name13">
+            <dgm:if name="Name14" func="var" arg="dir" op="equ" val="norm">
+              <dgm:alg type="lin">
+                <dgm:param type="linDir" val="fromT"/>
+                <dgm:param type="nodeHorzAlign" val="l"/>
+              </dgm:alg>
+            </dgm:if>
+            <dgm:else name="Name15">
+              <dgm:alg type="lin">
+                <dgm:param type="linDir" val="fromT"/>
+                <dgm:param type="nodeHorzAlign" val="r"/>
+              </dgm:alg>
+            </dgm:else>
+          </dgm:choose>
+          <dgm:shape xmlns:r="http://schemas.openxmlformats.org/officeDocument/2006/relationships" r:blip="">
+            <dgm:adjLst/>
+          </dgm:shape>
+          <dgm:presOf/>
+          <dgm:forEach name="Name16" axis="ch" ptType="node">
+            <dgm:choose name="Name17">
+              <dgm:if name="Name18" axis="self" ptType="node" func="pos" op="equ" val="1">
+                <dgm:layoutNode name="vertSpace2a">
+                  <dgm:alg type="sp"/>
+                  <dgm:shape xmlns:r="http://schemas.openxmlformats.org/officeDocument/2006/relationships" r:blip="">
+                    <dgm:adjLst/>
+                  </dgm:shape>
+                  <dgm:presOf/>
+                </dgm:layoutNode>
+              </dgm:if>
+              <dgm:else name="Name19"/>
+            </dgm:choose>
+            <dgm:layoutNode name="horz2">
+              <dgm:choose name="Name20">
+                <dgm:if name="Name21" func="var" arg="dir" op="equ" val="norm">
+                  <dgm:alg type="lin">
+                    <dgm:param type="linDir" val="fromL"/>
+                    <dgm:param type="nodeVertAlign" val="t"/>
+                  </dgm:alg>
+                </dgm:if>
+                <dgm:else name="Name22">
+                  <dgm:alg type="lin">
+                    <dgm:param type="linDir" val="fromR"/>
+                    <dgm:param type="nodeVertAlign" val="t"/>
+                  </dgm:alg>
+                </dgm:else>
+              </dgm:choose>
+              <dgm:shape xmlns:r="http://schemas.openxmlformats.org/officeDocument/2006/relationships" r:blip="">
+                <dgm:adjLst/>
+              </dgm:shape>
+              <dgm:presOf/>
+              <dgm:layoutNode name="horzSpace2">
+                <dgm:alg type="sp"/>
+                <dgm:shape xmlns:r="http://schemas.openxmlformats.org/officeDocument/2006/relationships" r:blip="">
+                  <dgm:adjLst/>
+                </dgm:shape>
+                <dgm:presOf/>
+              </dgm:layoutNode>
+              <dgm:layoutNode name="tx2" styleLbl="revTx">
+                <dgm:alg type="tx">
+                  <dgm:param type="parTxLTRAlign" val="l"/>
+                  <dgm:param type="parTxRTLAlign" val="r"/>
+                  <dgm:param type="txAnchorVert" val="t"/>
+                </dgm:alg>
+                <dgm:shape xmlns:r="http://schemas.openxmlformats.org/officeDocument/2006/relationships" type="rect" r:blip="">
+                  <dgm:adjLst/>
+                </dgm:shape>
+                <dgm:presOf axis="self"/>
+                <dgm:constrLst>
+                  <dgm:constr type="tMarg" refType="primFontSz" fact="0.3"/>
+                  <dgm:constr type="bMarg" refType="primFontSz" fact="0.3"/>
+                  <dgm:constr type="lMarg" refType="primFontSz" fact="0.3"/>
+                  <dgm:constr type="rMarg" refType="primFontSz" fact="0.3"/>
+                </dgm:constrLst>
+                <dgm:ruleLst>
+                  <dgm:rule type="primFontSz" val="5" fact="NaN" max="NaN"/>
+                </dgm:ruleLst>
+              </dgm:layoutNode>
+              <dgm:layoutNode name="vert2">
+                <dgm:choose name="Name23">
+                  <dgm:if name="Name24" func="var" arg="dir" op="equ" val="norm">
+                    <dgm:alg type="lin">
+                      <dgm:param type="linDir" val="fromT"/>
+                      <dgm:param type="nodeHorzAlign" val="l"/>
+                    </dgm:alg>
+                  </dgm:if>
+                  <dgm:else name="Name25">
+                    <dgm:alg type="lin">
+                      <dgm:param type="linDir" val="fromT"/>
+                      <dgm:param type="nodeHorzAlign" val="r"/>
+                    </dgm:alg>
+                  </dgm:else>
+                </dgm:choose>
+                <dgm:shape xmlns:r="http://schemas.openxmlformats.org/officeDocument/2006/relationships" r:blip="">
+                  <dgm:adjLst/>
+                </dgm:shape>
+                <dgm:presOf/>
+                <dgm:forEach name="Name26" axis="ch" ptType="node">
+                  <dgm:layoutNode name="horz3">
+                    <dgm:choose name="Name27">
+                      <dgm:if name="Name28" func="var" arg="dir" op="equ" val="norm">
+                        <dgm:alg type="lin">
+                          <dgm:param type="linDir" val="fromL"/>
+                          <dgm:param type="nodeVertAlign" val="t"/>
+                        </dgm:alg>
+                      </dgm:if>
+                      <dgm:else name="Name29">
+                        <dgm:alg type="lin">
+                          <dgm:param type="linDir" val="fromR"/>
+                          <dgm:param type="nodeVertAlign" val="t"/>
+                        </dgm:alg>
+                      </dgm:else>
+                    </dgm:choose>
+                    <dgm:shape xmlns:r="http://schemas.openxmlformats.org/officeDocument/2006/relationships" r:blip="">
+                      <dgm:adjLst/>
+                    </dgm:shape>
+                    <dgm:presOf/>
+                    <dgm:layoutNode name="horzSpace3">
+                      <dgm:alg type="sp"/>
+                      <dgm:shape xmlns:r="http://schemas.openxmlformats.org/officeDocument/2006/relationships" r:blip="">
+                        <dgm:adjLst/>
+                      </dgm:shape>
+                      <dgm:presOf/>
+                    </dgm:layoutNode>
+                    <dgm:layoutNode name="tx3" styleLbl="revTx">
+                      <dgm:alg type="tx">
+                        <dgm:param type="parTxLTRAlign" val="l"/>
+                        <dgm:param type="parTxRTLAlign" val="r"/>
+                        <dgm:param type="txAnchorVert" val="t"/>
+                      </dgm:alg>
+                      <dgm:shape xmlns:r="http://schemas.openxmlformats.org/officeDocument/2006/relationships" type="rect" r:blip="">
+                        <dgm:adjLst/>
+                      </dgm:shape>
+                      <dgm:presOf axis="self"/>
+                      <dgm:constrLst>
+                        <dgm:constr type="tMarg" refType="primFontSz" fact="0.3"/>
+                        <dgm:constr type="bMarg" refType="primFontSz" fact="0.3"/>
+                        <dgm:constr type="lMarg" refType="primFontSz" fact="0.3"/>
+                        <dgm:constr type="rMarg" refType="primFontSz" fact="0.3"/>
+                      </dgm:constrLst>
+                      <dgm:ruleLst>
+                        <dgm:rule type="primFontSz" val="5" fact="NaN" max="NaN"/>
+                      </dgm:ruleLst>
+                    </dgm:layoutNode>
+                    <dgm:layoutNode name="vert3">
+                      <dgm:choose name="Name30">
+                        <dgm:if name="Name31" func="var" arg="dir" op="equ" val="norm">
+                          <dgm:alg type="lin">
+                            <dgm:param type="linDir" val="fromT"/>
+                            <dgm:param type="nodeHorzAlign" val="l"/>
+                          </dgm:alg>
+                        </dgm:if>
+                        <dgm:else name="Name32">
+                          <dgm:alg type="lin">
+                            <dgm:param type="linDir" val="fromT"/>
+                            <dgm:param type="nodeHorzAlign" val="r"/>
+                          </dgm:alg>
+                        </dgm:else>
+                      </dgm:choose>
+                      <dgm:shape xmlns:r="http://schemas.openxmlformats.org/officeDocument/2006/relationships" r:blip="">
+                        <dgm:adjLst/>
+                      </dgm:shape>
+                      <dgm:presOf/>
+                      <dgm:forEach name="Name33" axis="ch" ptType="node">
+                        <dgm:layoutNode name="horz4">
+                          <dgm:choose name="Name34">
+                            <dgm:if name="Name35" func="var" arg="dir" op="equ" val="norm">
+                              <dgm:alg type="lin">
+                                <dgm:param type="linDir" val="fromL"/>
+                                <dgm:param type="nodeVertAlign" val="t"/>
+                              </dgm:alg>
+                            </dgm:if>
+                            <dgm:else name="Name36">
+                              <dgm:alg type="lin">
+                                <dgm:param type="linDir" val="fromR"/>
+                                <dgm:param type="nodeVertAlign" val="t"/>
+                              </dgm:alg>
+                            </dgm:else>
+                          </dgm:choose>
+                          <dgm:shape xmlns:r="http://schemas.openxmlformats.org/officeDocument/2006/relationships" r:blip="">
+                            <dgm:adjLst/>
+                          </dgm:shape>
+                          <dgm:presOf/>
+                          <dgm:layoutNode name="horzSpace4">
+                            <dgm:alg type="sp"/>
+                            <dgm:shape xmlns:r="http://schemas.openxmlformats.org/officeDocument/2006/relationships" r:blip="">
+                              <dgm:adjLst/>
+                            </dgm:shape>
+                            <dgm:presOf/>
+                          </dgm:layoutNode>
+                          <dgm:layoutNode name="tx4" styleLbl="revTx">
+                            <dgm:varLst>
+                              <dgm:bulletEnabled val="1"/>
+                            </dgm:varLst>
+                            <dgm:alg type="tx">
+                              <dgm:param type="parTxLTRAlign" val="l"/>
+                              <dgm:param type="parTxRTLAlign" val="r"/>
+                              <dgm:param type="txAnchorVert" val="t"/>
+                            </dgm:alg>
+                            <dgm:shape xmlns:r="http://schemas.openxmlformats.org/officeDocument/2006/relationships" type="rect" r:blip="">
+                              <dgm:adjLst/>
+                            </dgm:shape>
+                            <dgm:presOf axis="desOrSelf" ptType="node"/>
+                            <dgm:constrLst>
+                              <dgm:constr type="tMarg" refType="primFontSz" fact="0.3"/>
+                              <dgm:constr type="bMarg" refType="primFontSz" fact="0.3"/>
+                              <dgm:constr type="lMarg" refType="primFontSz" fact="0.3"/>
+                              <dgm:constr type="rMarg" refType="primFontSz" fact="0.3"/>
+                            </dgm:constrLst>
+                            <dgm:ruleLst>
+                              <dgm:rule type="primFontSz" val="5" fact="NaN" max="NaN"/>
+                            </dgm:ruleLst>
+                          </dgm:layoutNode>
+                        </dgm:layoutNode>
+                      </dgm:forEach>
+                    </dgm:layoutNode>
+                  </dgm:layoutNode>
+                  <dgm:forEach name="Name37" axis="followSib" ptType="sibTrans" cnt="1">
+                    <dgm:layoutNode name="thinLine3" styleLbl="callout">
+                      <dgm:alg type="sp"/>
+                      <dgm:shape xmlns:r="http://schemas.openxmlformats.org/officeDocument/2006/relationships" type="line" r:blip="">
+                        <dgm:adjLst/>
+                      </dgm:shape>
+                      <dgm:presOf/>
+                    </dgm:layoutNode>
+                  </dgm:forEach>
+                </dgm:forEach>
+              </dgm:layoutNode>
+            </dgm:layoutNode>
+            <dgm:layoutNode name="thinLine2b" styleLbl="callout">
+              <dgm:alg type="sp"/>
+              <dgm:shape xmlns:r="http://schemas.openxmlformats.org/officeDocument/2006/relationships" type="line" r:blip="">
+                <dgm:adjLst/>
+              </dgm:shape>
+              <dgm:presOf/>
+            </dgm:layoutNode>
+            <dgm:layoutNode name="vertSpace2b">
+              <dgm:alg type="sp"/>
+              <dgm:shape xmlns:r="http://schemas.openxmlformats.org/officeDocument/2006/relationships" r:blip="">
+                <dgm:adjLst/>
+              </dgm:shape>
+              <dgm:presOf/>
+            </dgm:layoutNode>
+          </dgm:forEach>
+        </dgm:layoutNode>
+      </dgm:layoutNode>
+    </dgm:forEach>
+  </dgm:layoutNode>
+</dgm:layoutDef>
+</file>
+
+<file path=ppt/diagrams/quickStyle1.xml><?xml version="1.0" encoding="utf-8"?>
+<dgm:styleDef xmlns:dgm="http://schemas.openxmlformats.org/drawingml/2006/diagram" xmlns:a="http://schemas.openxmlformats.org/drawingml/2006/main" uniqueId="urn:microsoft.com/office/officeart/2005/8/quickstyle/simple1">
+  <dgm:title val=""/>
+  <dgm:desc val=""/>
+  <dgm:catLst>
+    <dgm:cat type="simple" pri="10100"/>
+  </dgm:catLst>
+  <dgm:scene3d>
+    <a:camera prst="orthographicFront"/>
+    <a:lightRig rig="threePt" dir="t"/>
+  </dgm:scene3d>
+  <dgm:styleLbl name="node0">
+    <dgm:scene3d>
+      <a:camera prst="orthographicFront"/>
+      <a:lightRig rig="threePt" dir="t"/>
+    </dgm:scene3d>
+    <dgm:sp3d/>
+    <dgm:txPr/>
+    <dgm:style>
+      <a:lnRef idx="2">
+        <a:scrgbClr r="0" g="0" b="0"/>
+      </a:lnRef>
+      <a:fillRef idx="1">
+        <a:scrgbClr r="0" g="0" b="0"/>
+      </a:fillRef>
+      <a:effectRef idx="0">
+        <a:scrgbClr r="0" g="0" b="0"/>
+      </a:effectRef>
+      <a:fontRef idx="minor">
+        <a:schemeClr val="lt1"/>
+      </a:fontRef>
+    </dgm:style>
+  </dgm:styleLbl>
+  <dgm:styleLbl name="lnNode1">
+    <dgm:scene3d>
+      <a:camera prst="orthographicFront"/>
+      <a:lightRig rig="threePt" dir="t"/>
+    </dgm:scene3d>
+    <dgm:sp3d/>
+    <dgm:txPr/>
+    <dgm:style>
+      <a:lnRef idx="2">
+        <a:scrgbClr r="0" g="0" b="0"/>
+      </a:lnRef>
+      <a:fillRef idx="1">
+        <a:scrgbClr r="0" g="0" b="0"/>
+      </a:fillRef>
+      <a:effectRef idx="0">
+        <a:scrgbClr r="0" g="0" b="0"/>
+      </a:effectRef>
+      <a:fontRef idx="minor">
+        <a:schemeClr val="lt1"/>
+      </a:fontRef>
+    </dgm:style>
+  </dgm:styleLbl>
+  <dgm:styleLbl name="vennNode1">
+    <dgm:scene3d>
+      <a:camera prst="orthographicFront"/>
+      <a:lightRig rig="threePt" dir="t"/>
+    </dgm:scene3d>
+    <dgm:sp3d/>
+    <dgm:txPr/>
+    <dgm:style>
+      <a:lnRef idx="2">
+        <a:scrgbClr r="0" g="0" b="0"/>
+      </a:lnRef>
+      <a:fillRef idx="1">
+        <a:scrgbClr r="0" g="0" b="0"/>
+      </a:fillRef>
+      <a:effectRef idx="0">
+        <a:scrgbClr r="0" g="0" b="0"/>
+      </a:effectRef>
+      <a:fontRef idx="minor">
+        <a:schemeClr val="tx1"/>
+      </a:fontRef>
+    </dgm:style>
+  </dgm:styleLbl>
+  <dgm:styleLbl name="alignNode1">
+    <dgm:scene3d>
+      <a:camera prst="orthographicFront"/>
+      <a:lightRig rig="threePt" dir="t"/>
+    </dgm:scene3d>
+    <dgm:sp3d/>
+    <dgm:txPr/>
+    <dgm:style>
+      <a:lnRef idx="2">
+        <a:scrgbClr r="0" g="0" b="0"/>
+      </a:lnRef>
+      <a:fillRef idx="1">
+        <a:scrgbClr r="0" g="0" b="0"/>
+      </a:fillRef>
+      <a:effectRef idx="0">
+        <a:scrgbClr r="0" g="0" b="0"/>
+      </a:effectRef>
+      <a:fontRef idx="minor">
+        <a:schemeClr val="lt1"/>
+      </a:fontRef>
+    </dgm:style>
+  </dgm:styleLbl>
+  <dgm:styleLbl name="node1">
+    <dgm:scene3d>
+      <a:camera prst="orthographicFront"/>
+      <a:lightRig rig="threePt" dir="t"/>
+    </dgm:scene3d>
+    <dgm:sp3d/>
+    <dgm:txPr/>
+    <dgm:style>
+      <a:lnRef idx="2">
+        <a:scrgbClr r="0" g="0" b="0"/>
+      </a:lnRef>
+      <a:fillRef idx="1">
+        <a:scrgbClr r="0" g="0" b="0"/>
+      </a:fillRef>
+      <a:effectRef idx="0">
+        <a:scrgbClr r="0" g="0" b="0"/>
+      </a:effectRef>
+      <a:fontRef idx="minor">
+        <a:schemeClr val="lt1"/>
+      </a:fontRef>
+    </dgm:style>
+  </dgm:styleLbl>
+  <dgm:styleLbl name="node2">
+    <dgm:scene3d>
+      <a:camera prst="orthographicFront"/>
+      <a:lightRig rig="threePt" dir="t"/>
+    </dgm:scene3d>
+    <dgm:sp3d/>
+    <dgm:txPr/>
+    <dgm:style>
+      <a:lnRef idx="2">
+        <a:scrgbClr r="0" g="0" b="0"/>
+      </a:lnRef>
+      <a:fillRef idx="1">
+        <a:scrgbClr r="0" g="0" b="0"/>
+      </a:fillRef>
+      <a:effectRef idx="0">
+        <a:scrgbClr r="0" g="0" b="0"/>
+      </a:effectRef>
+      <a:fontRef idx="minor">
+        <a:schemeClr val="lt1"/>
+      </a:fontRef>
+    </dgm:style>
+  </dgm:styleLbl>
+  <dgm:styleLbl name="node3">
+    <dgm:scene3d>
+      <a:camera prst="orthographicFront"/>
+      <a:lightRig rig="threePt" dir="t"/>
+    </dgm:scene3d>
+    <dgm:sp3d/>
+    <dgm:txPr/>
+    <dgm:style>
+      <a:lnRef idx="2">
+        <a:scrgbClr r="0" g="0" b="0"/>
+      </a:lnRef>
+      <a:fillRef idx="1">
+        <a:scrgbClr r="0" g="0" b="0"/>
+      </a:fillRef>
+      <a:effectRef idx="0">
+        <a:scrgbClr r="0" g="0" b="0"/>
+      </a:effectRef>
+      <a:fontRef idx="minor">
+        <a:schemeClr val="lt1"/>
+      </a:fontRef>
+    </dgm:style>
+  </dgm:styleLbl>
+  <dgm:styleLbl name="node4">
+    <dgm:scene3d>
+      <a:camera prst="orthographicFront"/>
+      <a:lightRig rig="threePt" dir="t"/>
+    </dgm:scene3d>
+    <dgm:sp3d/>
+    <dgm:txPr/>
+    <dgm:style>
+      <a:lnRef idx="2">
+        <a:scrgbClr r="0" g="0" b="0"/>
+      </a:lnRef>
+      <a:fillRef idx="1">
+        <a:scrgbClr r="0" g="0" b="0"/>
+      </a:fillRef>
+      <a:effectRef idx="0">
+        <a:scrgbClr r="0" g="0" b="0"/>
+      </a:effectRef>
+      <a:fontRef idx="minor">
+        <a:schemeClr val="lt1"/>
+      </a:fontRef>
+    </dgm:style>
+  </dgm:styleLbl>
+  <dgm:styleLbl name="fgImgPlace1">
+    <dgm:scene3d>
+      <a:camera prst="orthographicFront"/>
+      <a:lightRig rig="threePt" dir="t"/>
+    </dgm:scene3d>
+    <dgm:sp3d/>
+    <dgm:txPr/>
+    <dgm:style>
+      <a:lnRef idx="2">
+        <a:scrgbClr r="0" g="0" b="0"/>
+      </a:lnRef>
+      <a:fillRef idx="1">
+        <a:scrgbClr r="0" g="0" b="0"/>
+      </a:fillRef>
+      <a:effectRef idx="0">
+        <a:scrgbClr r="0" g="0" b="0"/>
+      </a:effectRef>
+      <a:fontRef idx="minor"/>
+    </dgm:style>
+  </dgm:styleLbl>
+  <dgm:styleLbl name="alignImgPlace1">
+    <dgm:scene3d>
+      <a:camera prst="orthographicFront"/>
+      <a:lightRig rig="threePt" dir="t"/>
+    </dgm:scene3d>
+    <dgm:sp3d/>
+    <dgm:txPr/>
+    <dgm:style>
+      <a:lnRef idx="2">
+        <a:scrgbClr r="0" g="0" b="0"/>
+      </a:lnRef>
+      <a:fillRef idx="1">
+        <a:scrgbClr r="0" g="0" b="0"/>
+      </a:fillRef>
+      <a:effectRef idx="0">
+        <a:scrgbClr r="0" g="0" b="0"/>
+      </a:effectRef>
+      <a:fontRef idx="minor"/>
+    </dgm:style>
+  </dgm:styleLbl>
+  <dgm:styleLbl name="bgImgPlace1">
+    <dgm:scene3d>
+      <a:camera prst="orthographicFront"/>
+      <a:lightRig rig="threePt" dir="t"/>
+    </dgm:scene3d>
+    <dgm:sp3d/>
+    <dgm:txPr/>
+    <dgm:style>
+      <a:lnRef idx="2">
+        <a:scrgbClr r="0" g="0" b="0"/>
+      </a:lnRef>
+      <a:fillRef idx="1">
+        <a:scrgbClr r="0" g="0" b="0"/>
+      </a:fillRef>
+      <a:effectRef idx="0">
+        <a:scrgbClr r="0" g="0" b="0"/>
+      </a:effectRef>
+      <a:fontRef idx="minor"/>
+    </dgm:style>
+  </dgm:styleLbl>
+  <dgm:styleLbl name="sibTrans2D1">
+    <dgm:scene3d>
+      <a:camera prst="orthographicFront"/>
+      <a:lightRig rig="threePt" dir="t"/>
+    </dgm:scene3d>
+    <dgm:sp3d/>
+    <dgm:txPr/>
+    <dgm:style>
+      <a:lnRef idx="0">
+        <a:scrgbClr r="0" g="0" b="0"/>
+      </a:lnRef>
+      <a:fillRef idx="1">
+        <a:scrgbClr r="0" g="0" b="0"/>
+      </a:fillRef>
+      <a:effectRef idx="0">
+        <a:scrgbClr r="0" g="0" b="0"/>
+      </a:effectRef>
+      <a:fontRef idx="minor">
+        <a:schemeClr val="lt1"/>
+      </a:fontRef>
+    </dgm:style>
+  </dgm:styleLbl>
+  <dgm:styleLbl name="fgSibTrans2D1">
+    <dgm:scene3d>
+      <a:camera prst="orthographicFront"/>
+      <a:lightRig rig="threePt" dir="t"/>
+    </dgm:scene3d>
+    <dgm:sp3d/>
+    <dgm:txPr/>
+    <dgm:style>
+      <a:lnRef idx="0">
+        <a:scrgbClr r="0" g="0" b="0"/>
+      </a:lnRef>
+      <a:fillRef idx="1">
+        <a:scrgbClr r="0" g="0" b="0"/>
+      </a:fillRef>
+      <a:effectRef idx="0">
+        <a:scrgbClr r="0" g="0" b="0"/>
+      </a:effectRef>
+      <a:fontRef idx="minor">
+        <a:schemeClr val="lt1"/>
+      </a:fontRef>
+    </dgm:style>
+  </dgm:styleLbl>
+  <dgm:styleLbl name="bgSibTrans2D1">
+    <dgm:scene3d>
+      <a:camera prst="orthographicFront"/>
+      <a:lightRig rig="threePt" dir="t"/>
+    </dgm:scene3d>
+    <dgm:sp3d/>
+    <dgm:txPr/>
+    <dgm:style>
+      <a:lnRef idx="0">
+        <a:scrgbClr r="0" g="0" b="0"/>
+      </a:lnRef>
+      <a:fillRef idx="1">
+        <a:scrgbClr r="0" g="0" b="0"/>
+      </a:fillRef>
+      <a:effectRef idx="0">
+        <a:scrgbClr r="0" g="0" b="0"/>
+      </a:effectRef>
+      <a:fontRef idx="minor">
+        <a:schemeClr val="lt1"/>
+      </a:fontRef>
+    </dgm:style>
+  </dgm:styleLbl>
+  <dgm:styleLbl name="sibTrans1D1">
+    <dgm:scene3d>
+      <a:camera prst="orthographicFront"/>
+      <a:lightRig rig="threePt" dir="t"/>
+    </dgm:scene3d>
+    <dgm:sp3d/>
+    <dgm:txPr/>
+    <dgm:style>
+      <a:lnRef idx="1">
+        <a:scrgbClr r="0" g="0" b="0"/>
+      </a:lnRef>
+      <a:fillRef idx="0">
+        <a:scrgbClr r="0" g="0" b="0"/>
+      </a:fillRef>
+      <a:effectRef idx="0">
+        <a:scrgbClr r="0" g="0" b="0"/>
+      </a:effectRef>
+      <a:fontRef idx="minor"/>
+    </dgm:style>
+  </dgm:styleLbl>
+  <dgm:styleLbl name="callout">
+    <dgm:scene3d>
+      <a:camera prst="orthographicFront"/>
+      <a:lightRig rig="threePt" dir="t"/>
+    </dgm:scene3d>
+    <dgm:sp3d/>
+    <dgm:txPr/>
+    <dgm:style>
+      <a:lnRef idx="2">
+        <a:scrgbClr r="0" g="0" b="0"/>
+      </a:lnRef>
+      <a:fillRef idx="1">
+        <a:scrgbClr r="0" g="0" b="0"/>
+      </a:fillRef>
+      <a:effectRef idx="0">
+        <a:scrgbClr r="0" g="0" b="0"/>
+      </a:effectRef>
+      <a:fontRef idx="minor"/>
+    </dgm:style>
+  </dgm:styleLbl>
+  <dgm:styleLbl name="asst0">
+    <dgm:scene3d>
+      <a:camera prst="orthographicFront"/>
+      <a:lightRig rig="threePt" dir="t"/>
+    </dgm:scene3d>
+    <dgm:sp3d/>
+    <dgm:txPr/>
+    <dgm:style>
+      <a:lnRef idx="2">
+        <a:scrgbClr r="0" g="0" b="0"/>
+      </a:lnRef>
+      <a:fillRef idx="1">
+        <a:scrgbClr r="0" g="0" b="0"/>
+      </a:fillRef>
+      <a:effectRef idx="0">
+        <a:scrgbClr r="0" g="0" b="0"/>
+      </a:effectRef>
+      <a:fontRef idx="minor">
+        <a:schemeClr val="lt1"/>
+      </a:fontRef>
+    </dgm:style>
+  </dgm:styleLbl>
+  <dgm:styleLbl name="asst1">
+    <dgm:scene3d>
+      <a:camera prst="orthographicFront"/>
+      <a:lightRig rig="threePt" dir="t"/>
+    </dgm:scene3d>
+    <dgm:sp3d/>
+    <dgm:txPr/>
+    <dgm:style>
+      <a:lnRef idx="2">
+        <a:scrgbClr r="0" g="0" b="0"/>
+      </a:lnRef>
+      <a:fillRef idx="1">
+        <a:scrgbClr r="0" g="0" b="0"/>
+      </a:fillRef>
+      <a:effectRef idx="0">
+        <a:scrgbClr r="0" g="0" b="0"/>
+      </a:effectRef>
+      <a:fontRef idx="minor">
+        <a:schemeClr val="lt1"/>
+      </a:fontRef>
+    </dgm:style>
+  </dgm:styleLbl>
+  <dgm:styleLbl name="asst2">
+    <dgm:scene3d>
+      <a:camera prst="orthographicFront"/>
+      <a:lightRig rig="threePt" dir="t"/>
+    </dgm:scene3d>
+    <dgm:sp3d/>
+    <dgm:txPr/>
+    <dgm:style>
+      <a:lnRef idx="2">
+        <a:scrgbClr r="0" g="0" b="0"/>
+      </a:lnRef>
+      <a:fillRef idx="1">
+        <a:scrgbClr r="0" g="0" b="0"/>
+      </a:fillRef>
+      <a:effectRef idx="0">
+        <a:scrgbClr r="0" g="0" b="0"/>
+      </a:effectRef>
+      <a:fontRef idx="minor">
+        <a:schemeClr val="lt1"/>
+      </a:fontRef>
+    </dgm:style>
+  </dgm:styleLbl>
+  <dgm:styleLbl name="asst3">
+    <dgm:scene3d>
+      <a:camera prst="orthographicFront"/>
+      <a:lightRig rig="threePt" dir="t"/>
+    </dgm:scene3d>
+    <dgm:sp3d/>
+    <dgm:txPr/>
+    <dgm:style>
+      <a:lnRef idx="2">
+        <a:scrgbClr r="0" g="0" b="0"/>
+      </a:lnRef>
+      <a:fillRef idx="1">
+        <a:scrgbClr r="0" g="0" b="0"/>
+      </a:fillRef>
+      <a:effectRef idx="0">
+        <a:scrgbClr r="0" g="0" b="0"/>
+      </a:effectRef>
+      <a:fontRef idx="minor">
+        <a:schemeClr val="lt1"/>
+      </a:fontRef>
+    </dgm:style>
+  </dgm:styleLbl>
+  <dgm:styleLbl name="asst4">
+    <dgm:scene3d>
+      <a:camera prst="orthographicFront"/>
+      <a:lightRig rig="threePt" dir="t"/>
+    </dgm:scene3d>
+    <dgm:sp3d/>
+    <dgm:txPr/>
+    <dgm:style>
+      <a:lnRef idx="2">
+        <a:scrgbClr r="0" g="0" b="0"/>
+      </a:lnRef>
+      <a:fillRef idx="1">
+        <a:scrgbClr r="0" g="0" b="0"/>
+      </a:fillRef>
+      <a:effectRef idx="0">
+        <a:scrgbClr r="0" g="0" b="0"/>
+      </a:effectRef>
+      <a:fontRef idx="minor">
+        <a:schemeClr val="lt1"/>
+      </a:fontRef>
+    </dgm:style>
+  </dgm:styleLbl>
+  <dgm:styleLbl name="parChTrans2D1">
+    <dgm:scene3d>
+      <a:camera prst="orthographicFront"/>
+      <a:lightRig rig="threePt" dir="t"/>
+    </dgm:scene3d>
+    <dgm:sp3d/>
+    <dgm:txPr/>
+    <dgm:style>
+      <a:lnRef idx="2">
+        <a:scrgbClr r="0" g="0" b="0"/>
+      </a:lnRef>
+      <a:fillRef idx="1">
+        <a:scrgbClr r="0" g="0" b="0"/>
+      </a:fillRef>
+      <a:effectRef idx="0">
+        <a:scrgbClr r="0" g="0" b="0"/>
+      </a:effectRef>
+      <a:fontRef idx="minor">
+        <a:schemeClr val="lt1"/>
+      </a:fontRef>
+    </dgm:style>
+  </dgm:styleLbl>
+  <dgm:styleLbl name="parChTrans2D2">
+    <dgm:scene3d>
+      <a:camera prst="orthographicFront"/>
+      <a:lightRig rig="threePt" dir="t"/>
+    </dgm:scene3d>
+    <dgm:sp3d/>
+    <dgm:txPr/>
+    <dgm:style>
+      <a:lnRef idx="2">
+        <a:scrgbClr r="0" g="0" b="0"/>
+      </a:lnRef>
+      <a:fillRef idx="1">
+        <a:scrgbClr r="0" g="0" b="0"/>
+      </a:fillRef>
+      <a:effectRef idx="0">
+        <a:scrgbClr r="0" g="0" b="0"/>
+      </a:effectRef>
+      <a:fontRef idx="minor">
+        <a:schemeClr val="lt1"/>
+      </a:fontRef>
+    </dgm:style>
+  </dgm:styleLbl>
+  <dgm:styleLbl name="parChTrans2D3">
+    <dgm:scene3d>
+      <a:camera prst="orthographicFront"/>
+      <a:lightRig rig="threePt" dir="t"/>
+    </dgm:scene3d>
+    <dgm:sp3d/>
+    <dgm:txPr/>
+    <dgm:style>
+      <a:lnRef idx="2">
+        <a:scrgbClr r="0" g="0" b="0"/>
+      </a:lnRef>
+      <a:fillRef idx="1">
+        <a:scrgbClr r="0" g="0" b="0"/>
+      </a:fillRef>
+      <a:effectRef idx="0">
+        <a:scrgbClr r="0" g="0" b="0"/>
+      </a:effectRef>
+      <a:fontRef idx="minor">
+        <a:schemeClr val="lt1"/>
+      </a:fontRef>
+    </dgm:style>
+  </dgm:styleLbl>
+  <dgm:styleLbl name="parChTrans2D4">
+    <dgm:scene3d>
+      <a:camera prst="orthographicFront"/>
+      <a:lightRig rig="threePt" dir="t"/>
+    </dgm:scene3d>
+    <dgm:sp3d/>
+    <dgm:txPr/>
+    <dgm:style>
+      <a:lnRef idx="2">
+        <a:scrgbClr r="0" g="0" b="0"/>
+      </a:lnRef>
+      <a:fillRef idx="1">
+        <a:scrgbClr r="0" g="0" b="0"/>
+      </a:fillRef>
+      <a:effectRef idx="0">
+        <a:scrgbClr r="0" g="0" b="0"/>
+      </a:effectRef>
+      <a:fontRef idx="minor">
+        <a:schemeClr val="lt1"/>
+      </a:fontRef>
+    </dgm:style>
+  </dgm:styleLbl>
+  <dgm:styleLbl name="parChTrans1D1">
+    <dgm:scene3d>
+      <a:camera prst="orthographicFront"/>
+      <a:lightRig rig="threePt" dir="t"/>
+    </dgm:scene3d>
+    <dgm:sp3d/>
+    <dgm:txPr/>
+    <dgm:style>
+      <a:lnRef idx="2">
+        <a:scrgbClr r="0" g="0" b="0"/>
+      </a:lnRef>
+      <a:fillRef idx="0">
+        <a:scrgbClr r="0" g="0" b="0"/>
+      </a:fillRef>
+      <a:effectRef idx="0">
+        <a:scrgbClr r="0" g="0" b="0"/>
+      </a:effectRef>
+      <a:fontRef idx="minor"/>
+    </dgm:style>
+  </dgm:styleLbl>
+  <dgm:styleLbl name="parChTrans1D2">
+    <dgm:scene3d>
+      <a:camera prst="orthographicFront"/>
+      <a:lightRig rig="threePt" dir="t"/>
+    </dgm:scene3d>
+    <dgm:sp3d/>
+    <dgm:txPr/>
+    <dgm:style>
+      <a:lnRef idx="2">
+        <a:scrgbClr r="0" g="0" b="0"/>
+      </a:lnRef>
+      <a:fillRef idx="0">
+        <a:scrgbClr r="0" g="0" b="0"/>
+      </a:fillRef>
+      <a:effectRef idx="0">
+        <a:scrgbClr r="0" g="0" b="0"/>
+      </a:effectRef>
+      <a:fontRef idx="minor"/>
+    </dgm:style>
+  </dgm:styleLbl>
+  <dgm:styleLbl name="parChTrans1D3">
+    <dgm:scene3d>
+      <a:camera prst="orthographicFront"/>
+      <a:lightRig rig="threePt" dir="t"/>
+    </dgm:scene3d>
+    <dgm:sp3d/>
+    <dgm:txPr/>
+    <dgm:style>
+      <a:lnRef idx="2">
+        <a:scrgbClr r="0" g="0" b="0"/>
+      </a:lnRef>
+      <a:fillRef idx="0">
+        <a:scrgbClr r="0" g="0" b="0"/>
+      </a:fillRef>
+      <a:effectRef idx="0">
+        <a:scrgbClr r="0" g="0" b="0"/>
+      </a:effectRef>
+      <a:fontRef idx="minor"/>
+    </dgm:style>
+  </dgm:styleLbl>
+  <dgm:styleLbl name="parChTrans1D4">
+    <dgm:scene3d>
+      <a:camera prst="orthographicFront"/>
+      <a:lightRig rig="threePt" dir="t"/>
+    </dgm:scene3d>
+    <dgm:sp3d/>
+    <dgm:txPr/>
+    <dgm:style>
+      <a:lnRef idx="2">
+        <a:scrgbClr r="0" g="0" b="0"/>
+      </a:lnRef>
+      <a:fillRef idx="0">
+        <a:scrgbClr r="0" g="0" b="0"/>
+      </a:fillRef>
+      <a:effectRef idx="0">
+        <a:scrgbClr r="0" g="0" b="0"/>
+      </a:effectRef>
+      <a:fontRef idx="minor"/>
+    </dgm:style>
+  </dgm:styleLbl>
+  <dgm:styleLbl name="fgAcc1">
+    <dgm:scene3d>
+      <a:camera prst="orthographicFront"/>
+      <a:lightRig rig="threePt" dir="t"/>
+    </dgm:scene3d>
+    <dgm:sp3d/>
+    <dgm:txPr/>
+    <dgm:style>
+      <a:lnRef idx="2">
+        <a:scrgbClr r="0" g="0" b="0"/>
+      </a:lnRef>
+      <a:fillRef idx="1">
+        <a:scrgbClr r="0" g="0" b="0"/>
+      </a:fillRef>
+      <a:effectRef idx="0">
+        <a:scrgbClr r="0" g="0" b="0"/>
+      </a:effectRef>
+      <a:fontRef idx="minor"/>
+    </dgm:style>
+  </dgm:styleLbl>
+  <dgm:styleLbl name="conFgAcc1">
+    <dgm:scene3d>
+      <a:camera prst="orthographicFront"/>
+      <a:lightRig rig="threePt" dir="t"/>
+    </dgm:scene3d>
+    <dgm:sp3d/>
+    <dgm:txPr/>
+    <dgm:style>
+      <a:lnRef idx="2">
+        <a:scrgbClr r="0" g="0" b="0"/>
+      </a:lnRef>
+      <a:fillRef idx="1">
+        <a:scrgbClr r="0" g="0" b="0"/>
+      </a:fillRef>
+      <a:effectRef idx="0">
+        <a:scrgbClr r="0" g="0" b="0"/>
+      </a:effectRef>
+      <a:fontRef idx="minor"/>
+    </dgm:style>
+  </dgm:styleLbl>
+  <dgm:styleLbl name="alignAcc1">
+    <dgm:scene3d>
+      <a:camera prst="orthographicFront"/>
+      <a:lightRig rig="threePt" dir="t"/>
+    </dgm:scene3d>
+    <dgm:sp3d/>
+    <dgm:txPr/>
+    <dgm:style>
+      <a:lnRef idx="2">
+        <a:scrgbClr r="0" g="0" b="0"/>
+      </a:lnRef>
+      <a:fillRef idx="1">
+        <a:scrgbClr r="0" g="0" b="0"/>
+      </a:fillRef>
+      <a:effectRef idx="0">
+        <a:scrgbClr r="0" g="0" b="0"/>
+      </a:effectRef>
+      <a:fontRef idx="minor"/>
+    </dgm:style>
+  </dgm:styleLbl>
+  <dgm:styleLbl name="trAlignAcc1">
+    <dgm:scene3d>
+      <a:camera prst="orthographicFront"/>
+      <a:lightRig rig="threePt" dir="t"/>
+    </dgm:scene3d>
+    <dgm:sp3d/>
+    <dgm:txPr/>
+    <dgm:style>
+      <a:lnRef idx="1">
+        <a:scrgbClr r="0" g="0" b="0"/>
+      </a:lnRef>
+      <a:fillRef idx="1">
+        <a:scrgbClr r="0" g="0" b="0"/>
+      </a:fillRef>
+      <a:effectRef idx="0">
+        <a:scrgbClr r="0" g="0" b="0"/>
+      </a:effectRef>
+      <a:fontRef idx="minor"/>
+    </dgm:style>
+  </dgm:styleLbl>
+  <dgm:styleLbl name="bgAcc1">
+    <dgm:scene3d>
+      <a:camera prst="orthographicFront"/>
+      <a:lightRig rig="threePt" dir="t"/>
+    </dgm:scene3d>
+    <dgm:sp3d/>
+    <dgm:txPr/>
+    <dgm:style>
+      <a:lnRef idx="2">
+        <a:scrgbClr r="0" g="0" b="0"/>
+      </a:lnRef>
+      <a:fillRef idx="1">
+        <a:scrgbClr r="0" g="0" b="0"/>
+      </a:fillRef>
+      <a:effectRef idx="0">
+        <a:scrgbClr r="0" g="0" b="0"/>
+      </a:effectRef>
+      <a:fontRef idx="minor"/>
+    </dgm:style>
+  </dgm:styleLbl>
+  <dgm:styleLbl name="solidFgAcc1">
+    <dgm:scene3d>
+      <a:camera prst="orthographicFront"/>
+      <a:lightRig rig="threePt" dir="t"/>
+    </dgm:scene3d>
+    <dgm:sp3d/>
+    <dgm:txPr/>
+    <dgm:style>
+      <a:lnRef idx="2">
+        <a:scrgbClr r="0" g="0" b="0"/>
+      </a:lnRef>
+      <a:fillRef idx="1">
+        <a:scrgbClr r="0" g="0" b="0"/>
+      </a:fillRef>
+      <a:effectRef idx="0">
+        <a:scrgbClr r="0" g="0" b="0"/>
+      </a:effectRef>
+      <a:fontRef idx="minor"/>
+    </dgm:style>
+  </dgm:styleLbl>
+  <dgm:styleLbl name="solidAlignAcc1">
+    <dgm:scene3d>
+      <a:camera prst="orthographicFront"/>
+      <a:lightRig rig="threePt" dir="t"/>
+    </dgm:scene3d>
+    <dgm:sp3d/>
+    <dgm:txPr/>
+    <dgm:style>
+      <a:lnRef idx="2">
+        <a:scrgbClr r="0" g="0" b="0"/>
+      </a:lnRef>
+      <a:fillRef idx="1">
+        <a:scrgbClr r="0" g="0" b="0"/>
+      </a:fillRef>
+      <a:effectRef idx="0">
+        <a:scrgbClr r="0" g="0" b="0"/>
+      </a:effectRef>
+      <a:fontRef idx="minor"/>
+    </dgm:style>
+  </dgm:styleLbl>
+  <dgm:styleLbl name="solidBgAcc1">
+    <dgm:scene3d>
+      <a:camera prst="orthographicFront"/>
+      <a:lightRig rig="threePt" dir="t"/>
+    </dgm:scene3d>
+    <dgm:sp3d/>
+    <dgm:txPr/>
+    <dgm:style>
+      <a:lnRef idx="2">
+        <a:scrgbClr r="0" g="0" b="0"/>
+      </a:lnRef>
+      <a:fillRef idx="1">
+        <a:scrgbClr r="0" g="0" b="0"/>
+      </a:fillRef>
+      <a:effectRef idx="0">
+        <a:scrgbClr r="0" g="0" b="0"/>
+      </a:effectRef>
+      <a:fontRef idx="minor"/>
+    </dgm:style>
+  </dgm:styleLbl>
+  <dgm:styleLbl name="fgAccFollowNode1">
+    <dgm:scene3d>
+      <a:camera prst="orthographicFront"/>
+      <a:lightRig rig="threePt" dir="t"/>
+    </dgm:scene3d>
+    <dgm:sp3d/>
+    <dgm:txPr/>
+    <dgm:style>
+      <a:lnRef idx="2">
+        <a:scrgbClr r="0" g="0" b="0"/>
+      </a:lnRef>
+      <a:fillRef idx="1">
+        <a:scrgbClr r="0" g="0" b="0"/>
+      </a:fillRef>
+      <a:effectRef idx="0">
+        <a:scrgbClr r="0" g="0" b="0"/>
+      </a:effectRef>
+      <a:fontRef idx="minor"/>
+    </dgm:style>
+  </dgm:styleLbl>
+  <dgm:styleLbl name="alignAccFollowNode1">
+    <dgm:scene3d>
+      <a:camera prst="orthographicFront"/>
+      <a:lightRig rig="threePt" dir="t"/>
+    </dgm:scene3d>
+    <dgm:sp3d/>
+    <dgm:txPr/>
+    <dgm:style>
+      <a:lnRef idx="2">
+        <a:scrgbClr r="0" g="0" b="0"/>
+      </a:lnRef>
+      <a:fillRef idx="1">
+        <a:scrgbClr r="0" g="0" b="0"/>
+      </a:fillRef>
+      <a:effectRef idx="0">
+        <a:scrgbClr r="0" g="0" b="0"/>
+      </a:effectRef>
+      <a:fontRef idx="minor"/>
+    </dgm:style>
+  </dgm:styleLbl>
+  <dgm:styleLbl name="bgAccFollowNode1">
+    <dgm:scene3d>
+      <a:camera prst="orthographicFront"/>
+      <a:lightRig rig="threePt" dir="t"/>
+    </dgm:scene3d>
+    <dgm:sp3d/>
+    <dgm:txPr/>
+    <dgm:style>
+      <a:lnRef idx="2">
+        <a:scrgbClr r="0" g="0" b="0"/>
+      </a:lnRef>
+      <a:fillRef idx="1">
+        <a:scrgbClr r="0" g="0" b="0"/>
+      </a:fillRef>
+      <a:effectRef idx="0">
+        <a:scrgbClr r="0" g="0" b="0"/>
+      </a:effectRef>
+      <a:fontRef idx="minor"/>
+    </dgm:style>
+  </dgm:styleLbl>
+  <dgm:styleLbl name="fgAcc0">
+    <dgm:scene3d>
+      <a:camera prst="orthographicFront"/>
+      <a:lightRig rig="threePt" dir="t"/>
+    </dgm:scene3d>
+    <dgm:sp3d/>
+    <dgm:txPr/>
+    <dgm:style>
+      <a:lnRef idx="2">
+        <a:scrgbClr r="0" g="0" b="0"/>
+      </a:lnRef>
+      <a:fillRef idx="1">
+        <a:scrgbClr r="0" g="0" b="0"/>
+      </a:fillRef>
+      <a:effectRef idx="0">
+        <a:scrgbClr r="0" g="0" b="0"/>
+      </a:effectRef>
+      <a:fontRef idx="minor"/>
+    </dgm:style>
+  </dgm:styleLbl>
+  <dgm:styleLbl name="fgAcc2">
+    <dgm:scene3d>
+      <a:camera prst="orthographicFront"/>
+      <a:lightRig rig="threePt" dir="t"/>
+    </dgm:scene3d>
+    <dgm:sp3d/>
+    <dgm:txPr/>
+    <dgm:style>
+      <a:lnRef idx="2">
+        <a:scrgbClr r="0" g="0" b="0"/>
+      </a:lnRef>
+      <a:fillRef idx="1">
+        <a:scrgbClr r="0" g="0" b="0"/>
+      </a:fillRef>
+      <a:effectRef idx="0">
+        <a:scrgbClr r="0" g="0" b="0"/>
+      </a:effectRef>
+      <a:fontRef idx="minor"/>
+    </dgm:style>
+  </dgm:styleLbl>
+  <dgm:styleLbl name="fgAcc3">
+    <dgm:scene3d>
+      <a:camera prst="orthographicFront"/>
+      <a:lightRig rig="threePt" dir="t"/>
+    </dgm:scene3d>
+    <dgm:sp3d/>
+    <dgm:txPr/>
+    <dgm:style>
+      <a:lnRef idx="2">
+        <a:scrgbClr r="0" g="0" b="0"/>
+      </a:lnRef>
+      <a:fillRef idx="1">
+        <a:scrgbClr r="0" g="0" b="0"/>
+      </a:fillRef>
+      <a:effectRef idx="0">
+        <a:scrgbClr r="0" g="0" b="0"/>
+      </a:effectRef>
+      <a:fontRef idx="minor"/>
+    </dgm:style>
+  </dgm:styleLbl>
+  <dgm:styleLbl name="fgAcc4">
+    <dgm:scene3d>
+      <a:camera prst="orthographicFront"/>
+      <a:lightRig rig="threePt" dir="t"/>
+    </dgm:scene3d>
+    <dgm:sp3d/>
+    <dgm:txPr/>
+    <dgm:style>
+      <a:lnRef idx="2">
+        <a:scrgbClr r="0" g="0" b="0"/>
+      </a:lnRef>
+      <a:fillRef idx="1">
+        <a:scrgbClr r="0" g="0" b="0"/>
+      </a:fillRef>
+      <a:effectRef idx="0">
+        <a:scrgbClr r="0" g="0" b="0"/>
+      </a:effectRef>
+      <a:fontRef idx="minor"/>
+    </dgm:style>
+  </dgm:styleLbl>
+  <dgm:styleLbl name="bgShp">
+    <dgm:scene3d>
+      <a:camera prst="orthographicFront"/>
+      <a:lightRig rig="threePt" dir="t"/>
+    </dgm:scene3d>
+    <dgm:sp3d/>
+    <dgm:txPr/>
+    <dgm:style>
+      <a:lnRef idx="0">
+        <a:scrgbClr r="0" g="0" b="0"/>
+      </a:lnRef>
+      <a:fillRef idx="1">
+        <a:scrgbClr r="0" g="0" b="0"/>
+      </a:fillRef>
+      <a:effectRef idx="0">
+        <a:scrgbClr r="0" g="0" b="0"/>
+      </a:effectRef>
+      <a:fontRef idx="minor"/>
+    </dgm:style>
+  </dgm:styleLbl>
+  <dgm:styleLbl name="dkBgShp">
+    <dgm:scene3d>
+      <a:camera prst="orthographicFront"/>
+      <a:lightRig rig="threePt" dir="t"/>
+    </dgm:scene3d>
+    <dgm:sp3d/>
+    <dgm:txPr/>
+    <dgm:style>
+      <a:lnRef idx="0">
+        <a:scrgbClr r="0" g="0" b="0"/>
+      </a:lnRef>
+      <a:fillRef idx="1">
+        <a:scrgbClr r="0" g="0" b="0"/>
+      </a:fillRef>
+      <a:effectRef idx="0">
+        <a:scrgbClr r="0" g="0" b="0"/>
+      </a:effectRef>
+      <a:fontRef idx="minor"/>
+    </dgm:style>
+  </dgm:styleLbl>
+  <dgm:styleLbl name="trBgShp">
+    <dgm:scene3d>
+      <a:camera prst="orthographicFront"/>
+      <a:lightRig rig="threePt" dir="t"/>
+    </dgm:scene3d>
+    <dgm:sp3d/>
+    <dgm:txPr/>
+    <dgm:style>
+      <a:lnRef idx="0">
+        <a:scrgbClr r="0" g="0" b="0"/>
+      </a:lnRef>
+      <a:fillRef idx="1">
+        <a:scrgbClr r="0" g="0" b="0"/>
+      </a:fillRef>
+      <a:effectRef idx="0">
+        <a:scrgbClr r="0" g="0" b="0"/>
+      </a:effectRef>
+      <a:fontRef idx="minor"/>
+    </dgm:style>
+  </dgm:styleLbl>
+  <dgm:styleLbl name="fgShp">
+    <dgm:scene3d>
+      <a:camera prst="orthographicFront"/>
+      <a:lightRig rig="threePt" dir="t"/>
+    </dgm:scene3d>
+    <dgm:sp3d/>
+    <dgm:txPr/>
+    <dgm:style>
+      <a:lnRef idx="2">
+        <a:scrgbClr r="0" g="0" b="0"/>
+      </a:lnRef>
+      <a:fillRef idx="1">
+        <a:scrgbClr r="0" g="0" b="0"/>
+      </a:fillRef>
+      <a:effectRef idx="0">
+        <a:scrgbClr r="0" g="0" b="0"/>
+      </a:effectRef>
+      <a:fontRef idx="minor"/>
+    </dgm:style>
+  </dgm:styleLbl>
+  <dgm:styleLbl name="revTx">
+    <dgm:scene3d>
+      <a:camera prst="orthographicFront"/>
+      <a:lightRig rig="threePt" dir="t"/>
+    </dgm:scene3d>
+    <dgm:sp3d/>
+    <dgm:txPr/>
+    <dgm:style>
+      <a:lnRef idx="0">
+        <a:scrgbClr r="0" g="0" b="0"/>
+      </a:lnRef>
+      <a:fillRef idx="0">
+        <a:scrgbClr r="0" g="0" b="0"/>
+      </a:fillRef>
+      <a:effectRef idx="0">
+        <a:scrgbClr r="0" g="0" b="0"/>
+      </a:effectRef>
+      <a:fontRef idx="minor"/>
+    </dgm:style>
+  </dgm:styleLbl>
+</dgm:styleDef>
+</file>
+
+<file path=ppt/diagrams/quickStyle2.xml><?xml version="1.0" encoding="utf-8"?>
+<dgm:styleDef xmlns:dgm="http://schemas.openxmlformats.org/drawingml/2006/diagram" xmlns:a="http://schemas.openxmlformats.org/drawingml/2006/main" uniqueId="urn:microsoft.com/office/officeart/2005/8/quickstyle/simple1">
+  <dgm:title val=""/>
+  <dgm:desc val=""/>
+  <dgm:catLst>
+    <dgm:cat type="simple" pri="10100"/>
+  </dgm:catLst>
+  <dgm:scene3d>
+    <a:camera prst="orthographicFront"/>
+    <a:lightRig rig="threePt" dir="t"/>
+  </dgm:scene3d>
+  <dgm:styleLbl name="node0">
+    <dgm:scene3d>
+      <a:camera prst="orthographicFront"/>
+      <a:lightRig rig="threePt" dir="t"/>
+    </dgm:scene3d>
+    <dgm:sp3d/>
+    <dgm:txPr/>
+    <dgm:style>
+      <a:lnRef idx="2">
+        <a:scrgbClr r="0" g="0" b="0"/>
+      </a:lnRef>
+      <a:fillRef idx="1">
+        <a:scrgbClr r="0" g="0" b="0"/>
+      </a:fillRef>
+      <a:effectRef idx="0">
+        <a:scrgbClr r="0" g="0" b="0"/>
+      </a:effectRef>
+      <a:fontRef idx="minor">
+        <a:schemeClr val="lt1"/>
+      </a:fontRef>
+    </dgm:style>
+  </dgm:styleLbl>
+  <dgm:styleLbl name="lnNode1">
+    <dgm:scene3d>
+      <a:camera prst="orthographicFront"/>
+      <a:lightRig rig="threePt" dir="t"/>
+    </dgm:scene3d>
+    <dgm:sp3d/>
+    <dgm:txPr/>
+    <dgm:style>
+      <a:lnRef idx="2">
+        <a:scrgbClr r="0" g="0" b="0"/>
+      </a:lnRef>
+      <a:fillRef idx="1">
+        <a:scrgbClr r="0" g="0" b="0"/>
+      </a:fillRef>
+      <a:effectRef idx="0">
+        <a:scrgbClr r="0" g="0" b="0"/>
+      </a:effectRef>
+      <a:fontRef idx="minor">
+        <a:schemeClr val="lt1"/>
+      </a:fontRef>
+    </dgm:style>
+  </dgm:styleLbl>
+  <dgm:styleLbl name="vennNode1">
+    <dgm:scene3d>
+      <a:camera prst="orthographicFront"/>
+      <a:lightRig rig="threePt" dir="t"/>
+    </dgm:scene3d>
+    <dgm:sp3d/>
+    <dgm:txPr/>
+    <dgm:style>
+      <a:lnRef idx="2">
+        <a:scrgbClr r="0" g="0" b="0"/>
+      </a:lnRef>
+      <a:fillRef idx="1">
+        <a:scrgbClr r="0" g="0" b="0"/>
+      </a:fillRef>
+      <a:effectRef idx="0">
+        <a:scrgbClr r="0" g="0" b="0"/>
+      </a:effectRef>
+      <a:fontRef idx="minor">
+        <a:schemeClr val="tx1"/>
+      </a:fontRef>
+    </dgm:style>
+  </dgm:styleLbl>
+  <dgm:styleLbl name="alignNode1">
+    <dgm:scene3d>
+      <a:camera prst="orthographicFront"/>
+      <a:lightRig rig="threePt" dir="t"/>
+    </dgm:scene3d>
+    <dgm:sp3d/>
+    <dgm:txPr/>
+    <dgm:style>
+      <a:lnRef idx="2">
+        <a:scrgbClr r="0" g="0" b="0"/>
+      </a:lnRef>
+      <a:fillRef idx="1">
+        <a:scrgbClr r="0" g="0" b="0"/>
+      </a:fillRef>
+      <a:effectRef idx="0">
+        <a:scrgbClr r="0" g="0" b="0"/>
+      </a:effectRef>
+      <a:fontRef idx="minor">
+        <a:schemeClr val="lt1"/>
+      </a:fontRef>
+    </dgm:style>
+  </dgm:styleLbl>
+  <dgm:styleLbl name="node1">
+    <dgm:scene3d>
+      <a:camera prst="orthographicFront"/>
+      <a:lightRig rig="threePt" dir="t"/>
+    </dgm:scene3d>
+    <dgm:sp3d/>
+    <dgm:txPr/>
+    <dgm:style>
+      <a:lnRef idx="2">
+        <a:scrgbClr r="0" g="0" b="0"/>
+      </a:lnRef>
+      <a:fillRef idx="1">
+        <a:scrgbClr r="0" g="0" b="0"/>
+      </a:fillRef>
+      <a:effectRef idx="0">
+        <a:scrgbClr r="0" g="0" b="0"/>
+      </a:effectRef>
+      <a:fontRef idx="minor">
+        <a:schemeClr val="lt1"/>
+      </a:fontRef>
+    </dgm:style>
+  </dgm:styleLbl>
+  <dgm:styleLbl name="node2">
+    <dgm:scene3d>
+      <a:camera prst="orthographicFront"/>
+      <a:lightRig rig="threePt" dir="t"/>
+    </dgm:scene3d>
+    <dgm:sp3d/>
+    <dgm:txPr/>
+    <dgm:style>
+      <a:lnRef idx="2">
+        <a:scrgbClr r="0" g="0" b="0"/>
+      </a:lnRef>
+      <a:fillRef idx="1">
+        <a:scrgbClr r="0" g="0" b="0"/>
+      </a:fillRef>
+      <a:effectRef idx="0">
+        <a:scrgbClr r="0" g="0" b="0"/>
+      </a:effectRef>
+      <a:fontRef idx="minor">
+        <a:schemeClr val="lt1"/>
+      </a:fontRef>
+    </dgm:style>
+  </dgm:styleLbl>
+  <dgm:styleLbl name="node3">
+    <dgm:scene3d>
+      <a:camera prst="orthographicFront"/>
+      <a:lightRig rig="threePt" dir="t"/>
+    </dgm:scene3d>
+    <dgm:sp3d/>
+    <dgm:txPr/>
+    <dgm:style>
+      <a:lnRef idx="2">
+        <a:scrgbClr r="0" g="0" b="0"/>
+      </a:lnRef>
+      <a:fillRef idx="1">
+        <a:scrgbClr r="0" g="0" b="0"/>
+      </a:fillRef>
+      <a:effectRef idx="0">
+        <a:scrgbClr r="0" g="0" b="0"/>
+      </a:effectRef>
+      <a:fontRef idx="minor">
+        <a:schemeClr val="lt1"/>
+      </a:fontRef>
+    </dgm:style>
+  </dgm:styleLbl>
+  <dgm:styleLbl name="node4">
+    <dgm:scene3d>
+      <a:camera prst="orthographicFront"/>
+      <a:lightRig rig="threePt" dir="t"/>
+    </dgm:scene3d>
+    <dgm:sp3d/>
+    <dgm:txPr/>
+    <dgm:style>
+      <a:lnRef idx="2">
+        <a:scrgbClr r="0" g="0" b="0"/>
+      </a:lnRef>
+      <a:fillRef idx="1">
+        <a:scrgbClr r="0" g="0" b="0"/>
+      </a:fillRef>
+      <a:effectRef idx="0">
+        <a:scrgbClr r="0" g="0" b="0"/>
+      </a:effectRef>
+      <a:fontRef idx="minor">
+        <a:schemeClr val="lt1"/>
+      </a:fontRef>
+    </dgm:style>
+  </dgm:styleLbl>
+  <dgm:styleLbl name="fgImgPlace1">
+    <dgm:scene3d>
+      <a:camera prst="orthographicFront"/>
+      <a:lightRig rig="threePt" dir="t"/>
+    </dgm:scene3d>
+    <dgm:sp3d/>
+    <dgm:txPr/>
+    <dgm:style>
+      <a:lnRef idx="2">
+        <a:scrgbClr r="0" g="0" b="0"/>
+      </a:lnRef>
+      <a:fillRef idx="1">
+        <a:scrgbClr r="0" g="0" b="0"/>
+      </a:fillRef>
+      <a:effectRef idx="0">
+        <a:scrgbClr r="0" g="0" b="0"/>
+      </a:effectRef>
+      <a:fontRef idx="minor"/>
+    </dgm:style>
+  </dgm:styleLbl>
+  <dgm:styleLbl name="alignImgPlace1">
+    <dgm:scene3d>
+      <a:camera prst="orthographicFront"/>
+      <a:lightRig rig="threePt" dir="t"/>
+    </dgm:scene3d>
+    <dgm:sp3d/>
+    <dgm:txPr/>
+    <dgm:style>
+      <a:lnRef idx="2">
+        <a:scrgbClr r="0" g="0" b="0"/>
+      </a:lnRef>
+      <a:fillRef idx="1">
+        <a:scrgbClr r="0" g="0" b="0"/>
+      </a:fillRef>
+      <a:effectRef idx="0">
+        <a:scrgbClr r="0" g="0" b="0"/>
+      </a:effectRef>
+      <a:fontRef idx="minor"/>
+    </dgm:style>
+  </dgm:styleLbl>
+  <dgm:styleLbl name="bgImgPlace1">
+    <dgm:scene3d>
+      <a:camera prst="orthographicFront"/>
+      <a:lightRig rig="threePt" dir="t"/>
+    </dgm:scene3d>
+    <dgm:sp3d/>
+    <dgm:txPr/>
+    <dgm:style>
+      <a:lnRef idx="2">
+        <a:scrgbClr r="0" g="0" b="0"/>
+      </a:lnRef>
+      <a:fillRef idx="1">
+        <a:scrgbClr r="0" g="0" b="0"/>
+      </a:fillRef>
+      <a:effectRef idx="0">
+        <a:scrgbClr r="0" g="0" b="0"/>
+      </a:effectRef>
+      <a:fontRef idx="minor"/>
+    </dgm:style>
+  </dgm:styleLbl>
+  <dgm:styleLbl name="sibTrans2D1">
+    <dgm:scene3d>
+      <a:camera prst="orthographicFront"/>
+      <a:lightRig rig="threePt" dir="t"/>
+    </dgm:scene3d>
+    <dgm:sp3d/>
+    <dgm:txPr/>
+    <dgm:style>
+      <a:lnRef idx="0">
+        <a:scrgbClr r="0" g="0" b="0"/>
+      </a:lnRef>
+      <a:fillRef idx="1">
+        <a:scrgbClr r="0" g="0" b="0"/>
+      </a:fillRef>
+      <a:effectRef idx="0">
+        <a:scrgbClr r="0" g="0" b="0"/>
+      </a:effectRef>
+      <a:fontRef idx="minor">
+        <a:schemeClr val="lt1"/>
+      </a:fontRef>
+    </dgm:style>
+  </dgm:styleLbl>
+  <dgm:styleLbl name="fgSibTrans2D1">
+    <dgm:scene3d>
+      <a:camera prst="orthographicFront"/>
+      <a:lightRig rig="threePt" dir="t"/>
+    </dgm:scene3d>
+    <dgm:sp3d/>
+    <dgm:txPr/>
+    <dgm:style>
+      <a:lnRef idx="0">
+        <a:scrgbClr r="0" g="0" b="0"/>
+      </a:lnRef>
+      <a:fillRef idx="1">
+        <a:scrgbClr r="0" g="0" b="0"/>
+      </a:fillRef>
+      <a:effectRef idx="0">
+        <a:scrgbClr r="0" g="0" b="0"/>
+      </a:effectRef>
+      <a:fontRef idx="minor">
+        <a:schemeClr val="lt1"/>
+      </a:fontRef>
+    </dgm:style>
+  </dgm:styleLbl>
+  <dgm:styleLbl name="bgSibTrans2D1">
+    <dgm:scene3d>
+      <a:camera prst="orthographicFront"/>
+      <a:lightRig rig="threePt" dir="t"/>
+    </dgm:scene3d>
+    <dgm:sp3d/>
+    <dgm:txPr/>
+    <dgm:style>
+      <a:lnRef idx="0">
+        <a:scrgbClr r="0" g="0" b="0"/>
+      </a:lnRef>
+      <a:fillRef idx="1">
+        <a:scrgbClr r="0" g="0" b="0"/>
+      </a:fillRef>
+      <a:effectRef idx="0">
+        <a:scrgbClr r="0" g="0" b="0"/>
+      </a:effectRef>
+      <a:fontRef idx="minor">
+        <a:schemeClr val="lt1"/>
+      </a:fontRef>
+    </dgm:style>
+  </dgm:styleLbl>
+  <dgm:styleLbl name="sibTrans1D1">
+    <dgm:scene3d>
+      <a:camera prst="orthographicFront"/>
+      <a:lightRig rig="threePt" dir="t"/>
+    </dgm:scene3d>
+    <dgm:sp3d/>
+    <dgm:txPr/>
+    <dgm:style>
+      <a:lnRef idx="1">
+        <a:scrgbClr r="0" g="0" b="0"/>
+      </a:lnRef>
+      <a:fillRef idx="0">
+        <a:scrgbClr r="0" g="0" b="0"/>
+      </a:fillRef>
+      <a:effectRef idx="0">
+        <a:scrgbClr r="0" g="0" b="0"/>
+      </a:effectRef>
+      <a:fontRef idx="minor"/>
+    </dgm:style>
+  </dgm:styleLbl>
+  <dgm:styleLbl name="callout">
+    <dgm:scene3d>
+      <a:camera prst="orthographicFront"/>
+      <a:lightRig rig="threePt" dir="t"/>
+    </dgm:scene3d>
+    <dgm:sp3d/>
+    <dgm:txPr/>
+    <dgm:style>
+      <a:lnRef idx="2">
+        <a:scrgbClr r="0" g="0" b="0"/>
+      </a:lnRef>
+      <a:fillRef idx="1">
+        <a:scrgbClr r="0" g="0" b="0"/>
+      </a:fillRef>
+      <a:effectRef idx="0">
+        <a:scrgbClr r="0" g="0" b="0"/>
+      </a:effectRef>
+      <a:fontRef idx="minor"/>
+    </dgm:style>
+  </dgm:styleLbl>
+  <dgm:styleLbl name="asst0">
+    <dgm:scene3d>
+      <a:camera prst="orthographicFront"/>
+      <a:lightRig rig="threePt" dir="t"/>
+    </dgm:scene3d>
+    <dgm:sp3d/>
+    <dgm:txPr/>
+    <dgm:style>
+      <a:lnRef idx="2">
+        <a:scrgbClr r="0" g="0" b="0"/>
+      </a:lnRef>
+      <a:fillRef idx="1">
+        <a:scrgbClr r="0" g="0" b="0"/>
+      </a:fillRef>
+      <a:effectRef idx="0">
+        <a:scrgbClr r="0" g="0" b="0"/>
+      </a:effectRef>
+      <a:fontRef idx="minor">
+        <a:schemeClr val="lt1"/>
+      </a:fontRef>
+    </dgm:style>
+  </dgm:styleLbl>
+  <dgm:styleLbl name="asst1">
+    <dgm:scene3d>
+      <a:camera prst="orthographicFront"/>
+      <a:lightRig rig="threePt" dir="t"/>
+    </dgm:scene3d>
+    <dgm:sp3d/>
+    <dgm:txPr/>
+    <dgm:style>
+      <a:lnRef idx="2">
+        <a:scrgbClr r="0" g="0" b="0"/>
+      </a:lnRef>
+      <a:fillRef idx="1">
+        <a:scrgbClr r="0" g="0" b="0"/>
+      </a:fillRef>
+      <a:effectRef idx="0">
+        <a:scrgbClr r="0" g="0" b="0"/>
+      </a:effectRef>
+      <a:fontRef idx="minor">
+        <a:schemeClr val="lt1"/>
+      </a:fontRef>
+    </dgm:style>
+  </dgm:styleLbl>
+  <dgm:styleLbl name="asst2">
+    <dgm:scene3d>
+      <a:camera prst="orthographicFront"/>
+      <a:lightRig rig="threePt" dir="t"/>
+    </dgm:scene3d>
+    <dgm:sp3d/>
+    <dgm:txPr/>
+    <dgm:style>
+      <a:lnRef idx="2">
+        <a:scrgbClr r="0" g="0" b="0"/>
+      </a:lnRef>
+      <a:fillRef idx="1">
+        <a:scrgbClr r="0" g="0" b="0"/>
+      </a:fillRef>
+      <a:effectRef idx="0">
+        <a:scrgbClr r="0" g="0" b="0"/>
+      </a:effectRef>
+      <a:fontRef idx="minor">
+        <a:schemeClr val="lt1"/>
+      </a:fontRef>
+    </dgm:style>
+  </dgm:styleLbl>
+  <dgm:styleLbl name="asst3">
+    <dgm:scene3d>
+      <a:camera prst="orthographicFront"/>
+      <a:lightRig rig="threePt" dir="t"/>
+    </dgm:scene3d>
+    <dgm:sp3d/>
+    <dgm:txPr/>
+    <dgm:style>
+      <a:lnRef idx="2">
+        <a:scrgbClr r="0" g="0" b="0"/>
+      </a:lnRef>
+      <a:fillRef idx="1">
+        <a:scrgbClr r="0" g="0" b="0"/>
+      </a:fillRef>
+      <a:effectRef idx="0">
+        <a:scrgbClr r="0" g="0" b="0"/>
+      </a:effectRef>
+      <a:fontRef idx="minor">
+        <a:schemeClr val="lt1"/>
+      </a:fontRef>
+    </dgm:style>
+  </dgm:styleLbl>
+  <dgm:styleLbl name="asst4">
+    <dgm:scene3d>
+      <a:camera prst="orthographicFront"/>
+      <a:lightRig rig="threePt" dir="t"/>
+    </dgm:scene3d>
+    <dgm:sp3d/>
+    <dgm:txPr/>
+    <dgm:style>
+      <a:lnRef idx="2">
+        <a:scrgbClr r="0" g="0" b="0"/>
+      </a:lnRef>
+      <a:fillRef idx="1">
+        <a:scrgbClr r="0" g="0" b="0"/>
+      </a:fillRef>
+      <a:effectRef idx="0">
+        <a:scrgbClr r="0" g="0" b="0"/>
+      </a:effectRef>
+      <a:fontRef idx="minor">
+        <a:schemeClr val="lt1"/>
+      </a:fontRef>
+    </dgm:style>
+  </dgm:styleLbl>
+  <dgm:styleLbl name="parChTrans2D1">
+    <dgm:scene3d>
+      <a:camera prst="orthographicFront"/>
+      <a:lightRig rig="threePt" dir="t"/>
+    </dgm:scene3d>
+    <dgm:sp3d/>
+    <dgm:txPr/>
+    <dgm:style>
+      <a:lnRef idx="2">
+        <a:scrgbClr r="0" g="0" b="0"/>
+      </a:lnRef>
+      <a:fillRef idx="1">
+        <a:scrgbClr r="0" g="0" b="0"/>
+      </a:fillRef>
+      <a:effectRef idx="0">
+        <a:scrgbClr r="0" g="0" b="0"/>
+      </a:effectRef>
+      <a:fontRef idx="minor">
+        <a:schemeClr val="lt1"/>
+      </a:fontRef>
+    </dgm:style>
+  </dgm:styleLbl>
+  <dgm:styleLbl name="parChTrans2D2">
+    <dgm:scene3d>
+      <a:camera prst="orthographicFront"/>
+      <a:lightRig rig="threePt" dir="t"/>
+    </dgm:scene3d>
+    <dgm:sp3d/>
+    <dgm:txPr/>
+    <dgm:style>
+      <a:lnRef idx="2">
+        <a:scrgbClr r="0" g="0" b="0"/>
+      </a:lnRef>
+      <a:fillRef idx="1">
+        <a:scrgbClr r="0" g="0" b="0"/>
+      </a:fillRef>
+      <a:effectRef idx="0">
+        <a:scrgbClr r="0" g="0" b="0"/>
+      </a:effectRef>
+      <a:fontRef idx="minor">
+        <a:schemeClr val="lt1"/>
+      </a:fontRef>
+    </dgm:style>
+  </dgm:styleLbl>
+  <dgm:styleLbl name="parChTrans2D3">
+    <dgm:scene3d>
+      <a:camera prst="orthographicFront"/>
+      <a:lightRig rig="threePt" dir="t"/>
+    </dgm:scene3d>
+    <dgm:sp3d/>
+    <dgm:txPr/>
+    <dgm:style>
+      <a:lnRef idx="2">
+        <a:scrgbClr r="0" g="0" b="0"/>
+      </a:lnRef>
+      <a:fillRef idx="1">
+        <a:scrgbClr r="0" g="0" b="0"/>
+      </a:fillRef>
+      <a:effectRef idx="0">
+        <a:scrgbClr r="0" g="0" b="0"/>
+      </a:effectRef>
+      <a:fontRef idx="minor">
+        <a:schemeClr val="lt1"/>
+      </a:fontRef>
+    </dgm:style>
+  </dgm:styleLbl>
+  <dgm:styleLbl name="parChTrans2D4">
+    <dgm:scene3d>
+      <a:camera prst="orthographicFront"/>
+      <a:lightRig rig="threePt" dir="t"/>
+    </dgm:scene3d>
+    <dgm:sp3d/>
+    <dgm:txPr/>
+    <dgm:style>
+      <a:lnRef idx="2">
+        <a:scrgbClr r="0" g="0" b="0"/>
+      </a:lnRef>
+      <a:fillRef idx="1">
+        <a:scrgbClr r="0" g="0" b="0"/>
+      </a:fillRef>
+      <a:effectRef idx="0">
+        <a:scrgbClr r="0" g="0" b="0"/>
+      </a:effectRef>
+      <a:fontRef idx="minor">
+        <a:schemeClr val="lt1"/>
+      </a:fontRef>
+    </dgm:style>
+  </dgm:styleLbl>
+  <dgm:styleLbl name="parChTrans1D1">
+    <dgm:scene3d>
+      <a:camera prst="orthographicFront"/>
+      <a:lightRig rig="threePt" dir="t"/>
+    </dgm:scene3d>
+    <dgm:sp3d/>
+    <dgm:txPr/>
+    <dgm:style>
+      <a:lnRef idx="2">
+        <a:scrgbClr r="0" g="0" b="0"/>
+      </a:lnRef>
+      <a:fillRef idx="0">
+        <a:scrgbClr r="0" g="0" b="0"/>
+      </a:fillRef>
+      <a:effectRef idx="0">
+        <a:scrgbClr r="0" g="0" b="0"/>
+      </a:effectRef>
+      <a:fontRef idx="minor"/>
+    </dgm:style>
+  </dgm:styleLbl>
+  <dgm:styleLbl name="parChTrans1D2">
+    <dgm:scene3d>
+      <a:camera prst="orthographicFront"/>
+      <a:lightRig rig="threePt" dir="t"/>
+    </dgm:scene3d>
+    <dgm:sp3d/>
+    <dgm:txPr/>
+    <dgm:style>
+      <a:lnRef idx="2">
+        <a:scrgbClr r="0" g="0" b="0"/>
+      </a:lnRef>
+      <a:fillRef idx="0">
+        <a:scrgbClr r="0" g="0" b="0"/>
+      </a:fillRef>
+      <a:effectRef idx="0">
+        <a:scrgbClr r="0" g="0" b="0"/>
+      </a:effectRef>
+      <a:fontRef idx="minor"/>
+    </dgm:style>
+  </dgm:styleLbl>
+  <dgm:styleLbl name="parChTrans1D3">
+    <dgm:scene3d>
+      <a:camera prst="orthographicFront"/>
+      <a:lightRig rig="threePt" dir="t"/>
+    </dgm:scene3d>
+    <dgm:sp3d/>
+    <dgm:txPr/>
+    <dgm:style>
+      <a:lnRef idx="2">
+        <a:scrgbClr r="0" g="0" b="0"/>
+      </a:lnRef>
+      <a:fillRef idx="0">
+        <a:scrgbClr r="0" g="0" b="0"/>
+      </a:fillRef>
+      <a:effectRef idx="0">
+        <a:scrgbClr r="0" g="0" b="0"/>
+      </a:effectRef>
+      <a:fontRef idx="minor"/>
+    </dgm:style>
+  </dgm:styleLbl>
+  <dgm:styleLbl name="parChTrans1D4">
+    <dgm:scene3d>
+      <a:camera prst="orthographicFront"/>
+      <a:lightRig rig="threePt" dir="t"/>
+    </dgm:scene3d>
+    <dgm:sp3d/>
+    <dgm:txPr/>
+    <dgm:style>
+      <a:lnRef idx="2">
+        <a:scrgbClr r="0" g="0" b="0"/>
+      </a:lnRef>
+      <a:fillRef idx="0">
+        <a:scrgbClr r="0" g="0" b="0"/>
+      </a:fillRef>
+      <a:effectRef idx="0">
+        <a:scrgbClr r="0" g="0" b="0"/>
+      </a:effectRef>
+      <a:fontRef idx="minor"/>
+    </dgm:style>
+  </dgm:styleLbl>
+  <dgm:styleLbl name="fgAcc1">
+    <dgm:scene3d>
+      <a:camera prst="orthographicFront"/>
+      <a:lightRig rig="threePt" dir="t"/>
+    </dgm:scene3d>
+    <dgm:sp3d/>
+    <dgm:txPr/>
+    <dgm:style>
+      <a:lnRef idx="2">
+        <a:scrgbClr r="0" g="0" b="0"/>
+      </a:lnRef>
+      <a:fillRef idx="1">
+        <a:scrgbClr r="0" g="0" b="0"/>
+      </a:fillRef>
+      <a:effectRef idx="0">
+        <a:scrgbClr r="0" g="0" b="0"/>
+      </a:effectRef>
+      <a:fontRef idx="minor"/>
+    </dgm:style>
+  </dgm:styleLbl>
+  <dgm:styleLbl name="conFgAcc1">
+    <dgm:scene3d>
+      <a:camera prst="orthographicFront"/>
+      <a:lightRig rig="threePt" dir="t"/>
+    </dgm:scene3d>
+    <dgm:sp3d/>
+    <dgm:txPr/>
+    <dgm:style>
+      <a:lnRef idx="2">
+        <a:scrgbClr r="0" g="0" b="0"/>
+      </a:lnRef>
+      <a:fillRef idx="1">
+        <a:scrgbClr r="0" g="0" b="0"/>
+      </a:fillRef>
+      <a:effectRef idx="0">
+        <a:scrgbClr r="0" g="0" b="0"/>
+      </a:effectRef>
+      <a:fontRef idx="minor"/>
+    </dgm:style>
+  </dgm:styleLbl>
+  <dgm:styleLbl name="alignAcc1">
+    <dgm:scene3d>
+      <a:camera prst="orthographicFront"/>
+      <a:lightRig rig="threePt" dir="t"/>
+    </dgm:scene3d>
+    <dgm:sp3d/>
+    <dgm:txPr/>
+    <dgm:style>
+      <a:lnRef idx="2">
+        <a:scrgbClr r="0" g="0" b="0"/>
+      </a:lnRef>
+      <a:fillRef idx="1">
+        <a:scrgbClr r="0" g="0" b="0"/>
+      </a:fillRef>
+      <a:effectRef idx="0">
+        <a:scrgbClr r="0" g="0" b="0"/>
+      </a:effectRef>
+      <a:fontRef idx="minor"/>
+    </dgm:style>
+  </dgm:styleLbl>
+  <dgm:styleLbl name="trAlignAcc1">
+    <dgm:scene3d>
+      <a:camera prst="orthographicFront"/>
+      <a:lightRig rig="threePt" dir="t"/>
+    </dgm:scene3d>
+    <dgm:sp3d/>
+    <dgm:txPr/>
+    <dgm:style>
+      <a:lnRef idx="1">
+        <a:scrgbClr r="0" g="0" b="0"/>
+      </a:lnRef>
+      <a:fillRef idx="1">
+        <a:scrgbClr r="0" g="0" b="0"/>
+      </a:fillRef>
+      <a:effectRef idx="0">
+        <a:scrgbClr r="0" g="0" b="0"/>
+      </a:effectRef>
+      <a:fontRef idx="minor"/>
+    </dgm:style>
+  </dgm:styleLbl>
+  <dgm:styleLbl name="bgAcc1">
+    <dgm:scene3d>
+      <a:camera prst="orthographicFront"/>
+      <a:lightRig rig="threePt" dir="t"/>
+    </dgm:scene3d>
+    <dgm:sp3d/>
+    <dgm:txPr/>
+    <dgm:style>
+      <a:lnRef idx="2">
+        <a:scrgbClr r="0" g="0" b="0"/>
+      </a:lnRef>
+      <a:fillRef idx="1">
+        <a:scrgbClr r="0" g="0" b="0"/>
+      </a:fillRef>
+      <a:effectRef idx="0">
+        <a:scrgbClr r="0" g="0" b="0"/>
+      </a:effectRef>
+      <a:fontRef idx="minor"/>
+    </dgm:style>
+  </dgm:styleLbl>
+  <dgm:styleLbl name="solidFgAcc1">
+    <dgm:scene3d>
+      <a:camera prst="orthographicFront"/>
+      <a:lightRig rig="threePt" dir="t"/>
+    </dgm:scene3d>
+    <dgm:sp3d/>
+    <dgm:txPr/>
+    <dgm:style>
+      <a:lnRef idx="2">
+        <a:scrgbClr r="0" g="0" b="0"/>
+      </a:lnRef>
+      <a:fillRef idx="1">
+        <a:scrgbClr r="0" g="0" b="0"/>
+      </a:fillRef>
+      <a:effectRef idx="0">
+        <a:scrgbClr r="0" g="0" b="0"/>
+      </a:effectRef>
+      <a:fontRef idx="minor"/>
+    </dgm:style>
+  </dgm:styleLbl>
+  <dgm:styleLbl name="solidAlignAcc1">
+    <dgm:scene3d>
+      <a:camera prst="orthographicFront"/>
+      <a:lightRig rig="threePt" dir="t"/>
+    </dgm:scene3d>
+    <dgm:sp3d/>
+    <dgm:txPr/>
+    <dgm:style>
+      <a:lnRef idx="2">
+        <a:scrgbClr r="0" g="0" b="0"/>
+      </a:lnRef>
+      <a:fillRef idx="1">
+        <a:scrgbClr r="0" g="0" b="0"/>
+      </a:fillRef>
+      <a:effectRef idx="0">
+        <a:scrgbClr r="0" g="0" b="0"/>
+      </a:effectRef>
+      <a:fontRef idx="minor"/>
+    </dgm:style>
+  </dgm:styleLbl>
+  <dgm:styleLbl name="solidBgAcc1">
+    <dgm:scene3d>
+      <a:camera prst="orthographicFront"/>
+      <a:lightRig rig="threePt" dir="t"/>
+    </dgm:scene3d>
+    <dgm:sp3d/>
+    <dgm:txPr/>
+    <dgm:style>
+      <a:lnRef idx="2">
+        <a:scrgbClr r="0" g="0" b="0"/>
+      </a:lnRef>
+      <a:fillRef idx="1">
+        <a:scrgbClr r="0" g="0" b="0"/>
+      </a:fillRef>
+      <a:effectRef idx="0">
+        <a:scrgbClr r="0" g="0" b="0"/>
+      </a:effectRef>
+      <a:fontRef idx="minor"/>
+    </dgm:style>
+  </dgm:styleLbl>
+  <dgm:styleLbl name="fgAccFollowNode1">
+    <dgm:scene3d>
+      <a:camera prst="orthographicFront"/>
+      <a:lightRig rig="threePt" dir="t"/>
+    </dgm:scene3d>
+    <dgm:sp3d/>
+    <dgm:txPr/>
+    <dgm:style>
+      <a:lnRef idx="2">
+        <a:scrgbClr r="0" g="0" b="0"/>
+      </a:lnRef>
+      <a:fillRef idx="1">
+        <a:scrgbClr r="0" g="0" b="0"/>
+      </a:fillRef>
+      <a:effectRef idx="0">
+        <a:scrgbClr r="0" g="0" b="0"/>
+      </a:effectRef>
+      <a:fontRef idx="minor"/>
+    </dgm:style>
+  </dgm:styleLbl>
+  <dgm:styleLbl name="alignAccFollowNode1">
+    <dgm:scene3d>
+      <a:camera prst="orthographicFront"/>
+      <a:lightRig rig="threePt" dir="t"/>
+    </dgm:scene3d>
+    <dgm:sp3d/>
+    <dgm:txPr/>
+    <dgm:style>
+      <a:lnRef idx="2">
+        <a:scrgbClr r="0" g="0" b="0"/>
+      </a:lnRef>
+      <a:fillRef idx="1">
+        <a:scrgbClr r="0" g="0" b="0"/>
+      </a:fillRef>
+      <a:effectRef idx="0">
+        <a:scrgbClr r="0" g="0" b="0"/>
+      </a:effectRef>
+      <a:fontRef idx="minor"/>
+    </dgm:style>
+  </dgm:styleLbl>
+  <dgm:styleLbl name="bgAccFollowNode1">
+    <dgm:scene3d>
+      <a:camera prst="orthographicFront"/>
+      <a:lightRig rig="threePt" dir="t"/>
+    </dgm:scene3d>
+    <dgm:sp3d/>
+    <dgm:txPr/>
+    <dgm:style>
+      <a:lnRef idx="2">
+        <a:scrgbClr r="0" g="0" b="0"/>
+      </a:lnRef>
+      <a:fillRef idx="1">
+        <a:scrgbClr r="0" g="0" b="0"/>
+      </a:fillRef>
+      <a:effectRef idx="0">
+        <a:scrgbClr r="0" g="0" b="0"/>
+      </a:effectRef>
+      <a:fontRef idx="minor"/>
+    </dgm:style>
+  </dgm:styleLbl>
+  <dgm:styleLbl name="fgAcc0">
+    <dgm:scene3d>
+      <a:camera prst="orthographicFront"/>
+      <a:lightRig rig="threePt" dir="t"/>
+    </dgm:scene3d>
+    <dgm:sp3d/>
+    <dgm:txPr/>
+    <dgm:style>
+      <a:lnRef idx="2">
+        <a:scrgbClr r="0" g="0" b="0"/>
+      </a:lnRef>
+      <a:fillRef idx="1">
+        <a:scrgbClr r="0" g="0" b="0"/>
+      </a:fillRef>
+      <a:effectRef idx="0">
+        <a:scrgbClr r="0" g="0" b="0"/>
+      </a:effectRef>
+      <a:fontRef idx="minor"/>
+    </dgm:style>
+  </dgm:styleLbl>
+  <dgm:styleLbl name="fgAcc2">
+    <dgm:scene3d>
+      <a:camera prst="orthographicFront"/>
+      <a:lightRig rig="threePt" dir="t"/>
+    </dgm:scene3d>
+    <dgm:sp3d/>
+    <dgm:txPr/>
+    <dgm:style>
+      <a:lnRef idx="2">
+        <a:scrgbClr r="0" g="0" b="0"/>
+      </a:lnRef>
+      <a:fillRef idx="1">
+        <a:scrgbClr r="0" g="0" b="0"/>
+      </a:fillRef>
+      <a:effectRef idx="0">
+        <a:scrgbClr r="0" g="0" b="0"/>
+      </a:effectRef>
+      <a:fontRef idx="minor"/>
+    </dgm:style>
+  </dgm:styleLbl>
+  <dgm:styleLbl name="fgAcc3">
+    <dgm:scene3d>
+      <a:camera prst="orthographicFront"/>
+      <a:lightRig rig="threePt" dir="t"/>
+    </dgm:scene3d>
+    <dgm:sp3d/>
+    <dgm:txPr/>
+    <dgm:style>
+      <a:lnRef idx="2">
+        <a:scrgbClr r="0" g="0" b="0"/>
+      </a:lnRef>
+      <a:fillRef idx="1">
+        <a:scrgbClr r="0" g="0" b="0"/>
+      </a:fillRef>
+      <a:effectRef idx="0">
+        <a:scrgbClr r="0" g="0" b="0"/>
+      </a:effectRef>
+      <a:fontRef idx="minor"/>
+    </dgm:style>
+  </dgm:styleLbl>
+  <dgm:styleLbl name="fgAcc4">
+    <dgm:scene3d>
+      <a:camera prst="orthographicFront"/>
+      <a:lightRig rig="threePt" dir="t"/>
+    </dgm:scene3d>
+    <dgm:sp3d/>
+    <dgm:txPr/>
+    <dgm:style>
+      <a:lnRef idx="2">
+        <a:scrgbClr r="0" g="0" b="0"/>
+      </a:lnRef>
+      <a:fillRef idx="1">
+        <a:scrgbClr r="0" g="0" b="0"/>
+      </a:fillRef>
+      <a:effectRef idx="0">
+        <a:scrgbClr r="0" g="0" b="0"/>
+      </a:effectRef>
+      <a:fontRef idx="minor"/>
+    </dgm:style>
+  </dgm:styleLbl>
+  <dgm:styleLbl name="bgShp">
+    <dgm:scene3d>
+      <a:camera prst="orthographicFront"/>
+      <a:lightRig rig="threePt" dir="t"/>
+    </dgm:scene3d>
+    <dgm:sp3d/>
+    <dgm:txPr/>
+    <dgm:style>
+      <a:lnRef idx="0">
+        <a:scrgbClr r="0" g="0" b="0"/>
+      </a:lnRef>
+      <a:fillRef idx="1">
+        <a:scrgbClr r="0" g="0" b="0"/>
+      </a:fillRef>
+      <a:effectRef idx="0">
+        <a:scrgbClr r="0" g="0" b="0"/>
+      </a:effectRef>
+      <a:fontRef idx="minor"/>
+    </dgm:style>
+  </dgm:styleLbl>
+  <dgm:styleLbl name="dkBgShp">
+    <dgm:scene3d>
+      <a:camera prst="orthographicFront"/>
+      <a:lightRig rig="threePt" dir="t"/>
+    </dgm:scene3d>
+    <dgm:sp3d/>
+    <dgm:txPr/>
+    <dgm:style>
+      <a:lnRef idx="0">
+        <a:scrgbClr r="0" g="0" b="0"/>
+      </a:lnRef>
+      <a:fillRef idx="1">
+        <a:scrgbClr r="0" g="0" b="0"/>
+      </a:fillRef>
+      <a:effectRef idx="0">
+        <a:scrgbClr r="0" g="0" b="0"/>
+      </a:effectRef>
+      <a:fontRef idx="minor"/>
+    </dgm:style>
+  </dgm:styleLbl>
+  <dgm:styleLbl name="trBgShp">
+    <dgm:scene3d>
+      <a:camera prst="orthographicFront"/>
+      <a:lightRig rig="threePt" dir="t"/>
+    </dgm:scene3d>
+    <dgm:sp3d/>
+    <dgm:txPr/>
+    <dgm:style>
+      <a:lnRef idx="0">
+        <a:scrgbClr r="0" g="0" b="0"/>
+      </a:lnRef>
+      <a:fillRef idx="1">
+        <a:scrgbClr r="0" g="0" b="0"/>
+      </a:fillRef>
+      <a:effectRef idx="0">
+        <a:scrgbClr r="0" g="0" b="0"/>
+      </a:effectRef>
+      <a:fontRef idx="minor"/>
+    </dgm:style>
+  </dgm:styleLbl>
+  <dgm:styleLbl name="fgShp">
+    <dgm:scene3d>
+      <a:camera prst="orthographicFront"/>
+      <a:lightRig rig="threePt" dir="t"/>
+    </dgm:scene3d>
+    <dgm:sp3d/>
+    <dgm:txPr/>
+    <dgm:style>
+      <a:lnRef idx="2">
+        <a:scrgbClr r="0" g="0" b="0"/>
+      </a:lnRef>
+      <a:fillRef idx="1">
+        <a:scrgbClr r="0" g="0" b="0"/>
+      </a:fillRef>
+      <a:effectRef idx="0">
+        <a:scrgbClr r="0" g="0" b="0"/>
+      </a:effectRef>
+      <a:fontRef idx="minor"/>
+    </dgm:style>
+  </dgm:styleLbl>
+  <dgm:styleLbl name="revTx">
+    <dgm:scene3d>
+      <a:camera prst="orthographicFront"/>
+      <a:lightRig rig="threePt" dir="t"/>
+    </dgm:scene3d>
+    <dgm:sp3d/>
+    <dgm:txPr/>
+    <dgm:style>
+      <a:lnRef idx="0">
+        <a:scrgbClr r="0" g="0" b="0"/>
+      </a:lnRef>
+      <a:fillRef idx="0">
+        <a:scrgbClr r="0" g="0" b="0"/>
+      </a:fillRef>
+      <a:effectRef idx="0">
+        <a:scrgbClr r="0" g="0" b="0"/>
+      </a:effectRef>
+      <a:fontRef idx="minor"/>
+    </dgm:style>
+  </dgm:styleLbl>
+</dgm:styleDef>
 </file>
 
 <file path=ppt/notesMasters/notesMaster1.xml><?xml version="1.0" encoding="utf-8"?>
@@ -539,7 +6824,7 @@
           <a:p>
             <a:fld id="{9C2D95C1-C6BF-4838-A9ED-81CBCA74D75F}" type="slidenum">
               <a:rPr lang="en-US" smtClean="0"/>
-              <a:t>6</a:t>
+              <a:t>7</a:t>
             </a:fld>
             <a:endParaRPr lang="en-US"/>
           </a:p>
@@ -8180,24 +14465,12 @@
             <a:pPr algn="l"/>
             <a:r>
               <a:rPr lang="sk-SK" sz="3200" b="1" dirty="0">
-                <a:solidFill>
-                  <a:schemeClr val="bg1">
-                    <a:lumMod val="95000"/>
-                    <a:lumOff val="5000"/>
-                  </a:schemeClr>
-                </a:solidFill>
                 <a:latin typeface="Arial" panose="020B0604020202020204" pitchFamily="34" charset="0"/>
                 <a:cs typeface="Arial" panose="020B0604020202020204" pitchFamily="34" charset="0"/>
               </a:rPr>
               <a:t>TOMÁŠ PARTL II.D</a:t>
             </a:r>
             <a:endParaRPr lang="sk-SK" b="1" dirty="0">
-              <a:solidFill>
-                <a:schemeClr val="bg1">
-                  <a:lumMod val="95000"/>
-                  <a:lumOff val="5000"/>
-                </a:schemeClr>
-              </a:solidFill>
               <a:latin typeface="Arial" panose="020B0604020202020204" pitchFamily="34" charset="0"/>
               <a:cs typeface="Arial" panose="020B0604020202020204" pitchFamily="34" charset="0"/>
             </a:endParaRPr>
@@ -8206,24 +14479,12 @@
             <a:pPr algn="l"/>
             <a:r>
               <a:rPr lang="sk-SK" b="1" dirty="0">
-                <a:solidFill>
-                  <a:schemeClr val="bg1">
-                    <a:lumMod val="95000"/>
-                    <a:lumOff val="5000"/>
-                  </a:schemeClr>
-                </a:solidFill>
                 <a:latin typeface="Arial" panose="020B0604020202020204" pitchFamily="34" charset="0"/>
                 <a:cs typeface="Arial" panose="020B0604020202020204" pitchFamily="34" charset="0"/>
               </a:rPr>
               <a:t>SPŠE HÁLOVA 16</a:t>
             </a:r>
             <a:endParaRPr lang="en-US" b="1" dirty="0">
-              <a:solidFill>
-                <a:schemeClr val="bg1">
-                  <a:lumMod val="95000"/>
-                  <a:lumOff val="5000"/>
-                </a:schemeClr>
-              </a:solidFill>
               <a:latin typeface="Arial" panose="020B0604020202020204" pitchFamily="34" charset="0"/>
               <a:cs typeface="Arial" panose="020B0604020202020204" pitchFamily="34" charset="0"/>
             </a:endParaRPr>
@@ -8244,6 +14505,108 @@
 </file>
 
 <file path=ppt/slides/slide10.xml><?xml version="1.0" encoding="utf-8"?>
+<p:sld xmlns:a="http://schemas.openxmlformats.org/drawingml/2006/main" xmlns:r="http://schemas.openxmlformats.org/officeDocument/2006/relationships" xmlns:p="http://schemas.openxmlformats.org/presentationml/2006/main">
+  <p:cSld>
+    <p:spTree>
+      <p:nvGrpSpPr>
+        <p:cNvPr id="1" name=""/>
+        <p:cNvGrpSpPr/>
+        <p:nvPr/>
+      </p:nvGrpSpPr>
+      <p:grpSpPr>
+        <a:xfrm>
+          <a:off x="0" y="0"/>
+          <a:ext cx="0" cy="0"/>
+          <a:chOff x="0" y="0"/>
+          <a:chExt cx="0" cy="0"/>
+        </a:xfrm>
+      </p:grpSpPr>
+      <p:sp>
+        <p:nvSpPr>
+          <p:cNvPr id="2" name="Title 1">
+            <a:extLst>
+              <a:ext uri="{FF2B5EF4-FFF2-40B4-BE49-F238E27FC236}">
+                <a16:creationId xmlns:a16="http://schemas.microsoft.com/office/drawing/2014/main" id="{D73D7C17-9075-D019-CFA0-5CD5C839713E}"/>
+              </a:ext>
+            </a:extLst>
+          </p:cNvPr>
+          <p:cNvSpPr>
+            <a:spLocks noGrp="1"/>
+          </p:cNvSpPr>
+          <p:nvPr>
+            <p:ph type="title"/>
+          </p:nvPr>
+        </p:nvSpPr>
+        <p:spPr/>
+        <p:txBody>
+          <a:bodyPr/>
+          <a:lstStyle/>
+          <a:p>
+            <a:r>
+              <a:rPr lang="sk-SK" b="1" dirty="0">
+                <a:latin typeface="Arial" panose="020B0604020202020204" pitchFamily="34" charset="0"/>
+                <a:cs typeface="Arial" panose="020B0604020202020204" pitchFamily="34" charset="0"/>
+              </a:rPr>
+              <a:t>ZÁVER</a:t>
+            </a:r>
+            <a:endParaRPr lang="en-US" b="1" dirty="0">
+              <a:latin typeface="Arial" panose="020B0604020202020204" pitchFamily="34" charset="0"/>
+              <a:cs typeface="Arial" panose="020B0604020202020204" pitchFamily="34" charset="0"/>
+            </a:endParaRPr>
+          </a:p>
+        </p:txBody>
+      </p:sp>
+      <p:sp>
+        <p:nvSpPr>
+          <p:cNvPr id="3" name="Content Placeholder 2">
+            <a:extLst>
+              <a:ext uri="{FF2B5EF4-FFF2-40B4-BE49-F238E27FC236}">
+                <a16:creationId xmlns:a16="http://schemas.microsoft.com/office/drawing/2014/main" id="{2C99F5ED-839D-9B05-D833-0C279EBF1F66}"/>
+              </a:ext>
+            </a:extLst>
+          </p:cNvPr>
+          <p:cNvSpPr>
+            <a:spLocks noGrp="1"/>
+          </p:cNvSpPr>
+          <p:nvPr>
+            <p:ph idx="1"/>
+          </p:nvPr>
+        </p:nvSpPr>
+        <p:spPr/>
+        <p:txBody>
+          <a:bodyPr>
+            <a:normAutofit/>
+          </a:bodyPr>
+          <a:lstStyle/>
+          <a:p>
+            <a:r>
+              <a:rPr lang="sk-SK" sz="3200" b="1" dirty="0">
+                <a:latin typeface="Arial" panose="020B0604020202020204" pitchFamily="34" charset="0"/>
+                <a:cs typeface="Arial" panose="020B0604020202020204" pitchFamily="34" charset="0"/>
+              </a:rPr>
+              <a:t>Čo som sa naučil z práce?</a:t>
+            </a:r>
+            <a:endParaRPr lang="en-US" sz="3200" b="1" dirty="0">
+              <a:latin typeface="Arial" panose="020B0604020202020204" pitchFamily="34" charset="0"/>
+              <a:cs typeface="Arial" panose="020B0604020202020204" pitchFamily="34" charset="0"/>
+            </a:endParaRPr>
+          </a:p>
+        </p:txBody>
+      </p:sp>
+    </p:spTree>
+    <p:extLst>
+      <p:ext uri="{BB962C8B-B14F-4D97-AF65-F5344CB8AC3E}">
+        <p14:creationId xmlns:p14="http://schemas.microsoft.com/office/powerpoint/2010/main" val="134623580"/>
+      </p:ext>
+    </p:extLst>
+  </p:cSld>
+  <p:clrMapOvr>
+    <a:masterClrMapping/>
+  </p:clrMapOvr>
+</p:sld>
+</file>
+
+<file path=ppt/slides/slide11.xml><?xml version="1.0" encoding="utf-8"?>
 <p:sld xmlns:a="http://schemas.openxmlformats.org/drawingml/2006/main" xmlns:r="http://schemas.openxmlformats.org/officeDocument/2006/relationships" xmlns:p="http://schemas.openxmlformats.org/presentationml/2006/main">
   <p:cSld>
     <p:bg>
@@ -8779,220 +15142,37 @@
           </a:p>
         </p:txBody>
       </p:sp>
-      <p:sp>
-        <p:nvSpPr>
-          <p:cNvPr id="3" name="Content Placeholder 2">
+      <p:graphicFrame>
+        <p:nvGraphicFramePr>
+          <p:cNvPr id="5" name="Content Placeholder 2">
             <a:extLst>
               <a:ext uri="{FF2B5EF4-FFF2-40B4-BE49-F238E27FC236}">
-                <a16:creationId xmlns:a16="http://schemas.microsoft.com/office/drawing/2014/main" id="{CC57DD92-C913-B1CD-9844-736B3E68D5D9}"/>
+                <a16:creationId xmlns:a16="http://schemas.microsoft.com/office/drawing/2014/main" id="{94D227F4-2117-C2E4-1972-4EECE95CCC3E}"/>
               </a:ext>
             </a:extLst>
           </p:cNvPr>
-          <p:cNvSpPr>
-            <a:spLocks noGrp="1"/>
-          </p:cNvSpPr>
+          <p:cNvGraphicFramePr>
+            <a:graphicFrameLocks noGrp="1"/>
+          </p:cNvGraphicFramePr>
           <p:nvPr>
             <p:ph idx="1"/>
+            <p:extLst>
+              <p:ext uri="{D42A27DB-BD31-4B8C-83A1-F6EECF244321}">
+                <p14:modId xmlns:p14="http://schemas.microsoft.com/office/powerpoint/2010/main" val="4186919413"/>
+              </p:ext>
+            </p:extLst>
           </p:nvPr>
-        </p:nvSpPr>
-        <p:spPr/>
-        <p:txBody>
-          <a:bodyPr>
-            <a:normAutofit/>
-          </a:bodyPr>
-          <a:lstStyle/>
-          <a:p>
-            <a:pPr marL="0" indent="0">
-              <a:buNone/>
-            </a:pPr>
-            <a:r>
-              <a:rPr lang="en-US" sz="2000" b="1" dirty="0">
-                <a:solidFill>
-                  <a:schemeClr val="bg1">
-                    <a:lumMod val="95000"/>
-                    <a:lumOff val="5000"/>
-                  </a:schemeClr>
-                </a:solidFill>
-                <a:latin typeface="Arial" panose="020B0604020202020204" pitchFamily="34" charset="0"/>
-                <a:cs typeface="Arial" panose="020B0604020202020204" pitchFamily="34" charset="0"/>
-              </a:rPr>
-              <a:t>3. TCP/IP</a:t>
-            </a:r>
-          </a:p>
-          <a:p>
-            <a:pPr marL="0" indent="0">
-              <a:buNone/>
-            </a:pPr>
-            <a:r>
-              <a:rPr lang="en-US" sz="2000" b="1" dirty="0">
-                <a:solidFill>
-                  <a:schemeClr val="bg1">
-                    <a:lumMod val="95000"/>
-                    <a:lumOff val="5000"/>
-                  </a:schemeClr>
-                </a:solidFill>
-                <a:latin typeface="Arial" panose="020B0604020202020204" pitchFamily="34" charset="0"/>
-                <a:cs typeface="Arial" panose="020B0604020202020204" pitchFamily="34" charset="0"/>
-              </a:rPr>
-              <a:t>4. DHCP</a:t>
-            </a:r>
-          </a:p>
-          <a:p>
-            <a:pPr marL="0" indent="0">
-              <a:buNone/>
-            </a:pPr>
-            <a:r>
-              <a:rPr lang="en-US" sz="2000" b="1" dirty="0">
-                <a:solidFill>
-                  <a:schemeClr val="bg1">
-                    <a:lumMod val="95000"/>
-                    <a:lumOff val="5000"/>
-                  </a:schemeClr>
-                </a:solidFill>
-                <a:latin typeface="Arial" panose="020B0604020202020204" pitchFamily="34" charset="0"/>
-                <a:cs typeface="Arial" panose="020B0604020202020204" pitchFamily="34" charset="0"/>
-              </a:rPr>
-              <a:t>5. SUBNETTING</a:t>
-            </a:r>
-          </a:p>
-          <a:p>
-            <a:pPr marL="0" indent="0">
-              <a:buNone/>
-            </a:pPr>
-            <a:r>
-              <a:rPr lang="en-US" sz="2000" b="1" dirty="0">
-                <a:solidFill>
-                  <a:schemeClr val="bg1">
-                    <a:lumMod val="95000"/>
-                    <a:lumOff val="5000"/>
-                  </a:schemeClr>
-                </a:solidFill>
-                <a:latin typeface="Arial" panose="020B0604020202020204" pitchFamily="34" charset="0"/>
-                <a:cs typeface="Arial" panose="020B0604020202020204" pitchFamily="34" charset="0"/>
-              </a:rPr>
-              <a:t>6. PRODUKT</a:t>
-            </a:r>
-          </a:p>
-          <a:p>
-            <a:pPr marL="0" indent="0">
-              <a:buNone/>
-            </a:pPr>
-            <a:r>
-              <a:rPr lang="en-US" sz="2000" b="1" dirty="0">
-                <a:solidFill>
-                  <a:schemeClr val="bg1">
-                    <a:lumMod val="95000"/>
-                    <a:lumOff val="5000"/>
-                  </a:schemeClr>
-                </a:solidFill>
-                <a:latin typeface="Arial" panose="020B0604020202020204" pitchFamily="34" charset="0"/>
-                <a:cs typeface="Arial" panose="020B0604020202020204" pitchFamily="34" charset="0"/>
-              </a:rPr>
-              <a:t>7. PRODUKT</a:t>
-            </a:r>
-          </a:p>
-          <a:p>
-            <a:pPr marL="0" indent="0">
-              <a:buNone/>
-            </a:pPr>
-            <a:r>
-              <a:rPr lang="en-US" sz="2000" b="1" dirty="0">
-                <a:solidFill>
-                  <a:schemeClr val="bg1">
-                    <a:lumMod val="95000"/>
-                    <a:lumOff val="5000"/>
-                  </a:schemeClr>
-                </a:solidFill>
-                <a:latin typeface="Arial" panose="020B0604020202020204" pitchFamily="34" charset="0"/>
-                <a:cs typeface="Arial" panose="020B0604020202020204" pitchFamily="34" charset="0"/>
-              </a:rPr>
-              <a:t>8. PRODUKT</a:t>
-            </a:r>
-          </a:p>
-          <a:p>
-            <a:pPr marL="0" indent="0">
-              <a:buNone/>
-            </a:pPr>
-            <a:r>
-              <a:rPr lang="en-US" sz="2000" b="1" dirty="0">
-                <a:solidFill>
-                  <a:schemeClr val="bg1">
-                    <a:lumMod val="95000"/>
-                    <a:lumOff val="5000"/>
-                  </a:schemeClr>
-                </a:solidFill>
-                <a:latin typeface="Arial" panose="020B0604020202020204" pitchFamily="34" charset="0"/>
-                <a:cs typeface="Arial" panose="020B0604020202020204" pitchFamily="34" charset="0"/>
-              </a:rPr>
-              <a:t>9. </a:t>
-            </a:r>
-            <a:r>
-              <a:rPr lang="sk-SK" sz="2000" b="1" dirty="0">
-                <a:solidFill>
-                  <a:schemeClr val="bg1">
-                    <a:lumMod val="95000"/>
-                    <a:lumOff val="5000"/>
-                  </a:schemeClr>
-                </a:solidFill>
-                <a:latin typeface="Arial" panose="020B0604020202020204" pitchFamily="34" charset="0"/>
-                <a:cs typeface="Arial" panose="020B0604020202020204" pitchFamily="34" charset="0"/>
-              </a:rPr>
-              <a:t>ZÁVER</a:t>
-            </a:r>
-            <a:endParaRPr lang="en-US" sz="2000" b="1" dirty="0">
-              <a:solidFill>
-                <a:schemeClr val="bg1">
-                  <a:lumMod val="95000"/>
-                  <a:lumOff val="5000"/>
-                </a:schemeClr>
-              </a:solidFill>
-              <a:latin typeface="Arial" panose="020B0604020202020204" pitchFamily="34" charset="0"/>
-              <a:cs typeface="Arial" panose="020B0604020202020204" pitchFamily="34" charset="0"/>
-            </a:endParaRPr>
-          </a:p>
-          <a:p>
-            <a:pPr marL="0" indent="0">
-              <a:buNone/>
-            </a:pPr>
-            <a:r>
-              <a:rPr lang="en-US" sz="2000" b="1" dirty="0">
-                <a:solidFill>
-                  <a:schemeClr val="bg1">
-                    <a:lumMod val="95000"/>
-                    <a:lumOff val="5000"/>
-                  </a:schemeClr>
-                </a:solidFill>
-                <a:latin typeface="Arial" panose="020B0604020202020204" pitchFamily="34" charset="0"/>
-                <a:cs typeface="Arial" panose="020B0604020202020204" pitchFamily="34" charset="0"/>
-              </a:rPr>
-              <a:t>10.</a:t>
-            </a:r>
-            <a:r>
-              <a:rPr lang="sk-SK" sz="2000" b="1" dirty="0">
-                <a:solidFill>
-                  <a:schemeClr val="bg1">
-                    <a:lumMod val="95000"/>
-                    <a:lumOff val="5000"/>
-                  </a:schemeClr>
-                </a:solidFill>
-                <a:latin typeface="Arial" panose="020B0604020202020204" pitchFamily="34" charset="0"/>
-                <a:cs typeface="Arial" panose="020B0604020202020204" pitchFamily="34" charset="0"/>
-              </a:rPr>
-              <a:t> ZDROJE</a:t>
-            </a:r>
-            <a:endParaRPr lang="en-US" sz="2000" b="1" dirty="0">
-              <a:solidFill>
-                <a:schemeClr val="bg1">
-                  <a:lumMod val="95000"/>
-                  <a:lumOff val="5000"/>
-                </a:schemeClr>
-              </a:solidFill>
-              <a:latin typeface="Arial" panose="020B0604020202020204" pitchFamily="34" charset="0"/>
-              <a:cs typeface="Arial" panose="020B0604020202020204" pitchFamily="34" charset="0"/>
-            </a:endParaRPr>
-          </a:p>
-        </p:txBody>
-      </p:sp>
+        </p:nvGraphicFramePr>
+        <p:xfrm>
+          <a:off x="680321" y="2336873"/>
+          <a:ext cx="9613861" cy="3599316"/>
+        </p:xfrm>
+        <a:graphic>
+          <a:graphicData uri="http://schemas.openxmlformats.org/drawingml/2006/diagram">
+            <dgm:relIds xmlns:dgm="http://schemas.openxmlformats.org/drawingml/2006/diagram" xmlns:r="http://schemas.openxmlformats.org/officeDocument/2006/relationships" r:dm="rId2" r:lo="rId3" r:qs="rId4" r:cs="rId5"/>
+          </a:graphicData>
+        </a:graphic>
+      </p:graphicFrame>
     </p:spTree>
     <p:extLst>
       <p:ext uri="{BB962C8B-B14F-4D97-AF65-F5344CB8AC3E}">
@@ -9028,7 +15208,7 @@
           <p:cNvPr id="2" name="Title 1">
             <a:extLst>
               <a:ext uri="{FF2B5EF4-FFF2-40B4-BE49-F238E27FC236}">
-                <a16:creationId xmlns:a16="http://schemas.microsoft.com/office/drawing/2014/main" id="{30126440-DC2C-CB9C-1CE8-C414263ADB46}"/>
+                <a16:creationId xmlns:a16="http://schemas.microsoft.com/office/drawing/2014/main" id="{9BF110F3-145A-FA92-15AE-F26C3C84A09E}"/>
               </a:ext>
             </a:extLst>
           </p:cNvPr>
@@ -9049,7 +15229,7 @@
                 <a:latin typeface="Arial" panose="020B0604020202020204" pitchFamily="34" charset="0"/>
                 <a:cs typeface="Arial" panose="020B0604020202020204" pitchFamily="34" charset="0"/>
               </a:rPr>
-              <a:t>TCP/IP</a:t>
+              <a:t>CIEĽ PRÁCE</a:t>
             </a:r>
             <a:endParaRPr lang="en-US" b="1" dirty="0">
               <a:latin typeface="Arial" panose="020B0604020202020204" pitchFamily="34" charset="0"/>
@@ -9063,7 +15243,7 @@
           <p:cNvPr id="3" name="Content Placeholder 2">
             <a:extLst>
               <a:ext uri="{FF2B5EF4-FFF2-40B4-BE49-F238E27FC236}">
-                <a16:creationId xmlns:a16="http://schemas.microsoft.com/office/drawing/2014/main" id="{A2D7203B-BFA6-B857-60CA-F9F5E2C8EC8C}"/>
+                <a16:creationId xmlns:a16="http://schemas.microsoft.com/office/drawing/2014/main" id="{931F5EC5-0B1C-557C-E02C-90D846AEF231}"/>
               </a:ext>
             </a:extLst>
           </p:cNvPr>
@@ -9080,80 +15260,17 @@
           <a:lstStyle/>
           <a:p>
             <a:r>
-              <a:rPr lang="sk-SK" b="1" dirty="0">
-                <a:solidFill>
-                  <a:schemeClr val="bg1">
-                    <a:lumMod val="95000"/>
-                    <a:lumOff val="5000"/>
-                  </a:schemeClr>
-                </a:solidFill>
-                <a:latin typeface="Arial" panose="020B0604020202020204" pitchFamily="34" charset="0"/>
-                <a:cs typeface="Arial" panose="020B0604020202020204" pitchFamily="34" charset="0"/>
-              </a:rPr>
-              <a:t>Funkcie TCP/IP</a:t>
+              <a:rPr lang="sk-SK" dirty="0"/>
+              <a:t>Vytvorenie funkčnej konfigurácie v Packet Traceri</a:t>
             </a:r>
-          </a:p>
-          <a:p>
-            <a:r>
-              <a:rPr lang="sk-SK" b="1" dirty="0">
-                <a:solidFill>
-                  <a:schemeClr val="bg1">
-                    <a:lumMod val="95000"/>
-                    <a:lumOff val="5000"/>
-                  </a:schemeClr>
-                </a:solidFill>
-                <a:latin typeface="Arial" panose="020B0604020202020204" pitchFamily="34" charset="0"/>
-                <a:cs typeface="Arial" panose="020B0604020202020204" pitchFamily="34" charset="0"/>
-              </a:rPr>
-              <a:t>Vrstvy TCP/IP</a:t>
-            </a:r>
-          </a:p>
-          <a:p>
-            <a:r>
-              <a:rPr lang="sk-SK" b="1" dirty="0">
-                <a:solidFill>
-                  <a:schemeClr val="bg1">
-                    <a:lumMod val="95000"/>
-                    <a:lumOff val="5000"/>
-                  </a:schemeClr>
-                </a:solidFill>
-                <a:latin typeface="Arial" panose="020B0604020202020204" pitchFamily="34" charset="0"/>
-                <a:cs typeface="Arial" panose="020B0604020202020204" pitchFamily="34" charset="0"/>
-              </a:rPr>
-              <a:t>MAC adresa</a:t>
-            </a:r>
-          </a:p>
-          <a:p>
-            <a:r>
-              <a:rPr lang="sk-SK" b="1" dirty="0">
-                <a:solidFill>
-                  <a:schemeClr val="bg1">
-                    <a:lumMod val="95000"/>
-                    <a:lumOff val="5000"/>
-                  </a:schemeClr>
-                </a:solidFill>
-                <a:latin typeface="Arial" panose="020B0604020202020204" pitchFamily="34" charset="0"/>
-                <a:cs typeface="Arial" panose="020B0604020202020204" pitchFamily="34" charset="0"/>
-              </a:rPr>
-              <a:t>IP adresa</a:t>
-            </a:r>
-            <a:endParaRPr lang="en-US" b="1" dirty="0">
-              <a:solidFill>
-                <a:schemeClr val="bg1">
-                  <a:lumMod val="95000"/>
-                  <a:lumOff val="5000"/>
-                </a:schemeClr>
-              </a:solidFill>
-              <a:latin typeface="Arial" panose="020B0604020202020204" pitchFamily="34" charset="0"/>
-              <a:cs typeface="Arial" panose="020B0604020202020204" pitchFamily="34" charset="0"/>
-            </a:endParaRPr>
+            <a:endParaRPr lang="en-US" dirty="0"/>
           </a:p>
         </p:txBody>
       </p:sp>
     </p:spTree>
     <p:extLst>
       <p:ext uri="{BB962C8B-B14F-4D97-AF65-F5344CB8AC3E}">
-        <p14:creationId xmlns:p14="http://schemas.microsoft.com/office/powerpoint/2010/main" val="3786985818"/>
+        <p14:creationId xmlns:p14="http://schemas.microsoft.com/office/powerpoint/2010/main" val="1681978033"/>
       </p:ext>
     </p:extLst>
   </p:cSld>
@@ -9185,6 +15302,360 @@
           <p:cNvPr id="2" name="Title 1">
             <a:extLst>
               <a:ext uri="{FF2B5EF4-FFF2-40B4-BE49-F238E27FC236}">
+                <a16:creationId xmlns:a16="http://schemas.microsoft.com/office/drawing/2014/main" id="{30126440-DC2C-CB9C-1CE8-C414263ADB46}"/>
+              </a:ext>
+            </a:extLst>
+          </p:cNvPr>
+          <p:cNvSpPr>
+            <a:spLocks noGrp="1"/>
+          </p:cNvSpPr>
+          <p:nvPr>
+            <p:ph type="title"/>
+          </p:nvPr>
+        </p:nvSpPr>
+        <p:spPr/>
+        <p:txBody>
+          <a:bodyPr/>
+          <a:lstStyle/>
+          <a:p>
+            <a:r>
+              <a:rPr lang="sk-SK" b="1" dirty="0">
+                <a:latin typeface="Arial" panose="020B0604020202020204" pitchFamily="34" charset="0"/>
+                <a:cs typeface="Arial" panose="020B0604020202020204" pitchFamily="34" charset="0"/>
+              </a:rPr>
+              <a:t>TCP/IP</a:t>
+            </a:r>
+            <a:endParaRPr lang="en-US" b="1" dirty="0">
+              <a:latin typeface="Arial" panose="020B0604020202020204" pitchFamily="34" charset="0"/>
+              <a:cs typeface="Arial" panose="020B0604020202020204" pitchFamily="34" charset="0"/>
+            </a:endParaRPr>
+          </a:p>
+        </p:txBody>
+      </p:sp>
+      <p:graphicFrame>
+        <p:nvGraphicFramePr>
+          <p:cNvPr id="5" name="Content Placeholder 2">
+            <a:extLst>
+              <a:ext uri="{FF2B5EF4-FFF2-40B4-BE49-F238E27FC236}">
+                <a16:creationId xmlns:a16="http://schemas.microsoft.com/office/drawing/2014/main" id="{29A5C320-EA57-295B-199E-DE901A480234}"/>
+              </a:ext>
+            </a:extLst>
+          </p:cNvPr>
+          <p:cNvGraphicFramePr>
+            <a:graphicFrameLocks noGrp="1"/>
+          </p:cNvGraphicFramePr>
+          <p:nvPr>
+            <p:ph idx="1"/>
+          </p:nvPr>
+        </p:nvGraphicFramePr>
+        <p:xfrm>
+          <a:off x="680321" y="2336873"/>
+          <a:ext cx="9613861" cy="3599316"/>
+        </p:xfrm>
+        <a:graphic>
+          <a:graphicData uri="http://schemas.openxmlformats.org/drawingml/2006/diagram">
+            <dgm:relIds xmlns:dgm="http://schemas.openxmlformats.org/drawingml/2006/diagram" xmlns:r="http://schemas.openxmlformats.org/officeDocument/2006/relationships" r:dm="rId2" r:lo="rId3" r:qs="rId4" r:cs="rId5"/>
+          </a:graphicData>
+        </a:graphic>
+      </p:graphicFrame>
+    </p:spTree>
+    <p:extLst>
+      <p:ext uri="{BB962C8B-B14F-4D97-AF65-F5344CB8AC3E}">
+        <p14:creationId xmlns:p14="http://schemas.microsoft.com/office/powerpoint/2010/main" val="3786985818"/>
+      </p:ext>
+    </p:extLst>
+  </p:cSld>
+  <p:clrMapOvr>
+    <a:masterClrMapping/>
+  </p:clrMapOvr>
+</p:sld>
+</file>
+
+<file path=ppt/slides/slide5.xml><?xml version="1.0" encoding="utf-8"?>
+<p:sld xmlns:a="http://schemas.openxmlformats.org/drawingml/2006/main" xmlns:r="http://schemas.openxmlformats.org/officeDocument/2006/relationships" xmlns:p="http://schemas.openxmlformats.org/presentationml/2006/main">
+  <p:cSld>
+    <p:bg>
+      <p:bgPr>
+        <a:gradFill rotWithShape="1">
+          <a:gsLst>
+            <a:gs pos="0">
+              <a:schemeClr val="bg2">
+                <a:tint val="96000"/>
+                <a:shade val="100000"/>
+                <a:hueMod val="92000"/>
+                <a:satMod val="200000"/>
+                <a:lumMod val="128000"/>
+              </a:schemeClr>
+            </a:gs>
+            <a:gs pos="50000">
+              <a:schemeClr val="bg2">
+                <a:shade val="100000"/>
+                <a:hueMod val="100000"/>
+                <a:satMod val="110000"/>
+                <a:lumMod val="130000"/>
+              </a:schemeClr>
+            </a:gs>
+            <a:gs pos="100000">
+              <a:schemeClr val="bg2">
+                <a:shade val="78000"/>
+                <a:hueMod val="118000"/>
+                <a:satMod val="120000"/>
+                <a:lumMod val="69000"/>
+              </a:schemeClr>
+            </a:gs>
+          </a:gsLst>
+          <a:lin ang="2520000" scaled="0"/>
+        </a:gradFill>
+        <a:effectLst/>
+      </p:bgPr>
+    </p:bg>
+    <p:spTree>
+      <p:nvGrpSpPr>
+        <p:cNvPr id="1" name=""/>
+        <p:cNvGrpSpPr/>
+        <p:nvPr/>
+      </p:nvGrpSpPr>
+      <p:grpSpPr>
+        <a:xfrm>
+          <a:off x="0" y="0"/>
+          <a:ext cx="0" cy="0"/>
+          <a:chOff x="0" y="0"/>
+          <a:chExt cx="0" cy="0"/>
+        </a:xfrm>
+      </p:grpSpPr>
+      <p:sp useBgFill="1">
+        <p:nvSpPr>
+          <p:cNvPr id="1043" name="Rectangle 1042">
+            <a:extLst>
+              <a:ext uri="{FF2B5EF4-FFF2-40B4-BE49-F238E27FC236}">
+                <a16:creationId xmlns:a16="http://schemas.microsoft.com/office/drawing/2014/main" id="{8DCA3673-CDE4-40C5-9FA8-F89874CFBA73}"/>
+              </a:ext>
+              <a:ext uri="{C183D7F6-B498-43B3-948B-1728B52AA6E4}">
+                <adec:decorative xmlns:adec="http://schemas.microsoft.com/office/drawing/2017/decorative" val="1"/>
+              </a:ext>
+            </a:extLst>
+          </p:cNvPr>
+          <p:cNvSpPr>
+            <a:spLocks noGrp="1" noRot="1" noChangeAspect="1" noMove="1" noResize="1" noEditPoints="1" noAdjustHandles="1" noChangeArrowheads="1" noChangeShapeType="1" noTextEdit="1"/>
+          </p:cNvSpPr>
+          <p:nvPr>
+            <p:extLst>
+              <p:ext uri="{386F3935-93C4-4BCD-93E2-E3B085C9AB24}">
+                <p16:designElem xmlns:p16="http://schemas.microsoft.com/office/powerpoint/2015/main" val="1"/>
+              </p:ext>
+            </p:extLst>
+          </p:nvPr>
+        </p:nvSpPr>
+        <p:spPr>
+          <a:xfrm>
+            <a:off x="0" y="-1"/>
+            <a:ext cx="12188824" cy="6858001"/>
+          </a:xfrm>
+          <a:prstGeom prst="rect">
+            <a:avLst/>
+          </a:prstGeom>
+        </p:spPr>
+        <p:style>
+          <a:lnRef idx="2">
+            <a:schemeClr val="accent1">
+              <a:shade val="50000"/>
+            </a:schemeClr>
+          </a:lnRef>
+          <a:fillRef idx="1">
+            <a:schemeClr val="accent1"/>
+          </a:fillRef>
+          <a:effectRef idx="0">
+            <a:schemeClr val="accent1"/>
+          </a:effectRef>
+          <a:fontRef idx="minor">
+            <a:schemeClr val="lt1"/>
+          </a:fontRef>
+        </p:style>
+        <p:txBody>
+          <a:bodyPr rtlCol="0" anchor="ctr"/>
+          <a:lstStyle/>
+          <a:p>
+            <a:pPr algn="ctr"/>
+            <a:endParaRPr lang="en-US"/>
+          </a:p>
+        </p:txBody>
+      </p:sp>
+      <p:pic>
+        <p:nvPicPr>
+          <p:cNvPr id="1044" name="Picture 1043">
+            <a:extLst>
+              <a:ext uri="{FF2B5EF4-FFF2-40B4-BE49-F238E27FC236}">
+                <a16:creationId xmlns:a16="http://schemas.microsoft.com/office/drawing/2014/main" id="{95756E8F-499C-4533-BBE8-309C3E8D985C}"/>
+              </a:ext>
+              <a:ext uri="{C183D7F6-B498-43B3-948B-1728B52AA6E4}">
+                <adec:decorative xmlns:adec="http://schemas.microsoft.com/office/drawing/2017/decorative" val="1"/>
+              </a:ext>
+            </a:extLst>
+          </p:cNvPr>
+          <p:cNvPicPr>
+            <a:picLocks noGrp="1" noRot="1" noChangeAspect="1" noMove="1" noResize="1" noEditPoints="1" noAdjustHandles="1" noChangeArrowheads="1" noChangeShapeType="1" noCrop="1"/>
+          </p:cNvPicPr>
+          <p:nvPr>
+            <p:extLst>
+              <p:ext uri="{386F3935-93C4-4BCD-93E2-E3B085C9AB24}">
+                <p16:designElem xmlns:p16="http://schemas.microsoft.com/office/powerpoint/2015/main" val="1"/>
+              </p:ext>
+            </p:extLst>
+          </p:nvPr>
+        </p:nvPicPr>
+        <p:blipFill>
+          <a:blip r:embed="rId2">
+            <a:alphaModFix amt="10000"/>
+            <a:extLst>
+              <a:ext uri="{28A0092B-C50C-407E-A947-70E740481C1C}">
+                <a14:useLocalDpi xmlns:a14="http://schemas.microsoft.com/office/drawing/2010/main" val="0"/>
+              </a:ext>
+            </a:extLst>
+          </a:blip>
+          <a:stretch>
+            <a:fillRect/>
+          </a:stretch>
+        </p:blipFill>
+        <p:spPr>
+          <a:xfrm>
+            <a:off x="-3176" y="0"/>
+            <a:ext cx="12192000" cy="6858000"/>
+          </a:xfrm>
+          <a:prstGeom prst="rect">
+            <a:avLst/>
+          </a:prstGeom>
+        </p:spPr>
+      </p:pic>
+      <p:sp>
+        <p:nvSpPr>
+          <p:cNvPr id="1045" name="Rectangle 1044">
+            <a:extLst>
+              <a:ext uri="{FF2B5EF4-FFF2-40B4-BE49-F238E27FC236}">
+                <a16:creationId xmlns:a16="http://schemas.microsoft.com/office/drawing/2014/main" id="{0FFFD040-32A9-4D2B-86CA-599D030A4161}"/>
+              </a:ext>
+              <a:ext uri="{C183D7F6-B498-43B3-948B-1728B52AA6E4}">
+                <adec:decorative xmlns:adec="http://schemas.microsoft.com/office/drawing/2017/decorative" val="1"/>
+              </a:ext>
+            </a:extLst>
+          </p:cNvPr>
+          <p:cNvSpPr>
+            <a:spLocks noGrp="1" noRot="1" noChangeAspect="1" noMove="1" noResize="1" noEditPoints="1" noAdjustHandles="1" noChangeArrowheads="1" noChangeShapeType="1" noTextEdit="1"/>
+          </p:cNvSpPr>
+          <p:nvPr>
+            <p:extLst>
+              <p:ext uri="{386F3935-93C4-4BCD-93E2-E3B085C9AB24}">
+                <p16:designElem xmlns:p16="http://schemas.microsoft.com/office/powerpoint/2015/main" val="1"/>
+              </p:ext>
+            </p:extLst>
+          </p:nvPr>
+        </p:nvSpPr>
+        <p:spPr>
+          <a:xfrm>
+            <a:off x="4639056" y="0"/>
+            <a:ext cx="7552944" cy="6858001"/>
+          </a:xfrm>
+          <a:prstGeom prst="rect">
+            <a:avLst/>
+          </a:prstGeom>
+          <a:ln>
+            <a:noFill/>
+          </a:ln>
+        </p:spPr>
+        <p:style>
+          <a:lnRef idx="2">
+            <a:schemeClr val="accent1">
+              <a:shade val="50000"/>
+            </a:schemeClr>
+          </a:lnRef>
+          <a:fillRef idx="1">
+            <a:schemeClr val="accent1"/>
+          </a:fillRef>
+          <a:effectRef idx="0">
+            <a:schemeClr val="accent1"/>
+          </a:effectRef>
+          <a:fontRef idx="minor">
+            <a:schemeClr val="lt1"/>
+          </a:fontRef>
+        </p:style>
+        <p:txBody>
+          <a:bodyPr rtlCol="0" anchor="ctr"/>
+          <a:lstStyle/>
+          <a:p>
+            <a:pPr algn="ctr"/>
+            <a:endParaRPr lang="en-US"/>
+          </a:p>
+        </p:txBody>
+      </p:sp>
+      <p:sp>
+        <p:nvSpPr>
+          <p:cNvPr id="1046" name="Rectangle 1045">
+            <a:extLst>
+              <a:ext uri="{FF2B5EF4-FFF2-40B4-BE49-F238E27FC236}">
+                <a16:creationId xmlns:a16="http://schemas.microsoft.com/office/drawing/2014/main" id="{863205CA-B7FF-4C25-A4C8-3BBBCE19D950}"/>
+              </a:ext>
+              <a:ext uri="{C183D7F6-B498-43B3-948B-1728B52AA6E4}">
+                <adec:decorative xmlns:adec="http://schemas.microsoft.com/office/drawing/2017/decorative" val="1"/>
+              </a:ext>
+            </a:extLst>
+          </p:cNvPr>
+          <p:cNvSpPr>
+            <a:spLocks noGrp="1" noRot="1" noChangeAspect="1" noMove="1" noResize="1" noEditPoints="1" noAdjustHandles="1" noChangeArrowheads="1" noChangeShapeType="1" noTextEdit="1"/>
+          </p:cNvSpPr>
+          <p:nvPr>
+            <p:extLst>
+              <p:ext uri="{386F3935-93C4-4BCD-93E2-E3B085C9AB24}">
+                <p16:designElem xmlns:p16="http://schemas.microsoft.com/office/powerpoint/2015/main" val="1"/>
+              </p:ext>
+            </p:extLst>
+          </p:nvPr>
+        </p:nvSpPr>
+        <p:spPr bwMode="grayWhite">
+          <a:xfrm>
+            <a:off x="2" y="609600"/>
+            <a:ext cx="4959094" cy="1368198"/>
+          </a:xfrm>
+          <a:prstGeom prst="rect">
+            <a:avLst/>
+          </a:prstGeom>
+          <a:solidFill>
+            <a:schemeClr val="bg1">
+              <a:lumMod val="85000"/>
+              <a:lumOff val="15000"/>
+            </a:schemeClr>
+          </a:solidFill>
+          <a:ln>
+            <a:noFill/>
+          </a:ln>
+        </p:spPr>
+        <p:style>
+          <a:lnRef idx="2">
+            <a:schemeClr val="accent1">
+              <a:shade val="50000"/>
+            </a:schemeClr>
+          </a:lnRef>
+          <a:fillRef idx="1">
+            <a:schemeClr val="accent1"/>
+          </a:fillRef>
+          <a:effectRef idx="0">
+            <a:schemeClr val="accent1"/>
+          </a:effectRef>
+          <a:fontRef idx="minor">
+            <a:schemeClr val="lt1"/>
+          </a:fontRef>
+        </p:style>
+        <p:txBody>
+          <a:bodyPr/>
+          <a:lstStyle/>
+          <a:p>
+            <a:endParaRPr lang="en-US"/>
+          </a:p>
+        </p:txBody>
+      </p:sp>
+      <p:sp>
+        <p:nvSpPr>
+          <p:cNvPr id="2" name="Title 1">
+            <a:extLst>
+              <a:ext uri="{FF2B5EF4-FFF2-40B4-BE49-F238E27FC236}">
                 <a16:creationId xmlns:a16="http://schemas.microsoft.com/office/drawing/2014/main" id="{1DA673BA-6AA5-607E-BE4E-FE18E3AF8343}"/>
               </a:ext>
             </a:extLst>
@@ -9196,25 +15667,77 @@
             <p:ph type="title"/>
           </p:nvPr>
         </p:nvSpPr>
-        <p:spPr/>
+        <p:spPr>
+          <a:xfrm>
+            <a:off x="680321" y="753228"/>
+            <a:ext cx="4136123" cy="1080938"/>
+          </a:xfrm>
+        </p:spPr>
         <p:txBody>
-          <a:bodyPr/>
+          <a:bodyPr>
+            <a:normAutofit/>
+          </a:bodyPr>
           <a:lstStyle/>
           <a:p>
             <a:r>
-              <a:rPr lang="sk-SK" b="1" dirty="0">
+              <a:rPr lang="sk-SK" sz="2400" b="1">
                 <a:latin typeface="Arial" panose="020B0604020202020204" pitchFamily="34" charset="0"/>
                 <a:cs typeface="Arial" panose="020B0604020202020204" pitchFamily="34" charset="0"/>
               </a:rPr>
               <a:t>DHCP</a:t>
             </a:r>
-            <a:endParaRPr lang="en-US" b="1" dirty="0">
+            <a:endParaRPr lang="en-US" sz="2400" b="1">
               <a:latin typeface="Arial" panose="020B0604020202020204" pitchFamily="34" charset="0"/>
               <a:cs typeface="Arial" panose="020B0604020202020204" pitchFamily="34" charset="0"/>
             </a:endParaRPr>
           </a:p>
         </p:txBody>
       </p:sp>
+      <p:pic>
+        <p:nvPicPr>
+          <p:cNvPr id="1047" name="Picture 1046">
+            <a:extLst>
+              <a:ext uri="{FF2B5EF4-FFF2-40B4-BE49-F238E27FC236}">
+                <a16:creationId xmlns:a16="http://schemas.microsoft.com/office/drawing/2014/main" id="{306E3F32-3C1A-4B6E-AF26-8A15A788560F}"/>
+              </a:ext>
+              <a:ext uri="{C183D7F6-B498-43B3-948B-1728B52AA6E4}">
+                <adec:decorative xmlns:adec="http://schemas.microsoft.com/office/drawing/2017/decorative" val="1"/>
+              </a:ext>
+            </a:extLst>
+          </p:cNvPr>
+          <p:cNvPicPr>
+            <a:picLocks noGrp="1" noRot="1" noChangeAspect="1" noMove="1" noResize="1" noEditPoints="1" noAdjustHandles="1" noChangeArrowheads="1" noChangeShapeType="1" noCrop="1"/>
+          </p:cNvPicPr>
+          <p:nvPr>
+            <p:extLst>
+              <p:ext uri="{386F3935-93C4-4BCD-93E2-E3B085C9AB24}">
+                <p16:designElem xmlns:p16="http://schemas.microsoft.com/office/powerpoint/2015/main" val="1"/>
+              </p:ext>
+            </p:extLst>
+          </p:nvPr>
+        </p:nvPicPr>
+        <p:blipFill>
+          <a:blip r:embed="rId3">
+            <a:extLst>
+              <a:ext uri="{28A0092B-C50C-407E-A947-70E740481C1C}">
+                <a14:useLocalDpi xmlns:a14="http://schemas.microsoft.com/office/drawing/2010/main" val="0"/>
+              </a:ext>
+            </a:extLst>
+          </a:blip>
+          <a:stretch>
+            <a:fillRect/>
+          </a:stretch>
+        </p:blipFill>
+        <p:spPr>
+          <a:xfrm>
+            <a:off x="2" y="1970241"/>
+            <a:ext cx="4956048" cy="199787"/>
+          </a:xfrm>
+          <a:prstGeom prst="rect">
+            <a:avLst/>
+          </a:prstGeom>
+        </p:spPr>
+      </p:pic>
       <p:sp>
         <p:nvSpPr>
           <p:cNvPr id="3" name="Content Placeholder 2">
@@ -9231,19 +15754,20 @@
             <p:ph idx="1"/>
           </p:nvPr>
         </p:nvSpPr>
-        <p:spPr/>
+        <p:spPr>
+          <a:xfrm>
+            <a:off x="680321" y="2336873"/>
+            <a:ext cx="3656289" cy="3599316"/>
+          </a:xfrm>
+        </p:spPr>
         <p:txBody>
-          <a:bodyPr/>
+          <a:bodyPr>
+            <a:normAutofit/>
+          </a:bodyPr>
           <a:lstStyle/>
           <a:p>
             <a:r>
-              <a:rPr lang="sk-SK" b="1" dirty="0">
-                <a:solidFill>
-                  <a:schemeClr val="bg1">
-                    <a:lumMod val="95000"/>
-                    <a:lumOff val="5000"/>
-                  </a:schemeClr>
-                </a:solidFill>
+              <a:rPr lang="sk-SK" sz="2800" b="1" dirty="0">
                 <a:latin typeface="Arial" panose="020B0604020202020204" pitchFamily="34" charset="0"/>
                 <a:cs typeface="Arial" panose="020B0604020202020204" pitchFamily="34" charset="0"/>
               </a:rPr>
@@ -9252,25 +15776,13 @@
           </a:p>
           <a:p>
             <a:r>
-              <a:rPr lang="sk-SK" b="1" dirty="0">
-                <a:solidFill>
-                  <a:schemeClr val="bg1">
-                    <a:lumMod val="95000"/>
-                    <a:lumOff val="5000"/>
-                  </a:schemeClr>
-                </a:solidFill>
+              <a:rPr lang="sk-SK" sz="2800" b="1" dirty="0">
                 <a:latin typeface="Arial" panose="020B0604020202020204" pitchFamily="34" charset="0"/>
                 <a:cs typeface="Arial" panose="020B0604020202020204" pitchFamily="34" charset="0"/>
               </a:rPr>
               <a:t>Výhody/nevýhody</a:t>
             </a:r>
-            <a:endParaRPr lang="en-US" b="1" dirty="0">
-              <a:solidFill>
-                <a:schemeClr val="bg1">
-                  <a:lumMod val="95000"/>
-                  <a:lumOff val="5000"/>
-                </a:schemeClr>
-              </a:solidFill>
+            <a:endParaRPr lang="en-US" sz="2800" b="1" dirty="0">
               <a:latin typeface="Arial" panose="020B0604020202020204" pitchFamily="34" charset="0"/>
               <a:cs typeface="Arial" panose="020B0604020202020204" pitchFamily="34" charset="0"/>
             </a:endParaRPr>
@@ -9292,27 +15804,36 @@
           <p:nvPr/>
         </p:nvPicPr>
         <p:blipFill>
-          <a:blip r:embed="rId2">
+          <a:blip r:embed="rId4">
             <a:extLst>
               <a:ext uri="{28A0092B-C50C-407E-A947-70E740481C1C}">
                 <a14:useLocalDpi xmlns:a14="http://schemas.microsoft.com/office/drawing/2010/main" val="0"/>
               </a:ext>
             </a:extLst>
           </a:blip>
-          <a:srcRect/>
           <a:stretch>
             <a:fillRect/>
           </a:stretch>
         </p:blipFill>
         <p:spPr bwMode="auto">
           <a:xfrm>
-            <a:off x="2762250" y="3269189"/>
-            <a:ext cx="6667500" cy="2667000"/>
+            <a:off x="5276090" y="2175104"/>
+            <a:ext cx="6269479" cy="2507791"/>
           </a:xfrm>
           <a:prstGeom prst="rect">
             <a:avLst/>
           </a:prstGeom>
           <a:noFill/>
+          <a:ln>
+            <a:noFill/>
+          </a:ln>
+          <a:effectLst>
+            <a:outerShdw blurRad="76200" dist="63500" dir="5040000" algn="tl" rotWithShape="0">
+              <a:srgbClr val="000000">
+                <a:alpha val="41000"/>
+              </a:srgbClr>
+            </a:outerShdw>
+          </a:effectLst>
           <a:extLst>
             <a:ext uri="{909E8E84-426E-40DD-AFC4-6F175D3DCCD1}">
               <a14:hiddenFill xmlns:a14="http://schemas.microsoft.com/office/drawing/2010/main">
@@ -9338,30 +15859,44 @@
         </p:nvSpPr>
         <p:spPr>
           <a:xfrm>
-            <a:off x="4545511" y="6161897"/>
-            <a:ext cx="2548390" cy="276999"/>
+            <a:off x="5276090" y="4432116"/>
+            <a:ext cx="6269479" cy="250779"/>
           </a:xfrm>
           <a:prstGeom prst="rect">
             <a:avLst/>
           </a:prstGeom>
-          <a:noFill/>
+          <a:solidFill>
+            <a:srgbClr val="000000">
+              <a:alpha val="50000"/>
+            </a:srgbClr>
+          </a:solidFill>
+          <a:ln>
+            <a:noFill/>
+          </a:ln>
         </p:spPr>
         <p:txBody>
-          <a:bodyPr wrap="none" rtlCol="0">
-            <a:spAutoFit/>
+          <a:bodyPr wrap="square" rtlCol="0">
+            <a:noAutofit/>
           </a:bodyPr>
           <a:lstStyle/>
           <a:p>
+            <a:pPr algn="ctr">
+              <a:spcAft>
+                <a:spcPts val="600"/>
+              </a:spcAft>
+            </a:pPr>
             <a:r>
-              <a:rPr lang="sk-SK" sz="1200" dirty="0">
-                <a:latin typeface="Arial" panose="020B0604020202020204" pitchFamily="34" charset="0"/>
-                <a:cs typeface="Arial" panose="020B0604020202020204" pitchFamily="34" charset="0"/>
+              <a:rPr lang="sk-SK" sz="1300">
+                <a:solidFill>
+                  <a:srgbClr val="FFFFFF"/>
+                </a:solidFill>
               </a:rPr>
               <a:t>Vizualizácia funkcie DHCP servera</a:t>
             </a:r>
-            <a:endParaRPr lang="en-US" sz="1200" dirty="0">
-              <a:latin typeface="Arial" panose="020B0604020202020204" pitchFamily="34" charset="0"/>
-              <a:cs typeface="Arial" panose="020B0604020202020204" pitchFamily="34" charset="0"/>
+            <a:endParaRPr lang="en-US" sz="1300">
+              <a:solidFill>
+                <a:srgbClr val="FFFFFF"/>
+              </a:solidFill>
             </a:endParaRPr>
           </a:p>
         </p:txBody>
@@ -9370,140 +15905,6 @@
     <p:extLst>
       <p:ext uri="{BB962C8B-B14F-4D97-AF65-F5344CB8AC3E}">
         <p14:creationId xmlns:p14="http://schemas.microsoft.com/office/powerpoint/2010/main" val="224604825"/>
-      </p:ext>
-    </p:extLst>
-  </p:cSld>
-  <p:clrMapOvr>
-    <a:masterClrMapping/>
-  </p:clrMapOvr>
-</p:sld>
-</file>
-
-<file path=ppt/slides/slide5.xml><?xml version="1.0" encoding="utf-8"?>
-<p:sld xmlns:a="http://schemas.openxmlformats.org/drawingml/2006/main" xmlns:r="http://schemas.openxmlformats.org/officeDocument/2006/relationships" xmlns:p="http://schemas.openxmlformats.org/presentationml/2006/main">
-  <p:cSld>
-    <p:spTree>
-      <p:nvGrpSpPr>
-        <p:cNvPr id="1" name=""/>
-        <p:cNvGrpSpPr/>
-        <p:nvPr/>
-      </p:nvGrpSpPr>
-      <p:grpSpPr>
-        <a:xfrm>
-          <a:off x="0" y="0"/>
-          <a:ext cx="0" cy="0"/>
-          <a:chOff x="0" y="0"/>
-          <a:chExt cx="0" cy="0"/>
-        </a:xfrm>
-      </p:grpSpPr>
-      <p:sp>
-        <p:nvSpPr>
-          <p:cNvPr id="2" name="Title 1">
-            <a:extLst>
-              <a:ext uri="{FF2B5EF4-FFF2-40B4-BE49-F238E27FC236}">
-                <a16:creationId xmlns:a16="http://schemas.microsoft.com/office/drawing/2014/main" id="{809D4A5B-A114-2363-04C4-907052545791}"/>
-              </a:ext>
-            </a:extLst>
-          </p:cNvPr>
-          <p:cNvSpPr>
-            <a:spLocks noGrp="1"/>
-          </p:cNvSpPr>
-          <p:nvPr>
-            <p:ph type="title"/>
-          </p:nvPr>
-        </p:nvSpPr>
-        <p:spPr/>
-        <p:txBody>
-          <a:bodyPr/>
-          <a:lstStyle/>
-          <a:p>
-            <a:r>
-              <a:rPr lang="sk-SK" b="1" dirty="0">
-                <a:latin typeface="Arial" panose="020B0604020202020204" pitchFamily="34" charset="0"/>
-                <a:cs typeface="Arial" panose="020B0604020202020204" pitchFamily="34" charset="0"/>
-              </a:rPr>
-              <a:t>SUBNETTING</a:t>
-            </a:r>
-            <a:endParaRPr lang="en-US" b="1" dirty="0">
-              <a:latin typeface="Arial" panose="020B0604020202020204" pitchFamily="34" charset="0"/>
-              <a:cs typeface="Arial" panose="020B0604020202020204" pitchFamily="34" charset="0"/>
-            </a:endParaRPr>
-          </a:p>
-        </p:txBody>
-      </p:sp>
-      <p:sp>
-        <p:nvSpPr>
-          <p:cNvPr id="3" name="Content Placeholder 2">
-            <a:extLst>
-              <a:ext uri="{FF2B5EF4-FFF2-40B4-BE49-F238E27FC236}">
-                <a16:creationId xmlns:a16="http://schemas.microsoft.com/office/drawing/2014/main" id="{90F6D5DC-8E1F-EBE3-A2CB-361F8AF595DF}"/>
-              </a:ext>
-            </a:extLst>
-          </p:cNvPr>
-          <p:cNvSpPr>
-            <a:spLocks noGrp="1"/>
-          </p:cNvSpPr>
-          <p:nvPr>
-            <p:ph idx="1"/>
-          </p:nvPr>
-        </p:nvSpPr>
-        <p:spPr/>
-        <p:txBody>
-          <a:bodyPr/>
-          <a:lstStyle/>
-          <a:p>
-            <a:r>
-              <a:rPr lang="sk-SK" b="1" dirty="0">
-                <a:solidFill>
-                  <a:schemeClr val="bg1">
-                    <a:lumMod val="95000"/>
-                    <a:lumOff val="5000"/>
-                  </a:schemeClr>
-                </a:solidFill>
-              </a:rPr>
-              <a:t>Funkcie subnetu</a:t>
-            </a:r>
-          </a:p>
-          <a:p>
-            <a:r>
-              <a:rPr lang="sk-SK" b="1" dirty="0">
-                <a:solidFill>
-                  <a:schemeClr val="bg1">
-                    <a:lumMod val="95000"/>
-                    <a:lumOff val="5000"/>
-                  </a:schemeClr>
-                </a:solidFill>
-              </a:rPr>
-              <a:t>Funkcie routeru</a:t>
-            </a:r>
-          </a:p>
-          <a:p>
-            <a:r>
-              <a:rPr lang="sk-SK" b="1" dirty="0">
-                <a:solidFill>
-                  <a:schemeClr val="bg1">
-                    <a:lumMod val="95000"/>
-                    <a:lumOff val="5000"/>
-                  </a:schemeClr>
-                </a:solidFill>
-              </a:rPr>
-              <a:t>Výhody subnettingu</a:t>
-            </a:r>
-            <a:endParaRPr lang="en-US" b="1" dirty="0">
-              <a:solidFill>
-                <a:schemeClr val="bg1">
-                  <a:lumMod val="95000"/>
-                  <a:lumOff val="5000"/>
-                </a:schemeClr>
-              </a:solidFill>
-            </a:endParaRPr>
-          </a:p>
-        </p:txBody>
-      </p:sp>
-    </p:spTree>
-    <p:extLst>
-      <p:ext uri="{BB962C8B-B14F-4D97-AF65-F5344CB8AC3E}">
-        <p14:creationId xmlns:p14="http://schemas.microsoft.com/office/powerpoint/2010/main" val="1637186605"/>
       </p:ext>
     </p:extLst>
   </p:cSld>
@@ -9535,6 +15936,377 @@
           <p:cNvPr id="2" name="Title 1">
             <a:extLst>
               <a:ext uri="{FF2B5EF4-FFF2-40B4-BE49-F238E27FC236}">
+                <a16:creationId xmlns:a16="http://schemas.microsoft.com/office/drawing/2014/main" id="{809D4A5B-A114-2363-04C4-907052545791}"/>
+              </a:ext>
+            </a:extLst>
+          </p:cNvPr>
+          <p:cNvSpPr>
+            <a:spLocks noGrp="1"/>
+          </p:cNvSpPr>
+          <p:nvPr>
+            <p:ph type="title"/>
+          </p:nvPr>
+        </p:nvSpPr>
+        <p:spPr/>
+        <p:txBody>
+          <a:bodyPr/>
+          <a:lstStyle/>
+          <a:p>
+            <a:r>
+              <a:rPr lang="sk-SK" b="1" dirty="0">
+                <a:latin typeface="Arial" panose="020B0604020202020204" pitchFamily="34" charset="0"/>
+                <a:cs typeface="Arial" panose="020B0604020202020204" pitchFamily="34" charset="0"/>
+              </a:rPr>
+              <a:t>SUBNETTING</a:t>
+            </a:r>
+            <a:endParaRPr lang="en-US" b="1" dirty="0">
+              <a:latin typeface="Arial" panose="020B0604020202020204" pitchFamily="34" charset="0"/>
+              <a:cs typeface="Arial" panose="020B0604020202020204" pitchFamily="34" charset="0"/>
+            </a:endParaRPr>
+          </a:p>
+        </p:txBody>
+      </p:sp>
+      <p:sp>
+        <p:nvSpPr>
+          <p:cNvPr id="3" name="Content Placeholder 2">
+            <a:extLst>
+              <a:ext uri="{FF2B5EF4-FFF2-40B4-BE49-F238E27FC236}">
+                <a16:creationId xmlns:a16="http://schemas.microsoft.com/office/drawing/2014/main" id="{90F6D5DC-8E1F-EBE3-A2CB-361F8AF595DF}"/>
+              </a:ext>
+            </a:extLst>
+          </p:cNvPr>
+          <p:cNvSpPr>
+            <a:spLocks noGrp="1"/>
+          </p:cNvSpPr>
+          <p:nvPr>
+            <p:ph idx="1"/>
+          </p:nvPr>
+        </p:nvSpPr>
+        <p:spPr/>
+        <p:txBody>
+          <a:bodyPr>
+            <a:normAutofit/>
+          </a:bodyPr>
+          <a:lstStyle/>
+          <a:p>
+            <a:r>
+              <a:rPr lang="sk-SK" sz="3200" b="1" dirty="0"/>
+              <a:t>Funkcie subnetu</a:t>
+            </a:r>
+          </a:p>
+          <a:p>
+            <a:r>
+              <a:rPr lang="sk-SK" sz="3200" b="1" dirty="0"/>
+              <a:t>Funkcie routeru</a:t>
+            </a:r>
+          </a:p>
+          <a:p>
+            <a:r>
+              <a:rPr lang="sk-SK" sz="3200" b="1" dirty="0"/>
+              <a:t>Výhody subnettingu</a:t>
+            </a:r>
+            <a:endParaRPr lang="en-US" sz="3200" b="1" dirty="0"/>
+          </a:p>
+        </p:txBody>
+      </p:sp>
+    </p:spTree>
+    <p:extLst>
+      <p:ext uri="{BB962C8B-B14F-4D97-AF65-F5344CB8AC3E}">
+        <p14:creationId xmlns:p14="http://schemas.microsoft.com/office/powerpoint/2010/main" val="1637186605"/>
+      </p:ext>
+    </p:extLst>
+  </p:cSld>
+  <p:clrMapOvr>
+    <a:masterClrMapping/>
+  </p:clrMapOvr>
+</p:sld>
+</file>
+
+<file path=ppt/slides/slide7.xml><?xml version="1.0" encoding="utf-8"?>
+<p:sld xmlns:a="http://schemas.openxmlformats.org/drawingml/2006/main" xmlns:r="http://schemas.openxmlformats.org/officeDocument/2006/relationships" xmlns:p="http://schemas.openxmlformats.org/presentationml/2006/main">
+  <p:cSld>
+    <p:bg>
+      <p:bgPr>
+        <a:gradFill rotWithShape="1">
+          <a:gsLst>
+            <a:gs pos="0">
+              <a:schemeClr val="bg2">
+                <a:tint val="96000"/>
+                <a:shade val="100000"/>
+                <a:hueMod val="92000"/>
+                <a:satMod val="200000"/>
+                <a:lumMod val="128000"/>
+              </a:schemeClr>
+            </a:gs>
+            <a:gs pos="50000">
+              <a:schemeClr val="bg2">
+                <a:shade val="100000"/>
+                <a:hueMod val="100000"/>
+                <a:satMod val="110000"/>
+                <a:lumMod val="130000"/>
+              </a:schemeClr>
+            </a:gs>
+            <a:gs pos="100000">
+              <a:schemeClr val="bg2">
+                <a:shade val="78000"/>
+                <a:hueMod val="118000"/>
+                <a:satMod val="120000"/>
+                <a:lumMod val="69000"/>
+              </a:schemeClr>
+            </a:gs>
+          </a:gsLst>
+          <a:lin ang="2520000" scaled="0"/>
+        </a:gradFill>
+        <a:effectLst/>
+      </p:bgPr>
+    </p:bg>
+    <p:spTree>
+      <p:nvGrpSpPr>
+        <p:cNvPr id="1" name=""/>
+        <p:cNvGrpSpPr/>
+        <p:nvPr/>
+      </p:nvGrpSpPr>
+      <p:grpSpPr>
+        <a:xfrm>
+          <a:off x="0" y="0"/>
+          <a:ext cx="0" cy="0"/>
+          <a:chOff x="0" y="0"/>
+          <a:chExt cx="0" cy="0"/>
+        </a:xfrm>
+      </p:grpSpPr>
+      <p:sp useBgFill="1">
+        <p:nvSpPr>
+          <p:cNvPr id="10" name="Rectangle 9">
+            <a:extLst>
+              <a:ext uri="{FF2B5EF4-FFF2-40B4-BE49-F238E27FC236}">
+                <a16:creationId xmlns:a16="http://schemas.microsoft.com/office/drawing/2014/main" id="{8DCA3673-CDE4-40C5-9FA8-F89874CFBA73}"/>
+              </a:ext>
+              <a:ext uri="{C183D7F6-B498-43B3-948B-1728B52AA6E4}">
+                <adec:decorative xmlns:adec="http://schemas.microsoft.com/office/drawing/2017/decorative" val="1"/>
+              </a:ext>
+            </a:extLst>
+          </p:cNvPr>
+          <p:cNvSpPr>
+            <a:spLocks noGrp="1" noRot="1" noChangeAspect="1" noMove="1" noResize="1" noEditPoints="1" noAdjustHandles="1" noChangeArrowheads="1" noChangeShapeType="1" noTextEdit="1"/>
+          </p:cNvSpPr>
+          <p:nvPr>
+            <p:extLst>
+              <p:ext uri="{386F3935-93C4-4BCD-93E2-E3B085C9AB24}">
+                <p16:designElem xmlns:p16="http://schemas.microsoft.com/office/powerpoint/2015/main" val="1"/>
+              </p:ext>
+            </p:extLst>
+          </p:nvPr>
+        </p:nvSpPr>
+        <p:spPr>
+          <a:xfrm>
+            <a:off x="0" y="-1"/>
+            <a:ext cx="12188824" cy="6858001"/>
+          </a:xfrm>
+          <a:prstGeom prst="rect">
+            <a:avLst/>
+          </a:prstGeom>
+        </p:spPr>
+        <p:style>
+          <a:lnRef idx="2">
+            <a:schemeClr val="accent1">
+              <a:shade val="50000"/>
+            </a:schemeClr>
+          </a:lnRef>
+          <a:fillRef idx="1">
+            <a:schemeClr val="accent1"/>
+          </a:fillRef>
+          <a:effectRef idx="0">
+            <a:schemeClr val="accent1"/>
+          </a:effectRef>
+          <a:fontRef idx="minor">
+            <a:schemeClr val="lt1"/>
+          </a:fontRef>
+        </p:style>
+        <p:txBody>
+          <a:bodyPr rtlCol="0" anchor="ctr"/>
+          <a:lstStyle/>
+          <a:p>
+            <a:pPr algn="ctr"/>
+            <a:endParaRPr lang="en-US"/>
+          </a:p>
+        </p:txBody>
+      </p:sp>
+      <p:pic>
+        <p:nvPicPr>
+          <p:cNvPr id="12" name="Picture 11">
+            <a:extLst>
+              <a:ext uri="{FF2B5EF4-FFF2-40B4-BE49-F238E27FC236}">
+                <a16:creationId xmlns:a16="http://schemas.microsoft.com/office/drawing/2014/main" id="{95756E8F-499C-4533-BBE8-309C3E8D985C}"/>
+              </a:ext>
+              <a:ext uri="{C183D7F6-B498-43B3-948B-1728B52AA6E4}">
+                <adec:decorative xmlns:adec="http://schemas.microsoft.com/office/drawing/2017/decorative" val="1"/>
+              </a:ext>
+            </a:extLst>
+          </p:cNvPr>
+          <p:cNvPicPr>
+            <a:picLocks noGrp="1" noRot="1" noChangeAspect="1" noMove="1" noResize="1" noEditPoints="1" noAdjustHandles="1" noChangeArrowheads="1" noChangeShapeType="1" noCrop="1"/>
+          </p:cNvPicPr>
+          <p:nvPr>
+            <p:extLst>
+              <p:ext uri="{386F3935-93C4-4BCD-93E2-E3B085C9AB24}">
+                <p16:designElem xmlns:p16="http://schemas.microsoft.com/office/powerpoint/2015/main" val="1"/>
+              </p:ext>
+            </p:extLst>
+          </p:nvPr>
+        </p:nvPicPr>
+        <p:blipFill>
+          <a:blip r:embed="rId3">
+            <a:alphaModFix amt="10000"/>
+            <a:extLst>
+              <a:ext uri="{28A0092B-C50C-407E-A947-70E740481C1C}">
+                <a14:useLocalDpi xmlns:a14="http://schemas.microsoft.com/office/drawing/2010/main" val="0"/>
+              </a:ext>
+            </a:extLst>
+          </a:blip>
+          <a:stretch>
+            <a:fillRect/>
+          </a:stretch>
+        </p:blipFill>
+        <p:spPr>
+          <a:xfrm>
+            <a:off x="-3176" y="0"/>
+            <a:ext cx="12192000" cy="6858000"/>
+          </a:xfrm>
+          <a:prstGeom prst="rect">
+            <a:avLst/>
+          </a:prstGeom>
+        </p:spPr>
+      </p:pic>
+      <p:sp>
+        <p:nvSpPr>
+          <p:cNvPr id="14" name="Rectangle 13">
+            <a:extLst>
+              <a:ext uri="{FF2B5EF4-FFF2-40B4-BE49-F238E27FC236}">
+                <a16:creationId xmlns:a16="http://schemas.microsoft.com/office/drawing/2014/main" id="{0FFFD040-32A9-4D2B-86CA-599D030A4161}"/>
+              </a:ext>
+              <a:ext uri="{C183D7F6-B498-43B3-948B-1728B52AA6E4}">
+                <adec:decorative xmlns:adec="http://schemas.microsoft.com/office/drawing/2017/decorative" val="1"/>
+              </a:ext>
+            </a:extLst>
+          </p:cNvPr>
+          <p:cNvSpPr>
+            <a:spLocks noGrp="1" noRot="1" noChangeAspect="1" noMove="1" noResize="1" noEditPoints="1" noAdjustHandles="1" noChangeArrowheads="1" noChangeShapeType="1" noTextEdit="1"/>
+          </p:cNvSpPr>
+          <p:nvPr>
+            <p:extLst>
+              <p:ext uri="{386F3935-93C4-4BCD-93E2-E3B085C9AB24}">
+                <p16:designElem xmlns:p16="http://schemas.microsoft.com/office/powerpoint/2015/main" val="1"/>
+              </p:ext>
+            </p:extLst>
+          </p:nvPr>
+        </p:nvSpPr>
+        <p:spPr>
+          <a:xfrm>
+            <a:off x="4639056" y="0"/>
+            <a:ext cx="7552944" cy="6858001"/>
+          </a:xfrm>
+          <a:prstGeom prst="rect">
+            <a:avLst/>
+          </a:prstGeom>
+          <a:ln>
+            <a:noFill/>
+          </a:ln>
+        </p:spPr>
+        <p:style>
+          <a:lnRef idx="2">
+            <a:schemeClr val="accent1">
+              <a:shade val="50000"/>
+            </a:schemeClr>
+          </a:lnRef>
+          <a:fillRef idx="1">
+            <a:schemeClr val="accent1"/>
+          </a:fillRef>
+          <a:effectRef idx="0">
+            <a:schemeClr val="accent1"/>
+          </a:effectRef>
+          <a:fontRef idx="minor">
+            <a:schemeClr val="lt1"/>
+          </a:fontRef>
+        </p:style>
+        <p:txBody>
+          <a:bodyPr rtlCol="0" anchor="ctr"/>
+          <a:lstStyle/>
+          <a:p>
+            <a:pPr algn="ctr"/>
+            <a:endParaRPr lang="en-US"/>
+          </a:p>
+        </p:txBody>
+      </p:sp>
+      <p:sp>
+        <p:nvSpPr>
+          <p:cNvPr id="16" name="Rectangle 15">
+            <a:extLst>
+              <a:ext uri="{FF2B5EF4-FFF2-40B4-BE49-F238E27FC236}">
+                <a16:creationId xmlns:a16="http://schemas.microsoft.com/office/drawing/2014/main" id="{863205CA-B7FF-4C25-A4C8-3BBBCE19D950}"/>
+              </a:ext>
+              <a:ext uri="{C183D7F6-B498-43B3-948B-1728B52AA6E4}">
+                <adec:decorative xmlns:adec="http://schemas.microsoft.com/office/drawing/2017/decorative" val="1"/>
+              </a:ext>
+            </a:extLst>
+          </p:cNvPr>
+          <p:cNvSpPr>
+            <a:spLocks noGrp="1" noRot="1" noChangeAspect="1" noMove="1" noResize="1" noEditPoints="1" noAdjustHandles="1" noChangeArrowheads="1" noChangeShapeType="1" noTextEdit="1"/>
+          </p:cNvSpPr>
+          <p:nvPr>
+            <p:extLst>
+              <p:ext uri="{386F3935-93C4-4BCD-93E2-E3B085C9AB24}">
+                <p16:designElem xmlns:p16="http://schemas.microsoft.com/office/powerpoint/2015/main" val="1"/>
+              </p:ext>
+            </p:extLst>
+          </p:nvPr>
+        </p:nvSpPr>
+        <p:spPr bwMode="grayWhite">
+          <a:xfrm>
+            <a:off x="2" y="609600"/>
+            <a:ext cx="4959094" cy="1368198"/>
+          </a:xfrm>
+          <a:prstGeom prst="rect">
+            <a:avLst/>
+          </a:prstGeom>
+          <a:solidFill>
+            <a:schemeClr val="bg1">
+              <a:lumMod val="85000"/>
+              <a:lumOff val="15000"/>
+            </a:schemeClr>
+          </a:solidFill>
+          <a:ln>
+            <a:noFill/>
+          </a:ln>
+        </p:spPr>
+        <p:style>
+          <a:lnRef idx="2">
+            <a:schemeClr val="accent1">
+              <a:shade val="50000"/>
+            </a:schemeClr>
+          </a:lnRef>
+          <a:fillRef idx="1">
+            <a:schemeClr val="accent1"/>
+          </a:fillRef>
+          <a:effectRef idx="0">
+            <a:schemeClr val="accent1"/>
+          </a:effectRef>
+          <a:fontRef idx="minor">
+            <a:schemeClr val="lt1"/>
+          </a:fontRef>
+        </p:style>
+        <p:txBody>
+          <a:bodyPr/>
+          <a:lstStyle/>
+          <a:p>
+            <a:endParaRPr lang="en-US"/>
+          </a:p>
+        </p:txBody>
+      </p:sp>
+      <p:sp>
+        <p:nvSpPr>
+          <p:cNvPr id="2" name="Title 1">
+            <a:extLst>
+              <a:ext uri="{FF2B5EF4-FFF2-40B4-BE49-F238E27FC236}">
                 <a16:creationId xmlns:a16="http://schemas.microsoft.com/office/drawing/2014/main" id="{0A5EF407-9380-58A2-3D6C-6A88BBA87E27}"/>
               </a:ext>
             </a:extLst>
@@ -9546,19 +16318,77 @@
             <p:ph type="title"/>
           </p:nvPr>
         </p:nvSpPr>
-        <p:spPr/>
+        <p:spPr>
+          <a:xfrm>
+            <a:off x="680321" y="753228"/>
+            <a:ext cx="4136123" cy="1080938"/>
+          </a:xfrm>
+        </p:spPr>
         <p:txBody>
-          <a:bodyPr/>
+          <a:bodyPr>
+            <a:normAutofit/>
+          </a:bodyPr>
           <a:lstStyle/>
           <a:p>
             <a:r>
-              <a:rPr lang="sk-SK" b="1" dirty="0"/>
+              <a:rPr lang="sk-SK" sz="2400" b="1">
+                <a:latin typeface="Arial" panose="020B0604020202020204" pitchFamily="34" charset="0"/>
+                <a:cs typeface="Arial" panose="020B0604020202020204" pitchFamily="34" charset="0"/>
+              </a:rPr>
               <a:t>PRODUKT</a:t>
             </a:r>
-            <a:endParaRPr lang="en-US" b="1" dirty="0"/>
+            <a:endParaRPr lang="en-US" sz="2400" b="1">
+              <a:latin typeface="Arial" panose="020B0604020202020204" pitchFamily="34" charset="0"/>
+              <a:cs typeface="Arial" panose="020B0604020202020204" pitchFamily="34" charset="0"/>
+            </a:endParaRPr>
           </a:p>
         </p:txBody>
       </p:sp>
+      <p:pic>
+        <p:nvPicPr>
+          <p:cNvPr id="18" name="Picture 17">
+            <a:extLst>
+              <a:ext uri="{FF2B5EF4-FFF2-40B4-BE49-F238E27FC236}">
+                <a16:creationId xmlns:a16="http://schemas.microsoft.com/office/drawing/2014/main" id="{306E3F32-3C1A-4B6E-AF26-8A15A788560F}"/>
+              </a:ext>
+              <a:ext uri="{C183D7F6-B498-43B3-948B-1728B52AA6E4}">
+                <adec:decorative xmlns:adec="http://schemas.microsoft.com/office/drawing/2017/decorative" val="1"/>
+              </a:ext>
+            </a:extLst>
+          </p:cNvPr>
+          <p:cNvPicPr>
+            <a:picLocks noGrp="1" noRot="1" noChangeAspect="1" noMove="1" noResize="1" noEditPoints="1" noAdjustHandles="1" noChangeArrowheads="1" noChangeShapeType="1" noCrop="1"/>
+          </p:cNvPicPr>
+          <p:nvPr>
+            <p:extLst>
+              <p:ext uri="{386F3935-93C4-4BCD-93E2-E3B085C9AB24}">
+                <p16:designElem xmlns:p16="http://schemas.microsoft.com/office/powerpoint/2015/main" val="1"/>
+              </p:ext>
+            </p:extLst>
+          </p:nvPr>
+        </p:nvPicPr>
+        <p:blipFill>
+          <a:blip r:embed="rId4">
+            <a:extLst>
+              <a:ext uri="{28A0092B-C50C-407E-A947-70E740481C1C}">
+                <a14:useLocalDpi xmlns:a14="http://schemas.microsoft.com/office/drawing/2010/main" val="0"/>
+              </a:ext>
+            </a:extLst>
+          </a:blip>
+          <a:stretch>
+            <a:fillRect/>
+          </a:stretch>
+        </p:blipFill>
+        <p:spPr>
+          <a:xfrm>
+            <a:off x="2" y="1970241"/>
+            <a:ext cx="4956048" cy="199787"/>
+          </a:xfrm>
+          <a:prstGeom prst="rect">
+            <a:avLst/>
+          </a:prstGeom>
+        </p:spPr>
+      </p:pic>
       <p:sp>
         <p:nvSpPr>
           <p:cNvPr id="3" name="Content Placeholder 2">
@@ -9575,31 +16405,26 @@
             <p:ph idx="1"/>
           </p:nvPr>
         </p:nvSpPr>
-        <p:spPr/>
+        <p:spPr>
+          <a:xfrm>
+            <a:off x="680321" y="2336873"/>
+            <a:ext cx="3656289" cy="3599316"/>
+          </a:xfrm>
+        </p:spPr>
         <p:txBody>
-          <a:bodyPr/>
+          <a:bodyPr>
+            <a:normAutofit/>
+          </a:bodyPr>
           <a:lstStyle/>
           <a:p>
             <a:r>
-              <a:rPr lang="sk-SK" b="1" dirty="0">
-                <a:solidFill>
-                  <a:schemeClr val="bg1">
-                    <a:lumMod val="95000"/>
-                    <a:lumOff val="5000"/>
-                  </a:schemeClr>
-                </a:solidFill>
+              <a:rPr lang="sk-SK" sz="2800" b="1" dirty="0">
                 <a:latin typeface="Arial" panose="020B0604020202020204" pitchFamily="34" charset="0"/>
                 <a:cs typeface="Arial" panose="020B0604020202020204" pitchFamily="34" charset="0"/>
               </a:rPr>
               <a:t>Použité zariadenia</a:t>
             </a:r>
-            <a:endParaRPr lang="en-US" b="1" dirty="0">
-              <a:solidFill>
-                <a:schemeClr val="bg1">
-                  <a:lumMod val="95000"/>
-                  <a:lumOff val="5000"/>
-                </a:schemeClr>
-              </a:solidFill>
+            <a:endParaRPr lang="en-US" sz="2800" b="1" dirty="0">
               <a:latin typeface="Arial" panose="020B0604020202020204" pitchFamily="34" charset="0"/>
               <a:cs typeface="Arial" panose="020B0604020202020204" pitchFamily="34" charset="0"/>
             </a:endParaRPr>
@@ -9621,7 +16446,7 @@
           <p:nvPr/>
         </p:nvPicPr>
         <p:blipFill>
-          <a:blip r:embed="rId3" cstate="print">
+          <a:blip r:embed="rId5" cstate="print">
             <a:extLst>
               <a:ext uri="{28A0092B-C50C-407E-A947-70E740481C1C}">
                 <a14:useLocalDpi xmlns:a14="http://schemas.microsoft.com/office/drawing/2010/main" val="0"/>
@@ -9634,12 +16459,22 @@
         </p:blipFill>
         <p:spPr>
           <a:xfrm>
-            <a:off x="2947706" y="2960178"/>
-            <a:ext cx="6296588" cy="3144594"/>
+            <a:off x="5276090" y="1885141"/>
+            <a:ext cx="6269479" cy="3087718"/>
           </a:xfrm>
           <a:prstGeom prst="rect">
             <a:avLst/>
           </a:prstGeom>
+          <a:ln>
+            <a:noFill/>
+          </a:ln>
+          <a:effectLst>
+            <a:outerShdw blurRad="76200" dist="63500" dir="5040000" algn="tl" rotWithShape="0">
+              <a:srgbClr val="000000">
+                <a:alpha val="41000"/>
+              </a:srgbClr>
+            </a:outerShdw>
+          </a:effectLst>
         </p:spPr>
       </p:pic>
       <p:sp>
@@ -9656,30 +16491,44 @@
         </p:nvSpPr>
         <p:spPr>
           <a:xfrm>
-            <a:off x="5088193" y="6303537"/>
-            <a:ext cx="2015613" cy="276999"/>
+            <a:off x="5276090" y="4664088"/>
+            <a:ext cx="6269479" cy="308771"/>
           </a:xfrm>
           <a:prstGeom prst="rect">
             <a:avLst/>
           </a:prstGeom>
-          <a:noFill/>
+          <a:solidFill>
+            <a:srgbClr val="000000">
+              <a:alpha val="50000"/>
+            </a:srgbClr>
+          </a:solidFill>
+          <a:ln>
+            <a:noFill/>
+          </a:ln>
         </p:spPr>
         <p:txBody>
           <a:bodyPr wrap="square" rtlCol="0">
-            <a:spAutoFit/>
+            <a:noAutofit/>
           </a:bodyPr>
           <a:lstStyle/>
           <a:p>
+            <a:pPr algn="ctr">
+              <a:spcAft>
+                <a:spcPts val="600"/>
+              </a:spcAft>
+            </a:pPr>
             <a:r>
-              <a:rPr lang="sk-SK" sz="1200" dirty="0">
-                <a:latin typeface="Arial" panose="020B0604020202020204" pitchFamily="34" charset="0"/>
-                <a:cs typeface="Arial" panose="020B0604020202020204" pitchFamily="34" charset="0"/>
+              <a:rPr lang="sk-SK" sz="1300">
+                <a:solidFill>
+                  <a:srgbClr val="FFFFFF"/>
+                </a:solidFill>
               </a:rPr>
               <a:t>Finálna verzia konfigurácie</a:t>
             </a:r>
-            <a:endParaRPr lang="en-US" sz="1200" dirty="0">
-              <a:latin typeface="Arial" panose="020B0604020202020204" pitchFamily="34" charset="0"/>
-              <a:cs typeface="Arial" panose="020B0604020202020204" pitchFamily="34" charset="0"/>
+            <a:endParaRPr lang="en-US" sz="1300">
+              <a:solidFill>
+                <a:srgbClr val="FFFFFF"/>
+              </a:solidFill>
             </a:endParaRPr>
           </a:p>
         </p:txBody>
@@ -9688,197 +16537,6 @@
     <p:extLst>
       <p:ext uri="{BB962C8B-B14F-4D97-AF65-F5344CB8AC3E}">
         <p14:creationId xmlns:p14="http://schemas.microsoft.com/office/powerpoint/2010/main" val="1196176105"/>
-      </p:ext>
-    </p:extLst>
-  </p:cSld>
-  <p:clrMapOvr>
-    <a:masterClrMapping/>
-  </p:clrMapOvr>
-</p:sld>
-</file>
-
-<file path=ppt/slides/slide7.xml><?xml version="1.0" encoding="utf-8"?>
-<p:sld xmlns:a="http://schemas.openxmlformats.org/drawingml/2006/main" xmlns:r="http://schemas.openxmlformats.org/officeDocument/2006/relationships" xmlns:p="http://schemas.openxmlformats.org/presentationml/2006/main">
-  <p:cSld>
-    <p:spTree>
-      <p:nvGrpSpPr>
-        <p:cNvPr id="1" name=""/>
-        <p:cNvGrpSpPr/>
-        <p:nvPr/>
-      </p:nvGrpSpPr>
-      <p:grpSpPr>
-        <a:xfrm>
-          <a:off x="0" y="0"/>
-          <a:ext cx="0" cy="0"/>
-          <a:chOff x="0" y="0"/>
-          <a:chExt cx="0" cy="0"/>
-        </a:xfrm>
-      </p:grpSpPr>
-      <p:sp>
-        <p:nvSpPr>
-          <p:cNvPr id="2" name="Title 1">
-            <a:extLst>
-              <a:ext uri="{FF2B5EF4-FFF2-40B4-BE49-F238E27FC236}">
-                <a16:creationId xmlns:a16="http://schemas.microsoft.com/office/drawing/2014/main" id="{047C871B-5C80-6348-58E4-ED1385E3A200}"/>
-              </a:ext>
-            </a:extLst>
-          </p:cNvPr>
-          <p:cNvSpPr>
-            <a:spLocks noGrp="1"/>
-          </p:cNvSpPr>
-          <p:nvPr>
-            <p:ph type="title"/>
-          </p:nvPr>
-        </p:nvSpPr>
-        <p:spPr/>
-        <p:txBody>
-          <a:bodyPr/>
-          <a:lstStyle/>
-          <a:p>
-            <a:r>
-              <a:rPr lang="sk-SK" dirty="0"/>
-              <a:t>PRODUKT</a:t>
-            </a:r>
-            <a:endParaRPr lang="en-US" dirty="0"/>
-          </a:p>
-        </p:txBody>
-      </p:sp>
-      <p:sp>
-        <p:nvSpPr>
-          <p:cNvPr id="3" name="Content Placeholder 2">
-            <a:extLst>
-              <a:ext uri="{FF2B5EF4-FFF2-40B4-BE49-F238E27FC236}">
-                <a16:creationId xmlns:a16="http://schemas.microsoft.com/office/drawing/2014/main" id="{E38BF4AA-FCB7-4AF5-17E8-9F3307A78B67}"/>
-              </a:ext>
-            </a:extLst>
-          </p:cNvPr>
-          <p:cNvSpPr>
-            <a:spLocks noGrp="1"/>
-          </p:cNvSpPr>
-          <p:nvPr>
-            <p:ph idx="1"/>
-          </p:nvPr>
-        </p:nvSpPr>
-        <p:spPr/>
-        <p:txBody>
-          <a:bodyPr/>
-          <a:lstStyle/>
-          <a:p>
-            <a:r>
-              <a:rPr lang="sk-SK" b="1" dirty="0">
-                <a:solidFill>
-                  <a:schemeClr val="bg1">
-                    <a:lumMod val="95000"/>
-                    <a:lumOff val="5000"/>
-                  </a:schemeClr>
-                </a:solidFill>
-              </a:rPr>
-              <a:t>Subnetting</a:t>
-            </a:r>
-            <a:endParaRPr lang="en-US" b="1" dirty="0">
-              <a:solidFill>
-                <a:schemeClr val="bg1">
-                  <a:lumMod val="95000"/>
-                  <a:lumOff val="5000"/>
-                </a:schemeClr>
-              </a:solidFill>
-            </a:endParaRPr>
-          </a:p>
-        </p:txBody>
-      </p:sp>
-      <p:pic>
-        <p:nvPicPr>
-          <p:cNvPr id="2050" name="Picture 2" descr="What is Subnetting?">
-            <a:extLst>
-              <a:ext uri="{FF2B5EF4-FFF2-40B4-BE49-F238E27FC236}">
-                <a16:creationId xmlns:a16="http://schemas.microsoft.com/office/drawing/2014/main" id="{87530661-6CF7-FA1C-B598-F52FF7D4F16B}"/>
-              </a:ext>
-            </a:extLst>
-          </p:cNvPr>
-          <p:cNvPicPr>
-            <a:picLocks noChangeAspect="1" noChangeArrowheads="1"/>
-          </p:cNvPicPr>
-          <p:nvPr/>
-        </p:nvPicPr>
-        <p:blipFill>
-          <a:blip r:embed="rId2">
-            <a:extLst>
-              <a:ext uri="{28A0092B-C50C-407E-A947-70E740481C1C}">
-                <a14:useLocalDpi xmlns:a14="http://schemas.microsoft.com/office/drawing/2010/main" val="0"/>
-              </a:ext>
-            </a:extLst>
-          </a:blip>
-          <a:srcRect/>
-          <a:stretch>
-            <a:fillRect/>
-          </a:stretch>
-        </p:blipFill>
-        <p:spPr bwMode="auto">
-          <a:xfrm>
-            <a:off x="1393344" y="2852467"/>
-            <a:ext cx="8187813" cy="3083722"/>
-          </a:xfrm>
-          <a:prstGeom prst="rect">
-            <a:avLst/>
-          </a:prstGeom>
-          <a:noFill/>
-          <a:extLst>
-            <a:ext uri="{909E8E84-426E-40DD-AFC4-6F175D3DCCD1}">
-              <a14:hiddenFill xmlns:a14="http://schemas.microsoft.com/office/drawing/2010/main">
-                <a:solidFill>
-                  <a:srgbClr val="FFFFFF"/>
-                </a:solidFill>
-              </a14:hiddenFill>
-            </a:ext>
-          </a:extLst>
-        </p:spPr>
-      </p:pic>
-      <p:sp>
-        <p:nvSpPr>
-          <p:cNvPr id="4" name="TextBox 3">
-            <a:extLst>
-              <a:ext uri="{FF2B5EF4-FFF2-40B4-BE49-F238E27FC236}">
-                <a16:creationId xmlns:a16="http://schemas.microsoft.com/office/drawing/2014/main" id="{6004DAFF-FC1A-C23E-C4D6-94D096A3B686}"/>
-              </a:ext>
-            </a:extLst>
-          </p:cNvPr>
-          <p:cNvSpPr txBox="1"/>
-          <p:nvPr/>
-        </p:nvSpPr>
-        <p:spPr>
-          <a:xfrm>
-            <a:off x="4574756" y="6174784"/>
-            <a:ext cx="1824987" cy="276999"/>
-          </a:xfrm>
-          <a:prstGeom prst="rect">
-            <a:avLst/>
-          </a:prstGeom>
-          <a:noFill/>
-        </p:spPr>
-        <p:txBody>
-          <a:bodyPr wrap="none" rtlCol="0">
-            <a:spAutoFit/>
-          </a:bodyPr>
-          <a:lstStyle/>
-          <a:p>
-            <a:r>
-              <a:rPr lang="sk-SK" sz="1200" dirty="0">
-                <a:latin typeface="Arial" panose="020B0604020202020204" pitchFamily="34" charset="0"/>
-                <a:cs typeface="Arial" panose="020B0604020202020204" pitchFamily="34" charset="0"/>
-              </a:rPr>
-              <a:t>Vizualizácia subnettingu</a:t>
-            </a:r>
-            <a:endParaRPr lang="en-US" sz="1200" dirty="0">
-              <a:latin typeface="Arial" panose="020B0604020202020204" pitchFamily="34" charset="0"/>
-              <a:cs typeface="Arial" panose="020B0604020202020204" pitchFamily="34" charset="0"/>
-            </a:endParaRPr>
-          </a:p>
-        </p:txBody>
-      </p:sp>
-    </p:spTree>
-    <p:extLst>
-      <p:ext uri="{BB962C8B-B14F-4D97-AF65-F5344CB8AC3E}">
-        <p14:creationId xmlns:p14="http://schemas.microsoft.com/office/powerpoint/2010/main" val="3295964590"/>
       </p:ext>
     </p:extLst>
   </p:cSld>
@@ -9910,6 +16568,411 @@
           <p:cNvPr id="2" name="Title 1">
             <a:extLst>
               <a:ext uri="{FF2B5EF4-FFF2-40B4-BE49-F238E27FC236}">
+                <a16:creationId xmlns:a16="http://schemas.microsoft.com/office/drawing/2014/main" id="{047C871B-5C80-6348-58E4-ED1385E3A200}"/>
+              </a:ext>
+            </a:extLst>
+          </p:cNvPr>
+          <p:cNvSpPr>
+            <a:spLocks noGrp="1"/>
+          </p:cNvSpPr>
+          <p:nvPr>
+            <p:ph type="title"/>
+          </p:nvPr>
+        </p:nvSpPr>
+        <p:spPr/>
+        <p:txBody>
+          <a:bodyPr/>
+          <a:lstStyle/>
+          <a:p>
+            <a:r>
+              <a:rPr lang="sk-SK" b="1" dirty="0">
+                <a:latin typeface="Arial" panose="020B0604020202020204" pitchFamily="34" charset="0"/>
+                <a:cs typeface="Arial" panose="020B0604020202020204" pitchFamily="34" charset="0"/>
+              </a:rPr>
+              <a:t>PRODUKT</a:t>
+            </a:r>
+            <a:endParaRPr lang="en-US" b="1" dirty="0">
+              <a:latin typeface="Arial" panose="020B0604020202020204" pitchFamily="34" charset="0"/>
+              <a:cs typeface="Arial" panose="020B0604020202020204" pitchFamily="34" charset="0"/>
+            </a:endParaRPr>
+          </a:p>
+        </p:txBody>
+      </p:sp>
+      <p:sp>
+        <p:nvSpPr>
+          <p:cNvPr id="3" name="Content Placeholder 2">
+            <a:extLst>
+              <a:ext uri="{FF2B5EF4-FFF2-40B4-BE49-F238E27FC236}">
+                <a16:creationId xmlns:a16="http://schemas.microsoft.com/office/drawing/2014/main" id="{E38BF4AA-FCB7-4AF5-17E8-9F3307A78B67}"/>
+              </a:ext>
+            </a:extLst>
+          </p:cNvPr>
+          <p:cNvSpPr>
+            <a:spLocks noGrp="1"/>
+          </p:cNvSpPr>
+          <p:nvPr>
+            <p:ph idx="1"/>
+          </p:nvPr>
+        </p:nvSpPr>
+        <p:spPr/>
+        <p:txBody>
+          <a:bodyPr/>
+          <a:lstStyle/>
+          <a:p>
+            <a:r>
+              <a:rPr lang="sk-SK" sz="3600" b="1" dirty="0">
+                <a:latin typeface="Arial" panose="020B0604020202020204" pitchFamily="34" charset="0"/>
+                <a:cs typeface="Arial" panose="020B0604020202020204" pitchFamily="34" charset="0"/>
+              </a:rPr>
+              <a:t>Subnetting</a:t>
+            </a:r>
+            <a:endParaRPr lang="en-US" sz="3600" b="1" dirty="0">
+              <a:latin typeface="Arial" panose="020B0604020202020204" pitchFamily="34" charset="0"/>
+              <a:cs typeface="Arial" panose="020B0604020202020204" pitchFamily="34" charset="0"/>
+            </a:endParaRPr>
+          </a:p>
+          <a:p>
+            <a:r>
+              <a:rPr lang="en-US" sz="3600" b="1" dirty="0">
+                <a:latin typeface="Arial" panose="020B0604020202020204" pitchFamily="34" charset="0"/>
+                <a:cs typeface="Arial" panose="020B0604020202020204" pitchFamily="34" charset="0"/>
+              </a:rPr>
+              <a:t>Po</a:t>
+            </a:r>
+            <a:r>
+              <a:rPr lang="sk-SK" sz="3600" b="1" dirty="0">
+                <a:latin typeface="Arial" panose="020B0604020202020204" pitchFamily="34" charset="0"/>
+                <a:cs typeface="Arial" panose="020B0604020202020204" pitchFamily="34" charset="0"/>
+              </a:rPr>
+              <a:t>čet subnetov</a:t>
+            </a:r>
+            <a:endParaRPr lang="en-US" sz="3600" b="1" dirty="0">
+              <a:latin typeface="Arial" panose="020B0604020202020204" pitchFamily="34" charset="0"/>
+              <a:cs typeface="Arial" panose="020B0604020202020204" pitchFamily="34" charset="0"/>
+            </a:endParaRPr>
+          </a:p>
+          <a:p>
+            <a:r>
+              <a:rPr lang="en-US" sz="3600" b="1" dirty="0">
+                <a:latin typeface="Arial" panose="020B0604020202020204" pitchFamily="34" charset="0"/>
+                <a:cs typeface="Arial" panose="020B0604020202020204" pitchFamily="34" charset="0"/>
+              </a:rPr>
+              <a:t>Block size</a:t>
+            </a:r>
+          </a:p>
+          <a:p>
+            <a:pPr marL="0" indent="0">
+              <a:buNone/>
+            </a:pPr>
+            <a:endParaRPr lang="en-US" b="1" dirty="0">
+              <a:solidFill>
+                <a:schemeClr val="bg1">
+                  <a:lumMod val="95000"/>
+                  <a:lumOff val="5000"/>
+                </a:schemeClr>
+              </a:solidFill>
+            </a:endParaRPr>
+          </a:p>
+        </p:txBody>
+      </p:sp>
+    </p:spTree>
+    <p:extLst>
+      <p:ext uri="{BB962C8B-B14F-4D97-AF65-F5344CB8AC3E}">
+        <p14:creationId xmlns:p14="http://schemas.microsoft.com/office/powerpoint/2010/main" val="3295964590"/>
+      </p:ext>
+    </p:extLst>
+  </p:cSld>
+  <p:clrMapOvr>
+    <a:masterClrMapping/>
+  </p:clrMapOvr>
+</p:sld>
+</file>
+
+<file path=ppt/slides/slide9.xml><?xml version="1.0" encoding="utf-8"?>
+<p:sld xmlns:a="http://schemas.openxmlformats.org/drawingml/2006/main" xmlns:r="http://schemas.openxmlformats.org/officeDocument/2006/relationships" xmlns:p="http://schemas.openxmlformats.org/presentationml/2006/main">
+  <p:cSld>
+    <p:bg>
+      <p:bgPr>
+        <a:gradFill rotWithShape="1">
+          <a:gsLst>
+            <a:gs pos="0">
+              <a:schemeClr val="bg2">
+                <a:tint val="96000"/>
+                <a:shade val="100000"/>
+                <a:hueMod val="92000"/>
+                <a:satMod val="200000"/>
+                <a:lumMod val="128000"/>
+              </a:schemeClr>
+            </a:gs>
+            <a:gs pos="50000">
+              <a:schemeClr val="bg2">
+                <a:shade val="100000"/>
+                <a:hueMod val="100000"/>
+                <a:satMod val="110000"/>
+                <a:lumMod val="130000"/>
+              </a:schemeClr>
+            </a:gs>
+            <a:gs pos="100000">
+              <a:schemeClr val="bg2">
+                <a:shade val="78000"/>
+                <a:hueMod val="118000"/>
+                <a:satMod val="120000"/>
+                <a:lumMod val="69000"/>
+              </a:schemeClr>
+            </a:gs>
+          </a:gsLst>
+          <a:lin ang="2520000" scaled="0"/>
+        </a:gradFill>
+        <a:effectLst/>
+      </p:bgPr>
+    </p:bg>
+    <p:spTree>
+      <p:nvGrpSpPr>
+        <p:cNvPr id="1" name=""/>
+        <p:cNvGrpSpPr/>
+        <p:nvPr/>
+      </p:nvGrpSpPr>
+      <p:grpSpPr>
+        <a:xfrm>
+          <a:off x="0" y="0"/>
+          <a:ext cx="0" cy="0"/>
+          <a:chOff x="0" y="0"/>
+          <a:chExt cx="0" cy="0"/>
+        </a:xfrm>
+      </p:grpSpPr>
+      <p:sp useBgFill="1">
+        <p:nvSpPr>
+          <p:cNvPr id="10" name="Rectangle 9">
+            <a:extLst>
+              <a:ext uri="{FF2B5EF4-FFF2-40B4-BE49-F238E27FC236}">
+                <a16:creationId xmlns:a16="http://schemas.microsoft.com/office/drawing/2014/main" id="{8DCA3673-CDE4-40C5-9FA8-F89874CFBA73}"/>
+              </a:ext>
+              <a:ext uri="{C183D7F6-B498-43B3-948B-1728B52AA6E4}">
+                <adec:decorative xmlns:adec="http://schemas.microsoft.com/office/drawing/2017/decorative" val="1"/>
+              </a:ext>
+            </a:extLst>
+          </p:cNvPr>
+          <p:cNvSpPr>
+            <a:spLocks noGrp="1" noRot="1" noChangeAspect="1" noMove="1" noResize="1" noEditPoints="1" noAdjustHandles="1" noChangeArrowheads="1" noChangeShapeType="1" noTextEdit="1"/>
+          </p:cNvSpPr>
+          <p:nvPr>
+            <p:extLst>
+              <p:ext uri="{386F3935-93C4-4BCD-93E2-E3B085C9AB24}">
+                <p16:designElem xmlns:p16="http://schemas.microsoft.com/office/powerpoint/2015/main" val="1"/>
+              </p:ext>
+            </p:extLst>
+          </p:nvPr>
+        </p:nvSpPr>
+        <p:spPr>
+          <a:xfrm>
+            <a:off x="0" y="-1"/>
+            <a:ext cx="12188824" cy="6858001"/>
+          </a:xfrm>
+          <a:prstGeom prst="rect">
+            <a:avLst/>
+          </a:prstGeom>
+        </p:spPr>
+        <p:style>
+          <a:lnRef idx="2">
+            <a:schemeClr val="accent1">
+              <a:shade val="50000"/>
+            </a:schemeClr>
+          </a:lnRef>
+          <a:fillRef idx="1">
+            <a:schemeClr val="accent1"/>
+          </a:fillRef>
+          <a:effectRef idx="0">
+            <a:schemeClr val="accent1"/>
+          </a:effectRef>
+          <a:fontRef idx="minor">
+            <a:schemeClr val="lt1"/>
+          </a:fontRef>
+        </p:style>
+        <p:txBody>
+          <a:bodyPr rtlCol="0" anchor="ctr"/>
+          <a:lstStyle/>
+          <a:p>
+            <a:pPr algn="ctr"/>
+            <a:endParaRPr lang="en-US"/>
+          </a:p>
+        </p:txBody>
+      </p:sp>
+      <p:pic>
+        <p:nvPicPr>
+          <p:cNvPr id="12" name="Picture 11">
+            <a:extLst>
+              <a:ext uri="{FF2B5EF4-FFF2-40B4-BE49-F238E27FC236}">
+                <a16:creationId xmlns:a16="http://schemas.microsoft.com/office/drawing/2014/main" id="{95756E8F-499C-4533-BBE8-309C3E8D985C}"/>
+              </a:ext>
+              <a:ext uri="{C183D7F6-B498-43B3-948B-1728B52AA6E4}">
+                <adec:decorative xmlns:adec="http://schemas.microsoft.com/office/drawing/2017/decorative" val="1"/>
+              </a:ext>
+            </a:extLst>
+          </p:cNvPr>
+          <p:cNvPicPr>
+            <a:picLocks noGrp="1" noRot="1" noChangeAspect="1" noMove="1" noResize="1" noEditPoints="1" noAdjustHandles="1" noChangeArrowheads="1" noChangeShapeType="1" noCrop="1"/>
+          </p:cNvPicPr>
+          <p:nvPr>
+            <p:extLst>
+              <p:ext uri="{386F3935-93C4-4BCD-93E2-E3B085C9AB24}">
+                <p16:designElem xmlns:p16="http://schemas.microsoft.com/office/powerpoint/2015/main" val="1"/>
+              </p:ext>
+            </p:extLst>
+          </p:nvPr>
+        </p:nvPicPr>
+        <p:blipFill>
+          <a:blip r:embed="rId2">
+            <a:alphaModFix amt="10000"/>
+            <a:extLst>
+              <a:ext uri="{28A0092B-C50C-407E-A947-70E740481C1C}">
+                <a14:useLocalDpi xmlns:a14="http://schemas.microsoft.com/office/drawing/2010/main" val="0"/>
+              </a:ext>
+            </a:extLst>
+          </a:blip>
+          <a:stretch>
+            <a:fillRect/>
+          </a:stretch>
+        </p:blipFill>
+        <p:spPr>
+          <a:xfrm>
+            <a:off x="-3176" y="0"/>
+            <a:ext cx="12192000" cy="6858000"/>
+          </a:xfrm>
+          <a:prstGeom prst="rect">
+            <a:avLst/>
+          </a:prstGeom>
+        </p:spPr>
+      </p:pic>
+      <p:sp>
+        <p:nvSpPr>
+          <p:cNvPr id="14" name="Rectangle 13">
+            <a:extLst>
+              <a:ext uri="{FF2B5EF4-FFF2-40B4-BE49-F238E27FC236}">
+                <a16:creationId xmlns:a16="http://schemas.microsoft.com/office/drawing/2014/main" id="{0FFFD040-32A9-4D2B-86CA-599D030A4161}"/>
+              </a:ext>
+              <a:ext uri="{C183D7F6-B498-43B3-948B-1728B52AA6E4}">
+                <adec:decorative xmlns:adec="http://schemas.microsoft.com/office/drawing/2017/decorative" val="1"/>
+              </a:ext>
+            </a:extLst>
+          </p:cNvPr>
+          <p:cNvSpPr>
+            <a:spLocks noGrp="1" noRot="1" noChangeAspect="1" noMove="1" noResize="1" noEditPoints="1" noAdjustHandles="1" noChangeArrowheads="1" noChangeShapeType="1" noTextEdit="1"/>
+          </p:cNvSpPr>
+          <p:nvPr>
+            <p:extLst>
+              <p:ext uri="{386F3935-93C4-4BCD-93E2-E3B085C9AB24}">
+                <p16:designElem xmlns:p16="http://schemas.microsoft.com/office/powerpoint/2015/main" val="1"/>
+              </p:ext>
+            </p:extLst>
+          </p:nvPr>
+        </p:nvSpPr>
+        <p:spPr>
+          <a:xfrm>
+            <a:off x="4639056" y="0"/>
+            <a:ext cx="7552944" cy="6858001"/>
+          </a:xfrm>
+          <a:prstGeom prst="rect">
+            <a:avLst/>
+          </a:prstGeom>
+          <a:ln>
+            <a:noFill/>
+          </a:ln>
+        </p:spPr>
+        <p:style>
+          <a:lnRef idx="2">
+            <a:schemeClr val="accent1">
+              <a:shade val="50000"/>
+            </a:schemeClr>
+          </a:lnRef>
+          <a:fillRef idx="1">
+            <a:schemeClr val="accent1"/>
+          </a:fillRef>
+          <a:effectRef idx="0">
+            <a:schemeClr val="accent1"/>
+          </a:effectRef>
+          <a:fontRef idx="minor">
+            <a:schemeClr val="lt1"/>
+          </a:fontRef>
+        </p:style>
+        <p:txBody>
+          <a:bodyPr rtlCol="0" anchor="ctr"/>
+          <a:lstStyle/>
+          <a:p>
+            <a:pPr algn="ctr"/>
+            <a:endParaRPr lang="en-US"/>
+          </a:p>
+        </p:txBody>
+      </p:sp>
+      <p:sp>
+        <p:nvSpPr>
+          <p:cNvPr id="16" name="Rectangle 15">
+            <a:extLst>
+              <a:ext uri="{FF2B5EF4-FFF2-40B4-BE49-F238E27FC236}">
+                <a16:creationId xmlns:a16="http://schemas.microsoft.com/office/drawing/2014/main" id="{863205CA-B7FF-4C25-A4C8-3BBBCE19D950}"/>
+              </a:ext>
+              <a:ext uri="{C183D7F6-B498-43B3-948B-1728B52AA6E4}">
+                <adec:decorative xmlns:adec="http://schemas.microsoft.com/office/drawing/2017/decorative" val="1"/>
+              </a:ext>
+            </a:extLst>
+          </p:cNvPr>
+          <p:cNvSpPr>
+            <a:spLocks noGrp="1" noRot="1" noChangeAspect="1" noMove="1" noResize="1" noEditPoints="1" noAdjustHandles="1" noChangeArrowheads="1" noChangeShapeType="1" noTextEdit="1"/>
+          </p:cNvSpPr>
+          <p:nvPr>
+            <p:extLst>
+              <p:ext uri="{386F3935-93C4-4BCD-93E2-E3B085C9AB24}">
+                <p16:designElem xmlns:p16="http://schemas.microsoft.com/office/powerpoint/2015/main" val="1"/>
+              </p:ext>
+            </p:extLst>
+          </p:nvPr>
+        </p:nvSpPr>
+        <p:spPr bwMode="grayWhite">
+          <a:xfrm>
+            <a:off x="2" y="609600"/>
+            <a:ext cx="4959094" cy="1368198"/>
+          </a:xfrm>
+          <a:prstGeom prst="rect">
+            <a:avLst/>
+          </a:prstGeom>
+          <a:solidFill>
+            <a:schemeClr val="bg1">
+              <a:lumMod val="85000"/>
+              <a:lumOff val="15000"/>
+            </a:schemeClr>
+          </a:solidFill>
+          <a:ln>
+            <a:noFill/>
+          </a:ln>
+        </p:spPr>
+        <p:style>
+          <a:lnRef idx="2">
+            <a:schemeClr val="accent1">
+              <a:shade val="50000"/>
+            </a:schemeClr>
+          </a:lnRef>
+          <a:fillRef idx="1">
+            <a:schemeClr val="accent1"/>
+          </a:fillRef>
+          <a:effectRef idx="0">
+            <a:schemeClr val="accent1"/>
+          </a:effectRef>
+          <a:fontRef idx="minor">
+            <a:schemeClr val="lt1"/>
+          </a:fontRef>
+        </p:style>
+        <p:txBody>
+          <a:bodyPr/>
+          <a:lstStyle/>
+          <a:p>
+            <a:endParaRPr lang="en-US"/>
+          </a:p>
+        </p:txBody>
+      </p:sp>
+      <p:sp>
+        <p:nvSpPr>
+          <p:cNvPr id="2" name="Title 1">
+            <a:extLst>
+              <a:ext uri="{FF2B5EF4-FFF2-40B4-BE49-F238E27FC236}">
                 <a16:creationId xmlns:a16="http://schemas.microsoft.com/office/drawing/2014/main" id="{ACF51DA8-A4B2-E70A-7FCE-C87824B21A79}"/>
               </a:ext>
             </a:extLst>
@@ -9921,19 +16984,77 @@
             <p:ph type="title"/>
           </p:nvPr>
         </p:nvSpPr>
-        <p:spPr/>
+        <p:spPr>
+          <a:xfrm>
+            <a:off x="680321" y="753228"/>
+            <a:ext cx="4136123" cy="1080938"/>
+          </a:xfrm>
+        </p:spPr>
         <p:txBody>
-          <a:bodyPr/>
+          <a:bodyPr>
+            <a:normAutofit/>
+          </a:bodyPr>
           <a:lstStyle/>
           <a:p>
             <a:r>
-              <a:rPr lang="sk-SK" dirty="0"/>
+              <a:rPr lang="sk-SK" sz="2400" b="1">
+                <a:latin typeface="Arial" panose="020B0604020202020204" pitchFamily="34" charset="0"/>
+                <a:cs typeface="Arial" panose="020B0604020202020204" pitchFamily="34" charset="0"/>
+              </a:rPr>
               <a:t>PRODUKT</a:t>
             </a:r>
-            <a:endParaRPr lang="en-US" dirty="0"/>
+            <a:endParaRPr lang="en-US" sz="2400" b="1">
+              <a:latin typeface="Arial" panose="020B0604020202020204" pitchFamily="34" charset="0"/>
+              <a:cs typeface="Arial" panose="020B0604020202020204" pitchFamily="34" charset="0"/>
+            </a:endParaRPr>
           </a:p>
         </p:txBody>
       </p:sp>
+      <p:pic>
+        <p:nvPicPr>
+          <p:cNvPr id="18" name="Picture 17">
+            <a:extLst>
+              <a:ext uri="{FF2B5EF4-FFF2-40B4-BE49-F238E27FC236}">
+                <a16:creationId xmlns:a16="http://schemas.microsoft.com/office/drawing/2014/main" id="{306E3F32-3C1A-4B6E-AF26-8A15A788560F}"/>
+              </a:ext>
+              <a:ext uri="{C183D7F6-B498-43B3-948B-1728B52AA6E4}">
+                <adec:decorative xmlns:adec="http://schemas.microsoft.com/office/drawing/2017/decorative" val="1"/>
+              </a:ext>
+            </a:extLst>
+          </p:cNvPr>
+          <p:cNvPicPr>
+            <a:picLocks noGrp="1" noRot="1" noChangeAspect="1" noMove="1" noResize="1" noEditPoints="1" noAdjustHandles="1" noChangeArrowheads="1" noChangeShapeType="1" noCrop="1"/>
+          </p:cNvPicPr>
+          <p:nvPr>
+            <p:extLst>
+              <p:ext uri="{386F3935-93C4-4BCD-93E2-E3B085C9AB24}">
+                <p16:designElem xmlns:p16="http://schemas.microsoft.com/office/powerpoint/2015/main" val="1"/>
+              </p:ext>
+            </p:extLst>
+          </p:nvPr>
+        </p:nvPicPr>
+        <p:blipFill>
+          <a:blip r:embed="rId3">
+            <a:extLst>
+              <a:ext uri="{28A0092B-C50C-407E-A947-70E740481C1C}">
+                <a14:useLocalDpi xmlns:a14="http://schemas.microsoft.com/office/drawing/2010/main" val="0"/>
+              </a:ext>
+            </a:extLst>
+          </a:blip>
+          <a:stretch>
+            <a:fillRect/>
+          </a:stretch>
+        </p:blipFill>
+        <p:spPr>
+          <a:xfrm>
+            <a:off x="2" y="1970241"/>
+            <a:ext cx="4956048" cy="199787"/>
+          </a:xfrm>
+          <a:prstGeom prst="rect">
+            <a:avLst/>
+          </a:prstGeom>
+        </p:spPr>
+      </p:pic>
       <p:sp>
         <p:nvSpPr>
           <p:cNvPr id="3" name="Content Placeholder 2">
@@ -9950,29 +17071,46 @@
             <p:ph idx="1"/>
           </p:nvPr>
         </p:nvSpPr>
-        <p:spPr/>
+        <p:spPr>
+          <a:xfrm>
+            <a:off x="680321" y="2336873"/>
+            <a:ext cx="3656289" cy="3599316"/>
+          </a:xfrm>
+        </p:spPr>
         <p:txBody>
-          <a:bodyPr/>
+          <a:bodyPr>
+            <a:normAutofit/>
+          </a:bodyPr>
           <a:lstStyle/>
           <a:p>
             <a:r>
-              <a:rPr lang="sk-SK" b="1" dirty="0">
-                <a:solidFill>
-                  <a:schemeClr val="bg1">
-                    <a:lumMod val="95000"/>
-                    <a:lumOff val="5000"/>
-                  </a:schemeClr>
-                </a:solidFill>
+              <a:rPr lang="sk-SK" sz="2800" b="1" dirty="0">
+                <a:latin typeface="Arial" panose="020B0604020202020204" pitchFamily="34" charset="0"/>
+                <a:cs typeface="Arial" panose="020B0604020202020204" pitchFamily="34" charset="0"/>
               </a:rPr>
-              <a:t>Konfigurácia jednotlivých zariadení</a:t>
+              <a:t>Konfigurácia switchu</a:t>
             </a:r>
-            <a:endParaRPr lang="en-US" b="1" dirty="0">
-              <a:solidFill>
-                <a:schemeClr val="bg1">
-                  <a:lumMod val="95000"/>
-                  <a:lumOff val="5000"/>
-                </a:schemeClr>
-              </a:solidFill>
+          </a:p>
+          <a:p>
+            <a:r>
+              <a:rPr lang="sk-SK" sz="2800" b="1" dirty="0">
+                <a:latin typeface="Arial" panose="020B0604020202020204" pitchFamily="34" charset="0"/>
+                <a:cs typeface="Arial" panose="020B0604020202020204" pitchFamily="34" charset="0"/>
+              </a:rPr>
+              <a:t>Nastavenie access pointov</a:t>
+            </a:r>
+          </a:p>
+          <a:p>
+            <a:r>
+              <a:rPr lang="sk-SK" sz="2800" b="1" dirty="0">
+                <a:latin typeface="Arial" panose="020B0604020202020204" pitchFamily="34" charset="0"/>
+                <a:cs typeface="Arial" panose="020B0604020202020204" pitchFamily="34" charset="0"/>
+              </a:rPr>
+              <a:t>Konfigurácia routeru</a:t>
+            </a:r>
+            <a:endParaRPr lang="en-US" sz="2800" b="1" dirty="0">
+              <a:latin typeface="Arial" panose="020B0604020202020204" pitchFamily="34" charset="0"/>
+              <a:cs typeface="Arial" panose="020B0604020202020204" pitchFamily="34" charset="0"/>
             </a:endParaRPr>
           </a:p>
         </p:txBody>
@@ -9992,7 +17130,7 @@
           <p:nvPr/>
         </p:nvPicPr>
         <p:blipFill>
-          <a:blip r:embed="rId2" cstate="print">
+          <a:blip r:embed="rId4" cstate="print">
             <a:extLst>
               <a:ext uri="{28A0092B-C50C-407E-A947-70E740481C1C}">
                 <a14:useLocalDpi xmlns:a14="http://schemas.microsoft.com/office/drawing/2010/main" val="0"/>
@@ -10005,12 +17143,22 @@
         </p:blipFill>
         <p:spPr>
           <a:xfrm>
-            <a:off x="4518660" y="2857398"/>
-            <a:ext cx="3154680" cy="3168650"/>
+            <a:off x="5635854" y="640080"/>
+            <a:ext cx="5549950" cy="5577840"/>
           </a:xfrm>
           <a:prstGeom prst="rect">
             <a:avLst/>
           </a:prstGeom>
+          <a:ln>
+            <a:noFill/>
+          </a:ln>
+          <a:effectLst>
+            <a:outerShdw blurRad="76200" dist="63500" dir="5040000" algn="tl" rotWithShape="0">
+              <a:srgbClr val="000000">
+                <a:alpha val="41000"/>
+              </a:srgbClr>
+            </a:outerShdw>
+          </a:effectLst>
         </p:spPr>
       </p:pic>
       <p:sp>
@@ -10027,30 +17175,44 @@
         </p:nvSpPr>
         <p:spPr>
           <a:xfrm>
-            <a:off x="5594554" y="6179715"/>
-            <a:ext cx="1002891" cy="276999"/>
+            <a:off x="5635854" y="5660136"/>
+            <a:ext cx="5549950" cy="557784"/>
           </a:xfrm>
           <a:prstGeom prst="rect">
             <a:avLst/>
           </a:prstGeom>
-          <a:noFill/>
+          <a:solidFill>
+            <a:srgbClr val="000000">
+              <a:alpha val="50000"/>
+            </a:srgbClr>
+          </a:solidFill>
+          <a:ln>
+            <a:noFill/>
+          </a:ln>
         </p:spPr>
         <p:txBody>
           <a:bodyPr wrap="square" rtlCol="0">
-            <a:spAutoFit/>
+            <a:noAutofit/>
           </a:bodyPr>
           <a:lstStyle/>
           <a:p>
+            <a:pPr algn="ctr">
+              <a:spcAft>
+                <a:spcPts val="600"/>
+              </a:spcAft>
+            </a:pPr>
             <a:r>
-              <a:rPr lang="sk-SK" sz="1200" dirty="0">
-                <a:latin typeface="Arial" panose="020B0604020202020204" pitchFamily="34" charset="0"/>
-                <a:cs typeface="Arial" panose="020B0604020202020204" pitchFamily="34" charset="0"/>
+              <a:rPr lang="sk-SK" sz="1300">
+                <a:solidFill>
+                  <a:srgbClr val="FFFFFF"/>
+                </a:solidFill>
               </a:rPr>
               <a:t>CLI Switchu</a:t>
             </a:r>
-            <a:endParaRPr lang="en-US" sz="1200" dirty="0">
-              <a:latin typeface="Arial" panose="020B0604020202020204" pitchFamily="34" charset="0"/>
-              <a:cs typeface="Arial" panose="020B0604020202020204" pitchFamily="34" charset="0"/>
+            <a:endParaRPr lang="en-US" sz="1300">
+              <a:solidFill>
+                <a:srgbClr val="FFFFFF"/>
+              </a:solidFill>
             </a:endParaRPr>
           </a:p>
         </p:txBody>
@@ -10059,112 +17221,6 @@
     <p:extLst>
       <p:ext uri="{BB962C8B-B14F-4D97-AF65-F5344CB8AC3E}">
         <p14:creationId xmlns:p14="http://schemas.microsoft.com/office/powerpoint/2010/main" val="1460618723"/>
-      </p:ext>
-    </p:extLst>
-  </p:cSld>
-  <p:clrMapOvr>
-    <a:masterClrMapping/>
-  </p:clrMapOvr>
-</p:sld>
-</file>
-
-<file path=ppt/slides/slide9.xml><?xml version="1.0" encoding="utf-8"?>
-<p:sld xmlns:a="http://schemas.openxmlformats.org/drawingml/2006/main" xmlns:r="http://schemas.openxmlformats.org/officeDocument/2006/relationships" xmlns:p="http://schemas.openxmlformats.org/presentationml/2006/main">
-  <p:cSld>
-    <p:spTree>
-      <p:nvGrpSpPr>
-        <p:cNvPr id="1" name=""/>
-        <p:cNvGrpSpPr/>
-        <p:nvPr/>
-      </p:nvGrpSpPr>
-      <p:grpSpPr>
-        <a:xfrm>
-          <a:off x="0" y="0"/>
-          <a:ext cx="0" cy="0"/>
-          <a:chOff x="0" y="0"/>
-          <a:chExt cx="0" cy="0"/>
-        </a:xfrm>
-      </p:grpSpPr>
-      <p:sp>
-        <p:nvSpPr>
-          <p:cNvPr id="2" name="Title 1">
-            <a:extLst>
-              <a:ext uri="{FF2B5EF4-FFF2-40B4-BE49-F238E27FC236}">
-                <a16:creationId xmlns:a16="http://schemas.microsoft.com/office/drawing/2014/main" id="{D73D7C17-9075-D019-CFA0-5CD5C839713E}"/>
-              </a:ext>
-            </a:extLst>
-          </p:cNvPr>
-          <p:cNvSpPr>
-            <a:spLocks noGrp="1"/>
-          </p:cNvSpPr>
-          <p:nvPr>
-            <p:ph type="title"/>
-          </p:nvPr>
-        </p:nvSpPr>
-        <p:spPr/>
-        <p:txBody>
-          <a:bodyPr/>
-          <a:lstStyle/>
-          <a:p>
-            <a:r>
-              <a:rPr lang="sk-SK" b="1" dirty="0"/>
-              <a:t>ZÁVER</a:t>
-            </a:r>
-            <a:endParaRPr lang="en-US" b="1" dirty="0"/>
-          </a:p>
-        </p:txBody>
-      </p:sp>
-      <p:sp>
-        <p:nvSpPr>
-          <p:cNvPr id="3" name="Content Placeholder 2">
-            <a:extLst>
-              <a:ext uri="{FF2B5EF4-FFF2-40B4-BE49-F238E27FC236}">
-                <a16:creationId xmlns:a16="http://schemas.microsoft.com/office/drawing/2014/main" id="{2C99F5ED-839D-9B05-D833-0C279EBF1F66}"/>
-              </a:ext>
-            </a:extLst>
-          </p:cNvPr>
-          <p:cNvSpPr>
-            <a:spLocks noGrp="1"/>
-          </p:cNvSpPr>
-          <p:nvPr>
-            <p:ph idx="1"/>
-          </p:nvPr>
-        </p:nvSpPr>
-        <p:spPr/>
-        <p:txBody>
-          <a:bodyPr/>
-          <a:lstStyle/>
-          <a:p>
-            <a:r>
-              <a:rPr lang="sk-SK" b="1" dirty="0">
-                <a:solidFill>
-                  <a:schemeClr val="bg1">
-                    <a:lumMod val="95000"/>
-                    <a:lumOff val="5000"/>
-                  </a:schemeClr>
-                </a:solidFill>
-                <a:latin typeface="Arial" panose="020B0604020202020204" pitchFamily="34" charset="0"/>
-                <a:cs typeface="Arial" panose="020B0604020202020204" pitchFamily="34" charset="0"/>
-              </a:rPr>
-              <a:t>Čo som sa naučil z práce</a:t>
-            </a:r>
-            <a:endParaRPr lang="en-US" b="1" dirty="0">
-              <a:solidFill>
-                <a:schemeClr val="bg1">
-                  <a:lumMod val="95000"/>
-                  <a:lumOff val="5000"/>
-                </a:schemeClr>
-              </a:solidFill>
-              <a:latin typeface="Arial" panose="020B0604020202020204" pitchFamily="34" charset="0"/>
-              <a:cs typeface="Arial" panose="020B0604020202020204" pitchFamily="34" charset="0"/>
-            </a:endParaRPr>
-          </a:p>
-        </p:txBody>
-      </p:sp>
-    </p:spTree>
-    <p:extLst>
-      <p:ext uri="{BB962C8B-B14F-4D97-AF65-F5344CB8AC3E}">
-        <p14:creationId xmlns:p14="http://schemas.microsoft.com/office/powerpoint/2010/main" val="134623580"/>
       </p:ext>
     </p:extLst>
   </p:cSld>
